--- a/prog_help/EnthalpyDraw.pptx
+++ b/prog_help/EnthalpyDraw.pptx
@@ -6,18 +6,20 @@
   </p:sldMasterIdLst>
   <p:sldIdLst>
     <p:sldId id="266" r:id="rId2"/>
-    <p:sldId id="256" r:id="rId3"/>
-    <p:sldId id="257" r:id="rId4"/>
-    <p:sldId id="270" r:id="rId5"/>
-    <p:sldId id="271" r:id="rId6"/>
-    <p:sldId id="267" r:id="rId7"/>
-    <p:sldId id="260" r:id="rId8"/>
-    <p:sldId id="261" r:id="rId9"/>
-    <p:sldId id="264" r:id="rId10"/>
-    <p:sldId id="262" r:id="rId11"/>
-    <p:sldId id="268" r:id="rId12"/>
-    <p:sldId id="265" r:id="rId13"/>
-    <p:sldId id="269" r:id="rId14"/>
+    <p:sldId id="274" r:id="rId3"/>
+    <p:sldId id="273" r:id="rId4"/>
+    <p:sldId id="256" r:id="rId5"/>
+    <p:sldId id="257" r:id="rId6"/>
+    <p:sldId id="270" r:id="rId7"/>
+    <p:sldId id="271" r:id="rId8"/>
+    <p:sldId id="267" r:id="rId9"/>
+    <p:sldId id="260" r:id="rId10"/>
+    <p:sldId id="261" r:id="rId11"/>
+    <p:sldId id="272" r:id="rId12"/>
+    <p:sldId id="275" r:id="rId13"/>
+    <p:sldId id="262" r:id="rId14"/>
+    <p:sldId id="268" r:id="rId15"/>
+    <p:sldId id="276" r:id="rId16"/>
   </p:sldIdLst>
   <p:sldSz cx="9144000" cy="6858000" type="screen4x3"/>
   <p:notesSz cx="6858000" cy="9144000"/>
@@ -300,7 +302,7 @@
           <a:p>
             <a:fld id="{42968C2D-30BC-42AA-92C6-446775E33AE6}" type="datetimeFigureOut">
               <a:rPr lang="fr-FR" smtClean="0"/>
-              <a:t>06/12/2016</a:t>
+              <a:t>10/12/2016</a:t>
             </a:fld>
             <a:endParaRPr lang="fr-FR"/>
           </a:p>
@@ -470,7 +472,7 @@
           <a:p>
             <a:fld id="{42968C2D-30BC-42AA-92C6-446775E33AE6}" type="datetimeFigureOut">
               <a:rPr lang="fr-FR" smtClean="0"/>
-              <a:t>06/12/2016</a:t>
+              <a:t>10/12/2016</a:t>
             </a:fld>
             <a:endParaRPr lang="fr-FR"/>
           </a:p>
@@ -650,7 +652,7 @@
           <a:p>
             <a:fld id="{42968C2D-30BC-42AA-92C6-446775E33AE6}" type="datetimeFigureOut">
               <a:rPr lang="fr-FR" smtClean="0"/>
-              <a:t>06/12/2016</a:t>
+              <a:t>10/12/2016</a:t>
             </a:fld>
             <a:endParaRPr lang="fr-FR"/>
           </a:p>
@@ -820,7 +822,7 @@
           <a:p>
             <a:fld id="{42968C2D-30BC-42AA-92C6-446775E33AE6}" type="datetimeFigureOut">
               <a:rPr lang="fr-FR" smtClean="0"/>
-              <a:t>06/12/2016</a:t>
+              <a:t>10/12/2016</a:t>
             </a:fld>
             <a:endParaRPr lang="fr-FR"/>
           </a:p>
@@ -1066,7 +1068,7 @@
           <a:p>
             <a:fld id="{42968C2D-30BC-42AA-92C6-446775E33AE6}" type="datetimeFigureOut">
               <a:rPr lang="fr-FR" smtClean="0"/>
-              <a:t>06/12/2016</a:t>
+              <a:t>10/12/2016</a:t>
             </a:fld>
             <a:endParaRPr lang="fr-FR"/>
           </a:p>
@@ -1354,7 +1356,7 @@
           <a:p>
             <a:fld id="{42968C2D-30BC-42AA-92C6-446775E33AE6}" type="datetimeFigureOut">
               <a:rPr lang="fr-FR" smtClean="0"/>
-              <a:t>06/12/2016</a:t>
+              <a:t>10/12/2016</a:t>
             </a:fld>
             <a:endParaRPr lang="fr-FR"/>
           </a:p>
@@ -1776,7 +1778,7 @@
           <a:p>
             <a:fld id="{42968C2D-30BC-42AA-92C6-446775E33AE6}" type="datetimeFigureOut">
               <a:rPr lang="fr-FR" smtClean="0"/>
-              <a:t>06/12/2016</a:t>
+              <a:t>10/12/2016</a:t>
             </a:fld>
             <a:endParaRPr lang="fr-FR"/>
           </a:p>
@@ -1894,7 +1896,7 @@
           <a:p>
             <a:fld id="{42968C2D-30BC-42AA-92C6-446775E33AE6}" type="datetimeFigureOut">
               <a:rPr lang="fr-FR" smtClean="0"/>
-              <a:t>06/12/2016</a:t>
+              <a:t>10/12/2016</a:t>
             </a:fld>
             <a:endParaRPr lang="fr-FR"/>
           </a:p>
@@ -1989,7 +1991,7 @@
           <a:p>
             <a:fld id="{42968C2D-30BC-42AA-92C6-446775E33AE6}" type="datetimeFigureOut">
               <a:rPr lang="fr-FR" smtClean="0"/>
-              <a:t>06/12/2016</a:t>
+              <a:t>10/12/2016</a:t>
             </a:fld>
             <a:endParaRPr lang="fr-FR"/>
           </a:p>
@@ -2266,7 +2268,7 @@
           <a:p>
             <a:fld id="{42968C2D-30BC-42AA-92C6-446775E33AE6}" type="datetimeFigureOut">
               <a:rPr lang="fr-FR" smtClean="0"/>
-              <a:t>06/12/2016</a:t>
+              <a:t>10/12/2016</a:t>
             </a:fld>
             <a:endParaRPr lang="fr-FR"/>
           </a:p>
@@ -2519,7 +2521,7 @@
           <a:p>
             <a:fld id="{42968C2D-30BC-42AA-92C6-446775E33AE6}" type="datetimeFigureOut">
               <a:rPr lang="fr-FR" smtClean="0"/>
-              <a:t>06/12/2016</a:t>
+              <a:t>10/12/2016</a:t>
             </a:fld>
             <a:endParaRPr lang="fr-FR"/>
           </a:p>
@@ -2732,7 +2734,7 @@
           <a:p>
             <a:fld id="{42968C2D-30BC-42AA-92C6-446775E33AE6}" type="datetimeFigureOut">
               <a:rPr lang="fr-FR" smtClean="0"/>
-              <a:t>06/12/2016</a:t>
+              <a:t>10/12/2016</a:t>
             </a:fld>
             <a:endParaRPr lang="fr-FR"/>
           </a:p>
@@ -3115,8 +3117,8 @@
         </p:nvSpPr>
         <p:spPr>
           <a:xfrm>
-            <a:off x="1979712" y="2132856"/>
-            <a:ext cx="4752528" cy="1569660"/>
+            <a:off x="1259632" y="2132856"/>
+            <a:ext cx="6912768" cy="1569660"/>
           </a:xfrm>
           <a:prstGeom prst="rect">
             <a:avLst/>
@@ -3131,8 +3133,8 @@
           <a:p>
             <a:pPr algn="ctr"/>
             <a:r>
-              <a:rPr lang="fr-FR" sz="9600" dirty="0" smtClean="0"/>
-              <a:t>Move</a:t>
+              <a:rPr lang="fr-FR" sz="9600" dirty="0" err="1" smtClean="0"/>
+              <a:t>Coordinates</a:t>
             </a:r>
             <a:endParaRPr lang="fr-FR" sz="9600" dirty="0"/>
           </a:p>
@@ -3176,8 +3178,8 @@
         </p:nvSpPr>
         <p:spPr>
           <a:xfrm>
-            <a:off x="1157287" y="942974"/>
-            <a:ext cx="7796102" cy="4501087"/>
+            <a:off x="104300" y="942975"/>
+            <a:ext cx="4476750" cy="3409950"/>
           </a:xfrm>
           <a:prstGeom prst="rect">
             <a:avLst/>
@@ -3206,7 +3208,7 @@
           </a:bodyPr>
           <a:lstStyle/>
           <a:p>
-            <a:endParaRPr lang="fr-FR" dirty="0"/>
+            <a:endParaRPr lang="fr-FR"/>
           </a:p>
         </p:txBody>
       </p:sp>
@@ -3343,8 +3345,8 @@
         </p:nvCxnSpPr>
         <p:spPr>
           <a:xfrm>
-            <a:off x="2337035" y="2314575"/>
-            <a:ext cx="2746995" cy="0"/>
+            <a:off x="1284048" y="2314575"/>
+            <a:ext cx="1577405" cy="0"/>
           </a:xfrm>
           <a:prstGeom prst="straightConnector1">
             <a:avLst/>
@@ -3455,7 +3457,7 @@
           <a:p>
             <a:r>
               <a:rPr lang="fr-FR" dirty="0" smtClean="0"/>
-              <a:t>Echelle = X 2</a:t>
+              <a:t>Echelle = X 1</a:t>
             </a:r>
             <a:endParaRPr lang="fr-FR" dirty="0"/>
           </a:p>
@@ -3469,7 +3471,7 @@
         </p:nvSpPr>
         <p:spPr>
           <a:xfrm>
-            <a:off x="2337035" y="2511447"/>
+            <a:off x="1284048" y="2511447"/>
             <a:ext cx="911894" cy="369332"/>
           </a:xfrm>
           <a:prstGeom prst="rect">
@@ -3499,7 +3501,7 @@
         </p:nvSpPr>
         <p:spPr>
           <a:xfrm>
-            <a:off x="4572000" y="2490787"/>
+            <a:off x="2483888" y="2515875"/>
             <a:ext cx="755129" cy="372847"/>
           </a:xfrm>
           <a:prstGeom prst="rect">
@@ -3531,7 +3533,7 @@
         </p:nvSpPr>
         <p:spPr bwMode="auto">
           <a:xfrm>
-            <a:off x="559743" y="516697"/>
+            <a:off x="92768" y="531118"/>
             <a:ext cx="1535757" cy="295275"/>
           </a:xfrm>
           <a:prstGeom prst="rect">
@@ -3566,6 +3568,21 @@
               </a:spcAft>
             </a:pPr>
             <a:r>
+              <a:rPr kumimoji="0" lang="fr-FR" altLang="fr-FR" sz="1100" b="0" i="0" u="none" strike="noStrike" cap="none" normalizeH="0" baseline="0" dirty="0" err="1" smtClean="0">
+                <a:ln>
+                  <a:noFill/>
+                </a:ln>
+                <a:solidFill>
+                  <a:schemeClr val="tx1"/>
+                </a:solidFill>
+                <a:effectLst/>
+                <a:latin typeface="Arial" pitchFamily="34" charset="0"/>
+                <a:ea typeface="Calibri" pitchFamily="34" charset="0"/>
+                <a:cs typeface="Arial" pitchFamily="34" charset="0"/>
+              </a:rPr>
+              <a:t>offset.x</a:t>
+            </a:r>
+            <a:r>
               <a:rPr kumimoji="0" lang="fr-FR" altLang="fr-FR" sz="1100" b="0" i="0" u="none" strike="noStrike" cap="none" normalizeH="0" baseline="0" dirty="0" smtClean="0">
                 <a:ln>
                   <a:noFill/>
@@ -3578,21 +3595,6 @@
                 <a:ea typeface="Calibri" pitchFamily="34" charset="0"/>
                 <a:cs typeface="Arial" pitchFamily="34" charset="0"/>
               </a:rPr>
-              <a:t>offset(x)  </a:t>
-            </a:r>
-            <a:r>
-              <a:rPr kumimoji="0" lang="fr-FR" altLang="fr-FR" sz="1100" b="0" i="0" u="none" strike="noStrike" cap="none" normalizeH="0" baseline="0" dirty="0" smtClean="0">
-                <a:ln>
-                  <a:noFill/>
-                </a:ln>
-                <a:solidFill>
-                  <a:schemeClr val="tx1"/>
-                </a:solidFill>
-                <a:effectLst/>
-                <a:latin typeface="Arial" pitchFamily="34" charset="0"/>
-                <a:ea typeface="Calibri" pitchFamily="34" charset="0"/>
-                <a:cs typeface="Arial" pitchFamily="34" charset="0"/>
-              </a:rPr>
               <a:t>= </a:t>
             </a:r>
             <a:r>
@@ -3600,7 +3602,7 @@
                 <a:latin typeface="Calibri" pitchFamily="34" charset="0"/>
                 <a:cs typeface="Times New Roman" pitchFamily="18" charset="0"/>
               </a:rPr>
-              <a:t>-100</a:t>
+              <a:t>-200</a:t>
             </a:r>
             <a:endParaRPr kumimoji="0" lang="fr-FR" altLang="fr-FR" sz="1800" b="0" i="0" u="none" strike="noStrike" cap="none" normalizeH="0" baseline="0" dirty="0" smtClean="0">
               <a:ln>
@@ -3626,7 +3628,7 @@
         </p:nvSpPr>
         <p:spPr bwMode="auto">
           <a:xfrm>
-            <a:off x="2231037" y="1846842"/>
+            <a:off x="2545187" y="1846842"/>
             <a:ext cx="477611" cy="295275"/>
           </a:xfrm>
           <a:prstGeom prst="rect">
@@ -3673,7 +3675,7 @@
                 <a:latin typeface="Calibri" pitchFamily="34" charset="0"/>
                 <a:cs typeface="Times New Roman" pitchFamily="18" charset="0"/>
               </a:rPr>
-              <a:t>X=60</a:t>
+              <a:t>X=80</a:t>
             </a:r>
             <a:endParaRPr kumimoji="0" lang="fr-FR" altLang="fr-FR" sz="1800" b="0" i="0" u="none" strike="noStrike" cap="none" normalizeH="0" baseline="0" dirty="0" smtClean="0">
               <a:ln>
@@ -3691,13 +3693,13 @@
       </p:sp>
       <p:cxnSp>
         <p:nvCxnSpPr>
-          <p:cNvPr id="10" name="Connecteur droit avec flèche 9"/>
+          <p:cNvPr id="15" name="Connecteur droit avec flèche 14"/>
           <p:cNvCxnSpPr/>
           <p:nvPr/>
         </p:nvCxnSpPr>
         <p:spPr>
           <a:xfrm>
-            <a:off x="1157287" y="4077072"/>
+            <a:off x="73816" y="4116011"/>
             <a:ext cx="1179748" cy="0"/>
           </a:xfrm>
           <a:prstGeom prst="straightConnector1">
@@ -3725,14 +3727,14 @@
       </p:cxnSp>
       <p:sp>
         <p:nvSpPr>
-          <p:cNvPr id="15" name="ZoneTexte 14"/>
+          <p:cNvPr id="16" name="ZoneTexte 15"/>
           <p:cNvSpPr txBox="1"/>
           <p:nvPr/>
         </p:nvSpPr>
         <p:spPr>
           <a:xfrm>
-            <a:off x="1327620" y="3645024"/>
-            <a:ext cx="2068042" cy="446276"/>
+            <a:off x="244150" y="3683963"/>
+            <a:ext cx="1851350" cy="600164"/>
           </a:xfrm>
           <a:prstGeom prst="rect">
             <a:avLst/>
@@ -3747,14 +3749,10 @@
           <a:p>
             <a:r>
               <a:rPr lang="fr-FR" sz="1100" dirty="0" smtClean="0"/>
-              <a:t>60/zoom-</a:t>
-            </a:r>
-            <a:r>
-              <a:rPr lang="fr-FR" sz="1100" dirty="0" smtClean="0"/>
-              <a:t>(</a:t>
-            </a:r>
-            <a:r>
-              <a:rPr kumimoji="0" lang="fr-FR" altLang="fr-FR" sz="1100" b="0" i="0" u="none" strike="noStrike" cap="none" normalizeH="0" baseline="0" dirty="0" smtClean="0">
+              <a:t>-70-(</a:t>
+            </a:r>
+            <a:r>
+              <a:rPr kumimoji="0" lang="fr-FR" altLang="fr-FR" sz="1100" b="0" i="0" u="none" strike="noStrike" cap="none" normalizeH="0" baseline="0" dirty="0" err="1" smtClean="0">
                 <a:ln>
                   <a:noFill/>
                 </a:ln>
@@ -3766,261 +3764,32 @@
                 <a:ea typeface="Calibri" pitchFamily="34" charset="0"/>
                 <a:cs typeface="Arial" pitchFamily="34" charset="0"/>
               </a:rPr>
-              <a:t>offset(x)</a:t>
+              <a:t>offset.x</a:t>
             </a:r>
             <a:r>
               <a:rPr lang="fr-FR" sz="1100" dirty="0" smtClean="0"/>
               <a:t>)</a:t>
             </a:r>
-            <a:endParaRPr lang="fr-FR" sz="1100" dirty="0" smtClean="0"/>
           </a:p>
           <a:p>
             <a:r>
               <a:rPr lang="fr-FR" sz="1100" dirty="0" smtClean="0"/>
-              <a:t>30+100=130=</a:t>
-            </a:r>
-            <a:r>
-              <a:rPr lang="fr-FR" sz="1100" b="1" dirty="0" err="1"/>
-              <a:t>xOrigineH</a:t>
-            </a:r>
+              <a:t>-70+200=130=</a:t>
+            </a:r>
+            <a:r>
+              <a:rPr lang="fr-FR" sz="1100" dirty="0" err="1" smtClean="0"/>
+              <a:t>mHOrigine</a:t>
+            </a:r>
+            <a:endParaRPr lang="fr-FR" sz="1100" b="1" dirty="0" smtClean="0"/>
+          </a:p>
+          <a:p>
             <a:endParaRPr lang="fr-FR" sz="1100" b="1" dirty="0"/>
           </a:p>
         </p:txBody>
       </p:sp>
-      <p:cxnSp>
-        <p:nvCxnSpPr>
-          <p:cNvPr id="17" name="Connecteur droit avec flèche 16"/>
-          <p:cNvCxnSpPr/>
-          <p:nvPr/>
-        </p:nvCxnSpPr>
-        <p:spPr>
-          <a:xfrm>
-            <a:off x="1157287" y="4797152"/>
-            <a:ext cx="4114031" cy="0"/>
-          </a:xfrm>
-          <a:prstGeom prst="straightConnector1">
-            <a:avLst/>
-          </a:prstGeom>
-          <a:ln>
-            <a:headEnd type="arrow"/>
-            <a:tailEnd type="arrow"/>
-          </a:ln>
-        </p:spPr>
-        <p:style>
-          <a:lnRef idx="1">
-            <a:schemeClr val="accent1"/>
-          </a:lnRef>
-          <a:fillRef idx="0">
-            <a:schemeClr val="accent1"/>
-          </a:fillRef>
-          <a:effectRef idx="0">
-            <a:schemeClr val="accent1"/>
-          </a:effectRef>
-          <a:fontRef idx="minor">
-            <a:schemeClr val="tx1"/>
-          </a:fontRef>
-        </p:style>
-      </p:cxnSp>
-      <p:sp>
-        <p:nvSpPr>
-          <p:cNvPr id="19" name="ZoneTexte 18"/>
-          <p:cNvSpPr txBox="1"/>
-          <p:nvPr/>
-        </p:nvSpPr>
-        <p:spPr>
-          <a:xfrm>
-            <a:off x="1747161" y="5013175"/>
-            <a:ext cx="1183913" cy="430887"/>
-          </a:xfrm>
-          <a:prstGeom prst="rect">
-            <a:avLst/>
-          </a:prstGeom>
-          <a:noFill/>
-        </p:spPr>
-        <p:txBody>
-          <a:bodyPr wrap="square" rtlCol="0">
-            <a:spAutoFit/>
-          </a:bodyPr>
-          <a:lstStyle/>
-          <a:p>
-            <a:r>
-              <a:rPr lang="fr-FR" sz="1100" dirty="0" smtClean="0"/>
-              <a:t>280=</a:t>
-            </a:r>
-            <a:r>
-              <a:rPr lang="fr-FR" sz="1100" dirty="0" err="1" smtClean="0"/>
-              <a:t>x</a:t>
-            </a:r>
-            <a:r>
-              <a:rPr lang="fr-FR" sz="1100" b="1" dirty="0" err="1" smtClean="0"/>
-              <a:t>FinalH</a:t>
-            </a:r>
-            <a:endParaRPr lang="fr-FR" sz="1100" b="1" dirty="0" smtClean="0"/>
-          </a:p>
-          <a:p>
-            <a:endParaRPr lang="fr-FR" sz="1100" dirty="0"/>
-          </a:p>
-        </p:txBody>
-      </p:sp>
-      <p:sp>
-        <p:nvSpPr>
-          <p:cNvPr id="20" name="ZoneTexte 19"/>
-          <p:cNvSpPr txBox="1"/>
-          <p:nvPr/>
-        </p:nvSpPr>
-        <p:spPr>
-          <a:xfrm>
-            <a:off x="1836759" y="5661248"/>
-            <a:ext cx="6252534" cy="461665"/>
-          </a:xfrm>
-          <a:prstGeom prst="rect">
-            <a:avLst/>
-          </a:prstGeom>
-          <a:noFill/>
-        </p:spPr>
-        <p:txBody>
-          <a:bodyPr wrap="square" rtlCol="0">
-            <a:spAutoFit/>
-          </a:bodyPr>
-          <a:lstStyle/>
-          <a:p>
-            <a:r>
-              <a:rPr lang="fr-FR" sz="1200" dirty="0" smtClean="0"/>
-              <a:t>XH = 140 + (530-140) * (</a:t>
-            </a:r>
-            <a:r>
-              <a:rPr lang="fr-FR" sz="1200" dirty="0" smtClean="0"/>
-              <a:t>X/Zoom-</a:t>
-            </a:r>
-            <a:r>
-              <a:rPr kumimoji="0" lang="fr-FR" altLang="fr-FR" sz="1200" b="0" i="0" u="none" strike="noStrike" cap="none" normalizeH="0" baseline="0" dirty="0" smtClean="0">
-                <a:ln>
-                  <a:noFill/>
-                </a:ln>
-                <a:solidFill>
-                  <a:schemeClr val="tx1"/>
-                </a:solidFill>
-                <a:effectLst/>
-                <a:latin typeface="Arial" pitchFamily="34" charset="0"/>
-                <a:ea typeface="Calibri" pitchFamily="34" charset="0"/>
-                <a:cs typeface="Arial" pitchFamily="34" charset="0"/>
-              </a:rPr>
-              <a:t>offset(x)</a:t>
-            </a:r>
-            <a:r>
-              <a:rPr lang="fr-FR" sz="1200" dirty="0" smtClean="0"/>
-              <a:t>) </a:t>
-            </a:r>
-            <a:r>
-              <a:rPr lang="fr-FR" sz="1200" dirty="0" smtClean="0"/>
-              <a:t>-</a:t>
-            </a:r>
-            <a:r>
-              <a:rPr lang="fr-FR" sz="1200" dirty="0" err="1" smtClean="0"/>
-              <a:t>xOrigineH</a:t>
-            </a:r>
-            <a:r>
-              <a:rPr lang="fr-FR" sz="1200" dirty="0" smtClean="0"/>
-              <a:t>) /  (</a:t>
-            </a:r>
-            <a:r>
-              <a:rPr lang="fr-FR" sz="1200" dirty="0" err="1" smtClean="0"/>
-              <a:t>x</a:t>
-            </a:r>
-            <a:r>
-              <a:rPr lang="fr-FR" sz="1200" b="1" dirty="0" err="1" smtClean="0"/>
-              <a:t>FinalH-</a:t>
-            </a:r>
-            <a:r>
-              <a:rPr lang="fr-FR" sz="1200" dirty="0" err="1" smtClean="0"/>
-              <a:t>xOrigineH</a:t>
-            </a:r>
-            <a:r>
-              <a:rPr lang="fr-FR" sz="1200" dirty="0" smtClean="0"/>
-              <a:t>)</a:t>
-            </a:r>
-          </a:p>
-          <a:p>
-            <a:r>
-              <a:rPr lang="fr-FR" sz="1200" b="1" dirty="0" smtClean="0"/>
-              <a:t>XH(60) = 140 +(530-140) * (60/2+100-130)/(280-130) = 140</a:t>
-            </a:r>
-          </a:p>
-        </p:txBody>
-      </p:sp>
-      <p:sp>
-        <p:nvSpPr>
-          <p:cNvPr id="22" name="ZoneTexte 21"/>
-          <p:cNvSpPr txBox="1"/>
-          <p:nvPr/>
-        </p:nvSpPr>
-        <p:spPr>
-          <a:xfrm>
-            <a:off x="7225197" y="228600"/>
-            <a:ext cx="1728192" cy="938719"/>
-          </a:xfrm>
-          <a:prstGeom prst="rect">
-            <a:avLst/>
-          </a:prstGeom>
-          <a:noFill/>
-        </p:spPr>
-        <p:txBody>
-          <a:bodyPr wrap="square" rtlCol="0">
-            <a:spAutoFit/>
-          </a:bodyPr>
-          <a:lstStyle/>
-          <a:p>
-            <a:r>
-              <a:rPr lang="fr-FR" sz="1100" dirty="0" smtClean="0"/>
-              <a:t>Valeur sélectionnées par l’utilisateur  :</a:t>
-            </a:r>
-          </a:p>
-          <a:p>
-            <a:r>
-              <a:rPr lang="fr-FR" sz="1100" b="1" dirty="0" err="1" smtClean="0"/>
-              <a:t>xOrigineH</a:t>
-            </a:r>
-            <a:r>
-              <a:rPr lang="fr-FR" sz="1100" b="1" dirty="0" smtClean="0"/>
-              <a:t> </a:t>
-            </a:r>
-            <a:r>
-              <a:rPr lang="fr-FR" sz="1100" b="1" dirty="0" smtClean="0">
-                <a:sym typeface="Wingdings" panose="05000000000000000000" pitchFamily="2" charset="2"/>
-              </a:rPr>
-              <a:t> 140</a:t>
-            </a:r>
-            <a:endParaRPr lang="fr-FR" sz="1100" b="1" dirty="0" smtClean="0"/>
-          </a:p>
-          <a:p>
-            <a:r>
-              <a:rPr lang="fr-FR" sz="1100" dirty="0" err="1" smtClean="0"/>
-              <a:t>x</a:t>
-            </a:r>
-            <a:r>
-              <a:rPr lang="fr-FR" sz="1100" b="1" dirty="0" err="1" smtClean="0"/>
-              <a:t>FinalH</a:t>
-            </a:r>
-            <a:r>
-              <a:rPr lang="fr-FR" sz="1100" b="1" dirty="0" smtClean="0"/>
-              <a:t> </a:t>
-            </a:r>
-            <a:r>
-              <a:rPr lang="fr-FR" sz="1100" b="1" dirty="0" smtClean="0">
-                <a:sym typeface="Wingdings" panose="05000000000000000000" pitchFamily="2" charset="2"/>
-              </a:rPr>
-              <a:t> 530</a:t>
-            </a:r>
-            <a:endParaRPr lang="fr-FR" sz="1100" b="1" dirty="0" smtClean="0"/>
-          </a:p>
-          <a:p>
-            <a:endParaRPr lang="fr-FR" sz="1100" dirty="0"/>
-          </a:p>
-        </p:txBody>
-      </p:sp>
-      <p:sp>
-        <p:nvSpPr>
-          <p:cNvPr id="23" name="Zone de texte 2"/>
+      <p:sp>
+        <p:nvSpPr>
+          <p:cNvPr id="17" name="Zone de texte 2"/>
           <p:cNvSpPr txBox="1">
             <a:spLocks noChangeArrowheads="1"/>
           </p:cNvSpPr>
@@ -4028,8 +3797,8 @@
         </p:nvSpPr>
         <p:spPr bwMode="auto">
           <a:xfrm>
-            <a:off x="4572000" y="1799599"/>
-            <a:ext cx="831743" cy="389759"/>
+            <a:off x="1150914" y="1851604"/>
+            <a:ext cx="477611" cy="295275"/>
           </a:xfrm>
           <a:prstGeom prst="rect">
             <a:avLst/>
@@ -4075,7 +3844,7 @@
                 <a:latin typeface="Calibri" pitchFamily="34" charset="0"/>
                 <a:cs typeface="Times New Roman" pitchFamily="18" charset="0"/>
               </a:rPr>
-              <a:t>X=360</a:t>
+              <a:t>X= -70</a:t>
             </a:r>
             <a:endParaRPr kumimoji="0" lang="fr-FR" altLang="fr-FR" sz="1800" b="0" i="0" u="none" strike="noStrike" cap="none" normalizeH="0" baseline="0" dirty="0" smtClean="0">
               <a:ln>
@@ -4091,10 +3860,159 @@
           </a:p>
         </p:txBody>
       </p:sp>
+      <p:cxnSp>
+        <p:nvCxnSpPr>
+          <p:cNvPr id="18" name="Connecteur droit avec flèche 17"/>
+          <p:cNvCxnSpPr/>
+          <p:nvPr/>
+        </p:nvCxnSpPr>
+        <p:spPr>
+          <a:xfrm>
+            <a:off x="73816" y="4797152"/>
+            <a:ext cx="2757152" cy="0"/>
+          </a:xfrm>
+          <a:prstGeom prst="straightConnector1">
+            <a:avLst/>
+          </a:prstGeom>
+          <a:ln>
+            <a:headEnd type="arrow"/>
+            <a:tailEnd type="arrow"/>
+          </a:ln>
+        </p:spPr>
+        <p:style>
+          <a:lnRef idx="1">
+            <a:schemeClr val="accent1"/>
+          </a:lnRef>
+          <a:fillRef idx="0">
+            <a:schemeClr val="accent1"/>
+          </a:fillRef>
+          <a:effectRef idx="0">
+            <a:schemeClr val="accent1"/>
+          </a:effectRef>
+          <a:fontRef idx="minor">
+            <a:schemeClr val="tx1"/>
+          </a:fontRef>
+        </p:style>
+      </p:cxnSp>
+      <p:sp>
+        <p:nvSpPr>
+          <p:cNvPr id="19" name="ZoneTexte 18"/>
+          <p:cNvSpPr txBox="1"/>
+          <p:nvPr/>
+        </p:nvSpPr>
+        <p:spPr>
+          <a:xfrm>
+            <a:off x="1012029" y="5013176"/>
+            <a:ext cx="1183913" cy="430887"/>
+          </a:xfrm>
+          <a:prstGeom prst="rect">
+            <a:avLst/>
+          </a:prstGeom>
+          <a:noFill/>
+        </p:spPr>
+        <p:txBody>
+          <a:bodyPr wrap="square" rtlCol="0">
+            <a:spAutoFit/>
+          </a:bodyPr>
+          <a:lstStyle/>
+          <a:p>
+            <a:r>
+              <a:rPr lang="fr-FR" sz="1100" dirty="0" smtClean="0"/>
+              <a:t>280=</a:t>
+            </a:r>
+            <a:r>
+              <a:rPr lang="fr-FR" sz="1100" dirty="0" err="1" smtClean="0"/>
+              <a:t>mHFinal</a:t>
+            </a:r>
+            <a:endParaRPr lang="fr-FR" sz="1100" b="1" dirty="0" smtClean="0"/>
+          </a:p>
+          <a:p>
+            <a:endParaRPr lang="fr-FR" sz="1100" dirty="0"/>
+          </a:p>
+        </p:txBody>
+      </p:sp>
+      <p:sp>
+        <p:nvSpPr>
+          <p:cNvPr id="20" name="ZoneTexte 19"/>
+          <p:cNvSpPr txBox="1"/>
+          <p:nvPr/>
+        </p:nvSpPr>
+        <p:spPr>
+          <a:xfrm>
+            <a:off x="1836759" y="5661248"/>
+            <a:ext cx="6252534" cy="461665"/>
+          </a:xfrm>
+          <a:prstGeom prst="rect">
+            <a:avLst/>
+          </a:prstGeom>
+          <a:noFill/>
+        </p:spPr>
+        <p:txBody>
+          <a:bodyPr wrap="square" rtlCol="0">
+            <a:spAutoFit/>
+          </a:bodyPr>
+          <a:lstStyle/>
+          <a:p>
+            <a:r>
+              <a:rPr lang="fr-FR" sz="1200" dirty="0" smtClean="0"/>
+              <a:t>XH = 140 + (530-140) * (X/Zoom-</a:t>
+            </a:r>
+            <a:r>
+              <a:rPr kumimoji="0" lang="fr-FR" altLang="fr-FR" sz="1200" b="0" i="0" u="none" strike="noStrike" cap="none" normalizeH="0" baseline="0" dirty="0" err="1" smtClean="0">
+                <a:ln>
+                  <a:noFill/>
+                </a:ln>
+                <a:solidFill>
+                  <a:schemeClr val="tx1"/>
+                </a:solidFill>
+                <a:effectLst/>
+                <a:latin typeface="Arial" pitchFamily="34" charset="0"/>
+                <a:ea typeface="Calibri" pitchFamily="34" charset="0"/>
+                <a:cs typeface="Arial" pitchFamily="34" charset="0"/>
+              </a:rPr>
+              <a:t>offset.x</a:t>
+            </a:r>
+            <a:r>
+              <a:rPr lang="fr-FR" sz="1200" dirty="0" smtClean="0"/>
+              <a:t>) -</a:t>
+            </a:r>
+            <a:r>
+              <a:rPr lang="fr-FR" sz="1200" dirty="0" err="1" smtClean="0"/>
+              <a:t>mHOrigine</a:t>
+            </a:r>
+            <a:r>
+              <a:rPr lang="fr-FR" sz="1200" dirty="0" smtClean="0"/>
+              <a:t>) /  (</a:t>
+            </a:r>
+            <a:r>
+              <a:rPr lang="fr-FR" sz="1200" dirty="0" err="1" smtClean="0"/>
+              <a:t>mHFinal</a:t>
+            </a:r>
+            <a:r>
+              <a:rPr lang="fr-FR" sz="1200" b="1" dirty="0" err="1" smtClean="0"/>
+              <a:t>-</a:t>
+            </a:r>
+            <a:r>
+              <a:rPr lang="fr-FR" sz="1200" dirty="0" err="1" smtClean="0"/>
+              <a:t>mHOrigine</a:t>
+            </a:r>
+            <a:r>
+              <a:rPr lang="fr-FR" sz="1200" dirty="0" smtClean="0"/>
+              <a:t>)</a:t>
+            </a:r>
+          </a:p>
+          <a:p>
+            <a:r>
+              <a:rPr lang="fr-FR" sz="1200" b="1" dirty="0" smtClean="0"/>
+              <a:t>XH(30) = 140 +(530-140) * (80+200-130)/(280-130) = 530</a:t>
+            </a:r>
+          </a:p>
+        </p:txBody>
+      </p:sp>
     </p:spTree>
     <p:extLst>
       <p:ext uri="{BB962C8B-B14F-4D97-AF65-F5344CB8AC3E}">
-        <p14:creationId xmlns:p14="http://schemas.microsoft.com/office/powerpoint/2010/main" val="2596174156"/>
+        <p14:creationId xmlns:p14="http://schemas.microsoft.com/office/powerpoint/2010/main" val="3090944776"/>
       </p:ext>
     </p:extLst>
   </p:cSld>
@@ -4129,8 +4047,8 @@
         </p:nvSpPr>
         <p:spPr>
           <a:xfrm>
-            <a:off x="755576" y="2132856"/>
-            <a:ext cx="7344816" cy="1569660"/>
+            <a:off x="899592" y="980728"/>
+            <a:ext cx="7344816" cy="4524315"/>
           </a:xfrm>
           <a:prstGeom prst="rect">
             <a:avLst/>
@@ -4145,6 +4063,29 @@
           <a:p>
             <a:pPr algn="ctr"/>
             <a:r>
+              <a:rPr lang="fr-FR" sz="9600" dirty="0"/>
+              <a:t>X </a:t>
+            </a:r>
+            <a:r>
+              <a:rPr lang="fr-FR" sz="9600" dirty="0" err="1" smtClean="0"/>
+              <a:t>Enthalpy</a:t>
+            </a:r>
+            <a:endParaRPr lang="fr-FR" sz="9600" dirty="0"/>
+          </a:p>
+          <a:p>
+            <a:pPr algn="ctr"/>
+            <a:r>
+              <a:rPr lang="fr-FR" sz="9600" dirty="0" err="1"/>
+              <a:t>Compute</a:t>
+            </a:r>
+            <a:r>
+              <a:rPr lang="fr-FR" sz="9600" dirty="0"/>
+              <a:t> </a:t>
+            </a:r>
+          </a:p>
+          <a:p>
+            <a:pPr algn="ctr"/>
+            <a:r>
               <a:rPr lang="fr-FR" sz="9600" dirty="0" smtClean="0"/>
               <a:t>ZOOM</a:t>
             </a:r>
@@ -4155,7 +4096,7 @@
     </p:spTree>
     <p:extLst>
       <p:ext uri="{BB962C8B-B14F-4D97-AF65-F5344CB8AC3E}">
-        <p14:creationId xmlns:p14="http://schemas.microsoft.com/office/powerpoint/2010/main" val="1049835143"/>
+        <p14:creationId xmlns:p14="http://schemas.microsoft.com/office/powerpoint/2010/main" val="1674214795"/>
       </p:ext>
     </p:extLst>
   </p:cSld>
@@ -4190,7 +4131,7 @@
         </p:nvSpPr>
         <p:spPr>
           <a:xfrm>
-            <a:off x="2095500" y="1673046"/>
+            <a:off x="1157287" y="942975"/>
             <a:ext cx="4476750" cy="3409950"/>
           </a:xfrm>
           <a:prstGeom prst="rect">
@@ -4545,7 +4486,7 @@
         </p:nvSpPr>
         <p:spPr bwMode="auto">
           <a:xfrm>
-            <a:off x="1257225" y="908720"/>
+            <a:off x="559743" y="516697"/>
             <a:ext cx="1535757" cy="295275"/>
           </a:xfrm>
           <a:prstGeom prst="rect">
@@ -4580,6 +4521,21 @@
               </a:spcAft>
             </a:pPr>
             <a:r>
+              <a:rPr kumimoji="0" lang="fr-FR" altLang="fr-FR" sz="1100" b="0" i="0" u="none" strike="noStrike" cap="none" normalizeH="0" baseline="0" dirty="0" err="1" smtClean="0">
+                <a:ln>
+                  <a:noFill/>
+                </a:ln>
+                <a:solidFill>
+                  <a:schemeClr val="tx1"/>
+                </a:solidFill>
+                <a:effectLst/>
+                <a:latin typeface="Arial" pitchFamily="34" charset="0"/>
+                <a:ea typeface="Calibri" pitchFamily="34" charset="0"/>
+                <a:cs typeface="Arial" pitchFamily="34" charset="0"/>
+              </a:rPr>
+              <a:t>offset.x</a:t>
+            </a:r>
+            <a:r>
               <a:rPr kumimoji="0" lang="fr-FR" altLang="fr-FR" sz="1100" b="0" i="0" u="none" strike="noStrike" cap="none" normalizeH="0" baseline="0" dirty="0" smtClean="0">
                 <a:ln>
                   <a:noFill/>
@@ -4592,29 +4548,14 @@
                 <a:ea typeface="Calibri" pitchFamily="34" charset="0"/>
                 <a:cs typeface="Arial" pitchFamily="34" charset="0"/>
               </a:rPr>
-              <a:t>offset(x)  </a:t>
-            </a:r>
-            <a:r>
-              <a:rPr kumimoji="0" lang="fr-FR" altLang="fr-FR" sz="1100" b="0" i="0" u="none" strike="noStrike" cap="none" normalizeH="0" baseline="0" dirty="0" smtClean="0">
-                <a:ln>
-                  <a:noFill/>
-                </a:ln>
-                <a:solidFill>
-                  <a:schemeClr val="tx1"/>
-                </a:solidFill>
-                <a:effectLst/>
-                <a:latin typeface="Arial" pitchFamily="34" charset="0"/>
-                <a:ea typeface="Calibri" pitchFamily="34" charset="0"/>
-                <a:cs typeface="Arial" pitchFamily="34" charset="0"/>
-              </a:rPr>
               <a:t>= </a:t>
             </a:r>
             <a:r>
-              <a:rPr lang="fr-FR" altLang="fr-FR" sz="1100" dirty="0">
+              <a:rPr lang="fr-FR" altLang="fr-FR" sz="1100" dirty="0" smtClean="0">
                 <a:latin typeface="Calibri" pitchFamily="34" charset="0"/>
                 <a:cs typeface="Times New Roman" pitchFamily="18" charset="0"/>
               </a:rPr>
-              <a:t>0</a:t>
+              <a:t>-100</a:t>
             </a:r>
             <a:endParaRPr kumimoji="0" lang="fr-FR" altLang="fr-FR" sz="1800" b="0" i="0" u="none" strike="noStrike" cap="none" normalizeH="0" baseline="0" dirty="0" smtClean="0">
               <a:ln>
@@ -4703,6 +4644,578 @@
           </a:p>
         </p:txBody>
       </p:sp>
+      <p:cxnSp>
+        <p:nvCxnSpPr>
+          <p:cNvPr id="10" name="Connecteur droit avec flèche 9"/>
+          <p:cNvCxnSpPr/>
+          <p:nvPr/>
+        </p:nvCxnSpPr>
+        <p:spPr>
+          <a:xfrm>
+            <a:off x="1157287" y="4077072"/>
+            <a:ext cx="1179748" cy="0"/>
+          </a:xfrm>
+          <a:prstGeom prst="straightConnector1">
+            <a:avLst/>
+          </a:prstGeom>
+          <a:ln>
+            <a:headEnd type="arrow"/>
+            <a:tailEnd type="arrow"/>
+          </a:ln>
+        </p:spPr>
+        <p:style>
+          <a:lnRef idx="1">
+            <a:schemeClr val="accent1"/>
+          </a:lnRef>
+          <a:fillRef idx="0">
+            <a:schemeClr val="accent1"/>
+          </a:fillRef>
+          <a:effectRef idx="0">
+            <a:schemeClr val="accent1"/>
+          </a:effectRef>
+          <a:fontRef idx="minor">
+            <a:schemeClr val="tx1"/>
+          </a:fontRef>
+        </p:style>
+      </p:cxnSp>
+      <p:sp>
+        <p:nvSpPr>
+          <p:cNvPr id="15" name="ZoneTexte 14"/>
+          <p:cNvSpPr txBox="1"/>
+          <p:nvPr/>
+        </p:nvSpPr>
+        <p:spPr>
+          <a:xfrm>
+            <a:off x="1327620" y="3645024"/>
+            <a:ext cx="2068042" cy="446276"/>
+          </a:xfrm>
+          <a:prstGeom prst="rect">
+            <a:avLst/>
+          </a:prstGeom>
+          <a:noFill/>
+        </p:spPr>
+        <p:txBody>
+          <a:bodyPr wrap="square" rtlCol="0">
+            <a:spAutoFit/>
+          </a:bodyPr>
+          <a:lstStyle/>
+          <a:p>
+            <a:r>
+              <a:rPr lang="fr-FR" sz="1100" dirty="0" smtClean="0"/>
+              <a:t>x/zoom-</a:t>
+            </a:r>
+            <a:r>
+              <a:rPr kumimoji="0" lang="fr-FR" altLang="fr-FR" sz="1100" b="0" i="0" u="none" strike="noStrike" cap="none" normalizeH="0" baseline="0" dirty="0" err="1" smtClean="0">
+                <a:ln>
+                  <a:noFill/>
+                </a:ln>
+                <a:solidFill>
+                  <a:schemeClr val="tx1"/>
+                </a:solidFill>
+                <a:effectLst/>
+                <a:latin typeface="Arial" pitchFamily="34" charset="0"/>
+                <a:ea typeface="Calibri" pitchFamily="34" charset="0"/>
+                <a:cs typeface="Arial" pitchFamily="34" charset="0"/>
+              </a:rPr>
+              <a:t>offset.x</a:t>
+            </a:r>
+            <a:endParaRPr lang="fr-FR" sz="1100" dirty="0" smtClean="0"/>
+          </a:p>
+          <a:p>
+            <a:r>
+              <a:rPr lang="fr-FR" sz="1100" dirty="0" smtClean="0"/>
+              <a:t>30+100=130=</a:t>
+            </a:r>
+            <a:r>
+              <a:rPr lang="fr-FR" sz="1100" b="1" dirty="0" err="1" smtClean="0"/>
+              <a:t>mHOrigine</a:t>
+            </a:r>
+            <a:endParaRPr lang="fr-FR" sz="1100" b="1" dirty="0"/>
+          </a:p>
+        </p:txBody>
+      </p:sp>
+      <p:cxnSp>
+        <p:nvCxnSpPr>
+          <p:cNvPr id="17" name="Connecteur droit avec flèche 16"/>
+          <p:cNvCxnSpPr/>
+          <p:nvPr/>
+        </p:nvCxnSpPr>
+        <p:spPr>
+          <a:xfrm>
+            <a:off x="1134764" y="4508541"/>
+            <a:ext cx="2757152" cy="0"/>
+          </a:xfrm>
+          <a:prstGeom prst="straightConnector1">
+            <a:avLst/>
+          </a:prstGeom>
+          <a:ln>
+            <a:headEnd type="arrow"/>
+            <a:tailEnd type="arrow"/>
+          </a:ln>
+        </p:spPr>
+        <p:style>
+          <a:lnRef idx="1">
+            <a:schemeClr val="accent1"/>
+          </a:lnRef>
+          <a:fillRef idx="0">
+            <a:schemeClr val="accent1"/>
+          </a:fillRef>
+          <a:effectRef idx="0">
+            <a:schemeClr val="accent1"/>
+          </a:effectRef>
+          <a:fontRef idx="minor">
+            <a:schemeClr val="tx1"/>
+          </a:fontRef>
+        </p:style>
+      </p:cxnSp>
+      <p:sp>
+        <p:nvSpPr>
+          <p:cNvPr id="19" name="ZoneTexte 18"/>
+          <p:cNvSpPr txBox="1"/>
+          <p:nvPr/>
+        </p:nvSpPr>
+        <p:spPr>
+          <a:xfrm>
+            <a:off x="3318648" y="3935852"/>
+            <a:ext cx="2144754" cy="430887"/>
+          </a:xfrm>
+          <a:prstGeom prst="rect">
+            <a:avLst/>
+          </a:prstGeom>
+          <a:noFill/>
+        </p:spPr>
+        <p:txBody>
+          <a:bodyPr wrap="square" rtlCol="0">
+            <a:spAutoFit/>
+          </a:bodyPr>
+          <a:lstStyle/>
+          <a:p>
+            <a:r>
+              <a:rPr lang="fr-FR" sz="1100" dirty="0"/>
+              <a:t>x/zoom-</a:t>
+            </a:r>
+            <a:r>
+              <a:rPr lang="fr-FR" altLang="fr-FR" sz="1100" dirty="0" err="1">
+                <a:latin typeface="Arial" pitchFamily="34" charset="0"/>
+                <a:ea typeface="Calibri" pitchFamily="34" charset="0"/>
+                <a:cs typeface="Arial" pitchFamily="34" charset="0"/>
+              </a:rPr>
+              <a:t>offset.x</a:t>
+            </a:r>
+            <a:endParaRPr lang="fr-FR" sz="1100" dirty="0"/>
+          </a:p>
+          <a:p>
+            <a:r>
+              <a:rPr lang="fr-FR" sz="1100" dirty="0" smtClean="0"/>
+              <a:t>180+100=280=</a:t>
+            </a:r>
+            <a:r>
+              <a:rPr lang="fr-FR" sz="1100" dirty="0" err="1" smtClean="0"/>
+              <a:t>mHFinal</a:t>
+            </a:r>
+            <a:endParaRPr lang="fr-FR" sz="1100" b="1" dirty="0" smtClean="0"/>
+          </a:p>
+        </p:txBody>
+      </p:sp>
+      <p:sp>
+        <p:nvSpPr>
+          <p:cNvPr id="20" name="ZoneTexte 19"/>
+          <p:cNvSpPr txBox="1"/>
+          <p:nvPr/>
+        </p:nvSpPr>
+        <p:spPr>
+          <a:xfrm>
+            <a:off x="268493" y="4725144"/>
+            <a:ext cx="8047021" cy="1877437"/>
+          </a:xfrm>
+          <a:prstGeom prst="rect">
+            <a:avLst/>
+          </a:prstGeom>
+          <a:noFill/>
+        </p:spPr>
+        <p:txBody>
+          <a:bodyPr wrap="square" rtlCol="0">
+            <a:spAutoFit/>
+          </a:bodyPr>
+          <a:lstStyle/>
+          <a:p>
+            <a:r>
+              <a:rPr lang="fr-FR" sz="1400" b="1" u="sng" dirty="0" smtClean="0"/>
+              <a:t>Valeur H/(x) : </a:t>
+            </a:r>
+            <a:r>
+              <a:rPr lang="fr-FR" sz="1400" b="1" u="sng" dirty="0" err="1" smtClean="0"/>
+              <a:t>getHoX</a:t>
+            </a:r>
+            <a:r>
+              <a:rPr lang="fr-FR" sz="1400" b="1" u="sng" dirty="0" smtClean="0"/>
+              <a:t>(x)</a:t>
+            </a:r>
+          </a:p>
+          <a:p>
+            <a:r>
+              <a:rPr lang="fr-FR" sz="1200" dirty="0" smtClean="0"/>
+              <a:t>              = 140 + (530-140) * (X/zoom-</a:t>
+            </a:r>
+            <a:r>
+              <a:rPr kumimoji="0" lang="fr-FR" altLang="fr-FR" sz="1200" b="0" i="0" u="none" strike="noStrike" cap="none" normalizeH="0" baseline="0" dirty="0" err="1" smtClean="0">
+                <a:ln>
+                  <a:noFill/>
+                </a:ln>
+                <a:solidFill>
+                  <a:schemeClr val="tx1"/>
+                </a:solidFill>
+                <a:effectLst/>
+                <a:latin typeface="Arial" pitchFamily="34" charset="0"/>
+                <a:ea typeface="Calibri" pitchFamily="34" charset="0"/>
+                <a:cs typeface="Arial" pitchFamily="34" charset="0"/>
+              </a:rPr>
+              <a:t>offset.x</a:t>
+            </a:r>
+            <a:r>
+              <a:rPr lang="fr-FR" sz="1200" dirty="0" smtClean="0"/>
+              <a:t>) -</a:t>
+            </a:r>
+            <a:r>
+              <a:rPr lang="fr-FR" sz="1200" dirty="0" err="1" smtClean="0"/>
+              <a:t>mHOrigine</a:t>
+            </a:r>
+            <a:r>
+              <a:rPr lang="fr-FR" sz="1200" dirty="0" smtClean="0"/>
+              <a:t>) /  (</a:t>
+            </a:r>
+            <a:r>
+              <a:rPr lang="fr-FR" sz="1200" dirty="0" err="1" smtClean="0"/>
+              <a:t>mHFinal</a:t>
+            </a:r>
+            <a:r>
+              <a:rPr lang="fr-FR" sz="1200" b="1" dirty="0" err="1" smtClean="0"/>
+              <a:t>-</a:t>
+            </a:r>
+            <a:r>
+              <a:rPr lang="fr-FR" sz="1200" dirty="0" err="1" smtClean="0"/>
+              <a:t>mHOrigine</a:t>
+            </a:r>
+            <a:r>
+              <a:rPr lang="fr-FR" sz="1200" dirty="0" smtClean="0"/>
+              <a:t>)</a:t>
+            </a:r>
+          </a:p>
+          <a:p>
+            <a:r>
+              <a:rPr lang="fr-FR" sz="1200" dirty="0" smtClean="0"/>
+              <a:t>              </a:t>
+            </a:r>
+            <a:r>
+              <a:rPr lang="fr-FR" sz="1400" b="1" dirty="0" smtClean="0"/>
+              <a:t>H = </a:t>
+            </a:r>
+            <a:r>
+              <a:rPr lang="fr-FR" sz="1400" b="1" dirty="0" err="1" smtClean="0"/>
+              <a:t>iHOrigine</a:t>
+            </a:r>
+            <a:r>
+              <a:rPr lang="fr-FR" sz="1400" b="1" dirty="0" smtClean="0"/>
+              <a:t>  + (</a:t>
+            </a:r>
+            <a:r>
+              <a:rPr lang="fr-FR" sz="1400" b="1" dirty="0" err="1" smtClean="0"/>
+              <a:t>iHFinal-iHOrigine</a:t>
+            </a:r>
+            <a:r>
+              <a:rPr lang="fr-FR" sz="1400" b="1" dirty="0" smtClean="0"/>
+              <a:t> ) </a:t>
+            </a:r>
+            <a:r>
+              <a:rPr lang="fr-FR" sz="1400" b="1" dirty="0"/>
+              <a:t>* (</a:t>
+            </a:r>
+            <a:r>
+              <a:rPr lang="fr-FR" sz="1400" b="1" dirty="0" smtClean="0"/>
+              <a:t>X/zoom-</a:t>
+            </a:r>
+            <a:r>
+              <a:rPr lang="fr-FR" altLang="fr-FR" sz="1400" b="1" dirty="0" err="1" smtClean="0">
+                <a:ea typeface="Calibri" pitchFamily="34" charset="0"/>
+                <a:cs typeface="Arial" pitchFamily="34" charset="0"/>
+              </a:rPr>
+              <a:t>offset.x</a:t>
+            </a:r>
+            <a:r>
+              <a:rPr lang="fr-FR" sz="1400" b="1" dirty="0" smtClean="0"/>
+              <a:t> </a:t>
+            </a:r>
+            <a:r>
+              <a:rPr lang="fr-FR" sz="1400" b="1" dirty="0"/>
+              <a:t>-</a:t>
+            </a:r>
+            <a:r>
+              <a:rPr lang="fr-FR" sz="1400" b="1" dirty="0" err="1"/>
+              <a:t>mHOrigine</a:t>
+            </a:r>
+            <a:r>
+              <a:rPr lang="fr-FR" sz="1400" b="1" dirty="0" smtClean="0"/>
+              <a:t>)  </a:t>
+            </a:r>
+            <a:r>
+              <a:rPr lang="fr-FR" sz="1400" b="1" dirty="0"/>
+              <a:t>/ </a:t>
+            </a:r>
+            <a:r>
+              <a:rPr lang="fr-FR" sz="1400" b="1" dirty="0" smtClean="0"/>
+              <a:t>(</a:t>
+            </a:r>
+            <a:r>
+              <a:rPr lang="fr-FR" sz="1400" b="1" dirty="0" err="1"/>
+              <a:t>mHFinal-mHOrigine</a:t>
+            </a:r>
+            <a:r>
+              <a:rPr lang="fr-FR" sz="1400" b="1" dirty="0"/>
+              <a:t>)</a:t>
+            </a:r>
+            <a:endParaRPr lang="fr-FR" sz="1400" b="1" dirty="0" smtClean="0"/>
+          </a:p>
+          <a:p>
+            <a:r>
+              <a:rPr lang="fr-FR" sz="1200" dirty="0"/>
+              <a:t> </a:t>
+            </a:r>
+            <a:r>
+              <a:rPr lang="fr-FR" sz="1200" dirty="0" smtClean="0"/>
+              <a:t>     XH(30) = 140 +(530-140) * (30+100-130)/(280-130) = 140</a:t>
+            </a:r>
+          </a:p>
+          <a:p>
+            <a:r>
+              <a:rPr lang="fr-FR" sz="1200" dirty="0" smtClean="0"/>
+              <a:t>     XH(180) = 140 +(530-140) * (180+100-130)/(280-130) = 530</a:t>
+            </a:r>
+          </a:p>
+          <a:p>
+            <a:endParaRPr lang="fr-FR" sz="1200" b="1" dirty="0"/>
+          </a:p>
+          <a:p>
+            <a:r>
+              <a:rPr lang="fr-FR" sz="1400" b="1" u="sng" dirty="0"/>
+              <a:t>Valeur </a:t>
+            </a:r>
+            <a:r>
+              <a:rPr lang="fr-FR" sz="1400" b="1" u="sng" dirty="0" smtClean="0"/>
+              <a:t>(x)/H </a:t>
+            </a:r>
+            <a:r>
+              <a:rPr lang="fr-FR" sz="1400" b="1" u="sng" dirty="0"/>
+              <a:t>: </a:t>
+            </a:r>
+            <a:r>
+              <a:rPr lang="fr-FR" sz="1400" b="1" u="sng" dirty="0" err="1" smtClean="0"/>
+              <a:t>getXoH</a:t>
+            </a:r>
+            <a:r>
+              <a:rPr lang="fr-FR" sz="1400" b="1" u="sng" dirty="0" smtClean="0"/>
+              <a:t>(H) </a:t>
+            </a:r>
+          </a:p>
+          <a:p>
+            <a:r>
+              <a:rPr lang="fr-FR" sz="1200" b="1" dirty="0" smtClean="0"/>
+              <a:t>              </a:t>
+            </a:r>
+            <a:r>
+              <a:rPr lang="fr-FR" sz="1400" b="1" dirty="0" smtClean="0"/>
+              <a:t>X = zoom * ([(H -  </a:t>
+            </a:r>
+            <a:r>
+              <a:rPr lang="fr-FR" sz="1400" b="1" dirty="0" err="1" smtClean="0"/>
+              <a:t>iHOrigine</a:t>
+            </a:r>
+            <a:r>
+              <a:rPr lang="fr-FR" sz="1400" b="1" dirty="0" smtClean="0"/>
+              <a:t>) / </a:t>
+            </a:r>
+            <a:r>
+              <a:rPr lang="fr-FR" sz="1400" b="1" dirty="0"/>
+              <a:t>(</a:t>
+            </a:r>
+            <a:r>
+              <a:rPr lang="fr-FR" sz="1400" b="1" dirty="0" err="1"/>
+              <a:t>iHFinal-iHOrigine</a:t>
+            </a:r>
+            <a:r>
+              <a:rPr lang="fr-FR" sz="1400" b="1" dirty="0"/>
+              <a:t> ) </a:t>
+            </a:r>
+            <a:r>
+              <a:rPr lang="fr-FR" sz="1400" b="1" dirty="0" smtClean="0"/>
+              <a:t> * </a:t>
+            </a:r>
+            <a:r>
+              <a:rPr lang="fr-FR" sz="1400" b="1" dirty="0"/>
+              <a:t>(</a:t>
+            </a:r>
+            <a:r>
+              <a:rPr lang="fr-FR" sz="1400" b="1" dirty="0" err="1" smtClean="0"/>
+              <a:t>mHFinal-mHOrigine</a:t>
+            </a:r>
+            <a:r>
+              <a:rPr lang="fr-FR" sz="1400" b="1" dirty="0" smtClean="0"/>
+              <a:t>) ] + </a:t>
+            </a:r>
+            <a:r>
+              <a:rPr lang="fr-FR" altLang="fr-FR" sz="1400" b="1" dirty="0" err="1">
+                <a:ea typeface="Calibri" pitchFamily="34" charset="0"/>
+                <a:cs typeface="Arial" pitchFamily="34" charset="0"/>
+              </a:rPr>
+              <a:t>offset.x</a:t>
+            </a:r>
+            <a:r>
+              <a:rPr lang="fr-FR" sz="1400" b="1" dirty="0"/>
+              <a:t> </a:t>
+            </a:r>
+            <a:r>
+              <a:rPr lang="fr-FR" sz="1400" b="1" dirty="0" smtClean="0"/>
+              <a:t>+</a:t>
+            </a:r>
+            <a:r>
+              <a:rPr lang="fr-FR" sz="1400" b="1" dirty="0" err="1" smtClean="0"/>
+              <a:t>mHOrigine</a:t>
+            </a:r>
+            <a:r>
+              <a:rPr lang="fr-FR" sz="1400" b="1" dirty="0" smtClean="0"/>
+              <a:t>)</a:t>
+            </a:r>
+            <a:endParaRPr lang="fr-FR" sz="1400" b="1" dirty="0"/>
+          </a:p>
+          <a:p>
+            <a:endParaRPr lang="fr-FR" sz="1200" b="1" dirty="0" smtClean="0"/>
+          </a:p>
+        </p:txBody>
+      </p:sp>
+      <p:sp>
+        <p:nvSpPr>
+          <p:cNvPr id="22" name="ZoneTexte 21"/>
+          <p:cNvSpPr txBox="1"/>
+          <p:nvPr/>
+        </p:nvSpPr>
+        <p:spPr>
+          <a:xfrm>
+            <a:off x="6228184" y="1392058"/>
+            <a:ext cx="1728192" cy="1954381"/>
+          </a:xfrm>
+          <a:prstGeom prst="rect">
+            <a:avLst/>
+          </a:prstGeom>
+          <a:noFill/>
+        </p:spPr>
+        <p:txBody>
+          <a:bodyPr wrap="square" rtlCol="0">
+            <a:spAutoFit/>
+          </a:bodyPr>
+          <a:lstStyle/>
+          <a:p>
+            <a:r>
+              <a:rPr lang="fr-FR" sz="1100" dirty="0" smtClean="0"/>
+              <a:t>Valeur sélectionnées par l’utilisateur  :</a:t>
+            </a:r>
+          </a:p>
+          <a:p>
+            <a:r>
+              <a:rPr lang="fr-FR" sz="1100" b="1" dirty="0" err="1" smtClean="0"/>
+              <a:t>iHOrigine</a:t>
+            </a:r>
+            <a:r>
+              <a:rPr lang="fr-FR" sz="1100" b="1" dirty="0" smtClean="0"/>
+              <a:t> </a:t>
+            </a:r>
+            <a:r>
+              <a:rPr lang="fr-FR" sz="1100" b="1" dirty="0" smtClean="0">
+                <a:sym typeface="Wingdings" panose="05000000000000000000" pitchFamily="2" charset="2"/>
+              </a:rPr>
+              <a:t> 140</a:t>
+            </a:r>
+            <a:endParaRPr lang="fr-FR" sz="1100" b="1" dirty="0" smtClean="0"/>
+          </a:p>
+          <a:p>
+            <a:r>
+              <a:rPr lang="fr-FR" sz="1100" b="1" dirty="0" err="1" smtClean="0"/>
+              <a:t>iHFinal</a:t>
+            </a:r>
+            <a:r>
+              <a:rPr lang="fr-FR" sz="1100" b="1" dirty="0" smtClean="0"/>
+              <a:t> </a:t>
+            </a:r>
+            <a:r>
+              <a:rPr lang="fr-FR" sz="1100" b="1" dirty="0" smtClean="0">
+                <a:sym typeface="Wingdings" panose="05000000000000000000" pitchFamily="2" charset="2"/>
+              </a:rPr>
+              <a:t> 530</a:t>
+            </a:r>
+          </a:p>
+          <a:p>
+            <a:endParaRPr lang="fr-FR" sz="1100" b="1" dirty="0">
+              <a:sym typeface="Wingdings" panose="05000000000000000000" pitchFamily="2" charset="2"/>
+            </a:endParaRPr>
+          </a:p>
+          <a:p>
+            <a:r>
+              <a:rPr lang="fr-FR" sz="1100" dirty="0"/>
+              <a:t>Valeur </a:t>
+            </a:r>
+            <a:r>
+              <a:rPr lang="fr-FR" sz="1100" dirty="0" smtClean="0"/>
+              <a:t>cliquer </a:t>
+            </a:r>
+            <a:r>
+              <a:rPr lang="fr-FR" sz="1100" dirty="0"/>
+              <a:t>par l’utilisateur  :</a:t>
+            </a:r>
+          </a:p>
+          <a:p>
+            <a:r>
+              <a:rPr lang="fr-FR" sz="1100" b="1" dirty="0" smtClean="0"/>
+              <a:t>x </a:t>
+            </a:r>
+            <a:r>
+              <a:rPr lang="fr-FR" sz="1100" b="1" dirty="0">
+                <a:sym typeface="Wingdings" panose="05000000000000000000" pitchFamily="2" charset="2"/>
+              </a:rPr>
+              <a:t> </a:t>
+            </a:r>
+            <a:r>
+              <a:rPr lang="fr-FR" sz="1100" b="1" dirty="0" smtClean="0">
+                <a:sym typeface="Wingdings" panose="05000000000000000000" pitchFamily="2" charset="2"/>
+              </a:rPr>
+              <a:t>30</a:t>
+            </a:r>
+            <a:endParaRPr lang="fr-FR" sz="1100" b="1" dirty="0"/>
+          </a:p>
+          <a:p>
+            <a:r>
+              <a:rPr lang="fr-FR" sz="1100" b="1" dirty="0" smtClean="0"/>
+              <a:t>x </a:t>
+            </a:r>
+            <a:r>
+              <a:rPr lang="fr-FR" sz="1100" b="1" dirty="0">
+                <a:sym typeface="Wingdings" panose="05000000000000000000" pitchFamily="2" charset="2"/>
+              </a:rPr>
+              <a:t> </a:t>
+            </a:r>
+            <a:r>
+              <a:rPr lang="fr-FR" sz="1100" b="1" dirty="0" smtClean="0">
+                <a:sym typeface="Wingdings" panose="05000000000000000000" pitchFamily="2" charset="2"/>
+              </a:rPr>
+              <a:t>180</a:t>
+            </a:r>
+            <a:endParaRPr lang="fr-FR" sz="1100" b="1" dirty="0"/>
+          </a:p>
+          <a:p>
+            <a:endParaRPr lang="fr-FR" sz="1100" b="1" dirty="0" smtClean="0"/>
+          </a:p>
+          <a:p>
+            <a:endParaRPr lang="fr-FR" sz="1100" dirty="0"/>
+          </a:p>
+        </p:txBody>
+      </p:sp>
       <p:sp>
         <p:nvSpPr>
           <p:cNvPr id="23" name="Zone de texte 2"/>
@@ -4779,7 +5292,7 @@
     </p:spTree>
     <p:extLst>
       <p:ext uri="{BB962C8B-B14F-4D97-AF65-F5344CB8AC3E}">
-        <p14:creationId xmlns:p14="http://schemas.microsoft.com/office/powerpoint/2010/main" val="2835730446"/>
+        <p14:creationId xmlns:p14="http://schemas.microsoft.com/office/powerpoint/2010/main" val="3772994223"/>
       </p:ext>
     </p:extLst>
   </p:cSld>
@@ -4814,8 +5327,8 @@
         </p:nvSpPr>
         <p:spPr>
           <a:xfrm>
-            <a:off x="1836824" y="1423458"/>
-            <a:ext cx="6868988" cy="4996314"/>
+            <a:off x="1157287" y="942974"/>
+            <a:ext cx="7796102" cy="4501087"/>
           </a:xfrm>
           <a:prstGeom prst="rect">
             <a:avLst/>
@@ -4857,7 +5370,7 @@
         <p:spPr>
           <a:xfrm>
             <a:off x="2095500" y="1657350"/>
-            <a:ext cx="2295525" cy="1666875"/>
+            <a:ext cx="3700636" cy="1666875"/>
           </a:xfrm>
           <a:prstGeom prst="rect">
             <a:avLst/>
@@ -4902,7 +5415,7 @@
         </p:nvSpPr>
         <p:spPr bwMode="auto">
           <a:xfrm>
-            <a:off x="1856005" y="1423458"/>
+            <a:off x="1667677" y="1392058"/>
             <a:ext cx="360363" cy="295275"/>
           </a:xfrm>
           <a:prstGeom prst="rect">
@@ -4981,8 +5494,8 @@
         </p:nvCxnSpPr>
         <p:spPr>
           <a:xfrm>
-            <a:off x="2410996" y="2232018"/>
-            <a:ext cx="2420322" cy="0"/>
+            <a:off x="2337035" y="2314575"/>
+            <a:ext cx="2746995" cy="0"/>
           </a:xfrm>
           <a:prstGeom prst="straightConnector1">
             <a:avLst/>
@@ -5137,8 +5650,8 @@
         </p:nvSpPr>
         <p:spPr>
           <a:xfrm>
-            <a:off x="4363616" y="2511447"/>
-            <a:ext cx="579323" cy="369332"/>
+            <a:off x="4572000" y="2490787"/>
+            <a:ext cx="755129" cy="372847"/>
           </a:xfrm>
           <a:prstGeom prst="rect">
             <a:avLst/>
@@ -5169,7 +5682,7 @@
         </p:nvSpPr>
         <p:spPr bwMode="auto">
           <a:xfrm>
-            <a:off x="798212" y="1037798"/>
+            <a:off x="559743" y="516697"/>
             <a:ext cx="1535757" cy="295275"/>
           </a:xfrm>
           <a:prstGeom prst="rect">
@@ -5204,6 +5717,21 @@
               </a:spcAft>
             </a:pPr>
             <a:r>
+              <a:rPr kumimoji="0" lang="fr-FR" altLang="fr-FR" sz="1100" b="0" i="0" u="none" strike="noStrike" cap="none" normalizeH="0" baseline="0" dirty="0" err="1" smtClean="0">
+                <a:ln>
+                  <a:noFill/>
+                </a:ln>
+                <a:solidFill>
+                  <a:schemeClr val="tx1"/>
+                </a:solidFill>
+                <a:effectLst/>
+                <a:latin typeface="Arial" pitchFamily="34" charset="0"/>
+                <a:ea typeface="Calibri" pitchFamily="34" charset="0"/>
+                <a:cs typeface="Arial" pitchFamily="34" charset="0"/>
+              </a:rPr>
+              <a:t>offset.x</a:t>
+            </a:r>
+            <a:r>
               <a:rPr kumimoji="0" lang="fr-FR" altLang="fr-FR" sz="1100" b="0" i="0" u="none" strike="noStrike" cap="none" normalizeH="0" baseline="0" dirty="0" smtClean="0">
                 <a:ln>
                   <a:noFill/>
@@ -5216,21 +5744,6 @@
                 <a:ea typeface="Calibri" pitchFamily="34" charset="0"/>
                 <a:cs typeface="Arial" pitchFamily="34" charset="0"/>
               </a:rPr>
-              <a:t>offset(x)  </a:t>
-            </a:r>
-            <a:r>
-              <a:rPr kumimoji="0" lang="fr-FR" altLang="fr-FR" sz="1100" b="0" i="0" u="none" strike="noStrike" cap="none" normalizeH="0" baseline="0" dirty="0" smtClean="0">
-                <a:ln>
-                  <a:noFill/>
-                </a:ln>
-                <a:solidFill>
-                  <a:schemeClr val="tx1"/>
-                </a:solidFill>
-                <a:effectLst/>
-                <a:latin typeface="Arial" pitchFamily="34" charset="0"/>
-                <a:ea typeface="Calibri" pitchFamily="34" charset="0"/>
-                <a:cs typeface="Arial" pitchFamily="34" charset="0"/>
-              </a:rPr>
               <a:t>= </a:t>
             </a:r>
             <a:r>
@@ -5238,7 +5751,7 @@
                 <a:latin typeface="Calibri" pitchFamily="34" charset="0"/>
                 <a:cs typeface="Times New Roman" pitchFamily="18" charset="0"/>
               </a:rPr>
-              <a:t>-10</a:t>
+              <a:t>-100</a:t>
             </a:r>
             <a:endParaRPr kumimoji="0" lang="fr-FR" altLang="fr-FR" sz="1800" b="0" i="0" u="none" strike="noStrike" cap="none" normalizeH="0" baseline="0" dirty="0" smtClean="0">
               <a:ln>
@@ -5264,7 +5777,7 @@
         </p:nvSpPr>
         <p:spPr bwMode="auto">
           <a:xfrm>
-            <a:off x="2172190" y="1837181"/>
+            <a:off x="2231037" y="1846842"/>
             <a:ext cx="477611" cy="295275"/>
           </a:xfrm>
           <a:prstGeom prst="rect">
@@ -5311,7 +5824,7 @@
                 <a:latin typeface="Calibri" pitchFamily="34" charset="0"/>
                 <a:cs typeface="Times New Roman" pitchFamily="18" charset="0"/>
               </a:rPr>
-              <a:t>X=40</a:t>
+              <a:t>X=60</a:t>
             </a:r>
             <a:endParaRPr kumimoji="0" lang="fr-FR" altLang="fr-FR" sz="1800" b="0" i="0" u="none" strike="noStrike" cap="none" normalizeH="0" baseline="0" dirty="0" smtClean="0">
               <a:ln>
@@ -5327,6 +5840,390 @@
           </a:p>
         </p:txBody>
       </p:sp>
+      <p:cxnSp>
+        <p:nvCxnSpPr>
+          <p:cNvPr id="10" name="Connecteur droit avec flèche 9"/>
+          <p:cNvCxnSpPr/>
+          <p:nvPr/>
+        </p:nvCxnSpPr>
+        <p:spPr>
+          <a:xfrm>
+            <a:off x="1157287" y="4077072"/>
+            <a:ext cx="1179748" cy="0"/>
+          </a:xfrm>
+          <a:prstGeom prst="straightConnector1">
+            <a:avLst/>
+          </a:prstGeom>
+          <a:ln>
+            <a:headEnd type="arrow"/>
+            <a:tailEnd type="arrow"/>
+          </a:ln>
+        </p:spPr>
+        <p:style>
+          <a:lnRef idx="1">
+            <a:schemeClr val="accent1"/>
+          </a:lnRef>
+          <a:fillRef idx="0">
+            <a:schemeClr val="accent1"/>
+          </a:fillRef>
+          <a:effectRef idx="0">
+            <a:schemeClr val="accent1"/>
+          </a:effectRef>
+          <a:fontRef idx="minor">
+            <a:schemeClr val="tx1"/>
+          </a:fontRef>
+        </p:style>
+      </p:cxnSp>
+      <p:sp>
+        <p:nvSpPr>
+          <p:cNvPr id="15" name="ZoneTexte 14"/>
+          <p:cNvSpPr txBox="1"/>
+          <p:nvPr/>
+        </p:nvSpPr>
+        <p:spPr>
+          <a:xfrm>
+            <a:off x="1327620" y="3645024"/>
+            <a:ext cx="2068042" cy="446276"/>
+          </a:xfrm>
+          <a:prstGeom prst="rect">
+            <a:avLst/>
+          </a:prstGeom>
+          <a:noFill/>
+        </p:spPr>
+        <p:txBody>
+          <a:bodyPr wrap="square" rtlCol="0">
+            <a:spAutoFit/>
+          </a:bodyPr>
+          <a:lstStyle/>
+          <a:p>
+            <a:r>
+              <a:rPr lang="fr-FR" sz="1100" dirty="0" smtClean="0"/>
+              <a:t>60/zoom-(</a:t>
+            </a:r>
+            <a:r>
+              <a:rPr kumimoji="0" lang="fr-FR" altLang="fr-FR" sz="1100" b="0" i="0" u="none" strike="noStrike" cap="none" normalizeH="0" baseline="0" dirty="0" err="1" smtClean="0">
+                <a:ln>
+                  <a:noFill/>
+                </a:ln>
+                <a:solidFill>
+                  <a:schemeClr val="tx1"/>
+                </a:solidFill>
+                <a:effectLst/>
+                <a:latin typeface="Arial" pitchFamily="34" charset="0"/>
+                <a:ea typeface="Calibri" pitchFamily="34" charset="0"/>
+                <a:cs typeface="Arial" pitchFamily="34" charset="0"/>
+              </a:rPr>
+              <a:t>offset.x</a:t>
+            </a:r>
+            <a:r>
+              <a:rPr lang="fr-FR" sz="1100" dirty="0" smtClean="0"/>
+              <a:t>)</a:t>
+            </a:r>
+          </a:p>
+          <a:p>
+            <a:r>
+              <a:rPr lang="fr-FR" sz="1100" dirty="0" smtClean="0"/>
+              <a:t>30+100=130=</a:t>
+            </a:r>
+            <a:r>
+              <a:rPr lang="fr-FR" sz="1100" b="1" dirty="0" err="1" smtClean="0"/>
+              <a:t>mHOrigine</a:t>
+            </a:r>
+            <a:endParaRPr lang="fr-FR" sz="1100" b="1" dirty="0"/>
+          </a:p>
+        </p:txBody>
+      </p:sp>
+      <p:cxnSp>
+        <p:nvCxnSpPr>
+          <p:cNvPr id="17" name="Connecteur droit avec flèche 16"/>
+          <p:cNvCxnSpPr/>
+          <p:nvPr/>
+        </p:nvCxnSpPr>
+        <p:spPr>
+          <a:xfrm>
+            <a:off x="1157287" y="4797152"/>
+            <a:ext cx="4114031" cy="0"/>
+          </a:xfrm>
+          <a:prstGeom prst="straightConnector1">
+            <a:avLst/>
+          </a:prstGeom>
+          <a:ln>
+            <a:headEnd type="arrow"/>
+            <a:tailEnd type="arrow"/>
+          </a:ln>
+        </p:spPr>
+        <p:style>
+          <a:lnRef idx="1">
+            <a:schemeClr val="accent1"/>
+          </a:lnRef>
+          <a:fillRef idx="0">
+            <a:schemeClr val="accent1"/>
+          </a:fillRef>
+          <a:effectRef idx="0">
+            <a:schemeClr val="accent1"/>
+          </a:effectRef>
+          <a:fontRef idx="minor">
+            <a:schemeClr val="tx1"/>
+          </a:fontRef>
+        </p:style>
+      </p:cxnSp>
+      <p:sp>
+        <p:nvSpPr>
+          <p:cNvPr id="19" name="ZoneTexte 18"/>
+          <p:cNvSpPr txBox="1"/>
+          <p:nvPr/>
+        </p:nvSpPr>
+        <p:spPr>
+          <a:xfrm>
+            <a:off x="1747161" y="5013175"/>
+            <a:ext cx="1183913" cy="430887"/>
+          </a:xfrm>
+          <a:prstGeom prst="rect">
+            <a:avLst/>
+          </a:prstGeom>
+          <a:noFill/>
+        </p:spPr>
+        <p:txBody>
+          <a:bodyPr wrap="square" rtlCol="0">
+            <a:spAutoFit/>
+          </a:bodyPr>
+          <a:lstStyle/>
+          <a:p>
+            <a:r>
+              <a:rPr lang="fr-FR" sz="1100" dirty="0" smtClean="0"/>
+              <a:t>280=</a:t>
+            </a:r>
+            <a:r>
+              <a:rPr lang="fr-FR" sz="1100" dirty="0" err="1" smtClean="0"/>
+              <a:t>mHFinal</a:t>
+            </a:r>
+            <a:endParaRPr lang="fr-FR" sz="1100" b="1" dirty="0" smtClean="0"/>
+          </a:p>
+          <a:p>
+            <a:endParaRPr lang="fr-FR" sz="1100" dirty="0"/>
+          </a:p>
+        </p:txBody>
+      </p:sp>
+      <p:sp>
+        <p:nvSpPr>
+          <p:cNvPr id="20" name="ZoneTexte 19"/>
+          <p:cNvSpPr txBox="1"/>
+          <p:nvPr/>
+        </p:nvSpPr>
+        <p:spPr>
+          <a:xfrm>
+            <a:off x="1836759" y="5661248"/>
+            <a:ext cx="6252534" cy="461665"/>
+          </a:xfrm>
+          <a:prstGeom prst="rect">
+            <a:avLst/>
+          </a:prstGeom>
+          <a:noFill/>
+        </p:spPr>
+        <p:txBody>
+          <a:bodyPr wrap="square" rtlCol="0">
+            <a:spAutoFit/>
+          </a:bodyPr>
+          <a:lstStyle/>
+          <a:p>
+            <a:r>
+              <a:rPr lang="fr-FR" sz="1200" dirty="0" smtClean="0"/>
+              <a:t>XH = 140 + (530-140) * (X/Zoom-</a:t>
+            </a:r>
+            <a:r>
+              <a:rPr kumimoji="0" lang="fr-FR" altLang="fr-FR" sz="1200" b="0" i="0" u="none" strike="noStrike" cap="none" normalizeH="0" baseline="0" dirty="0" err="1" smtClean="0">
+                <a:ln>
+                  <a:noFill/>
+                </a:ln>
+                <a:solidFill>
+                  <a:schemeClr val="tx1"/>
+                </a:solidFill>
+                <a:effectLst/>
+                <a:latin typeface="Arial" pitchFamily="34" charset="0"/>
+                <a:ea typeface="Calibri" pitchFamily="34" charset="0"/>
+                <a:cs typeface="Arial" pitchFamily="34" charset="0"/>
+              </a:rPr>
+              <a:t>offset.x</a:t>
+            </a:r>
+            <a:r>
+              <a:rPr kumimoji="0" lang="fr-FR" altLang="fr-FR" sz="1200" b="0" i="0" u="none" strike="noStrike" cap="none" normalizeH="0" baseline="0" dirty="0" smtClean="0">
+                <a:ln>
+                  <a:noFill/>
+                </a:ln>
+                <a:solidFill>
+                  <a:schemeClr val="tx1"/>
+                </a:solidFill>
+                <a:effectLst/>
+                <a:latin typeface="Arial" pitchFamily="34" charset="0"/>
+                <a:ea typeface="Calibri" pitchFamily="34" charset="0"/>
+                <a:cs typeface="Arial" pitchFamily="34" charset="0"/>
+              </a:rPr>
+              <a:t>)</a:t>
+            </a:r>
+            <a:r>
+              <a:rPr lang="fr-FR" sz="1200" dirty="0" smtClean="0"/>
+              <a:t>) -</a:t>
+            </a:r>
+            <a:r>
+              <a:rPr lang="fr-FR" sz="1200" dirty="0" err="1" smtClean="0"/>
+              <a:t>mHOrigine</a:t>
+            </a:r>
+            <a:r>
+              <a:rPr lang="fr-FR" sz="1200" dirty="0" smtClean="0"/>
+              <a:t>) /  (</a:t>
+            </a:r>
+            <a:r>
+              <a:rPr lang="fr-FR" sz="1200" dirty="0" err="1" smtClean="0"/>
+              <a:t>mHFinal</a:t>
+            </a:r>
+            <a:r>
+              <a:rPr lang="fr-FR" sz="1200" b="1" dirty="0" err="1" smtClean="0"/>
+              <a:t>-</a:t>
+            </a:r>
+            <a:r>
+              <a:rPr lang="fr-FR" sz="1200" dirty="0" err="1" smtClean="0"/>
+              <a:t>mHOrigine</a:t>
+            </a:r>
+            <a:r>
+              <a:rPr lang="fr-FR" sz="1200" dirty="0" smtClean="0"/>
+              <a:t>)</a:t>
+            </a:r>
+          </a:p>
+          <a:p>
+            <a:r>
+              <a:rPr lang="fr-FR" sz="1200" b="1" dirty="0" smtClean="0"/>
+              <a:t>XH(60) = 140 +(530-140) * (60/2+100-130)/(280-130) = 140</a:t>
+            </a:r>
+          </a:p>
+        </p:txBody>
+      </p:sp>
+      <p:sp>
+        <p:nvSpPr>
+          <p:cNvPr id="22" name="ZoneTexte 21"/>
+          <p:cNvSpPr txBox="1"/>
+          <p:nvPr/>
+        </p:nvSpPr>
+        <p:spPr>
+          <a:xfrm>
+            <a:off x="7020272" y="1510144"/>
+            <a:ext cx="1728192" cy="1785104"/>
+          </a:xfrm>
+          <a:prstGeom prst="rect">
+            <a:avLst/>
+          </a:prstGeom>
+        </p:spPr>
+        <p:style>
+          <a:lnRef idx="2">
+            <a:schemeClr val="dk1"/>
+          </a:lnRef>
+          <a:fillRef idx="1">
+            <a:schemeClr val="lt1"/>
+          </a:fillRef>
+          <a:effectRef idx="0">
+            <a:schemeClr val="dk1"/>
+          </a:effectRef>
+          <a:fontRef idx="minor">
+            <a:schemeClr val="dk1"/>
+          </a:fontRef>
+        </p:style>
+        <p:txBody>
+          <a:bodyPr wrap="square" rtlCol="0">
+            <a:spAutoFit/>
+          </a:bodyPr>
+          <a:lstStyle/>
+          <a:p>
+            <a:r>
+              <a:rPr lang="fr-FR" sz="1100" dirty="0"/>
+              <a:t>Valeur sélectionnées par l’utilisateur  :</a:t>
+            </a:r>
+          </a:p>
+          <a:p>
+            <a:r>
+              <a:rPr lang="fr-FR" sz="1100" b="1" dirty="0" err="1"/>
+              <a:t>iHOrigine</a:t>
+            </a:r>
+            <a:r>
+              <a:rPr lang="fr-FR" sz="1100" b="1" dirty="0"/>
+              <a:t> </a:t>
+            </a:r>
+            <a:r>
+              <a:rPr lang="fr-FR" sz="1100" b="1" dirty="0">
+                <a:sym typeface="Wingdings" panose="05000000000000000000" pitchFamily="2" charset="2"/>
+              </a:rPr>
+              <a:t> 140</a:t>
+            </a:r>
+            <a:endParaRPr lang="fr-FR" sz="1100" b="1" dirty="0"/>
+          </a:p>
+          <a:p>
+            <a:r>
+              <a:rPr lang="fr-FR" sz="1100" b="1" dirty="0" err="1"/>
+              <a:t>iHFinal</a:t>
+            </a:r>
+            <a:r>
+              <a:rPr lang="fr-FR" sz="1100" b="1" dirty="0"/>
+              <a:t> </a:t>
+            </a:r>
+            <a:r>
+              <a:rPr lang="fr-FR" sz="1100" b="1" dirty="0">
+                <a:sym typeface="Wingdings" panose="05000000000000000000" pitchFamily="2" charset="2"/>
+              </a:rPr>
+              <a:t> 530</a:t>
+            </a:r>
+          </a:p>
+          <a:p>
+            <a:endParaRPr lang="fr-FR" sz="1100" b="1" dirty="0">
+              <a:sym typeface="Wingdings" panose="05000000000000000000" pitchFamily="2" charset="2"/>
+            </a:endParaRPr>
+          </a:p>
+          <a:p>
+            <a:r>
+              <a:rPr lang="fr-FR" sz="1100" dirty="0"/>
+              <a:t>Valeur cliquer par l’utilisateur  :</a:t>
+            </a:r>
+          </a:p>
+          <a:p>
+            <a:r>
+              <a:rPr lang="fr-FR" sz="1100" b="1" dirty="0"/>
+              <a:t>x </a:t>
+            </a:r>
+            <a:r>
+              <a:rPr lang="fr-FR" sz="1100" b="1" dirty="0">
+                <a:sym typeface="Wingdings" panose="05000000000000000000" pitchFamily="2" charset="2"/>
+              </a:rPr>
+              <a:t> </a:t>
+            </a:r>
+            <a:r>
+              <a:rPr lang="fr-FR" sz="1100" b="1" dirty="0" smtClean="0">
+                <a:sym typeface="Wingdings" panose="05000000000000000000" pitchFamily="2" charset="2"/>
+              </a:rPr>
+              <a:t>60</a:t>
+            </a:r>
+            <a:endParaRPr lang="fr-FR" sz="1100" b="1" dirty="0"/>
+          </a:p>
+          <a:p>
+            <a:r>
+              <a:rPr lang="fr-FR" sz="1100" b="1" dirty="0"/>
+              <a:t>x </a:t>
+            </a:r>
+            <a:r>
+              <a:rPr lang="fr-FR" sz="1100" b="1" dirty="0">
+                <a:sym typeface="Wingdings" panose="05000000000000000000" pitchFamily="2" charset="2"/>
+              </a:rPr>
+              <a:t> </a:t>
+            </a:r>
+            <a:r>
+              <a:rPr lang="fr-FR" sz="1100" b="1" dirty="0" smtClean="0">
+                <a:sym typeface="Wingdings" panose="05000000000000000000" pitchFamily="2" charset="2"/>
+              </a:rPr>
+              <a:t>360</a:t>
+            </a:r>
+            <a:endParaRPr lang="fr-FR" sz="1100" b="1" dirty="0"/>
+          </a:p>
+          <a:p>
+            <a:endParaRPr lang="fr-FR" sz="1100" dirty="0" smtClean="0"/>
+          </a:p>
+        </p:txBody>
+      </p:sp>
       <p:sp>
         <p:nvSpPr>
           <p:cNvPr id="23" name="Zone de texte 2"/>
@@ -5337,8 +6234,8 @@
         </p:nvSpPr>
         <p:spPr bwMode="auto">
           <a:xfrm>
-            <a:off x="4391025" y="1819804"/>
-            <a:ext cx="524507" cy="295275"/>
+            <a:off x="4572000" y="1799599"/>
+            <a:ext cx="831743" cy="389759"/>
           </a:xfrm>
           <a:prstGeom prst="rect">
             <a:avLst/>
@@ -5384,7 +6281,7 @@
                 <a:latin typeface="Calibri" pitchFamily="34" charset="0"/>
                 <a:cs typeface="Times New Roman" pitchFamily="18" charset="0"/>
               </a:rPr>
-              <a:t>X=340</a:t>
+              <a:t>X=360</a:t>
             </a:r>
             <a:endParaRPr kumimoji="0" lang="fr-FR" altLang="fr-FR" sz="1800" b="0" i="0" u="none" strike="noStrike" cap="none" normalizeH="0" baseline="0" dirty="0" smtClean="0">
               <a:ln>
@@ -5403,7 +6300,7 @@
     </p:spTree>
     <p:extLst>
       <p:ext uri="{BB962C8B-B14F-4D97-AF65-F5344CB8AC3E}">
-        <p14:creationId xmlns:p14="http://schemas.microsoft.com/office/powerpoint/2010/main" val="1542560020"/>
+        <p14:creationId xmlns:p14="http://schemas.microsoft.com/office/powerpoint/2010/main" val="2596174156"/>
       </p:ext>
     </p:extLst>
   </p:cSld>
@@ -5413,7 +6310,7 @@
 </p:sld>
 </file>
 
-<file path=ppt/slides/slide2.xml><?xml version="1.0" encoding="utf-8"?>
+<file path=ppt/slides/slide14.xml><?xml version="1.0" encoding="utf-8"?>
 <p:sld xmlns:a="http://schemas.openxmlformats.org/drawingml/2006/main" xmlns:r="http://schemas.openxmlformats.org/officeDocument/2006/relationships" xmlns:p="http://schemas.openxmlformats.org/presentationml/2006/main">
   <p:cSld>
     <p:spTree>
@@ -5432,742 +6329,65 @@
       </p:grpSpPr>
       <p:sp>
         <p:nvSpPr>
-          <p:cNvPr id="5" name="Rectangle 4"/>
-          <p:cNvSpPr/>
+          <p:cNvPr id="4" name="ZoneTexte 3"/>
+          <p:cNvSpPr txBox="1"/>
           <p:nvPr/>
         </p:nvSpPr>
         <p:spPr>
           <a:xfrm>
-            <a:off x="2095500" y="1657350"/>
-            <a:ext cx="4476750" cy="3409950"/>
+            <a:off x="755576" y="2132856"/>
+            <a:ext cx="7344816" cy="1569660"/>
           </a:xfrm>
           <a:prstGeom prst="rect">
             <a:avLst/>
           </a:prstGeom>
-        </p:spPr>
-        <p:style>
-          <a:lnRef idx="1">
-            <a:schemeClr val="accent3"/>
-          </a:lnRef>
-          <a:fillRef idx="2">
-            <a:schemeClr val="accent3"/>
-          </a:fillRef>
-          <a:effectRef idx="1">
-            <a:schemeClr val="accent3"/>
-          </a:effectRef>
-          <a:fontRef idx="minor">
-            <a:schemeClr val="dk1"/>
-          </a:fontRef>
-        </p:style>
-        <p:txBody>
-          <a:bodyPr rot="0" spcFirstLastPara="0" vert="horz" wrap="square" lIns="91440" tIns="45720" rIns="91440" bIns="45720" numCol="1" spcCol="0" rtlCol="0" fromWordArt="0" anchor="ctr" anchorCtr="0" forceAA="0" compatLnSpc="1">
-            <a:prstTxWarp prst="textNoShape">
-              <a:avLst/>
-            </a:prstTxWarp>
-            <a:noAutofit/>
+          <a:noFill/>
+        </p:spPr>
+        <p:txBody>
+          <a:bodyPr wrap="square" rtlCol="0">
+            <a:spAutoFit/>
           </a:bodyPr>
           <a:lstStyle/>
           <a:p>
-            <a:endParaRPr lang="fr-FR"/>
-          </a:p>
-        </p:txBody>
-      </p:sp>
-      <p:sp>
-        <p:nvSpPr>
-          <p:cNvPr id="6" name="Rectangle 5"/>
-          <p:cNvSpPr/>
-          <p:nvPr/>
-        </p:nvSpPr>
-        <p:spPr>
-          <a:xfrm>
-            <a:off x="2095500" y="1657350"/>
-            <a:ext cx="2295525" cy="1666875"/>
-          </a:xfrm>
-          <a:prstGeom prst="rect">
-            <a:avLst/>
-          </a:prstGeom>
-        </p:spPr>
-        <p:style>
-          <a:lnRef idx="2">
-            <a:schemeClr val="accent1">
-              <a:shade val="50000"/>
-            </a:schemeClr>
-          </a:lnRef>
-          <a:fillRef idx="1">
-            <a:schemeClr val="accent1"/>
-          </a:fillRef>
-          <a:effectRef idx="0">
-            <a:schemeClr val="accent1"/>
-          </a:effectRef>
-          <a:fontRef idx="minor">
-            <a:schemeClr val="lt1"/>
-          </a:fontRef>
-        </p:style>
-        <p:txBody>
-          <a:bodyPr rot="0" spcFirstLastPara="0" vert="horz" wrap="square" lIns="91440" tIns="45720" rIns="91440" bIns="45720" numCol="1" spcCol="0" rtlCol="0" fromWordArt="0" anchor="ctr" anchorCtr="0" forceAA="0" compatLnSpc="1">
-            <a:prstTxWarp prst="textNoShape">
-              <a:avLst/>
-            </a:prstTxWarp>
-            <a:noAutofit/>
-          </a:bodyPr>
-          <a:lstStyle/>
-          <a:p>
-            <a:endParaRPr lang="fr-FR"/>
-          </a:p>
-        </p:txBody>
-      </p:sp>
-      <p:sp>
-        <p:nvSpPr>
-          <p:cNvPr id="7" name="Zone de texte 2"/>
-          <p:cNvSpPr txBox="1">
-            <a:spLocks noChangeArrowheads="1"/>
-          </p:cNvSpPr>
-          <p:nvPr/>
-        </p:nvSpPr>
-        <p:spPr bwMode="auto">
-          <a:xfrm>
-            <a:off x="1667677" y="1392058"/>
-            <a:ext cx="360363" cy="295275"/>
-          </a:xfrm>
-          <a:prstGeom prst="rect">
-            <a:avLst/>
-          </a:prstGeom>
-          <a:solidFill>
-            <a:srgbClr val="FFFFFF"/>
-          </a:solidFill>
-          <a:ln w="6350">
-            <a:solidFill>
-              <a:srgbClr val="000000"/>
-            </a:solidFill>
-            <a:miter lim="800000"/>
-            <a:headEnd/>
-            <a:tailEnd/>
-          </a:ln>
-        </p:spPr>
-        <p:txBody>
-          <a:bodyPr vert="horz" wrap="none" lIns="91440" tIns="45720" rIns="91440" bIns="45720" numCol="1" anchor="t" anchorCtr="0" compatLnSpc="1">
-            <a:prstTxWarp prst="textNoShape">
-              <a:avLst/>
-            </a:prstTxWarp>
-          </a:bodyPr>
-          <a:lstStyle/>
-          <a:p>
-            <a:pPr marL="0" marR="0" lvl="0" indent="0" algn="l" defTabSz="914400" rtl="0" eaLnBrk="1" fontAlgn="base" latinLnBrk="0" hangingPunct="1">
-              <a:lnSpc>
-                <a:spcPct val="100000"/>
-              </a:lnSpc>
-              <a:spcBef>
-                <a:spcPct val="0"/>
-              </a:spcBef>
-              <a:spcAft>
-                <a:spcPct val="0"/>
-              </a:spcAft>
-              <a:buClrTx/>
-              <a:buSzTx/>
-              <a:buFontTx/>
-              <a:buNone/>
-              <a:tabLst/>
-            </a:pPr>
-            <a:r>
-              <a:rPr kumimoji="0" lang="fr-FR" altLang="fr-FR" sz="1100" b="0" i="0" u="none" strike="noStrike" cap="none" normalizeH="0" baseline="0" smtClean="0">
-                <a:ln>
-                  <a:noFill/>
-                </a:ln>
-                <a:solidFill>
-                  <a:schemeClr val="tx1"/>
-                </a:solidFill>
-                <a:effectLst/>
-                <a:latin typeface="Calibri" pitchFamily="34" charset="0"/>
-                <a:ea typeface="Calibri" pitchFamily="34" charset="0"/>
-                <a:cs typeface="Times New Roman" pitchFamily="18" charset="0"/>
-              </a:rPr>
-              <a:t>0,0</a:t>
-            </a:r>
-            <a:endParaRPr kumimoji="0" lang="fr-FR" altLang="fr-FR" sz="1800" b="0" i="0" u="none" strike="noStrike" cap="none" normalizeH="0" baseline="0" smtClean="0">
-              <a:ln>
-                <a:noFill/>
-              </a:ln>
-              <a:solidFill>
-                <a:schemeClr val="tx1"/>
-              </a:solidFill>
-              <a:effectLst/>
-              <a:latin typeface="Arial" pitchFamily="34" charset="0"/>
-              <a:cs typeface="Arial" pitchFamily="34" charset="0"/>
-            </a:endParaRPr>
-          </a:p>
-        </p:txBody>
-      </p:sp>
-      <p:cxnSp>
-        <p:nvCxnSpPr>
-          <p:cNvPr id="8" name="Connecteur droit avec flèche 7"/>
-          <p:cNvCxnSpPr/>
-          <p:nvPr/>
-        </p:nvCxnSpPr>
-        <p:spPr>
-          <a:xfrm flipH="1" flipV="1">
-            <a:off x="2409827" y="2314576"/>
-            <a:ext cx="873481" cy="660796"/>
-          </a:xfrm>
-          <a:prstGeom prst="straightConnector1">
-            <a:avLst/>
-          </a:prstGeom>
-          <a:ln>
-            <a:tailEnd type="arrow"/>
-          </a:ln>
-        </p:spPr>
-        <p:style>
-          <a:lnRef idx="2">
-            <a:schemeClr val="dk1"/>
-          </a:lnRef>
-          <a:fillRef idx="0">
-            <a:schemeClr val="dk1"/>
-          </a:fillRef>
-          <a:effectRef idx="1">
-            <a:schemeClr val="dk1"/>
-          </a:effectRef>
-          <a:fontRef idx="minor">
-            <a:schemeClr val="tx1"/>
-          </a:fontRef>
-        </p:style>
-      </p:cxnSp>
-      <p:sp>
-        <p:nvSpPr>
-          <p:cNvPr id="9" name="Zone de texte 5"/>
-          <p:cNvSpPr txBox="1">
-            <a:spLocks noChangeArrowheads="1"/>
-          </p:cNvSpPr>
-          <p:nvPr/>
-        </p:nvSpPr>
-        <p:spPr bwMode="auto">
-          <a:xfrm>
-            <a:off x="3283308" y="2975372"/>
-            <a:ext cx="2152788" cy="619125"/>
-          </a:xfrm>
-          <a:prstGeom prst="rect">
-            <a:avLst/>
-          </a:prstGeom>
-          <a:solidFill>
-            <a:srgbClr val="FFFFFF"/>
-          </a:solidFill>
-          <a:ln w="6350">
-            <a:solidFill>
-              <a:srgbClr val="000000"/>
-            </a:solidFill>
-            <a:prstDash val="lgDash"/>
-            <a:miter lim="800000"/>
-            <a:headEnd/>
-            <a:tailEnd/>
-          </a:ln>
-        </p:spPr>
-        <p:txBody>
-          <a:bodyPr vert="horz" wrap="square" lIns="91440" tIns="45720" rIns="91440" bIns="45720" numCol="1" anchor="t" anchorCtr="0" compatLnSpc="1">
-            <a:prstTxWarp prst="textNoShape">
-              <a:avLst/>
-            </a:prstTxWarp>
-          </a:bodyPr>
-          <a:lstStyle/>
-          <a:p>
-            <a:pPr marL="0" marR="0" lvl="0" indent="0" algn="l" defTabSz="914400" rtl="0" eaLnBrk="1" fontAlgn="base" latinLnBrk="0" hangingPunct="1">
-              <a:lnSpc>
-                <a:spcPct val="100000"/>
-              </a:lnSpc>
-              <a:spcBef>
-                <a:spcPct val="0"/>
-              </a:spcBef>
-              <a:spcAft>
-                <a:spcPct val="0"/>
-              </a:spcAft>
-              <a:buClrTx/>
-              <a:buSzTx/>
-              <a:buFontTx/>
-              <a:buNone/>
-              <a:tabLst/>
-            </a:pPr>
-            <a:r>
-              <a:rPr kumimoji="0" lang="fr-FR" altLang="fr-FR" sz="900" b="0" i="0" u="none" strike="noStrike" cap="none" normalizeH="0" baseline="0" dirty="0" smtClean="0">
-                <a:ln>
-                  <a:noFill/>
-                </a:ln>
-                <a:solidFill>
-                  <a:schemeClr val="tx1"/>
-                </a:solidFill>
-                <a:effectLst/>
-                <a:latin typeface="Arial" pitchFamily="34" charset="0"/>
-                <a:ea typeface="Calibri" pitchFamily="34" charset="0"/>
-                <a:cs typeface="Arial" pitchFamily="34" charset="0"/>
-              </a:rPr>
-              <a:t>Clic </a:t>
-            </a:r>
-            <a:r>
-              <a:rPr kumimoji="0" lang="fr-FR" altLang="fr-FR" sz="900" b="0" i="0" u="none" strike="noStrike" cap="none" normalizeH="0" baseline="0" dirty="0" err="1" smtClean="0">
-                <a:ln>
-                  <a:noFill/>
-                </a:ln>
-                <a:solidFill>
-                  <a:schemeClr val="tx1"/>
-                </a:solidFill>
-                <a:effectLst/>
-                <a:latin typeface="Arial" pitchFamily="34" charset="0"/>
-                <a:ea typeface="Calibri" pitchFamily="34" charset="0"/>
-                <a:cs typeface="Arial" pitchFamily="34" charset="0"/>
-              </a:rPr>
-              <a:t>Pressed</a:t>
-            </a:r>
-            <a:r>
-              <a:rPr kumimoji="0" lang="fr-FR" altLang="fr-FR" sz="900" b="0" i="0" u="none" strike="noStrike" cap="none" normalizeH="0" baseline="0" dirty="0" smtClean="0">
-                <a:ln>
-                  <a:noFill/>
-                </a:ln>
-                <a:solidFill>
-                  <a:schemeClr val="tx1"/>
-                </a:solidFill>
-                <a:effectLst/>
-                <a:latin typeface="Arial" pitchFamily="34" charset="0"/>
-                <a:ea typeface="Calibri" pitchFamily="34" charset="0"/>
-                <a:cs typeface="Arial" pitchFamily="34" charset="0"/>
-              </a:rPr>
-              <a:t> </a:t>
-            </a:r>
-            <a:endParaRPr kumimoji="0" lang="fr-FR" altLang="fr-FR" sz="900" b="0" i="0" u="none" strike="noStrike" cap="none" normalizeH="0" baseline="0" dirty="0" smtClean="0">
-              <a:ln>
-                <a:noFill/>
-              </a:ln>
-              <a:solidFill>
-                <a:schemeClr val="tx1"/>
-              </a:solidFill>
-              <a:effectLst/>
-              <a:latin typeface="Arial" pitchFamily="34" charset="0"/>
-              <a:ea typeface="Calibri" pitchFamily="34" charset="0"/>
-              <a:cs typeface="Arial" pitchFamily="34" charset="0"/>
-            </a:endParaRPr>
-          </a:p>
-          <a:p>
-            <a:pPr marL="0" marR="0" lvl="0" indent="0" algn="l" defTabSz="914400" rtl="0" eaLnBrk="1" fontAlgn="base" latinLnBrk="0" hangingPunct="1">
-              <a:lnSpc>
-                <a:spcPct val="100000"/>
-              </a:lnSpc>
-              <a:spcBef>
-                <a:spcPct val="0"/>
-              </a:spcBef>
-              <a:spcAft>
-                <a:spcPct val="0"/>
-              </a:spcAft>
-              <a:buClrTx/>
-              <a:buSzTx/>
-              <a:buFontTx/>
-              <a:buNone/>
-              <a:tabLst/>
-            </a:pPr>
-            <a:r>
-              <a:rPr kumimoji="0" lang="fr-FR" altLang="fr-FR" sz="900" b="0" i="0" u="none" strike="noStrike" cap="none" normalizeH="0" baseline="0" dirty="0" err="1" smtClean="0">
-                <a:ln>
-                  <a:noFill/>
-                </a:ln>
-                <a:solidFill>
-                  <a:schemeClr val="tx1"/>
-                </a:solidFill>
-                <a:effectLst/>
-                <a:latin typeface="Arial" pitchFamily="34" charset="0"/>
-                <a:ea typeface="Calibri" pitchFamily="34" charset="0"/>
-                <a:cs typeface="Arial" pitchFamily="34" charset="0"/>
-              </a:rPr>
-              <a:t>dragStart</a:t>
-            </a:r>
-            <a:r>
-              <a:rPr kumimoji="0" lang="fr-FR" altLang="fr-FR" sz="900" b="0" i="0" u="none" strike="noStrike" cap="none" normalizeH="0" baseline="0" dirty="0" smtClean="0">
-                <a:ln>
-                  <a:noFill/>
-                </a:ln>
-                <a:solidFill>
-                  <a:schemeClr val="tx1"/>
-                </a:solidFill>
-                <a:effectLst/>
-                <a:latin typeface="Arial" pitchFamily="34" charset="0"/>
-                <a:ea typeface="Calibri" pitchFamily="34" charset="0"/>
-                <a:cs typeface="Arial" pitchFamily="34" charset="0"/>
-              </a:rPr>
-              <a:t>(x) </a:t>
-            </a:r>
-            <a:r>
-              <a:rPr lang="fr-FR" altLang="fr-FR" sz="900" dirty="0" smtClean="0">
-                <a:latin typeface="Arial" pitchFamily="34" charset="0"/>
-                <a:cs typeface="Arial" pitchFamily="34" charset="0"/>
-              </a:rPr>
-              <a:t>= X - </a:t>
-            </a:r>
-            <a:r>
-              <a:rPr lang="fr-FR" altLang="fr-FR" sz="900" dirty="0">
-                <a:latin typeface="Arial" pitchFamily="34" charset="0"/>
-                <a:ea typeface="Calibri" pitchFamily="34" charset="0"/>
-                <a:cs typeface="Arial" pitchFamily="34" charset="0"/>
-              </a:rPr>
-              <a:t>offset(x) </a:t>
-            </a:r>
-            <a:endParaRPr kumimoji="0" lang="fr-FR" altLang="fr-FR" sz="900" b="0" i="0" u="none" strike="noStrike" cap="none" normalizeH="0" baseline="0" dirty="0" smtClean="0">
-              <a:ln>
-                <a:noFill/>
-              </a:ln>
-              <a:solidFill>
-                <a:schemeClr val="tx1"/>
-              </a:solidFill>
-              <a:effectLst/>
-              <a:latin typeface="Arial" pitchFamily="34" charset="0"/>
-              <a:cs typeface="Arial" pitchFamily="34" charset="0"/>
-            </a:endParaRPr>
-          </a:p>
-          <a:p>
-            <a:pPr marL="0" marR="0" lvl="0" indent="0" algn="l" defTabSz="914400" rtl="0" eaLnBrk="0" fontAlgn="base" latinLnBrk="0" hangingPunct="0">
-              <a:lnSpc>
-                <a:spcPct val="100000"/>
-              </a:lnSpc>
-              <a:spcBef>
-                <a:spcPct val="0"/>
-              </a:spcBef>
-              <a:spcAft>
-                <a:spcPct val="0"/>
-              </a:spcAft>
-              <a:buClrTx/>
-              <a:buSzTx/>
-              <a:buFontTx/>
-              <a:buNone/>
-              <a:tabLst/>
-            </a:pPr>
-            <a:r>
-              <a:rPr kumimoji="0" lang="fr-FR" altLang="fr-FR" sz="900" b="0" i="0" u="none" strike="noStrike" cap="none" normalizeH="0" baseline="0" dirty="0" smtClean="0">
-                <a:ln>
-                  <a:noFill/>
-                </a:ln>
-                <a:solidFill>
-                  <a:schemeClr val="tx1"/>
-                </a:solidFill>
-                <a:effectLst/>
-                <a:latin typeface="Arial" pitchFamily="34" charset="0"/>
-                <a:ea typeface="Calibri" pitchFamily="34" charset="0"/>
-                <a:cs typeface="Arial" pitchFamily="34" charset="0"/>
-              </a:rPr>
-              <a:t>= 150 – 0 = 150</a:t>
-            </a:r>
-          </a:p>
-        </p:txBody>
-      </p:sp>
-      <p:sp>
-        <p:nvSpPr>
-          <p:cNvPr id="10" name="Zone de texte 6"/>
-          <p:cNvSpPr txBox="1">
-            <a:spLocks noChangeArrowheads="1"/>
-          </p:cNvSpPr>
-          <p:nvPr/>
-        </p:nvSpPr>
-        <p:spPr bwMode="auto">
-          <a:xfrm>
-            <a:off x="2219325" y="1687333"/>
-            <a:ext cx="3072755" cy="523875"/>
-          </a:xfrm>
-          <a:prstGeom prst="rect">
-            <a:avLst/>
-          </a:prstGeom>
-          <a:solidFill>
-            <a:srgbClr val="FFFFFF"/>
-          </a:solidFill>
-          <a:ln w="6350" cmpd="sng">
-            <a:gradFill>
-              <a:gsLst>
-                <a:gs pos="0">
-                  <a:schemeClr val="accent1">
-                    <a:tint val="66000"/>
-                    <a:satMod val="160000"/>
-                  </a:schemeClr>
-                </a:gs>
-                <a:gs pos="50000">
-                  <a:schemeClr val="accent1">
-                    <a:tint val="44500"/>
-                    <a:satMod val="160000"/>
-                  </a:schemeClr>
-                </a:gs>
-                <a:gs pos="100000">
-                  <a:schemeClr val="accent1">
-                    <a:tint val="23500"/>
-                    <a:satMod val="160000"/>
-                  </a:schemeClr>
-                </a:gs>
-              </a:gsLst>
-              <a:lin ang="5400000" scaled="0"/>
-            </a:gradFill>
-            <a:prstDash val="lgDash"/>
-            <a:miter lim="800000"/>
-            <a:headEnd/>
-            <a:tailEnd/>
-          </a:ln>
-        </p:spPr>
-        <p:txBody>
-          <a:bodyPr vert="horz" wrap="square" lIns="91440" tIns="45720" rIns="91440" bIns="45720" numCol="1" anchor="t" anchorCtr="0" compatLnSpc="1">
-            <a:prstTxWarp prst="textNoShape">
-              <a:avLst/>
-            </a:prstTxWarp>
-          </a:bodyPr>
-          <a:lstStyle/>
-          <a:p>
-            <a:pPr marL="0" marR="0" lvl="0" indent="0" algn="l" defTabSz="914400" rtl="0" eaLnBrk="1" fontAlgn="base" latinLnBrk="0" hangingPunct="1">
-              <a:lnSpc>
-                <a:spcPct val="100000"/>
-              </a:lnSpc>
-              <a:spcBef>
-                <a:spcPct val="0"/>
-              </a:spcBef>
-              <a:spcAft>
-                <a:spcPct val="0"/>
-              </a:spcAft>
-              <a:buClrTx/>
-              <a:buSzTx/>
-              <a:buFontTx/>
-              <a:buNone/>
-              <a:tabLst/>
-            </a:pPr>
-            <a:r>
-              <a:rPr kumimoji="0" lang="fr-FR" altLang="fr-FR" sz="900" b="0" i="0" u="none" strike="noStrike" cap="none" normalizeH="0" baseline="0" dirty="0" smtClean="0">
-                <a:ln>
-                  <a:noFill/>
-                </a:ln>
-                <a:solidFill>
-                  <a:schemeClr val="tx1"/>
-                </a:solidFill>
-                <a:effectLst/>
-                <a:latin typeface="Arial" pitchFamily="34" charset="0"/>
-                <a:ea typeface="Calibri" pitchFamily="34" charset="0"/>
-                <a:cs typeface="Arial" pitchFamily="34" charset="0"/>
-              </a:rPr>
-              <a:t>Drag</a:t>
-            </a:r>
-            <a:r>
-              <a:rPr kumimoji="0" lang="fr-FR" altLang="fr-FR" sz="900" b="0" i="0" u="none" strike="noStrike" cap="none" normalizeH="0" baseline="0" dirty="0" smtClean="0">
-                <a:ln>
-                  <a:noFill/>
-                </a:ln>
-                <a:solidFill>
-                  <a:schemeClr val="tx1"/>
-                </a:solidFill>
-                <a:effectLst/>
-                <a:latin typeface="Calibri"/>
-                <a:ea typeface="Calibri" pitchFamily="34" charset="0"/>
-                <a:cs typeface="Arial" pitchFamily="34" charset="0"/>
-              </a:rPr>
-              <a:t> </a:t>
-            </a:r>
-            <a:r>
-              <a:rPr kumimoji="0" lang="fr-FR" altLang="fr-FR" sz="900" b="0" i="0" u="none" strike="noStrike" cap="none" normalizeH="0" baseline="0" dirty="0" smtClean="0">
-                <a:ln>
-                  <a:noFill/>
-                </a:ln>
-                <a:solidFill>
-                  <a:schemeClr val="tx1"/>
-                </a:solidFill>
-                <a:effectLst/>
-                <a:latin typeface="Arial" pitchFamily="34" charset="0"/>
-                <a:ea typeface="Calibri" pitchFamily="34" charset="0"/>
-                <a:cs typeface="Arial" pitchFamily="34" charset="0"/>
-              </a:rPr>
-              <a:t>:</a:t>
-            </a:r>
-            <a:endParaRPr kumimoji="0" lang="fr-FR" altLang="fr-FR" sz="800" b="0" i="0" u="none" strike="noStrike" cap="none" normalizeH="0" baseline="0" dirty="0" smtClean="0">
-              <a:ln>
-                <a:noFill/>
-              </a:ln>
-              <a:solidFill>
-                <a:schemeClr val="tx1"/>
-              </a:solidFill>
-              <a:effectLst/>
-              <a:latin typeface="Arial" pitchFamily="34" charset="0"/>
-              <a:cs typeface="Arial" pitchFamily="34" charset="0"/>
-            </a:endParaRPr>
-          </a:p>
-          <a:p>
-            <a:pPr lvl="0" eaLnBrk="0" fontAlgn="base" hangingPunct="0">
-              <a:spcBef>
-                <a:spcPct val="0"/>
-              </a:spcBef>
-              <a:spcAft>
-                <a:spcPct val="0"/>
-              </a:spcAft>
-            </a:pPr>
-            <a:r>
-              <a:rPr kumimoji="0" lang="fr-FR" altLang="fr-FR" sz="900" b="0" i="0" u="none" strike="noStrike" cap="none" normalizeH="0" baseline="0" dirty="0" smtClean="0">
-                <a:ln>
-                  <a:noFill/>
-                </a:ln>
-                <a:solidFill>
-                  <a:schemeClr val="tx1"/>
-                </a:solidFill>
-                <a:effectLst/>
-                <a:latin typeface="Arial" pitchFamily="34" charset="0"/>
-                <a:ea typeface="Calibri" pitchFamily="34" charset="0"/>
-                <a:cs typeface="Arial" pitchFamily="34" charset="0"/>
-              </a:rPr>
-              <a:t>offset(x) </a:t>
-            </a:r>
-            <a:r>
-              <a:rPr kumimoji="0" lang="fr-FR" altLang="fr-FR" sz="900" b="0" i="0" u="none" strike="noStrike" cap="none" normalizeH="0" baseline="0" dirty="0" smtClean="0">
-                <a:ln>
-                  <a:noFill/>
-                </a:ln>
-                <a:solidFill>
-                  <a:schemeClr val="tx1"/>
-                </a:solidFill>
-                <a:effectLst/>
-                <a:latin typeface="Arial" pitchFamily="34" charset="0"/>
-                <a:ea typeface="Calibri" pitchFamily="34" charset="0"/>
-                <a:cs typeface="Arial" pitchFamily="34" charset="0"/>
-              </a:rPr>
-              <a:t>= </a:t>
-            </a:r>
-            <a:r>
-              <a:rPr lang="fr-FR" altLang="fr-FR" sz="900" dirty="0" smtClean="0">
-                <a:latin typeface="Arial" pitchFamily="34" charset="0"/>
-                <a:ea typeface="Calibri" pitchFamily="34" charset="0"/>
-                <a:cs typeface="Arial" pitchFamily="34" charset="0"/>
-              </a:rPr>
-              <a:t> </a:t>
-            </a:r>
-            <a:r>
-              <a:rPr lang="fr-FR" altLang="fr-FR" sz="900" dirty="0" err="1" smtClean="0">
-                <a:latin typeface="Arial" pitchFamily="34" charset="0"/>
-                <a:ea typeface="Calibri" pitchFamily="34" charset="0"/>
-                <a:cs typeface="Arial" pitchFamily="34" charset="0"/>
-              </a:rPr>
-              <a:t>evt.getX</a:t>
-            </a:r>
-            <a:r>
-              <a:rPr kumimoji="0" lang="fr-FR" altLang="fr-FR" sz="900" b="0" i="0" u="none" strike="noStrike" cap="none" normalizeH="0" baseline="0" dirty="0" smtClean="0">
-                <a:ln>
-                  <a:noFill/>
-                </a:ln>
-                <a:solidFill>
-                  <a:schemeClr val="tx1"/>
-                </a:solidFill>
-                <a:effectLst/>
-                <a:latin typeface="Arial" pitchFamily="34" charset="0"/>
-                <a:ea typeface="Calibri" pitchFamily="34" charset="0"/>
-                <a:cs typeface="Arial" pitchFamily="34" charset="0"/>
-              </a:rPr>
-              <a:t>() - </a:t>
-            </a:r>
-            <a:r>
-              <a:rPr kumimoji="0" lang="fr-FR" altLang="fr-FR" sz="900" b="0" i="0" u="none" strike="noStrike" cap="none" normalizeH="0" baseline="0" dirty="0" err="1" smtClean="0">
-                <a:ln>
-                  <a:noFill/>
-                </a:ln>
-                <a:solidFill>
-                  <a:schemeClr val="tx1"/>
-                </a:solidFill>
-                <a:effectLst/>
-                <a:latin typeface="Arial" pitchFamily="34" charset="0"/>
-                <a:ea typeface="Calibri" pitchFamily="34" charset="0"/>
-                <a:cs typeface="Arial" pitchFamily="34" charset="0"/>
-              </a:rPr>
-              <a:t>dragStart</a:t>
-            </a:r>
-            <a:r>
-              <a:rPr kumimoji="0" lang="fr-FR" altLang="fr-FR" sz="900" b="0" i="0" u="none" strike="noStrike" cap="none" normalizeH="0" baseline="0" dirty="0" smtClean="0">
-                <a:ln>
-                  <a:noFill/>
-                </a:ln>
-                <a:solidFill>
-                  <a:schemeClr val="tx1"/>
-                </a:solidFill>
-                <a:effectLst/>
-                <a:latin typeface="Arial" pitchFamily="34" charset="0"/>
-                <a:ea typeface="Calibri" pitchFamily="34" charset="0"/>
-                <a:cs typeface="Arial" pitchFamily="34" charset="0"/>
-              </a:rPr>
-              <a:t>(x) </a:t>
-            </a:r>
-            <a:endParaRPr kumimoji="0" lang="fr-FR" altLang="fr-FR" sz="800" b="0" i="0" u="none" strike="noStrike" cap="none" normalizeH="0" baseline="0" dirty="0" smtClean="0">
-              <a:ln>
-                <a:noFill/>
-              </a:ln>
-              <a:solidFill>
-                <a:schemeClr val="tx1"/>
-              </a:solidFill>
-              <a:effectLst/>
-              <a:latin typeface="Arial" pitchFamily="34" charset="0"/>
-              <a:cs typeface="Arial" pitchFamily="34" charset="0"/>
-            </a:endParaRPr>
-          </a:p>
-          <a:p>
-            <a:pPr eaLnBrk="0" fontAlgn="base" hangingPunct="0">
-              <a:spcBef>
-                <a:spcPct val="0"/>
-              </a:spcBef>
-              <a:spcAft>
-                <a:spcPct val="0"/>
-              </a:spcAft>
-            </a:pPr>
-            <a:r>
-              <a:rPr lang="fr-FR" altLang="fr-FR" sz="900" dirty="0" smtClean="0">
-                <a:latin typeface="Arial" pitchFamily="34" charset="0"/>
-                <a:ea typeface="Calibri" pitchFamily="34" charset="0"/>
-                <a:cs typeface="Arial" pitchFamily="34" charset="0"/>
-              </a:rPr>
-              <a:t>-100</a:t>
-            </a:r>
-            <a:r>
-              <a:rPr kumimoji="0" lang="fr-FR" altLang="fr-FR" sz="900" b="0" i="0" u="none" strike="noStrike" cap="none" normalizeH="0" baseline="0" dirty="0" smtClean="0">
-                <a:ln>
-                  <a:noFill/>
-                </a:ln>
-                <a:solidFill>
-                  <a:schemeClr val="tx1"/>
-                </a:solidFill>
-                <a:effectLst/>
-                <a:latin typeface="Arial" pitchFamily="34" charset="0"/>
-                <a:ea typeface="Calibri" pitchFamily="34" charset="0"/>
-                <a:cs typeface="Arial" pitchFamily="34" charset="0"/>
-              </a:rPr>
-              <a:t> = 0 + 50 </a:t>
-            </a:r>
-            <a:r>
-              <a:rPr kumimoji="0" lang="fr-FR" altLang="fr-FR" sz="900" b="0" i="0" u="none" strike="noStrike" cap="none" normalizeH="0" baseline="0" dirty="0" smtClean="0">
-                <a:ln>
-                  <a:noFill/>
-                </a:ln>
-                <a:solidFill>
-                  <a:schemeClr val="tx1"/>
-                </a:solidFill>
-                <a:effectLst/>
-                <a:latin typeface="Calibri"/>
-                <a:ea typeface="Calibri" pitchFamily="34" charset="0"/>
-                <a:cs typeface="Arial" pitchFamily="34" charset="0"/>
-              </a:rPr>
-              <a:t>–</a:t>
-            </a:r>
-            <a:r>
-              <a:rPr kumimoji="0" lang="fr-FR" altLang="fr-FR" sz="900" b="0" i="0" u="none" strike="noStrike" cap="none" normalizeH="0" baseline="0" dirty="0" smtClean="0">
-                <a:ln>
-                  <a:noFill/>
-                </a:ln>
-                <a:solidFill>
-                  <a:schemeClr val="tx1"/>
-                </a:solidFill>
-                <a:effectLst/>
-                <a:latin typeface="Arial" pitchFamily="34" charset="0"/>
-                <a:ea typeface="Calibri" pitchFamily="34" charset="0"/>
-                <a:cs typeface="Arial" pitchFamily="34" charset="0"/>
-              </a:rPr>
-              <a:t> 150</a:t>
-            </a:r>
-            <a:endParaRPr kumimoji="0" lang="fr-FR" altLang="fr-FR" sz="1800" b="0" i="0" u="none" strike="noStrike" cap="none" normalizeH="0" baseline="0" dirty="0" smtClean="0">
-              <a:ln>
-                <a:noFill/>
-              </a:ln>
-              <a:solidFill>
-                <a:schemeClr val="tx1"/>
-              </a:solidFill>
-              <a:effectLst/>
-              <a:latin typeface="Arial" pitchFamily="34" charset="0"/>
-              <a:cs typeface="Arial" pitchFamily="34" charset="0"/>
-            </a:endParaRPr>
-          </a:p>
-        </p:txBody>
-      </p:sp>
+            <a:pPr algn="ctr"/>
+            <a:r>
+              <a:rPr lang="fr-FR" sz="9600" dirty="0" smtClean="0"/>
+              <a:t>Logarithme</a:t>
+            </a:r>
+            <a:endParaRPr lang="fr-FR" sz="9600" dirty="0"/>
+          </a:p>
+        </p:txBody>
+      </p:sp>
+    </p:spTree>
+    <p:extLst>
+      <p:ext uri="{BB962C8B-B14F-4D97-AF65-F5344CB8AC3E}">
+        <p14:creationId xmlns:p14="http://schemas.microsoft.com/office/powerpoint/2010/main" val="1049835143"/>
+      </p:ext>
+    </p:extLst>
+  </p:cSld>
+  <p:clrMapOvr>
+    <a:masterClrMapping/>
+  </p:clrMapOvr>
+</p:sld>
+</file>
+
+<file path=ppt/slides/slide15.xml><?xml version="1.0" encoding="utf-8"?>
+<p:sld xmlns:a="http://schemas.openxmlformats.org/drawingml/2006/main" xmlns:r="http://schemas.openxmlformats.org/officeDocument/2006/relationships" xmlns:p="http://schemas.openxmlformats.org/presentationml/2006/main">
+  <p:cSld>
+    <p:spTree>
+      <p:nvGrpSpPr>
+        <p:cNvPr id="1" name=""/>
+        <p:cNvGrpSpPr/>
+        <p:nvPr/>
+      </p:nvGrpSpPr>
+      <p:grpSpPr>
+        <a:xfrm>
+          <a:off x="0" y="0"/>
+          <a:ext cx="0" cy="0"/>
+          <a:chOff x="0" y="0"/>
+          <a:chExt cx="0" cy="0"/>
+        </a:xfrm>
+      </p:grpSpPr>
       <p:sp>
         <p:nvSpPr>
           <p:cNvPr id="11" name="Rectangle 7"/>
@@ -6178,7 +6398,7 @@
         </p:nvSpPr>
         <p:spPr bwMode="auto">
           <a:xfrm>
-            <a:off x="0" y="0"/>
+            <a:off x="-168997" y="501335"/>
             <a:ext cx="9144000" cy="457200"/>
           </a:xfrm>
           <a:prstGeom prst="rect">
@@ -6233,6 +6453,36 @@
       </p:sp>
       <p:sp>
         <p:nvSpPr>
+          <p:cNvPr id="13" name="ZoneTexte 12"/>
+          <p:cNvSpPr txBox="1"/>
+          <p:nvPr/>
+        </p:nvSpPr>
+        <p:spPr>
+          <a:xfrm>
+            <a:off x="3646734" y="316669"/>
+            <a:ext cx="2142356" cy="369332"/>
+          </a:xfrm>
+          <a:prstGeom prst="rect">
+            <a:avLst/>
+          </a:prstGeom>
+          <a:noFill/>
+        </p:spPr>
+        <p:txBody>
+          <a:bodyPr wrap="square" rtlCol="0">
+            <a:spAutoFit/>
+          </a:bodyPr>
+          <a:lstStyle/>
+          <a:p>
+            <a:r>
+              <a:rPr lang="fr-FR" dirty="0" smtClean="0"/>
+              <a:t>Echelle = X 1</a:t>
+            </a:r>
+            <a:endParaRPr lang="fr-FR" dirty="0"/>
+          </a:p>
+        </p:txBody>
+      </p:sp>
+      <p:sp>
+        <p:nvSpPr>
           <p:cNvPr id="14" name="Zone de texte 2"/>
           <p:cNvSpPr txBox="1">
             <a:spLocks noChangeArrowheads="1"/>
@@ -6241,8 +6491,8 @@
         </p:nvSpPr>
         <p:spPr bwMode="auto">
           <a:xfrm>
-            <a:off x="1260161" y="908720"/>
-            <a:ext cx="1535757" cy="295275"/>
+            <a:off x="606904" y="684721"/>
+            <a:ext cx="1131937" cy="295275"/>
           </a:xfrm>
           <a:prstGeom prst="rect">
             <a:avLst/>
@@ -6276,6 +6526,21 @@
               </a:spcAft>
             </a:pPr>
             <a:r>
+              <a:rPr kumimoji="0" lang="fr-FR" altLang="fr-FR" sz="1100" b="0" i="0" u="none" strike="noStrike" cap="none" normalizeH="0" baseline="0" dirty="0" err="1" smtClean="0">
+                <a:ln>
+                  <a:noFill/>
+                </a:ln>
+                <a:solidFill>
+                  <a:schemeClr val="tx1"/>
+                </a:solidFill>
+                <a:effectLst/>
+                <a:latin typeface="Arial" pitchFamily="34" charset="0"/>
+                <a:ea typeface="Calibri" pitchFamily="34" charset="0"/>
+                <a:cs typeface="Arial" pitchFamily="34" charset="0"/>
+              </a:rPr>
+              <a:t>offset.y</a:t>
+            </a:r>
+            <a:r>
               <a:rPr kumimoji="0" lang="fr-FR" altLang="fr-FR" sz="1100" b="0" i="0" u="none" strike="noStrike" cap="none" normalizeH="0" baseline="0" dirty="0" smtClean="0">
                 <a:ln>
                   <a:noFill/>
@@ -6288,21 +6553,6 @@
                 <a:ea typeface="Calibri" pitchFamily="34" charset="0"/>
                 <a:cs typeface="Arial" pitchFamily="34" charset="0"/>
               </a:rPr>
-              <a:t>offset(x)  </a:t>
-            </a:r>
-            <a:r>
-              <a:rPr kumimoji="0" lang="fr-FR" altLang="fr-FR" sz="1100" b="0" i="0" u="none" strike="noStrike" cap="none" normalizeH="0" baseline="0" dirty="0" smtClean="0">
-                <a:ln>
-                  <a:noFill/>
-                </a:ln>
-                <a:solidFill>
-                  <a:schemeClr val="tx1"/>
-                </a:solidFill>
-                <a:effectLst/>
-                <a:latin typeface="Arial" pitchFamily="34" charset="0"/>
-                <a:ea typeface="Calibri" pitchFamily="34" charset="0"/>
-                <a:cs typeface="Arial" pitchFamily="34" charset="0"/>
-              </a:rPr>
               <a:t>= </a:t>
             </a:r>
             <a:r>
@@ -6310,7 +6560,7 @@
                 <a:latin typeface="Calibri" pitchFamily="34" charset="0"/>
                 <a:cs typeface="Times New Roman" pitchFamily="18" charset="0"/>
               </a:rPr>
-              <a:t>0</a:t>
+              <a:t>-100</a:t>
             </a:r>
             <a:endParaRPr kumimoji="0" lang="fr-FR" altLang="fr-FR" sz="1800" b="0" i="0" u="none" strike="noStrike" cap="none" normalizeH="0" baseline="0" dirty="0" smtClean="0">
               <a:ln>
@@ -6328,14 +6578,124 @@
       </p:sp>
       <p:sp>
         <p:nvSpPr>
-          <p:cNvPr id="2" name="ZoneTexte 1"/>
+          <p:cNvPr id="12" name="Zone de texte 2"/>
+          <p:cNvSpPr txBox="1">
+            <a:spLocks noChangeArrowheads="1"/>
+          </p:cNvSpPr>
+          <p:nvPr/>
+        </p:nvSpPr>
+        <p:spPr bwMode="auto">
+          <a:xfrm>
+            <a:off x="1715650" y="2573902"/>
+            <a:ext cx="477611" cy="295275"/>
+          </a:xfrm>
+          <a:prstGeom prst="rect">
+            <a:avLst/>
+          </a:prstGeom>
+          <a:solidFill>
+            <a:srgbClr val="FFFFFF"/>
+          </a:solidFill>
+          <a:ln w="6350">
+            <a:solidFill>
+              <a:srgbClr val="000000"/>
+            </a:solidFill>
+            <a:miter lim="800000"/>
+            <a:headEnd/>
+            <a:tailEnd/>
+          </a:ln>
+        </p:spPr>
+        <p:txBody>
+          <a:bodyPr vert="horz" wrap="none" lIns="91440" tIns="45720" rIns="91440" bIns="45720" numCol="1" anchor="t" anchorCtr="0" compatLnSpc="1">
+            <a:prstTxWarp prst="textNoShape">
+              <a:avLst/>
+            </a:prstTxWarp>
+          </a:bodyPr>
+          <a:lstStyle/>
+          <a:p>
+            <a:pPr marL="0" marR="0" lvl="0" indent="0" algn="l" defTabSz="914400" rtl="0" eaLnBrk="1" fontAlgn="base" latinLnBrk="0" hangingPunct="1">
+              <a:lnSpc>
+                <a:spcPct val="100000"/>
+              </a:lnSpc>
+              <a:spcBef>
+                <a:spcPct val="0"/>
+              </a:spcBef>
+              <a:spcAft>
+                <a:spcPct val="0"/>
+              </a:spcAft>
+              <a:buClrTx/>
+              <a:buSzTx/>
+              <a:buFontTx/>
+              <a:buNone/>
+              <a:tabLst/>
+            </a:pPr>
+            <a:r>
+              <a:rPr lang="fr-FR" altLang="fr-FR" sz="1200" b="1" dirty="0" smtClean="0">
+                <a:solidFill>
+                  <a:srgbClr val="FF0000"/>
+                </a:solidFill>
+                <a:latin typeface="Calibri" pitchFamily="34" charset="0"/>
+                <a:cs typeface="Times New Roman" pitchFamily="18" charset="0"/>
+              </a:rPr>
+              <a:t>y=516</a:t>
+            </a:r>
+            <a:endParaRPr kumimoji="0" lang="fr-FR" altLang="fr-FR" sz="2000" b="1" i="0" u="none" strike="noStrike" cap="none" normalizeH="0" baseline="0" dirty="0" smtClean="0">
+              <a:ln>
+                <a:noFill/>
+              </a:ln>
+              <a:solidFill>
+                <a:srgbClr val="FF0000"/>
+              </a:solidFill>
+              <a:effectLst/>
+              <a:latin typeface="Arial" pitchFamily="34" charset="0"/>
+              <a:cs typeface="Arial" pitchFamily="34" charset="0"/>
+            </a:endParaRPr>
+          </a:p>
+        </p:txBody>
+      </p:sp>
+      <p:cxnSp>
+        <p:nvCxnSpPr>
+          <p:cNvPr id="10" name="Connecteur droit avec flèche 9"/>
+          <p:cNvCxnSpPr/>
+          <p:nvPr/>
+        </p:nvCxnSpPr>
+        <p:spPr>
+          <a:xfrm flipV="1">
+            <a:off x="1172872" y="1186385"/>
+            <a:ext cx="0" cy="2857265"/>
+          </a:xfrm>
+          <a:prstGeom prst="straightConnector1">
+            <a:avLst/>
+          </a:prstGeom>
+          <a:ln>
+            <a:headEnd type="arrow"/>
+            <a:tailEnd type="arrow"/>
+          </a:ln>
+        </p:spPr>
+        <p:style>
+          <a:lnRef idx="1">
+            <a:schemeClr val="accent1"/>
+          </a:lnRef>
+          <a:fillRef idx="0">
+            <a:schemeClr val="accent1"/>
+          </a:fillRef>
+          <a:effectRef idx="0">
+            <a:schemeClr val="accent1"/>
+          </a:effectRef>
+          <a:fontRef idx="minor">
+            <a:schemeClr val="tx1"/>
+          </a:fontRef>
+        </p:style>
+      </p:cxnSp>
+      <p:sp>
+        <p:nvSpPr>
+          <p:cNvPr id="15" name="ZoneTexte 14"/>
           <p:cNvSpPr txBox="1"/>
           <p:nvPr/>
         </p:nvSpPr>
         <p:spPr>
           <a:xfrm>
-            <a:off x="7164288" y="1392058"/>
-            <a:ext cx="803105" cy="369332"/>
+            <a:off x="509815" y="5077072"/>
+            <a:ext cx="3073985" cy="461665"/>
           </a:xfrm>
           <a:prstGeom prst="rect">
             <a:avLst/>
@@ -6343,14 +6703,863 @@
           <a:noFill/>
         </p:spPr>
         <p:txBody>
-          <a:bodyPr wrap="none" rtlCol="0">
+          <a:bodyPr wrap="square" rtlCol="0">
             <a:spAutoFit/>
           </a:bodyPr>
           <a:lstStyle/>
           <a:p>
             <a:r>
+              <a:rPr lang="fr-FR" sz="1200" b="1" dirty="0" smtClean="0"/>
+              <a:t>(</a:t>
+            </a:r>
+            <a:r>
+              <a:rPr lang="fr-FR" sz="1200" b="1" dirty="0" smtClean="0"/>
+              <a:t>y/</a:t>
+            </a:r>
+            <a:r>
+              <a:rPr lang="fr-FR" sz="1200" b="1" dirty="0" err="1" smtClean="0"/>
+              <a:t>zoom-</a:t>
+            </a:r>
+            <a:r>
+              <a:rPr kumimoji="0" lang="fr-FR" altLang="fr-FR" sz="1200" b="1" i="0" u="none" strike="noStrike" cap="none" normalizeH="0" baseline="0" dirty="0" err="1" smtClean="0">
+                <a:ln>
+                  <a:noFill/>
+                </a:ln>
+                <a:solidFill>
+                  <a:schemeClr val="tx1"/>
+                </a:solidFill>
+                <a:effectLst/>
+                <a:latin typeface="Arial" pitchFamily="34" charset="0"/>
+                <a:ea typeface="Calibri" pitchFamily="34" charset="0"/>
+                <a:cs typeface="Arial" pitchFamily="34" charset="0"/>
+              </a:rPr>
+              <a:t>offset.y</a:t>
+            </a:r>
+            <a:r>
+              <a:rPr kumimoji="0" lang="fr-FR" altLang="fr-FR" sz="1200" b="1" i="0" u="none" strike="noStrike" cap="none" normalizeH="0" baseline="0" dirty="0" smtClean="0">
+                <a:ln>
+                  <a:noFill/>
+                </a:ln>
+                <a:solidFill>
+                  <a:schemeClr val="tx1"/>
+                </a:solidFill>
+                <a:effectLst/>
+                <a:latin typeface="Arial" pitchFamily="34" charset="0"/>
+                <a:ea typeface="Calibri" pitchFamily="34" charset="0"/>
+                <a:cs typeface="Arial" pitchFamily="34" charset="0"/>
+              </a:rPr>
+              <a:t>)</a:t>
+            </a:r>
+            <a:r>
+              <a:rPr lang="fr-FR" altLang="fr-FR" sz="1200" b="1" dirty="0"/>
+              <a:t> </a:t>
+            </a:r>
+            <a:r>
+              <a:rPr lang="fr-FR" altLang="fr-FR" sz="1200" b="1" dirty="0" smtClean="0"/>
+              <a:t> = </a:t>
+            </a:r>
+            <a:r>
+              <a:rPr lang="fr-FR" sz="1200" b="1" dirty="0" err="1" smtClean="0"/>
+              <a:t>mPOrigine</a:t>
+            </a:r>
+            <a:endParaRPr lang="fr-FR" sz="1200" b="1" dirty="0" smtClean="0"/>
+          </a:p>
+          <a:p>
+            <a:endParaRPr lang="fr-FR" sz="1200" b="1" dirty="0"/>
+          </a:p>
+        </p:txBody>
+      </p:sp>
+      <p:sp>
+        <p:nvSpPr>
+          <p:cNvPr id="19" name="ZoneTexte 18"/>
+          <p:cNvSpPr txBox="1"/>
+          <p:nvPr/>
+        </p:nvSpPr>
+        <p:spPr>
+          <a:xfrm>
+            <a:off x="4860032" y="5077072"/>
+            <a:ext cx="2144754" cy="276999"/>
+          </a:xfrm>
+          <a:prstGeom prst="rect">
+            <a:avLst/>
+          </a:prstGeom>
+          <a:noFill/>
+        </p:spPr>
+        <p:txBody>
+          <a:bodyPr wrap="square" rtlCol="0">
+            <a:spAutoFit/>
+          </a:bodyPr>
+          <a:lstStyle/>
+          <a:p>
+            <a:r>
+              <a:rPr lang="fr-FR" sz="1200" b="1" dirty="0" smtClean="0"/>
+              <a:t>x/</a:t>
+            </a:r>
+            <a:r>
+              <a:rPr lang="fr-FR" sz="1200" b="1" dirty="0" err="1" smtClean="0"/>
+              <a:t>zoom-</a:t>
+            </a:r>
+            <a:r>
+              <a:rPr lang="fr-FR" altLang="fr-FR" sz="1200" b="1" dirty="0" err="1" smtClean="0">
+                <a:latin typeface="Arial" pitchFamily="34" charset="0"/>
+                <a:ea typeface="Calibri" pitchFamily="34" charset="0"/>
+                <a:cs typeface="Arial" pitchFamily="34" charset="0"/>
+              </a:rPr>
+              <a:t>offset.y</a:t>
+            </a:r>
+            <a:r>
+              <a:rPr lang="fr-FR" altLang="fr-FR" sz="1200" b="1" dirty="0"/>
+              <a:t> </a:t>
+            </a:r>
+            <a:r>
+              <a:rPr lang="fr-FR" altLang="fr-FR" sz="1200" b="1" dirty="0" smtClean="0"/>
+              <a:t> </a:t>
+            </a:r>
+            <a:r>
+              <a:rPr lang="fr-FR" sz="1200" b="1" dirty="0" smtClean="0"/>
+              <a:t>=</a:t>
+            </a:r>
+            <a:r>
+              <a:rPr lang="fr-FR" sz="1200" b="1" dirty="0" err="1" smtClean="0"/>
+              <a:t>mPFinal</a:t>
+            </a:r>
+            <a:endParaRPr lang="fr-FR" sz="1200" b="1" dirty="0" smtClean="0"/>
+          </a:p>
+        </p:txBody>
+      </p:sp>
+      <p:sp>
+        <p:nvSpPr>
+          <p:cNvPr id="22" name="ZoneTexte 21"/>
+          <p:cNvSpPr txBox="1"/>
+          <p:nvPr/>
+        </p:nvSpPr>
+        <p:spPr>
+          <a:xfrm>
+            <a:off x="6059186" y="1893393"/>
+            <a:ext cx="2329237" cy="1785104"/>
+          </a:xfrm>
+          <a:prstGeom prst="rect">
+            <a:avLst/>
+          </a:prstGeom>
+          <a:noFill/>
+        </p:spPr>
+        <p:txBody>
+          <a:bodyPr wrap="square" rtlCol="0">
+            <a:spAutoFit/>
+          </a:bodyPr>
+          <a:lstStyle/>
+          <a:p>
+            <a:r>
+              <a:rPr lang="fr-FR" sz="1100" dirty="0" smtClean="0"/>
+              <a:t>Valeur sélectionnées par l’utilisateur  :</a:t>
+            </a:r>
+          </a:p>
+          <a:p>
+            <a:r>
+              <a:rPr lang="fr-FR" sz="1100" b="1" dirty="0" err="1" smtClean="0"/>
+              <a:t>iPOrigine</a:t>
+            </a:r>
+            <a:r>
+              <a:rPr lang="fr-FR" sz="1100" b="1" dirty="0" smtClean="0"/>
+              <a:t> </a:t>
+            </a:r>
+            <a:r>
+              <a:rPr lang="fr-FR" sz="1100" b="1" dirty="0" smtClean="0">
+                <a:sym typeface="Wingdings" panose="05000000000000000000" pitchFamily="2" charset="2"/>
+              </a:rPr>
+              <a:t> 1  Log(</a:t>
+            </a:r>
+            <a:r>
+              <a:rPr lang="fr-FR" sz="1100" b="1" dirty="0" err="1" smtClean="0"/>
+              <a:t>iPOrigine</a:t>
+            </a:r>
+            <a:r>
+              <a:rPr lang="fr-FR" sz="1100" b="1" dirty="0" smtClean="0"/>
+              <a:t>) = 0</a:t>
+            </a:r>
+          </a:p>
+          <a:p>
+            <a:r>
+              <a:rPr lang="fr-FR" sz="1100" b="1" dirty="0" err="1" smtClean="0"/>
+              <a:t>iPFinal</a:t>
+            </a:r>
+            <a:r>
+              <a:rPr lang="fr-FR" sz="1100" b="1" dirty="0" smtClean="0"/>
+              <a:t> </a:t>
+            </a:r>
+            <a:r>
+              <a:rPr lang="fr-FR" sz="1100" b="1" dirty="0" smtClean="0">
+                <a:sym typeface="Wingdings" panose="05000000000000000000" pitchFamily="2" charset="2"/>
+              </a:rPr>
+              <a:t> 10   Log(</a:t>
+            </a:r>
+            <a:r>
+              <a:rPr lang="fr-FR" sz="1100" b="1" dirty="0" err="1" smtClean="0"/>
+              <a:t>iPFinal</a:t>
+            </a:r>
+            <a:r>
+              <a:rPr lang="fr-FR" sz="1100" b="1" dirty="0" smtClean="0"/>
+              <a:t>) = 1</a:t>
+            </a:r>
+            <a:endParaRPr lang="fr-FR" sz="1100" b="1" dirty="0" smtClean="0">
+              <a:sym typeface="Wingdings" panose="05000000000000000000" pitchFamily="2" charset="2"/>
+            </a:endParaRPr>
+          </a:p>
+          <a:p>
+            <a:endParaRPr lang="fr-FR" sz="1100" b="1" dirty="0">
+              <a:sym typeface="Wingdings" panose="05000000000000000000" pitchFamily="2" charset="2"/>
+            </a:endParaRPr>
+          </a:p>
+          <a:p>
+            <a:r>
+              <a:rPr lang="fr-FR" sz="1100" dirty="0"/>
+              <a:t>Valeur </a:t>
+            </a:r>
+            <a:r>
+              <a:rPr lang="fr-FR" sz="1100" dirty="0" smtClean="0"/>
+              <a:t>cliquer </a:t>
+            </a:r>
+            <a:r>
+              <a:rPr lang="fr-FR" sz="1100" dirty="0"/>
+              <a:t>par l’utilisateur  :</a:t>
+            </a:r>
+          </a:p>
+          <a:p>
+            <a:r>
+              <a:rPr lang="fr-FR" sz="1100" b="1" dirty="0" smtClean="0"/>
+              <a:t>Origine : y </a:t>
+            </a:r>
+            <a:r>
+              <a:rPr lang="fr-FR" sz="1100" b="1" dirty="0">
+                <a:sym typeface="Wingdings" panose="05000000000000000000" pitchFamily="2" charset="2"/>
+              </a:rPr>
+              <a:t> </a:t>
+            </a:r>
+            <a:r>
+              <a:rPr lang="fr-FR" sz="1100" b="1" dirty="0" smtClean="0">
+                <a:sym typeface="Wingdings" panose="05000000000000000000" pitchFamily="2" charset="2"/>
+              </a:rPr>
+              <a:t>1000</a:t>
+            </a:r>
+            <a:endParaRPr lang="fr-FR" sz="1100" b="1" dirty="0"/>
+          </a:p>
+          <a:p>
+            <a:r>
+              <a:rPr lang="fr-FR" sz="1100" b="1" dirty="0" smtClean="0"/>
+              <a:t>Final : y </a:t>
+            </a:r>
+            <a:r>
+              <a:rPr lang="fr-FR" sz="1100" b="1" dirty="0">
+                <a:sym typeface="Wingdings" panose="05000000000000000000" pitchFamily="2" charset="2"/>
+              </a:rPr>
+              <a:t> </a:t>
+            </a:r>
+            <a:r>
+              <a:rPr lang="fr-FR" sz="1100" b="1" dirty="0" smtClean="0">
+                <a:sym typeface="Wingdings" panose="05000000000000000000" pitchFamily="2" charset="2"/>
+              </a:rPr>
+              <a:t>516</a:t>
+            </a:r>
+            <a:endParaRPr lang="fr-FR" sz="1100" b="1" dirty="0"/>
+          </a:p>
+          <a:p>
+            <a:endParaRPr lang="fr-FR" sz="1100" b="1" dirty="0" smtClean="0"/>
+          </a:p>
+          <a:p>
+            <a:endParaRPr lang="fr-FR" sz="1100" dirty="0"/>
+          </a:p>
+        </p:txBody>
+      </p:sp>
+      <p:sp>
+        <p:nvSpPr>
+          <p:cNvPr id="23" name="Zone de texte 2"/>
+          <p:cNvSpPr txBox="1">
+            <a:spLocks noChangeArrowheads="1"/>
+          </p:cNvSpPr>
+          <p:nvPr/>
+        </p:nvSpPr>
+        <p:spPr bwMode="auto">
+          <a:xfrm>
+            <a:off x="1547665" y="3896013"/>
+            <a:ext cx="642464" cy="295275"/>
+          </a:xfrm>
+          <a:prstGeom prst="rect">
+            <a:avLst/>
+          </a:prstGeom>
+          <a:solidFill>
+            <a:srgbClr val="FFFFFF"/>
+          </a:solidFill>
+          <a:ln w="6350">
+            <a:solidFill>
+              <a:srgbClr val="000000"/>
+            </a:solidFill>
+            <a:miter lim="800000"/>
+            <a:headEnd/>
+            <a:tailEnd/>
+          </a:ln>
+        </p:spPr>
+        <p:txBody>
+          <a:bodyPr vert="horz" wrap="none" lIns="91440" tIns="45720" rIns="91440" bIns="45720" numCol="1" anchor="t" anchorCtr="0" compatLnSpc="1">
+            <a:prstTxWarp prst="textNoShape">
+              <a:avLst/>
+            </a:prstTxWarp>
+          </a:bodyPr>
+          <a:lstStyle/>
+          <a:p>
+            <a:pPr marL="0" marR="0" lvl="0" indent="0" algn="l" defTabSz="914400" rtl="0" eaLnBrk="1" fontAlgn="base" latinLnBrk="0" hangingPunct="1">
+              <a:lnSpc>
+                <a:spcPct val="100000"/>
+              </a:lnSpc>
+              <a:spcBef>
+                <a:spcPct val="0"/>
+              </a:spcBef>
+              <a:spcAft>
+                <a:spcPct val="0"/>
+              </a:spcAft>
+              <a:buClrTx/>
+              <a:buSzTx/>
+              <a:buFontTx/>
+              <a:buNone/>
+              <a:tabLst/>
+            </a:pPr>
+            <a:r>
+              <a:rPr lang="fr-FR" altLang="fr-FR" sz="1200" b="1" dirty="0" smtClean="0">
+                <a:solidFill>
+                  <a:srgbClr val="FF0000"/>
+                </a:solidFill>
+                <a:latin typeface="Calibri" pitchFamily="34" charset="0"/>
+                <a:cs typeface="Times New Roman" pitchFamily="18" charset="0"/>
+              </a:rPr>
+              <a:t>y=1000</a:t>
+            </a:r>
+            <a:endParaRPr kumimoji="0" lang="fr-FR" altLang="fr-FR" sz="2000" b="1" i="0" u="none" strike="noStrike" cap="none" normalizeH="0" baseline="0" dirty="0" smtClean="0">
+              <a:ln>
+                <a:noFill/>
+              </a:ln>
+              <a:solidFill>
+                <a:srgbClr val="FF0000"/>
+              </a:solidFill>
+              <a:effectLst/>
+              <a:latin typeface="Arial" pitchFamily="34" charset="0"/>
+              <a:cs typeface="Arial" pitchFamily="34" charset="0"/>
+            </a:endParaRPr>
+          </a:p>
+        </p:txBody>
+      </p:sp>
+      <p:pic>
+        <p:nvPicPr>
+          <p:cNvPr id="1026" name="Picture 2"/>
+          <p:cNvPicPr>
+            <a:picLocks noChangeAspect="1" noChangeArrowheads="1"/>
+          </p:cNvPicPr>
+          <p:nvPr/>
+        </p:nvPicPr>
+        <p:blipFill>
+          <a:blip r:embed="rId2">
+            <a:extLst>
+              <a:ext uri="{28A0092B-C50C-407E-A947-70E740481C1C}">
+                <a14:useLocalDpi xmlns:a14="http://schemas.microsoft.com/office/drawing/2010/main" val="0"/>
+              </a:ext>
+            </a:extLst>
+          </a:blip>
+          <a:srcRect/>
+          <a:stretch>
+            <a:fillRect/>
+          </a:stretch>
+        </p:blipFill>
+        <p:spPr bwMode="auto">
+          <a:xfrm>
+            <a:off x="2203585" y="949229"/>
+            <a:ext cx="3476707" cy="3759297"/>
+          </a:xfrm>
+          <a:prstGeom prst="rect">
+            <a:avLst/>
+          </a:prstGeom>
+          <a:noFill/>
+          <a:ln>
+            <a:noFill/>
+          </a:ln>
+          <a:extLst>
+            <a:ext uri="{909E8E84-426E-40DD-AFC4-6F175D3DCCD1}">
+              <a14:hiddenFill xmlns:a14="http://schemas.microsoft.com/office/drawing/2010/main">
+                <a:solidFill>
+                  <a:schemeClr val="accent1"/>
+                </a:solidFill>
+              </a14:hiddenFill>
+            </a:ext>
+            <a:ext uri="{91240B29-F687-4F45-9708-019B960494DF}">
+              <a14:hiddenLine xmlns:a14="http://schemas.microsoft.com/office/drawing/2010/main" w="9525">
+                <a:solidFill>
+                  <a:schemeClr val="tx1"/>
+                </a:solidFill>
+                <a:miter lim="800000"/>
+                <a:headEnd/>
+                <a:tailEnd/>
+              </a14:hiddenLine>
+            </a:ext>
+          </a:extLst>
+        </p:spPr>
+      </p:pic>
+      <p:cxnSp>
+        <p:nvCxnSpPr>
+          <p:cNvPr id="26" name="Connecteur droit avec flèche 25"/>
+          <p:cNvCxnSpPr/>
+          <p:nvPr/>
+        </p:nvCxnSpPr>
+        <p:spPr>
+          <a:xfrm>
+            <a:off x="2559358" y="4576124"/>
+            <a:ext cx="3092762" cy="0"/>
+          </a:xfrm>
+          <a:prstGeom prst="straightConnector1">
+            <a:avLst/>
+          </a:prstGeom>
+          <a:ln>
+            <a:tailEnd type="arrow"/>
+          </a:ln>
+        </p:spPr>
+        <p:style>
+          <a:lnRef idx="2">
+            <a:schemeClr val="dk1"/>
+          </a:lnRef>
+          <a:fillRef idx="0">
+            <a:schemeClr val="dk1"/>
+          </a:fillRef>
+          <a:effectRef idx="1">
+            <a:schemeClr val="dk1"/>
+          </a:effectRef>
+          <a:fontRef idx="minor">
+            <a:schemeClr val="tx1"/>
+          </a:fontRef>
+        </p:style>
+      </p:cxnSp>
+      <p:sp>
+        <p:nvSpPr>
+          <p:cNvPr id="34" name="Rectangle 33"/>
+          <p:cNvSpPr/>
+          <p:nvPr/>
+        </p:nvSpPr>
+        <p:spPr>
+          <a:xfrm>
+            <a:off x="2411760" y="1780060"/>
+            <a:ext cx="2086579" cy="2601476"/>
+          </a:xfrm>
+          <a:prstGeom prst="rect">
+            <a:avLst/>
+          </a:prstGeom>
+          <a:gradFill>
+            <a:gsLst>
+              <a:gs pos="0">
+                <a:schemeClr val="accent1">
+                  <a:tint val="50000"/>
+                  <a:satMod val="300000"/>
+                  <a:alpha val="0"/>
+                </a:schemeClr>
+              </a:gs>
+              <a:gs pos="14000">
+                <a:schemeClr val="accent1">
+                  <a:tint val="37000"/>
+                  <a:satMod val="300000"/>
+                  <a:lumMod val="0"/>
+                  <a:lumOff val="100000"/>
+                  <a:alpha val="10000"/>
+                </a:schemeClr>
+              </a:gs>
+              <a:gs pos="100000">
+                <a:schemeClr val="accent1">
+                  <a:tint val="15000"/>
+                  <a:satMod val="350000"/>
+                </a:schemeClr>
+              </a:gs>
+            </a:gsLst>
+          </a:gradFill>
+        </p:spPr>
+        <p:style>
+          <a:lnRef idx="1">
+            <a:schemeClr val="accent1"/>
+          </a:lnRef>
+          <a:fillRef idx="2">
+            <a:schemeClr val="accent1"/>
+          </a:fillRef>
+          <a:effectRef idx="1">
+            <a:schemeClr val="accent1"/>
+          </a:effectRef>
+          <a:fontRef idx="minor">
+            <a:schemeClr val="dk1"/>
+          </a:fontRef>
+        </p:style>
+        <p:txBody>
+          <a:bodyPr rot="0" spcFirstLastPara="0" vert="horz" wrap="square" lIns="91440" tIns="45720" rIns="91440" bIns="45720" numCol="1" spcCol="0" rtlCol="0" fromWordArt="0" anchor="ctr" anchorCtr="0" forceAA="0" compatLnSpc="1">
+            <a:prstTxWarp prst="textNoShape">
+              <a:avLst/>
+            </a:prstTxWarp>
+            <a:noAutofit/>
+          </a:bodyPr>
+          <a:lstStyle/>
+          <a:p>
+            <a:endParaRPr lang="fr-FR" dirty="0"/>
+          </a:p>
+        </p:txBody>
+      </p:sp>
+      <p:sp>
+        <p:nvSpPr>
+          <p:cNvPr id="7" name="Zone de texte 2"/>
+          <p:cNvSpPr txBox="1">
+            <a:spLocks noChangeArrowheads="1"/>
+          </p:cNvSpPr>
+          <p:nvPr/>
+        </p:nvSpPr>
+        <p:spPr bwMode="auto">
+          <a:xfrm>
+            <a:off x="1797464" y="1484784"/>
+            <a:ext cx="360363" cy="295275"/>
+          </a:xfrm>
+          <a:prstGeom prst="rect">
+            <a:avLst/>
+          </a:prstGeom>
+          <a:solidFill>
+            <a:srgbClr val="FFFFFF"/>
+          </a:solidFill>
+          <a:ln w="6350">
+            <a:solidFill>
+              <a:srgbClr val="000000"/>
+            </a:solidFill>
+            <a:miter lim="800000"/>
+            <a:headEnd/>
+            <a:tailEnd/>
+          </a:ln>
+        </p:spPr>
+        <p:txBody>
+          <a:bodyPr vert="horz" wrap="none" lIns="91440" tIns="45720" rIns="91440" bIns="45720" numCol="1" anchor="t" anchorCtr="0" compatLnSpc="1">
+            <a:prstTxWarp prst="textNoShape">
+              <a:avLst/>
+            </a:prstTxWarp>
+          </a:bodyPr>
+          <a:lstStyle/>
+          <a:p>
+            <a:pPr marL="0" marR="0" lvl="0" indent="0" algn="l" defTabSz="914400" rtl="0" eaLnBrk="1" fontAlgn="base" latinLnBrk="0" hangingPunct="1">
+              <a:lnSpc>
+                <a:spcPct val="100000"/>
+              </a:lnSpc>
+              <a:spcBef>
+                <a:spcPct val="0"/>
+              </a:spcBef>
+              <a:spcAft>
+                <a:spcPct val="0"/>
+              </a:spcAft>
+              <a:buClrTx/>
+              <a:buSzTx/>
+              <a:buFontTx/>
+              <a:buNone/>
+              <a:tabLst/>
+            </a:pPr>
+            <a:r>
+              <a:rPr kumimoji="0" lang="fr-FR" altLang="fr-FR" sz="1100" b="0" i="0" u="none" strike="noStrike" cap="none" normalizeH="0" baseline="0" dirty="0" smtClean="0">
+                <a:ln>
+                  <a:noFill/>
+                </a:ln>
+                <a:solidFill>
+                  <a:schemeClr val="tx1"/>
+                </a:solidFill>
+                <a:effectLst/>
+                <a:latin typeface="Calibri" pitchFamily="34" charset="0"/>
+                <a:ea typeface="Calibri" pitchFamily="34" charset="0"/>
+                <a:cs typeface="Times New Roman" pitchFamily="18" charset="0"/>
+              </a:rPr>
+              <a:t>0,0</a:t>
+            </a:r>
+            <a:endParaRPr kumimoji="0" lang="fr-FR" altLang="fr-FR" sz="1800" b="0" i="0" u="none" strike="noStrike" cap="none" normalizeH="0" baseline="0" dirty="0" smtClean="0">
+              <a:ln>
+                <a:noFill/>
+              </a:ln>
+              <a:solidFill>
+                <a:schemeClr val="tx1"/>
+              </a:solidFill>
+              <a:effectLst/>
+              <a:latin typeface="Arial" pitchFamily="34" charset="0"/>
+              <a:cs typeface="Arial" pitchFamily="34" charset="0"/>
+            </a:endParaRPr>
+          </a:p>
+        </p:txBody>
+      </p:sp>
+      <p:cxnSp>
+        <p:nvCxnSpPr>
+          <p:cNvPr id="38" name="Connecteur droit avec flèche 37"/>
+          <p:cNvCxnSpPr/>
+          <p:nvPr/>
+        </p:nvCxnSpPr>
+        <p:spPr>
+          <a:xfrm flipV="1">
+            <a:off x="1325272" y="1186385"/>
+            <a:ext cx="0" cy="1535155"/>
+          </a:xfrm>
+          <a:prstGeom prst="straightConnector1">
+            <a:avLst/>
+          </a:prstGeom>
+          <a:ln>
+            <a:headEnd type="arrow"/>
+            <a:tailEnd type="arrow"/>
+          </a:ln>
+        </p:spPr>
+        <p:style>
+          <a:lnRef idx="1">
+            <a:schemeClr val="accent1"/>
+          </a:lnRef>
+          <a:fillRef idx="0">
+            <a:schemeClr val="accent1"/>
+          </a:fillRef>
+          <a:effectRef idx="0">
+            <a:schemeClr val="accent1"/>
+          </a:effectRef>
+          <a:fontRef idx="minor">
+            <a:schemeClr val="tx1"/>
+          </a:fontRef>
+        </p:style>
+      </p:cxnSp>
+      <p:cxnSp>
+        <p:nvCxnSpPr>
+          <p:cNvPr id="52" name="Connecteur droit avec flèche 51"/>
+          <p:cNvCxnSpPr/>
+          <p:nvPr/>
+        </p:nvCxnSpPr>
+        <p:spPr>
+          <a:xfrm flipV="1">
+            <a:off x="843799" y="3511176"/>
+            <a:ext cx="0" cy="532474"/>
+          </a:xfrm>
+          <a:prstGeom prst="straightConnector1">
+            <a:avLst/>
+          </a:prstGeom>
+          <a:ln>
+            <a:headEnd type="arrow"/>
+            <a:tailEnd type="arrow"/>
+          </a:ln>
+        </p:spPr>
+        <p:style>
+          <a:lnRef idx="2">
+            <a:schemeClr val="accent3"/>
+          </a:lnRef>
+          <a:fillRef idx="0">
+            <a:schemeClr val="accent3"/>
+          </a:fillRef>
+          <a:effectRef idx="1">
+            <a:schemeClr val="accent3"/>
+          </a:effectRef>
+          <a:fontRef idx="minor">
+            <a:schemeClr val="tx1"/>
+          </a:fontRef>
+        </p:style>
+      </p:cxnSp>
+      <p:sp>
+        <p:nvSpPr>
+          <p:cNvPr id="4" name="ZoneTexte 3"/>
+          <p:cNvSpPr txBox="1"/>
+          <p:nvPr/>
+        </p:nvSpPr>
+        <p:spPr>
+          <a:xfrm>
+            <a:off x="395536" y="5554018"/>
+            <a:ext cx="8280919" cy="954107"/>
+          </a:xfrm>
+          <a:prstGeom prst="rect">
+            <a:avLst/>
+          </a:prstGeom>
+          <a:noFill/>
+        </p:spPr>
+        <p:txBody>
+          <a:bodyPr wrap="square" rtlCol="0">
+            <a:spAutoFit/>
+          </a:bodyPr>
+          <a:lstStyle/>
+          <a:p>
+            <a:r>
+              <a:rPr lang="fr-FR" sz="1400" b="1" dirty="0" err="1" smtClean="0"/>
+              <a:t>yP</a:t>
+            </a:r>
+            <a:r>
+              <a:rPr lang="fr-FR" sz="1400" b="1" dirty="0" smtClean="0"/>
+              <a:t> = </a:t>
+            </a:r>
+            <a:r>
+              <a:rPr lang="fr-FR" sz="1400" b="1" dirty="0" err="1" smtClean="0"/>
+              <a:t>mPOrigine</a:t>
+            </a:r>
+            <a:r>
+              <a:rPr lang="fr-FR" sz="1400" b="1" dirty="0" smtClean="0"/>
+              <a:t>  - y/zoom</a:t>
+            </a:r>
+          </a:p>
+          <a:p>
+            <a:r>
+              <a:rPr lang="fr-FR" sz="1400" b="1" dirty="0" err="1" smtClean="0"/>
+              <a:t>yP</a:t>
+            </a:r>
+            <a:r>
+              <a:rPr lang="fr-FR" sz="1400" b="1" dirty="0" smtClean="0"/>
+              <a:t> </a:t>
+            </a:r>
+            <a:r>
+              <a:rPr lang="fr-FR" sz="1400" b="1" dirty="0"/>
+              <a:t>= </a:t>
+            </a:r>
+            <a:r>
+              <a:rPr lang="fr-FR" sz="1400" b="1" dirty="0" smtClean="0"/>
+              <a:t>Log(</a:t>
+            </a:r>
+            <a:r>
+              <a:rPr lang="fr-FR" sz="1400" b="1" dirty="0" err="1" smtClean="0"/>
+              <a:t>iPOrigine</a:t>
+            </a:r>
+            <a:r>
+              <a:rPr lang="fr-FR" sz="1400" b="1" dirty="0" smtClean="0"/>
+              <a:t>)  </a:t>
+            </a:r>
+            <a:r>
+              <a:rPr lang="fr-FR" sz="1400" b="1" dirty="0"/>
+              <a:t>+ </a:t>
+            </a:r>
+            <a:r>
+              <a:rPr lang="fr-FR" sz="1400" b="1" dirty="0" smtClean="0"/>
+              <a:t>(Log(</a:t>
+            </a:r>
+            <a:r>
+              <a:rPr lang="fr-FR" sz="1400" b="1" dirty="0" err="1" smtClean="0"/>
+              <a:t>iPFinal</a:t>
+            </a:r>
+            <a:r>
+              <a:rPr lang="fr-FR" sz="1400" b="1" dirty="0" smtClean="0"/>
+              <a:t>)-Log(</a:t>
+            </a:r>
+            <a:r>
+              <a:rPr lang="fr-FR" sz="1400" b="1" dirty="0" err="1" smtClean="0"/>
+              <a:t>iPOrigine</a:t>
+            </a:r>
+            <a:r>
+              <a:rPr lang="fr-FR" sz="1400" b="1" dirty="0" smtClean="0"/>
+              <a:t>) </a:t>
+            </a:r>
+            <a:r>
+              <a:rPr lang="fr-FR" sz="1400" b="1" dirty="0"/>
+              <a:t>) * </a:t>
+            </a:r>
+            <a:r>
+              <a:rPr lang="fr-FR" sz="1400" b="1" dirty="0" smtClean="0"/>
+              <a:t>(Y/</a:t>
+            </a:r>
+            <a:r>
+              <a:rPr lang="fr-FR" sz="1400" b="1" dirty="0" err="1" smtClean="0"/>
+              <a:t>zoom-</a:t>
+            </a:r>
+            <a:r>
+              <a:rPr lang="fr-FR" altLang="fr-FR" sz="1400" b="1" dirty="0" err="1" smtClean="0">
+                <a:ea typeface="Calibri" pitchFamily="34" charset="0"/>
+                <a:cs typeface="Arial" pitchFamily="34" charset="0"/>
+              </a:rPr>
+              <a:t>offset.y</a:t>
+            </a:r>
+            <a:r>
+              <a:rPr lang="fr-FR" sz="1400" b="1" dirty="0" smtClean="0"/>
+              <a:t> </a:t>
+            </a:r>
+            <a:r>
+              <a:rPr lang="fr-FR" sz="1400" b="1" dirty="0"/>
+              <a:t>-</a:t>
+            </a:r>
+            <a:r>
+              <a:rPr lang="fr-FR" sz="1400" b="1" dirty="0" err="1" smtClean="0"/>
+              <a:t>mPOrigine</a:t>
+            </a:r>
+            <a:r>
+              <a:rPr lang="fr-FR" sz="1400" b="1" dirty="0"/>
+              <a:t>)  / (</a:t>
+            </a:r>
+            <a:r>
+              <a:rPr lang="fr-FR" sz="1400" b="1" dirty="0" err="1" smtClean="0"/>
+              <a:t>mPFinal-mPOrigine</a:t>
+            </a:r>
+            <a:r>
+              <a:rPr lang="fr-FR" sz="1400" b="1" dirty="0" smtClean="0"/>
+              <a:t>)</a:t>
+            </a:r>
+          </a:p>
+          <a:p>
+            <a:r>
+              <a:rPr lang="fr-FR" sz="1400" b="1" dirty="0" err="1" smtClean="0"/>
+              <a:t>yP</a:t>
+            </a:r>
+            <a:r>
+              <a:rPr lang="fr-FR" sz="1400" b="1" dirty="0" smtClean="0"/>
+              <a:t> = </a:t>
+            </a:r>
+            <a:r>
+              <a:rPr lang="fr-FR" sz="1400" b="1" dirty="0" err="1" smtClean="0"/>
+              <a:t>exp</a:t>
+            </a:r>
+            <a:r>
+              <a:rPr lang="fr-FR" sz="1400" b="1" dirty="0" smtClean="0"/>
+              <a:t>(</a:t>
+            </a:r>
+            <a:r>
+              <a:rPr lang="fr-FR" sz="1400" b="1" dirty="0" err="1" smtClean="0"/>
+              <a:t>yP</a:t>
+            </a:r>
+            <a:r>
+              <a:rPr lang="fr-FR" sz="1400" b="1" dirty="0" smtClean="0"/>
+              <a:t>*ln(10)</a:t>
+            </a:r>
+          </a:p>
+          <a:p>
+            <a:r>
+              <a:rPr lang="fr-FR" sz="1400" b="1" dirty="0" smtClean="0"/>
+              <a:t> </a:t>
+            </a:r>
+            <a:endParaRPr lang="fr-FR" sz="1400" b="1" dirty="0"/>
+          </a:p>
+        </p:txBody>
+      </p:sp>
+      <p:sp>
+        <p:nvSpPr>
+          <p:cNvPr id="5" name="ZoneTexte 4"/>
+          <p:cNvSpPr txBox="1"/>
+          <p:nvPr/>
+        </p:nvSpPr>
+        <p:spPr>
+          <a:xfrm>
+            <a:off x="6588224" y="3896013"/>
+            <a:ext cx="2386779" cy="646331"/>
+          </a:xfrm>
+          <a:prstGeom prst="rect">
+            <a:avLst/>
+          </a:prstGeom>
+          <a:noFill/>
+        </p:spPr>
+        <p:txBody>
+          <a:bodyPr wrap="square" rtlCol="0">
+            <a:spAutoFit/>
+          </a:bodyPr>
+          <a:lstStyle/>
+          <a:p>
+            <a:r>
+              <a:rPr lang="fr-FR" dirty="0"/>
+              <a:t>b</a:t>
+            </a:r>
+            <a:r>
+              <a:rPr lang="fr-FR" dirty="0" smtClean="0"/>
+              <a:t> = Log(a)=ln(a)/ln10)</a:t>
+            </a:r>
+          </a:p>
+          <a:p>
+            <a:r>
+              <a:rPr lang="fr-FR" dirty="0" smtClean="0"/>
+              <a:t>a = </a:t>
+            </a:r>
+            <a:r>
               <a:rPr lang="fr-FR" dirty="0" err="1" smtClean="0"/>
-              <a:t>Before</a:t>
+              <a:t>exp</a:t>
+            </a:r>
+            <a:r>
+              <a:rPr lang="fr-FR" dirty="0" smtClean="0"/>
+              <a:t>(b*ln(10))</a:t>
             </a:r>
             <a:endParaRPr lang="fr-FR" dirty="0"/>
           </a:p>
@@ -6359,7 +7568,7 @@
     </p:spTree>
     <p:extLst>
       <p:ext uri="{BB962C8B-B14F-4D97-AF65-F5344CB8AC3E}">
-        <p14:creationId xmlns:p14="http://schemas.microsoft.com/office/powerpoint/2010/main" val="894934387"/>
+        <p14:creationId xmlns:p14="http://schemas.microsoft.com/office/powerpoint/2010/main" val="1492521094"/>
       </p:ext>
     </p:extLst>
   </p:cSld>
@@ -6369,7 +7578,7 @@
 </p:sld>
 </file>
 
-<file path=ppt/slides/slide3.xml><?xml version="1.0" encoding="utf-8"?>
+<file path=ppt/slides/slide2.xml><?xml version="1.0" encoding="utf-8"?>
 <p:sld xmlns:a="http://schemas.openxmlformats.org/drawingml/2006/main" xmlns:r="http://schemas.openxmlformats.org/officeDocument/2006/relationships" xmlns:p="http://schemas.openxmlformats.org/presentationml/2006/main">
   <p:cSld>
     <p:spTree>
@@ -6424,7 +7633,7 @@
           </a:bodyPr>
           <a:lstStyle/>
           <a:p>
-            <a:endParaRPr lang="fr-FR"/>
+            <a:endParaRPr lang="fr-FR" dirty="0"/>
           </a:p>
         </p:txBody>
       </p:sp>
@@ -6618,133 +7827,430 @@
       </p:sp>
       <p:sp>
         <p:nvSpPr>
-          <p:cNvPr id="12" name="Zone de texte 2"/>
-          <p:cNvSpPr txBox="1">
-            <a:spLocks noChangeArrowheads="1"/>
-          </p:cNvSpPr>
-          <p:nvPr/>
-        </p:nvSpPr>
-        <p:spPr bwMode="auto">
-          <a:xfrm>
-            <a:off x="559743" y="516697"/>
-            <a:ext cx="1535757" cy="295275"/>
+          <p:cNvPr id="3" name="ZoneTexte 2"/>
+          <p:cNvSpPr txBox="1"/>
+          <p:nvPr/>
+        </p:nvSpPr>
+        <p:spPr>
+          <a:xfrm>
+            <a:off x="4716016" y="3861048"/>
+            <a:ext cx="759823" cy="369332"/>
           </a:xfrm>
           <a:prstGeom prst="rect">
             <a:avLst/>
           </a:prstGeom>
-          <a:solidFill>
-            <a:srgbClr val="FFFFFF"/>
-          </a:solidFill>
-          <a:ln w="6350">
-            <a:solidFill>
-              <a:srgbClr val="000000"/>
-            </a:solidFill>
-            <a:miter lim="800000"/>
-            <a:headEnd/>
-            <a:tailEnd/>
-          </a:ln>
-        </p:spPr>
-        <p:txBody>
-          <a:bodyPr vert="horz" wrap="none" lIns="91440" tIns="45720" rIns="91440" bIns="45720" numCol="1" anchor="t" anchorCtr="0" compatLnSpc="1">
-            <a:prstTxWarp prst="textNoShape">
-              <a:avLst/>
-            </a:prstTxWarp>
+          <a:noFill/>
+        </p:spPr>
+        <p:txBody>
+          <a:bodyPr wrap="none" rtlCol="0">
+            <a:spAutoFit/>
           </a:bodyPr>
           <a:lstStyle/>
           <a:p>
-            <a:pPr lvl="0" fontAlgn="base">
-              <a:spcBef>
-                <a:spcPct val="0"/>
-              </a:spcBef>
-              <a:spcAft>
-                <a:spcPct val="0"/>
-              </a:spcAft>
-            </a:pPr>
-            <a:r>
-              <a:rPr kumimoji="0" lang="fr-FR" altLang="fr-FR" sz="1100" b="0" i="0" u="none" strike="noStrike" cap="none" normalizeH="0" baseline="0" dirty="0" smtClean="0">
-                <a:ln>
-                  <a:noFill/>
-                </a:ln>
-                <a:solidFill>
-                  <a:schemeClr val="tx1"/>
-                </a:solidFill>
-                <a:effectLst/>
+            <a:r>
+              <a:rPr lang="fr-FR" dirty="0" smtClean="0"/>
+              <a:t>Image</a:t>
+            </a:r>
+            <a:endParaRPr lang="fr-FR" dirty="0"/>
+          </a:p>
+        </p:txBody>
+      </p:sp>
+      <p:sp>
+        <p:nvSpPr>
+          <p:cNvPr id="4" name="ZoneTexte 3"/>
+          <p:cNvSpPr txBox="1"/>
+          <p:nvPr/>
+        </p:nvSpPr>
+        <p:spPr>
+          <a:xfrm>
+            <a:off x="3563888" y="2843644"/>
+            <a:ext cx="699102" cy="369332"/>
+          </a:xfrm>
+          <a:prstGeom prst="rect">
+            <a:avLst/>
+          </a:prstGeom>
+          <a:noFill/>
+        </p:spPr>
+        <p:txBody>
+          <a:bodyPr wrap="none" rtlCol="0">
+            <a:spAutoFit/>
+          </a:bodyPr>
+          <a:lstStyle/>
+          <a:p>
+            <a:r>
+              <a:rPr lang="fr-FR" dirty="0" smtClean="0"/>
+              <a:t>Panel</a:t>
+            </a:r>
+            <a:endParaRPr lang="fr-FR" dirty="0"/>
+          </a:p>
+        </p:txBody>
+      </p:sp>
+      <p:cxnSp>
+        <p:nvCxnSpPr>
+          <p:cNvPr id="9" name="Connecteur droit 8"/>
+          <p:cNvCxnSpPr>
+            <a:stCxn id="6" idx="1"/>
+          </p:cNvCxnSpPr>
+          <p:nvPr/>
+        </p:nvCxnSpPr>
+        <p:spPr>
+          <a:xfrm>
+            <a:off x="2095500" y="2490787"/>
+            <a:ext cx="914400" cy="914400"/>
+          </a:xfrm>
+          <a:prstGeom prst="line">
+            <a:avLst/>
+          </a:prstGeom>
+        </p:spPr>
+        <p:style>
+          <a:lnRef idx="1">
+            <a:schemeClr val="accent1"/>
+          </a:lnRef>
+          <a:fillRef idx="0">
+            <a:schemeClr val="accent1"/>
+          </a:fillRef>
+          <a:effectRef idx="0">
+            <a:schemeClr val="accent1"/>
+          </a:effectRef>
+          <a:fontRef idx="minor">
+            <a:schemeClr val="tx1"/>
+          </a:fontRef>
+        </p:style>
+      </p:cxnSp>
+      <p:cxnSp>
+        <p:nvCxnSpPr>
+          <p:cNvPr id="13" name="Connecteur droit 12"/>
+          <p:cNvCxnSpPr/>
+          <p:nvPr/>
+        </p:nvCxnSpPr>
+        <p:spPr>
+          <a:xfrm flipH="1">
+            <a:off x="2375756" y="2647950"/>
+            <a:ext cx="4788532" cy="0"/>
+          </a:xfrm>
+          <a:prstGeom prst="line">
+            <a:avLst/>
+          </a:prstGeom>
+        </p:spPr>
+        <p:style>
+          <a:lnRef idx="2">
+            <a:schemeClr val="accent2"/>
+          </a:lnRef>
+          <a:fillRef idx="0">
+            <a:schemeClr val="accent2"/>
+          </a:fillRef>
+          <a:effectRef idx="1">
+            <a:schemeClr val="accent2"/>
+          </a:effectRef>
+          <a:fontRef idx="minor">
+            <a:schemeClr val="tx1"/>
+          </a:fontRef>
+        </p:style>
+      </p:cxnSp>
+      <p:sp>
+        <p:nvSpPr>
+          <p:cNvPr id="17" name="ZoneTexte 16"/>
+          <p:cNvSpPr txBox="1"/>
+          <p:nvPr/>
+        </p:nvSpPr>
+        <p:spPr>
+          <a:xfrm>
+            <a:off x="6876256" y="2276872"/>
+            <a:ext cx="284052" cy="369332"/>
+          </a:xfrm>
+          <a:prstGeom prst="rect">
+            <a:avLst/>
+          </a:prstGeom>
+          <a:noFill/>
+        </p:spPr>
+        <p:txBody>
+          <a:bodyPr wrap="none" rtlCol="0">
+            <a:spAutoFit/>
+          </a:bodyPr>
+          <a:lstStyle/>
+          <a:p>
+            <a:r>
+              <a:rPr lang="fr-FR" dirty="0" smtClean="0"/>
+              <a:t>x</a:t>
+            </a:r>
+            <a:endParaRPr lang="fr-FR" dirty="0"/>
+          </a:p>
+        </p:txBody>
+      </p:sp>
+      <p:cxnSp>
+        <p:nvCxnSpPr>
+          <p:cNvPr id="18" name="Connecteur droit 17"/>
+          <p:cNvCxnSpPr/>
+          <p:nvPr/>
+        </p:nvCxnSpPr>
+        <p:spPr>
+          <a:xfrm>
+            <a:off x="2843808" y="457200"/>
+            <a:ext cx="0" cy="2571110"/>
+          </a:xfrm>
+          <a:prstGeom prst="line">
+            <a:avLst/>
+          </a:prstGeom>
+        </p:spPr>
+        <p:style>
+          <a:lnRef idx="2">
+            <a:schemeClr val="accent2"/>
+          </a:lnRef>
+          <a:fillRef idx="0">
+            <a:schemeClr val="accent2"/>
+          </a:fillRef>
+          <a:effectRef idx="1">
+            <a:schemeClr val="accent2"/>
+          </a:effectRef>
+          <a:fontRef idx="minor">
+            <a:schemeClr val="tx1"/>
+          </a:fontRef>
+        </p:style>
+      </p:cxnSp>
+      <p:sp>
+        <p:nvSpPr>
+          <p:cNvPr id="22" name="ZoneTexte 21"/>
+          <p:cNvSpPr txBox="1"/>
+          <p:nvPr/>
+        </p:nvSpPr>
+        <p:spPr>
+          <a:xfrm>
+            <a:off x="3009900" y="548680"/>
+            <a:ext cx="288862" cy="369332"/>
+          </a:xfrm>
+          <a:prstGeom prst="rect">
+            <a:avLst/>
+          </a:prstGeom>
+          <a:noFill/>
+        </p:spPr>
+        <p:txBody>
+          <a:bodyPr wrap="none" rtlCol="0">
+            <a:spAutoFit/>
+          </a:bodyPr>
+          <a:lstStyle/>
+          <a:p>
+            <a:r>
+              <a:rPr lang="fr-FR" dirty="0" smtClean="0"/>
+              <a:t>y</a:t>
+            </a:r>
+            <a:endParaRPr lang="fr-FR" dirty="0"/>
+          </a:p>
+        </p:txBody>
+      </p:sp>
+      <p:sp>
+        <p:nvSpPr>
+          <p:cNvPr id="23" name="ZoneTexte 22"/>
+          <p:cNvSpPr txBox="1"/>
+          <p:nvPr/>
+        </p:nvSpPr>
+        <p:spPr>
+          <a:xfrm>
+            <a:off x="6187445" y="698816"/>
+            <a:ext cx="1661673" cy="646331"/>
+          </a:xfrm>
+          <a:prstGeom prst="rect">
+            <a:avLst/>
+          </a:prstGeom>
+          <a:noFill/>
+        </p:spPr>
+        <p:txBody>
+          <a:bodyPr wrap="none" rtlCol="0">
+            <a:spAutoFit/>
+          </a:bodyPr>
+          <a:lstStyle/>
+          <a:p>
+            <a:r>
+              <a:rPr lang="fr-FR" dirty="0" smtClean="0"/>
+              <a:t>X = </a:t>
+            </a:r>
+            <a:r>
+              <a:rPr lang="fr-FR" altLang="fr-FR" dirty="0" err="1">
                 <a:latin typeface="Arial" pitchFamily="34" charset="0"/>
                 <a:ea typeface="Calibri" pitchFamily="34" charset="0"/>
                 <a:cs typeface="Arial" pitchFamily="34" charset="0"/>
               </a:rPr>
-              <a:t>offset(x)  </a:t>
-            </a:r>
-            <a:r>
-              <a:rPr kumimoji="0" lang="fr-FR" altLang="fr-FR" sz="1100" b="0" i="0" u="none" strike="noStrike" cap="none" normalizeH="0" baseline="0" dirty="0" smtClean="0">
-                <a:ln>
-                  <a:noFill/>
-                </a:ln>
-                <a:solidFill>
-                  <a:schemeClr val="tx1"/>
-                </a:solidFill>
-                <a:effectLst/>
+              <a:t>evt.getX</a:t>
+            </a:r>
+            <a:r>
+              <a:rPr lang="fr-FR" altLang="fr-FR" dirty="0">
                 <a:latin typeface="Arial" pitchFamily="34" charset="0"/>
                 <a:ea typeface="Calibri" pitchFamily="34" charset="0"/>
                 <a:cs typeface="Arial" pitchFamily="34" charset="0"/>
               </a:rPr>
-              <a:t>= </a:t>
-            </a:r>
-            <a:r>
-              <a:rPr lang="fr-FR" altLang="fr-FR" sz="1100" dirty="0" smtClean="0">
-                <a:latin typeface="Calibri" pitchFamily="34" charset="0"/>
-                <a:cs typeface="Times New Roman" pitchFamily="18" charset="0"/>
-              </a:rPr>
-              <a:t>-100</a:t>
-            </a:r>
-            <a:endParaRPr kumimoji="0" lang="fr-FR" altLang="fr-FR" sz="1800" b="0" i="0" u="none" strike="noStrike" cap="none" normalizeH="0" baseline="0" dirty="0" smtClean="0">
-              <a:ln>
-                <a:noFill/>
-              </a:ln>
-              <a:solidFill>
-                <a:schemeClr val="tx1"/>
-              </a:solidFill>
-              <a:effectLst/>
+              <a:t>() </a:t>
+            </a:r>
+            <a:endParaRPr lang="fr-FR" altLang="fr-FR" dirty="0" smtClean="0">
               <a:latin typeface="Arial" pitchFamily="34" charset="0"/>
+              <a:ea typeface="Calibri" pitchFamily="34" charset="0"/>
               <a:cs typeface="Arial" pitchFamily="34" charset="0"/>
             </a:endParaRPr>
           </a:p>
-        </p:txBody>
-      </p:sp>
-      <p:sp>
-        <p:nvSpPr>
-          <p:cNvPr id="2" name="ZoneTexte 1"/>
-          <p:cNvSpPr txBox="1"/>
+          <a:p>
+            <a:r>
+              <a:rPr lang="fr-FR" dirty="0" smtClean="0">
+                <a:latin typeface="Arial" pitchFamily="34" charset="0"/>
+                <a:cs typeface="Arial" pitchFamily="34" charset="0"/>
+              </a:rPr>
+              <a:t>Y = </a:t>
+            </a:r>
+            <a:r>
+              <a:rPr lang="fr-FR" altLang="fr-FR" dirty="0" err="1" smtClean="0">
+                <a:latin typeface="Arial" pitchFamily="34" charset="0"/>
+                <a:ea typeface="Calibri" pitchFamily="34" charset="0"/>
+                <a:cs typeface="Arial" pitchFamily="34" charset="0"/>
+              </a:rPr>
+              <a:t>evt.getY</a:t>
+            </a:r>
+            <a:r>
+              <a:rPr lang="fr-FR" altLang="fr-FR" dirty="0" smtClean="0">
+                <a:latin typeface="Arial" pitchFamily="34" charset="0"/>
+                <a:ea typeface="Calibri" pitchFamily="34" charset="0"/>
+                <a:cs typeface="Arial" pitchFamily="34" charset="0"/>
+              </a:rPr>
+              <a:t>() </a:t>
+            </a:r>
+            <a:endParaRPr lang="fr-FR" dirty="0"/>
+          </a:p>
+        </p:txBody>
+      </p:sp>
+      <p:sp>
+        <p:nvSpPr>
+          <p:cNvPr id="25" name="Ellipse 24"/>
+          <p:cNvSpPr/>
           <p:nvPr/>
         </p:nvSpPr>
         <p:spPr>
           <a:xfrm>
-            <a:off x="6372200" y="942975"/>
-            <a:ext cx="658257" cy="369332"/>
-          </a:xfrm>
-          <a:prstGeom prst="rect">
-            <a:avLst/>
-          </a:prstGeom>
-          <a:noFill/>
-        </p:spPr>
-        <p:txBody>
-          <a:bodyPr wrap="none" rtlCol="0">
-            <a:spAutoFit/>
-          </a:bodyPr>
-          <a:lstStyle/>
-          <a:p>
-            <a:r>
-              <a:rPr lang="fr-FR" dirty="0" err="1" smtClean="0"/>
-              <a:t>After</a:t>
-            </a:r>
-            <a:endParaRPr lang="fr-FR" dirty="0"/>
-          </a:p>
-        </p:txBody>
-      </p:sp>
+            <a:off x="3769423" y="2070404"/>
+            <a:ext cx="144016" cy="184666"/>
+          </a:xfrm>
+          <a:prstGeom prst="ellipse">
+            <a:avLst/>
+          </a:prstGeom>
+        </p:spPr>
+        <p:style>
+          <a:lnRef idx="2">
+            <a:schemeClr val="accent2">
+              <a:shade val="50000"/>
+            </a:schemeClr>
+          </a:lnRef>
+          <a:fillRef idx="1">
+            <a:schemeClr val="accent2"/>
+          </a:fillRef>
+          <a:effectRef idx="0">
+            <a:schemeClr val="accent2"/>
+          </a:effectRef>
+          <a:fontRef idx="minor">
+            <a:schemeClr val="lt1"/>
+          </a:fontRef>
+        </p:style>
+        <p:txBody>
+          <a:bodyPr rtlCol="0" anchor="ctr"/>
+          <a:lstStyle/>
+          <a:p>
+            <a:pPr algn="ctr"/>
+            <a:endParaRPr lang="fr-FR"/>
+          </a:p>
+        </p:txBody>
+      </p:sp>
+      <p:cxnSp>
+        <p:nvCxnSpPr>
+          <p:cNvPr id="27" name="Connecteur droit avec flèche 26"/>
+          <p:cNvCxnSpPr/>
+          <p:nvPr/>
+        </p:nvCxnSpPr>
+        <p:spPr>
+          <a:xfrm flipV="1">
+            <a:off x="3913439" y="1196752"/>
+            <a:ext cx="2170729" cy="965985"/>
+          </a:xfrm>
+          <a:prstGeom prst="straightConnector1">
+            <a:avLst/>
+          </a:prstGeom>
+          <a:ln>
+            <a:tailEnd type="arrow"/>
+          </a:ln>
+        </p:spPr>
+        <p:style>
+          <a:lnRef idx="2">
+            <a:schemeClr val="accent3"/>
+          </a:lnRef>
+          <a:fillRef idx="0">
+            <a:schemeClr val="accent3"/>
+          </a:fillRef>
+          <a:effectRef idx="1">
+            <a:schemeClr val="accent3"/>
+          </a:effectRef>
+          <a:fontRef idx="minor">
+            <a:schemeClr val="tx1"/>
+          </a:fontRef>
+        </p:style>
+      </p:cxnSp>
     </p:spTree>
     <p:extLst>
       <p:ext uri="{BB962C8B-B14F-4D97-AF65-F5344CB8AC3E}">
-        <p14:creationId xmlns:p14="http://schemas.microsoft.com/office/powerpoint/2010/main" val="4280351544"/>
+        <p14:creationId xmlns:p14="http://schemas.microsoft.com/office/powerpoint/2010/main" val="2806608212"/>
+      </p:ext>
+    </p:extLst>
+  </p:cSld>
+  <p:clrMapOvr>
+    <a:masterClrMapping/>
+  </p:clrMapOvr>
+</p:sld>
+</file>
+
+<file path=ppt/slides/slide3.xml><?xml version="1.0" encoding="utf-8"?>
+<p:sld xmlns:a="http://schemas.openxmlformats.org/drawingml/2006/main" xmlns:r="http://schemas.openxmlformats.org/officeDocument/2006/relationships" xmlns:p="http://schemas.openxmlformats.org/presentationml/2006/main">
+  <p:cSld>
+    <p:spTree>
+      <p:nvGrpSpPr>
+        <p:cNvPr id="1" name=""/>
+        <p:cNvGrpSpPr/>
+        <p:nvPr/>
+      </p:nvGrpSpPr>
+      <p:grpSpPr>
+        <a:xfrm>
+          <a:off x="0" y="0"/>
+          <a:ext cx="0" cy="0"/>
+          <a:chOff x="0" y="0"/>
+          <a:chExt cx="0" cy="0"/>
+        </a:xfrm>
+      </p:grpSpPr>
+      <p:sp>
+        <p:nvSpPr>
+          <p:cNvPr id="4" name="ZoneTexte 3"/>
+          <p:cNvSpPr txBox="1"/>
+          <p:nvPr/>
+        </p:nvSpPr>
+        <p:spPr>
+          <a:xfrm>
+            <a:off x="1979712" y="2132856"/>
+            <a:ext cx="4752528" cy="1569660"/>
+          </a:xfrm>
+          <a:prstGeom prst="rect">
+            <a:avLst/>
+          </a:prstGeom>
+          <a:noFill/>
+        </p:spPr>
+        <p:txBody>
+          <a:bodyPr wrap="square" rtlCol="0">
+            <a:spAutoFit/>
+          </a:bodyPr>
+          <a:lstStyle/>
+          <a:p>
+            <a:pPr algn="ctr"/>
+            <a:r>
+              <a:rPr lang="fr-FR" sz="9600" dirty="0" smtClean="0"/>
+              <a:t>Move</a:t>
+            </a:r>
+            <a:endParaRPr lang="fr-FR" sz="9600" dirty="0"/>
+          </a:p>
+        </p:txBody>
+      </p:sp>
+    </p:spTree>
+    <p:extLst>
+      <p:ext uri="{BB962C8B-B14F-4D97-AF65-F5344CB8AC3E}">
+        <p14:creationId xmlns:p14="http://schemas.microsoft.com/office/powerpoint/2010/main" val="2160687245"/>
       </p:ext>
     </p:extLst>
   </p:cSld>
@@ -6779,7 +8285,7 @@
         </p:nvSpPr>
         <p:spPr>
           <a:xfrm>
-            <a:off x="1157287" y="942975"/>
+            <a:off x="2095500" y="1657350"/>
             <a:ext cx="4476750" cy="3409950"/>
           </a:xfrm>
           <a:prstGeom prst="rect">
@@ -6946,8 +8452,8 @@
         </p:nvCxnSpPr>
         <p:spPr>
           <a:xfrm flipH="1" flipV="1">
-            <a:off x="2409826" y="2314575"/>
-            <a:ext cx="847724" cy="642937"/>
+            <a:off x="2409827" y="2314576"/>
+            <a:ext cx="873481" cy="660796"/>
           </a:xfrm>
           <a:prstGeom prst="straightConnector1">
             <a:avLst/>
@@ -6981,8 +8487,8 @@
         </p:nvSpPr>
         <p:spPr bwMode="auto">
           <a:xfrm>
-            <a:off x="3257550" y="2957512"/>
-            <a:ext cx="1962522" cy="619125"/>
+            <a:off x="3283308" y="2975372"/>
+            <a:ext cx="2152788" cy="619125"/>
           </a:xfrm>
           <a:prstGeom prst="rect">
             <a:avLst/>
@@ -6994,6 +8500,7 @@
             <a:solidFill>
               <a:srgbClr val="000000"/>
             </a:solidFill>
+            <a:prstDash val="lgDash"/>
             <a:miter lim="800000"/>
             <a:headEnd/>
             <a:tailEnd/>
@@ -7006,132 +8513,6 @@
             </a:prstTxWarp>
           </a:bodyPr>
           <a:lstStyle/>
-          <a:p>
-            <a:pPr lvl="0" fontAlgn="base">
-              <a:spcBef>
-                <a:spcPct val="0"/>
-              </a:spcBef>
-              <a:spcAft>
-                <a:spcPct val="0"/>
-              </a:spcAft>
-            </a:pPr>
-            <a:r>
-              <a:rPr lang="fr-FR" altLang="fr-FR" sz="900" dirty="0">
-                <a:latin typeface="Arial" pitchFamily="34" charset="0"/>
-                <a:ea typeface="Calibri" pitchFamily="34" charset="0"/>
-                <a:cs typeface="Arial" pitchFamily="34" charset="0"/>
-              </a:rPr>
-              <a:t>Clic </a:t>
-            </a:r>
-            <a:r>
-              <a:rPr lang="fr-FR" altLang="fr-FR" sz="900" dirty="0" err="1">
-                <a:latin typeface="Arial" pitchFamily="34" charset="0"/>
-                <a:ea typeface="Calibri" pitchFamily="34" charset="0"/>
-                <a:cs typeface="Arial" pitchFamily="34" charset="0"/>
-              </a:rPr>
-              <a:t>Pressed</a:t>
-            </a:r>
-            <a:r>
-              <a:rPr lang="fr-FR" altLang="fr-FR" sz="900" dirty="0">
-                <a:latin typeface="Arial" pitchFamily="34" charset="0"/>
-                <a:ea typeface="Calibri" pitchFamily="34" charset="0"/>
-                <a:cs typeface="Arial" pitchFamily="34" charset="0"/>
-              </a:rPr>
-              <a:t> </a:t>
-            </a:r>
-          </a:p>
-          <a:p>
-            <a:pPr lvl="0" fontAlgn="base">
-              <a:spcBef>
-                <a:spcPct val="0"/>
-              </a:spcBef>
-              <a:spcAft>
-                <a:spcPct val="0"/>
-              </a:spcAft>
-            </a:pPr>
-            <a:r>
-              <a:rPr lang="fr-FR" altLang="fr-FR" sz="900" dirty="0" err="1">
-                <a:latin typeface="Arial" pitchFamily="34" charset="0"/>
-                <a:ea typeface="Calibri" pitchFamily="34" charset="0"/>
-                <a:cs typeface="Arial" pitchFamily="34" charset="0"/>
-              </a:rPr>
-              <a:t>dragStart</a:t>
-            </a:r>
-            <a:r>
-              <a:rPr lang="fr-FR" altLang="fr-FR" sz="900" dirty="0">
-                <a:latin typeface="Arial" pitchFamily="34" charset="0"/>
-                <a:ea typeface="Calibri" pitchFamily="34" charset="0"/>
-                <a:cs typeface="Arial" pitchFamily="34" charset="0"/>
-              </a:rPr>
-              <a:t>(x) </a:t>
-            </a:r>
-            <a:r>
-              <a:rPr lang="fr-FR" altLang="fr-FR" sz="900" dirty="0">
-                <a:latin typeface="Arial" pitchFamily="34" charset="0"/>
-                <a:cs typeface="Arial" pitchFamily="34" charset="0"/>
-              </a:rPr>
-              <a:t>= X - </a:t>
-            </a:r>
-            <a:r>
-              <a:rPr lang="fr-FR" altLang="fr-FR" sz="900" dirty="0">
-                <a:latin typeface="Arial" pitchFamily="34" charset="0"/>
-                <a:ea typeface="Calibri" pitchFamily="34" charset="0"/>
-                <a:cs typeface="Arial" pitchFamily="34" charset="0"/>
-              </a:rPr>
-              <a:t>offset(x) </a:t>
-            </a:r>
-            <a:endParaRPr lang="fr-FR" altLang="fr-FR" sz="900" dirty="0">
-              <a:latin typeface="Arial" pitchFamily="34" charset="0"/>
-              <a:cs typeface="Arial" pitchFamily="34" charset="0"/>
-            </a:endParaRPr>
-          </a:p>
-          <a:p>
-            <a:pPr lvl="0" eaLnBrk="0" fontAlgn="base" hangingPunct="0">
-              <a:spcBef>
-                <a:spcPct val="0"/>
-              </a:spcBef>
-              <a:spcAft>
-                <a:spcPct val="0"/>
-              </a:spcAft>
-            </a:pPr>
-            <a:r>
-              <a:rPr lang="fr-FR" altLang="fr-FR" sz="900" dirty="0">
-                <a:latin typeface="Arial" pitchFamily="34" charset="0"/>
-                <a:ea typeface="Calibri" pitchFamily="34" charset="0"/>
-                <a:cs typeface="Arial" pitchFamily="34" charset="0"/>
-              </a:rPr>
-              <a:t>= 150 – </a:t>
-            </a:r>
-            <a:r>
-              <a:rPr lang="fr-FR" altLang="fr-FR" sz="900" dirty="0" smtClean="0">
-                <a:latin typeface="Arial" pitchFamily="34" charset="0"/>
-                <a:ea typeface="Calibri" pitchFamily="34" charset="0"/>
-                <a:cs typeface="Arial" pitchFamily="34" charset="0"/>
-              </a:rPr>
-              <a:t>(-100) </a:t>
-            </a:r>
-            <a:r>
-              <a:rPr lang="fr-FR" altLang="fr-FR" sz="900" dirty="0">
-                <a:latin typeface="Arial" pitchFamily="34" charset="0"/>
-                <a:ea typeface="Calibri" pitchFamily="34" charset="0"/>
-                <a:cs typeface="Arial" pitchFamily="34" charset="0"/>
-              </a:rPr>
-              <a:t>= </a:t>
-            </a:r>
-            <a:r>
-              <a:rPr lang="fr-FR" altLang="fr-FR" sz="900" dirty="0" smtClean="0">
-                <a:latin typeface="Arial" pitchFamily="34" charset="0"/>
-                <a:ea typeface="Calibri" pitchFamily="34" charset="0"/>
-                <a:cs typeface="Arial" pitchFamily="34" charset="0"/>
-              </a:rPr>
-              <a:t>250</a:t>
-            </a:r>
-            <a:endParaRPr lang="fr-FR" altLang="fr-FR" sz="900" dirty="0">
-              <a:latin typeface="Arial" pitchFamily="34" charset="0"/>
-              <a:ea typeface="Calibri" pitchFamily="34" charset="0"/>
-              <a:cs typeface="Arial" pitchFamily="34" charset="0"/>
-            </a:endParaRPr>
-          </a:p>
           <a:p>
             <a:pPr marL="0" marR="0" lvl="0" indent="0" algn="l" defTabSz="914400" rtl="0" eaLnBrk="1" fontAlgn="base" latinLnBrk="0" hangingPunct="1">
               <a:lnSpc>
@@ -7149,55 +8530,52 @@
               <a:buNone/>
               <a:tabLst/>
             </a:pPr>
-            <a:endParaRPr kumimoji="0" lang="fr-FR" altLang="fr-FR" sz="900" b="0" i="0" u="none" strike="noStrike" cap="none" normalizeH="0" baseline="0" dirty="0" smtClean="0">
-              <a:ln>
-                <a:noFill/>
-              </a:ln>
-              <a:solidFill>
-                <a:schemeClr val="tx1"/>
-              </a:solidFill>
-              <a:effectLst/>
-              <a:latin typeface="Arial" pitchFamily="34" charset="0"/>
-              <a:cs typeface="Arial" pitchFamily="34" charset="0"/>
-            </a:endParaRPr>
-          </a:p>
-        </p:txBody>
-      </p:sp>
-      <p:sp>
-        <p:nvSpPr>
-          <p:cNvPr id="10" name="Zone de texte 6"/>
-          <p:cNvSpPr txBox="1">
-            <a:spLocks noChangeArrowheads="1"/>
-          </p:cNvSpPr>
-          <p:nvPr/>
-        </p:nvSpPr>
-        <p:spPr bwMode="auto">
-          <a:xfrm>
-            <a:off x="2219325" y="1687333"/>
-            <a:ext cx="2856731" cy="523875"/>
-          </a:xfrm>
-          <a:prstGeom prst="rect">
-            <a:avLst/>
-          </a:prstGeom>
-          <a:solidFill>
-            <a:srgbClr val="FFFFFF"/>
-          </a:solidFill>
-          <a:ln w="6350">
-            <a:solidFill>
-              <a:srgbClr val="000000"/>
-            </a:solidFill>
-            <a:miter lim="800000"/>
-            <a:headEnd/>
-            <a:tailEnd/>
-          </a:ln>
-        </p:spPr>
-        <p:txBody>
-          <a:bodyPr vert="horz" wrap="square" lIns="91440" tIns="45720" rIns="91440" bIns="45720" numCol="1" anchor="t" anchorCtr="0" compatLnSpc="1">
-            <a:prstTxWarp prst="textNoShape">
-              <a:avLst/>
-            </a:prstTxWarp>
-          </a:bodyPr>
-          <a:lstStyle/>
+            <a:r>
+              <a:rPr kumimoji="0" lang="fr-FR" altLang="fr-FR" sz="900" b="0" i="0" u="none" strike="noStrike" cap="none" normalizeH="0" baseline="0" dirty="0" smtClean="0">
+                <a:ln>
+                  <a:noFill/>
+                </a:ln>
+                <a:solidFill>
+                  <a:schemeClr val="tx1"/>
+                </a:solidFill>
+                <a:effectLst/>
+                <a:latin typeface="Arial" pitchFamily="34" charset="0"/>
+                <a:ea typeface="Calibri" pitchFamily="34" charset="0"/>
+                <a:cs typeface="Arial" pitchFamily="34" charset="0"/>
+              </a:rPr>
+              <a:t>Clic </a:t>
+            </a:r>
+            <a:r>
+              <a:rPr kumimoji="0" lang="fr-FR" altLang="fr-FR" sz="900" b="0" i="0" u="none" strike="noStrike" cap="none" normalizeH="0" baseline="0" dirty="0" err="1" smtClean="0">
+                <a:ln>
+                  <a:noFill/>
+                </a:ln>
+                <a:solidFill>
+                  <a:schemeClr val="tx1"/>
+                </a:solidFill>
+                <a:effectLst/>
+                <a:latin typeface="Arial" pitchFamily="34" charset="0"/>
+                <a:ea typeface="Calibri" pitchFamily="34" charset="0"/>
+                <a:cs typeface="Arial" pitchFamily="34" charset="0"/>
+              </a:rPr>
+              <a:t>Pressed</a:t>
+            </a:r>
+            <a:r>
+              <a:rPr kumimoji="0" lang="fr-FR" altLang="fr-FR" sz="900" b="0" i="0" u="none" strike="noStrike" cap="none" normalizeH="0" baseline="0" dirty="0" smtClean="0">
+                <a:ln>
+                  <a:noFill/>
+                </a:ln>
+                <a:solidFill>
+                  <a:schemeClr val="tx1"/>
+                </a:solidFill>
+                <a:effectLst/>
+                <a:latin typeface="Arial" pitchFamily="34" charset="0"/>
+                <a:ea typeface="Calibri" pitchFamily="34" charset="0"/>
+                <a:cs typeface="Arial" pitchFamily="34" charset="0"/>
+              </a:rPr>
+              <a:t> </a:t>
+            </a:r>
+          </a:p>
           <a:p>
             <a:pPr marL="0" marR="0" lvl="0" indent="0" algn="l" defTabSz="914400" rtl="0" eaLnBrk="1" fontAlgn="base" latinLnBrk="0" hangingPunct="1">
               <a:lnSpc>
@@ -7216,6 +8594,21 @@
               <a:tabLst/>
             </a:pPr>
             <a:r>
+              <a:rPr kumimoji="0" lang="fr-FR" altLang="fr-FR" sz="900" b="0" i="0" u="none" strike="noStrike" cap="none" normalizeH="0" baseline="0" dirty="0" err="1" smtClean="0">
+                <a:ln>
+                  <a:noFill/>
+                </a:ln>
+                <a:solidFill>
+                  <a:schemeClr val="tx1"/>
+                </a:solidFill>
+                <a:effectLst/>
+                <a:latin typeface="Arial" pitchFamily="34" charset="0"/>
+                <a:ea typeface="Calibri" pitchFamily="34" charset="0"/>
+                <a:cs typeface="Arial" pitchFamily="34" charset="0"/>
+              </a:rPr>
+              <a:t>dragStart.x</a:t>
+            </a:r>
+            <a:r>
               <a:rPr kumimoji="0" lang="fr-FR" altLang="fr-FR" sz="900" b="0" i="0" u="none" strike="noStrike" cap="none" normalizeH="0" baseline="0" dirty="0" smtClean="0">
                 <a:ln>
                   <a:noFill/>
@@ -7228,96 +8621,14 @@
                 <a:ea typeface="Calibri" pitchFamily="34" charset="0"/>
                 <a:cs typeface="Arial" pitchFamily="34" charset="0"/>
               </a:rPr>
-              <a:t>Drag</a:t>
-            </a:r>
-            <a:r>
-              <a:rPr kumimoji="0" lang="fr-FR" altLang="fr-FR" sz="900" b="0" i="0" u="none" strike="noStrike" cap="none" normalizeH="0" baseline="0" dirty="0" smtClean="0">
-                <a:ln>
-                  <a:noFill/>
-                </a:ln>
-                <a:solidFill>
-                  <a:schemeClr val="tx1"/>
-                </a:solidFill>
-                <a:effectLst/>
-                <a:latin typeface="Calibri"/>
-                <a:ea typeface="Calibri" pitchFamily="34" charset="0"/>
-                <a:cs typeface="Arial" pitchFamily="34" charset="0"/>
-              </a:rPr>
-              <a:t> </a:t>
-            </a:r>
-            <a:r>
-              <a:rPr kumimoji="0" lang="fr-FR" altLang="fr-FR" sz="900" b="0" i="0" u="none" strike="noStrike" cap="none" normalizeH="0" baseline="0" dirty="0" smtClean="0">
-                <a:ln>
-                  <a:noFill/>
-                </a:ln>
-                <a:solidFill>
-                  <a:schemeClr val="tx1"/>
-                </a:solidFill>
-                <a:effectLst/>
-                <a:latin typeface="Arial" pitchFamily="34" charset="0"/>
-                <a:ea typeface="Calibri" pitchFamily="34" charset="0"/>
-                <a:cs typeface="Arial" pitchFamily="34" charset="0"/>
-              </a:rPr>
-              <a:t>:</a:t>
-            </a:r>
-            <a:endParaRPr kumimoji="0" lang="fr-FR" altLang="fr-FR" sz="800" b="0" i="0" u="none" strike="noStrike" cap="none" normalizeH="0" baseline="0" dirty="0" smtClean="0">
-              <a:ln>
-                <a:noFill/>
-              </a:ln>
-              <a:solidFill>
-                <a:schemeClr val="tx1"/>
-              </a:solidFill>
-              <a:effectLst/>
-              <a:latin typeface="Arial" pitchFamily="34" charset="0"/>
-              <a:cs typeface="Arial" pitchFamily="34" charset="0"/>
-            </a:endParaRPr>
-          </a:p>
-          <a:p>
-            <a:pPr lvl="0" eaLnBrk="0" fontAlgn="base" hangingPunct="0">
-              <a:spcBef>
-                <a:spcPct val="0"/>
-              </a:spcBef>
-              <a:spcAft>
-                <a:spcPct val="0"/>
-              </a:spcAft>
-            </a:pPr>
-            <a:r>
-              <a:rPr kumimoji="0" lang="fr-FR" altLang="fr-FR" sz="900" b="0" i="0" u="none" strike="noStrike" cap="none" normalizeH="0" baseline="0" dirty="0" smtClean="0">
-                <a:ln>
-                  <a:noFill/>
-                </a:ln>
-                <a:solidFill>
-                  <a:schemeClr val="tx1"/>
-                </a:solidFill>
-                <a:effectLst/>
-                <a:latin typeface="Arial" pitchFamily="34" charset="0"/>
-                <a:ea typeface="Calibri" pitchFamily="34" charset="0"/>
-                <a:cs typeface="Arial" pitchFamily="34" charset="0"/>
-              </a:rPr>
-              <a:t>offset(x) </a:t>
-            </a:r>
-            <a:r>
-              <a:rPr kumimoji="0" lang="fr-FR" altLang="fr-FR" sz="900" b="0" i="0" u="none" strike="noStrike" cap="none" normalizeH="0" baseline="0" dirty="0" smtClean="0">
-                <a:ln>
-                  <a:noFill/>
-                </a:ln>
-                <a:solidFill>
-                  <a:schemeClr val="tx1"/>
-                </a:solidFill>
-                <a:effectLst/>
-                <a:latin typeface="Arial" pitchFamily="34" charset="0"/>
-                <a:ea typeface="Calibri" pitchFamily="34" charset="0"/>
-                <a:cs typeface="Arial" pitchFamily="34" charset="0"/>
-              </a:rPr>
-              <a:t>= </a:t>
+              <a:t> </a:t>
             </a:r>
             <a:r>
               <a:rPr lang="fr-FR" altLang="fr-FR" sz="900" dirty="0" smtClean="0">
                 <a:latin typeface="Arial" pitchFamily="34" charset="0"/>
-                <a:ea typeface="Calibri" pitchFamily="34" charset="0"/>
                 <a:cs typeface="Arial" pitchFamily="34" charset="0"/>
               </a:rPr>
-              <a:t> </a:t>
+              <a:t>= x - </a:t>
             </a:r>
             <a:r>
               <a:rPr lang="fr-FR" altLang="fr-FR" sz="900" dirty="0" err="1" smtClean="0">
@@ -7325,54 +8636,9 @@
                 <a:ea typeface="Calibri" pitchFamily="34" charset="0"/>
                 <a:cs typeface="Arial" pitchFamily="34" charset="0"/>
               </a:rPr>
-              <a:t>evt.getX</a:t>
-            </a:r>
-            <a:r>
-              <a:rPr kumimoji="0" lang="fr-FR" altLang="fr-FR" sz="900" b="0" i="0" u="none" strike="noStrike" cap="none" normalizeH="0" baseline="0" dirty="0" smtClean="0">
-                <a:ln>
-                  <a:noFill/>
-                </a:ln>
-                <a:solidFill>
-                  <a:schemeClr val="tx1"/>
-                </a:solidFill>
-                <a:effectLst/>
-                <a:latin typeface="Arial" pitchFamily="34" charset="0"/>
-                <a:ea typeface="Calibri" pitchFamily="34" charset="0"/>
-                <a:cs typeface="Arial" pitchFamily="34" charset="0"/>
-              </a:rPr>
-              <a:t>() - </a:t>
-            </a:r>
-            <a:r>
-              <a:rPr kumimoji="0" lang="fr-FR" altLang="fr-FR" sz="900" b="0" i="0" u="none" strike="noStrike" cap="none" normalizeH="0" baseline="0" dirty="0" err="1" smtClean="0">
-                <a:ln>
-                  <a:noFill/>
-                </a:ln>
-                <a:solidFill>
-                  <a:schemeClr val="tx1"/>
-                </a:solidFill>
-                <a:effectLst/>
-                <a:latin typeface="Arial" pitchFamily="34" charset="0"/>
-                <a:ea typeface="Calibri" pitchFamily="34" charset="0"/>
-                <a:cs typeface="Arial" pitchFamily="34" charset="0"/>
-              </a:rPr>
-              <a:t>dragStart</a:t>
-            </a:r>
-            <a:r>
-              <a:rPr kumimoji="0" lang="fr-FR" altLang="fr-FR" sz="900" b="0" i="0" u="none" strike="noStrike" cap="none" normalizeH="0" baseline="0" dirty="0" smtClean="0">
-                <a:ln>
-                  <a:noFill/>
-                </a:ln>
-                <a:solidFill>
-                  <a:schemeClr val="tx1"/>
-                </a:solidFill>
-                <a:effectLst/>
-                <a:latin typeface="Arial" pitchFamily="34" charset="0"/>
-                <a:ea typeface="Calibri" pitchFamily="34" charset="0"/>
-                <a:cs typeface="Arial" pitchFamily="34" charset="0"/>
-              </a:rPr>
-              <a:t>(x) </a:t>
-            </a:r>
-            <a:endParaRPr kumimoji="0" lang="fr-FR" altLang="fr-FR" sz="800" b="0" i="0" u="none" strike="noStrike" cap="none" normalizeH="0" baseline="0" dirty="0" smtClean="0">
+              <a:t>offset.x</a:t>
+            </a:r>
+            <a:endParaRPr kumimoji="0" lang="fr-FR" altLang="fr-FR" sz="900" b="0" i="0" u="none" strike="noStrike" cap="none" normalizeH="0" baseline="0" dirty="0" smtClean="0">
               <a:ln>
                 <a:noFill/>
               </a:ln>
@@ -7402,11 +8668,326 @@
               <a:tabLst/>
             </a:pPr>
             <a:r>
+              <a:rPr kumimoji="0" lang="fr-FR" altLang="fr-FR" sz="900" b="0" i="0" u="none" strike="noStrike" cap="none" normalizeH="0" baseline="0" dirty="0" smtClean="0">
+                <a:ln>
+                  <a:noFill/>
+                </a:ln>
+                <a:solidFill>
+                  <a:schemeClr val="tx1"/>
+                </a:solidFill>
+                <a:effectLst/>
+                <a:latin typeface="Arial" pitchFamily="34" charset="0"/>
+                <a:ea typeface="Calibri" pitchFamily="34" charset="0"/>
+                <a:cs typeface="Arial" pitchFamily="34" charset="0"/>
+              </a:rPr>
+              <a:t>= 150 – 0 = 150</a:t>
+            </a:r>
+          </a:p>
+        </p:txBody>
+      </p:sp>
+      <p:sp>
+        <p:nvSpPr>
+          <p:cNvPr id="10" name="Zone de texte 6"/>
+          <p:cNvSpPr txBox="1">
+            <a:spLocks noChangeArrowheads="1"/>
+          </p:cNvSpPr>
+          <p:nvPr/>
+        </p:nvSpPr>
+        <p:spPr bwMode="auto">
+          <a:xfrm>
+            <a:off x="2219325" y="1687333"/>
+            <a:ext cx="1920627" cy="523875"/>
+          </a:xfrm>
+          <a:prstGeom prst="rect">
+            <a:avLst/>
+          </a:prstGeom>
+          <a:solidFill>
+            <a:srgbClr val="FFFFFF"/>
+          </a:solidFill>
+          <a:ln w="6350" cmpd="sng">
+            <a:gradFill>
+              <a:gsLst>
+                <a:gs pos="0">
+                  <a:schemeClr val="accent1">
+                    <a:tint val="66000"/>
+                    <a:satMod val="160000"/>
+                  </a:schemeClr>
+                </a:gs>
+                <a:gs pos="50000">
+                  <a:schemeClr val="accent1">
+                    <a:tint val="44500"/>
+                    <a:satMod val="160000"/>
+                  </a:schemeClr>
+                </a:gs>
+                <a:gs pos="100000">
+                  <a:schemeClr val="accent1">
+                    <a:tint val="23500"/>
+                    <a:satMod val="160000"/>
+                  </a:schemeClr>
+                </a:gs>
+              </a:gsLst>
+              <a:lin ang="5400000" scaled="0"/>
+            </a:gradFill>
+            <a:prstDash val="lgDash"/>
+            <a:miter lim="800000"/>
+            <a:headEnd/>
+            <a:tailEnd/>
+          </a:ln>
+        </p:spPr>
+        <p:txBody>
+          <a:bodyPr vert="horz" wrap="square" lIns="91440" tIns="45720" rIns="91440" bIns="45720" numCol="1" anchor="t" anchorCtr="0" compatLnSpc="1">
+            <a:prstTxWarp prst="textNoShape">
+              <a:avLst/>
+            </a:prstTxWarp>
+          </a:bodyPr>
+          <a:lstStyle/>
+          <a:p>
+            <a:pPr marL="0" marR="0" lvl="0" indent="0" algn="l" defTabSz="914400" rtl="0" eaLnBrk="1" fontAlgn="base" latinLnBrk="0" hangingPunct="1">
+              <a:lnSpc>
+                <a:spcPct val="100000"/>
+              </a:lnSpc>
+              <a:spcBef>
+                <a:spcPct val="0"/>
+              </a:spcBef>
+              <a:spcAft>
+                <a:spcPct val="0"/>
+              </a:spcAft>
+              <a:buClrTx/>
+              <a:buSzTx/>
+              <a:buFontTx/>
+              <a:buNone/>
+              <a:tabLst/>
+            </a:pPr>
+            <a:r>
+              <a:rPr kumimoji="0" lang="fr-FR" altLang="fr-FR" sz="900" b="0" i="0" u="none" strike="noStrike" cap="none" normalizeH="0" baseline="0" dirty="0" smtClean="0">
+                <a:ln>
+                  <a:noFill/>
+                </a:ln>
+                <a:solidFill>
+                  <a:schemeClr val="tx1"/>
+                </a:solidFill>
+                <a:effectLst/>
+                <a:latin typeface="Arial" pitchFamily="34" charset="0"/>
+                <a:ea typeface="Calibri" pitchFamily="34" charset="0"/>
+                <a:cs typeface="Arial" pitchFamily="34" charset="0"/>
+              </a:rPr>
+              <a:t>Drag</a:t>
+            </a:r>
+            <a:r>
+              <a:rPr kumimoji="0" lang="fr-FR" altLang="fr-FR" sz="900" b="0" i="0" u="none" strike="noStrike" cap="none" normalizeH="0" baseline="0" dirty="0" smtClean="0">
+                <a:ln>
+                  <a:noFill/>
+                </a:ln>
+                <a:solidFill>
+                  <a:schemeClr val="tx1"/>
+                </a:solidFill>
+                <a:effectLst/>
+                <a:latin typeface="Calibri"/>
+                <a:ea typeface="Calibri" pitchFamily="34" charset="0"/>
+                <a:cs typeface="Arial" pitchFamily="34" charset="0"/>
+              </a:rPr>
+              <a:t> </a:t>
+            </a:r>
+            <a:r>
+              <a:rPr kumimoji="0" lang="fr-FR" altLang="fr-FR" sz="900" b="0" i="0" u="none" strike="noStrike" cap="none" normalizeH="0" baseline="0" dirty="0" smtClean="0">
+                <a:ln>
+                  <a:noFill/>
+                </a:ln>
+                <a:solidFill>
+                  <a:schemeClr val="tx1"/>
+                </a:solidFill>
+                <a:effectLst/>
+                <a:latin typeface="Arial" pitchFamily="34" charset="0"/>
+                <a:ea typeface="Calibri" pitchFamily="34" charset="0"/>
+                <a:cs typeface="Arial" pitchFamily="34" charset="0"/>
+              </a:rPr>
+              <a:t>: -&gt; 50</a:t>
+            </a:r>
+            <a:endParaRPr kumimoji="0" lang="fr-FR" altLang="fr-FR" sz="800" b="0" i="0" u="none" strike="noStrike" cap="none" normalizeH="0" baseline="0" dirty="0" smtClean="0">
+              <a:ln>
+                <a:noFill/>
+              </a:ln>
+              <a:solidFill>
+                <a:schemeClr val="tx1"/>
+              </a:solidFill>
+              <a:effectLst/>
+              <a:latin typeface="Arial" pitchFamily="34" charset="0"/>
+              <a:cs typeface="Arial" pitchFamily="34" charset="0"/>
+            </a:endParaRPr>
+          </a:p>
+          <a:p>
+            <a:pPr lvl="0" eaLnBrk="0" fontAlgn="base" hangingPunct="0">
+              <a:spcBef>
+                <a:spcPct val="0"/>
+              </a:spcBef>
+              <a:spcAft>
+                <a:spcPct val="0"/>
+              </a:spcAft>
+            </a:pPr>
+            <a:r>
+              <a:rPr kumimoji="0" lang="fr-FR" altLang="fr-FR" sz="900" b="0" i="0" u="none" strike="noStrike" cap="none" normalizeH="0" baseline="0" dirty="0" err="1" smtClean="0">
+                <a:ln>
+                  <a:noFill/>
+                </a:ln>
+                <a:solidFill>
+                  <a:schemeClr val="tx1"/>
+                </a:solidFill>
+                <a:effectLst/>
+                <a:latin typeface="Arial" pitchFamily="34" charset="0"/>
+                <a:ea typeface="Calibri" pitchFamily="34" charset="0"/>
+                <a:cs typeface="Arial" pitchFamily="34" charset="0"/>
+              </a:rPr>
+              <a:t>offset.x</a:t>
+            </a:r>
+            <a:r>
+              <a:rPr kumimoji="0" lang="fr-FR" altLang="fr-FR" sz="900" b="0" i="0" u="none" strike="noStrike" cap="none" normalizeH="0" baseline="0" dirty="0" smtClean="0">
+                <a:ln>
+                  <a:noFill/>
+                </a:ln>
+                <a:solidFill>
+                  <a:schemeClr val="tx1"/>
+                </a:solidFill>
+                <a:effectLst/>
+                <a:latin typeface="Arial" pitchFamily="34" charset="0"/>
+                <a:ea typeface="Calibri" pitchFamily="34" charset="0"/>
+                <a:cs typeface="Arial" pitchFamily="34" charset="0"/>
+              </a:rPr>
+              <a:t>= </a:t>
+            </a:r>
+            <a:r>
               <a:rPr lang="fr-FR" altLang="fr-FR" sz="900" dirty="0" smtClean="0">
                 <a:latin typeface="Arial" pitchFamily="34" charset="0"/>
+                <a:ea typeface="Calibri" pitchFamily="34" charset="0"/>
                 <a:cs typeface="Arial" pitchFamily="34" charset="0"/>
               </a:rPr>
-              <a:t>-200 = 50-250</a:t>
+              <a:t> </a:t>
+            </a:r>
+            <a:r>
+              <a:rPr lang="fr-FR" altLang="fr-FR" sz="900" dirty="0">
+                <a:latin typeface="Arial" pitchFamily="34" charset="0"/>
+                <a:ea typeface="Calibri" pitchFamily="34" charset="0"/>
+                <a:cs typeface="Arial" pitchFamily="34" charset="0"/>
+              </a:rPr>
+              <a:t>x</a:t>
+            </a:r>
+            <a:r>
+              <a:rPr kumimoji="0" lang="fr-FR" altLang="fr-FR" sz="900" b="0" i="0" u="none" strike="noStrike" cap="none" normalizeH="0" baseline="0" dirty="0" smtClean="0">
+                <a:ln>
+                  <a:noFill/>
+                </a:ln>
+                <a:solidFill>
+                  <a:schemeClr val="tx1"/>
+                </a:solidFill>
+                <a:effectLst/>
+                <a:latin typeface="Arial" pitchFamily="34" charset="0"/>
+                <a:ea typeface="Calibri" pitchFamily="34" charset="0"/>
+                <a:cs typeface="Arial" pitchFamily="34" charset="0"/>
+              </a:rPr>
+              <a:t> - </a:t>
+            </a:r>
+            <a:r>
+              <a:rPr kumimoji="0" lang="fr-FR" altLang="fr-FR" sz="900" b="0" i="0" u="none" strike="noStrike" cap="none" normalizeH="0" baseline="0" dirty="0" err="1" smtClean="0">
+                <a:ln>
+                  <a:noFill/>
+                </a:ln>
+                <a:solidFill>
+                  <a:schemeClr val="tx1"/>
+                </a:solidFill>
+                <a:effectLst/>
+                <a:latin typeface="Arial" pitchFamily="34" charset="0"/>
+                <a:ea typeface="Calibri" pitchFamily="34" charset="0"/>
+                <a:cs typeface="Arial" pitchFamily="34" charset="0"/>
+              </a:rPr>
+              <a:t>dragStart.x</a:t>
+            </a:r>
+            <a:r>
+              <a:rPr kumimoji="0" lang="fr-FR" altLang="fr-FR" sz="900" b="0" i="0" u="none" strike="noStrike" cap="none" normalizeH="0" baseline="0" dirty="0" smtClean="0">
+                <a:ln>
+                  <a:noFill/>
+                </a:ln>
+                <a:solidFill>
+                  <a:schemeClr val="tx1"/>
+                </a:solidFill>
+                <a:effectLst/>
+                <a:latin typeface="Arial" pitchFamily="34" charset="0"/>
+                <a:ea typeface="Calibri" pitchFamily="34" charset="0"/>
+                <a:cs typeface="Arial" pitchFamily="34" charset="0"/>
+              </a:rPr>
+              <a:t> </a:t>
+            </a:r>
+            <a:endParaRPr kumimoji="0" lang="fr-FR" altLang="fr-FR" sz="800" b="0" i="0" u="none" strike="noStrike" cap="none" normalizeH="0" baseline="0" dirty="0" smtClean="0">
+              <a:ln>
+                <a:noFill/>
+              </a:ln>
+              <a:solidFill>
+                <a:schemeClr val="tx1"/>
+              </a:solidFill>
+              <a:effectLst/>
+              <a:latin typeface="Arial" pitchFamily="34" charset="0"/>
+              <a:cs typeface="Arial" pitchFamily="34" charset="0"/>
+            </a:endParaRPr>
+          </a:p>
+          <a:p>
+            <a:pPr eaLnBrk="0" fontAlgn="base" hangingPunct="0">
+              <a:spcBef>
+                <a:spcPct val="0"/>
+              </a:spcBef>
+              <a:spcAft>
+                <a:spcPct val="0"/>
+              </a:spcAft>
+            </a:pPr>
+            <a:r>
+              <a:rPr lang="fr-FR" altLang="fr-FR" sz="900" dirty="0" smtClean="0">
+                <a:latin typeface="Arial" pitchFamily="34" charset="0"/>
+                <a:ea typeface="Calibri" pitchFamily="34" charset="0"/>
+                <a:cs typeface="Arial" pitchFamily="34" charset="0"/>
+              </a:rPr>
+              <a:t>-100</a:t>
+            </a:r>
+            <a:r>
+              <a:rPr kumimoji="0" lang="fr-FR" altLang="fr-FR" sz="900" b="0" i="0" u="none" strike="noStrike" cap="none" normalizeH="0" baseline="0" dirty="0" smtClean="0">
+                <a:ln>
+                  <a:noFill/>
+                </a:ln>
+                <a:solidFill>
+                  <a:schemeClr val="tx1"/>
+                </a:solidFill>
+                <a:effectLst/>
+                <a:latin typeface="Arial" pitchFamily="34" charset="0"/>
+                <a:ea typeface="Calibri" pitchFamily="34" charset="0"/>
+                <a:cs typeface="Arial" pitchFamily="34" charset="0"/>
+              </a:rPr>
+              <a:t> =  50 </a:t>
+            </a:r>
+            <a:r>
+              <a:rPr kumimoji="0" lang="fr-FR" altLang="fr-FR" sz="900" b="0" i="0" u="none" strike="noStrike" cap="none" normalizeH="0" baseline="0" dirty="0" smtClean="0">
+                <a:ln>
+                  <a:noFill/>
+                </a:ln>
+                <a:solidFill>
+                  <a:schemeClr val="tx1"/>
+                </a:solidFill>
+                <a:effectLst/>
+                <a:latin typeface="Calibri"/>
+                <a:ea typeface="Calibri" pitchFamily="34" charset="0"/>
+                <a:cs typeface="Arial" pitchFamily="34" charset="0"/>
+              </a:rPr>
+              <a:t>–</a:t>
+            </a:r>
+            <a:r>
+              <a:rPr kumimoji="0" lang="fr-FR" altLang="fr-FR" sz="900" b="0" i="0" u="none" strike="noStrike" cap="none" normalizeH="0" baseline="0" dirty="0" smtClean="0">
+                <a:ln>
+                  <a:noFill/>
+                </a:ln>
+                <a:solidFill>
+                  <a:schemeClr val="tx1"/>
+                </a:solidFill>
+                <a:effectLst/>
+                <a:latin typeface="Arial" pitchFamily="34" charset="0"/>
+                <a:ea typeface="Calibri" pitchFamily="34" charset="0"/>
+                <a:cs typeface="Arial" pitchFamily="34" charset="0"/>
+              </a:rPr>
+              <a:t> 150</a:t>
             </a:r>
             <a:endParaRPr kumimoji="0" lang="fr-FR" altLang="fr-FR" sz="1800" b="0" i="0" u="none" strike="noStrike" cap="none" normalizeH="0" baseline="0" dirty="0" smtClean="0">
               <a:ln>
@@ -7487,7 +9068,7 @@
       </p:sp>
       <p:sp>
         <p:nvSpPr>
-          <p:cNvPr id="12" name="Zone de texte 2"/>
+          <p:cNvPr id="14" name="Zone de texte 2"/>
           <p:cNvSpPr txBox="1">
             <a:spLocks noChangeArrowheads="1"/>
           </p:cNvSpPr>
@@ -7495,7 +9076,7 @@
         </p:nvSpPr>
         <p:spPr bwMode="auto">
           <a:xfrm>
-            <a:off x="559743" y="516697"/>
+            <a:off x="1260161" y="908720"/>
             <a:ext cx="1535757" cy="295275"/>
           </a:xfrm>
           <a:prstGeom prst="rect">
@@ -7530,6 +9111,21 @@
               </a:spcAft>
             </a:pPr>
             <a:r>
+              <a:rPr kumimoji="0" lang="fr-FR" altLang="fr-FR" sz="1100" b="0" i="0" u="none" strike="noStrike" cap="none" normalizeH="0" baseline="0" dirty="0" err="1" smtClean="0">
+                <a:ln>
+                  <a:noFill/>
+                </a:ln>
+                <a:solidFill>
+                  <a:schemeClr val="tx1"/>
+                </a:solidFill>
+                <a:effectLst/>
+                <a:latin typeface="Arial" pitchFamily="34" charset="0"/>
+                <a:ea typeface="Calibri" pitchFamily="34" charset="0"/>
+                <a:cs typeface="Arial" pitchFamily="34" charset="0"/>
+              </a:rPr>
+              <a:t>offset.x</a:t>
+            </a:r>
+            <a:r>
               <a:rPr kumimoji="0" lang="fr-FR" altLang="fr-FR" sz="1100" b="0" i="0" u="none" strike="noStrike" cap="none" normalizeH="0" baseline="0" dirty="0" smtClean="0">
                 <a:ln>
                   <a:noFill/>
@@ -7542,21 +9138,6 @@
                 <a:ea typeface="Calibri" pitchFamily="34" charset="0"/>
                 <a:cs typeface="Arial" pitchFamily="34" charset="0"/>
               </a:rPr>
-              <a:t>offset(x)  </a:t>
-            </a:r>
-            <a:r>
-              <a:rPr kumimoji="0" lang="fr-FR" altLang="fr-FR" sz="1100" b="0" i="0" u="none" strike="noStrike" cap="none" normalizeH="0" baseline="0" dirty="0" smtClean="0">
-                <a:ln>
-                  <a:noFill/>
-                </a:ln>
-                <a:solidFill>
-                  <a:schemeClr val="tx1"/>
-                </a:solidFill>
-                <a:effectLst/>
-                <a:latin typeface="Arial" pitchFamily="34" charset="0"/>
-                <a:ea typeface="Calibri" pitchFamily="34" charset="0"/>
-                <a:cs typeface="Arial" pitchFamily="34" charset="0"/>
-              </a:rPr>
               <a:t>= </a:t>
             </a:r>
             <a:r>
@@ -7564,7 +9145,7 @@
                 <a:latin typeface="Calibri" pitchFamily="34" charset="0"/>
                 <a:cs typeface="Times New Roman" pitchFamily="18" charset="0"/>
               </a:rPr>
-              <a:t>-100</a:t>
+              <a:t>0</a:t>
             </a:r>
             <a:endParaRPr kumimoji="0" lang="fr-FR" altLang="fr-FR" sz="1800" b="0" i="0" u="none" strike="noStrike" cap="none" normalizeH="0" baseline="0" dirty="0" smtClean="0">
               <a:ln>
@@ -7582,13 +9163,13 @@
       </p:sp>
       <p:sp>
         <p:nvSpPr>
-          <p:cNvPr id="3" name="ZoneTexte 2"/>
+          <p:cNvPr id="2" name="ZoneTexte 1"/>
           <p:cNvSpPr txBox="1"/>
           <p:nvPr/>
         </p:nvSpPr>
         <p:spPr>
           <a:xfrm>
-            <a:off x="6588224" y="1124744"/>
+            <a:off x="7164288" y="1392058"/>
             <a:ext cx="803105" cy="369332"/>
           </a:xfrm>
           <a:prstGeom prst="rect">
@@ -7613,7 +9194,7 @@
     </p:spTree>
     <p:extLst>
       <p:ext uri="{BB962C8B-B14F-4D97-AF65-F5344CB8AC3E}">
-        <p14:creationId xmlns:p14="http://schemas.microsoft.com/office/powerpoint/2010/main" val="1395693652"/>
+        <p14:creationId xmlns:p14="http://schemas.microsoft.com/office/powerpoint/2010/main" val="894934387"/>
       </p:ext>
     </p:extLst>
   </p:cSld>
@@ -7648,7 +9229,7 @@
         </p:nvSpPr>
         <p:spPr>
           <a:xfrm>
-            <a:off x="68355" y="510523"/>
+            <a:off x="1157287" y="942975"/>
             <a:ext cx="4476750" cy="3409950"/>
           </a:xfrm>
           <a:prstGeom prst="rect">
@@ -7880,7 +9461,7 @@
         </p:nvSpPr>
         <p:spPr bwMode="auto">
           <a:xfrm>
-            <a:off x="134119" y="80962"/>
+            <a:off x="559743" y="516697"/>
             <a:ext cx="1535757" cy="295275"/>
           </a:xfrm>
           <a:prstGeom prst="rect">
@@ -7915,6 +9496,21 @@
               </a:spcAft>
             </a:pPr>
             <a:r>
+              <a:rPr kumimoji="0" lang="fr-FR" altLang="fr-FR" sz="1100" b="0" i="0" u="none" strike="noStrike" cap="none" normalizeH="0" baseline="0" dirty="0" err="1" smtClean="0">
+                <a:ln>
+                  <a:noFill/>
+                </a:ln>
+                <a:solidFill>
+                  <a:schemeClr val="tx1"/>
+                </a:solidFill>
+                <a:effectLst/>
+                <a:latin typeface="Arial" pitchFamily="34" charset="0"/>
+                <a:ea typeface="Calibri" pitchFamily="34" charset="0"/>
+                <a:cs typeface="Arial" pitchFamily="34" charset="0"/>
+              </a:rPr>
+              <a:t>offset.x</a:t>
+            </a:r>
+            <a:r>
               <a:rPr kumimoji="0" lang="fr-FR" altLang="fr-FR" sz="1100" b="0" i="0" u="none" strike="noStrike" cap="none" normalizeH="0" baseline="0" dirty="0" smtClean="0">
                 <a:ln>
                   <a:noFill/>
@@ -7927,21 +9523,6 @@
                 <a:ea typeface="Calibri" pitchFamily="34" charset="0"/>
                 <a:cs typeface="Arial" pitchFamily="34" charset="0"/>
               </a:rPr>
-              <a:t>offset(x)  </a:t>
-            </a:r>
-            <a:r>
-              <a:rPr kumimoji="0" lang="fr-FR" altLang="fr-FR" sz="1100" b="0" i="0" u="none" strike="noStrike" cap="none" normalizeH="0" baseline="0" dirty="0" smtClean="0">
-                <a:ln>
-                  <a:noFill/>
-                </a:ln>
-                <a:solidFill>
-                  <a:schemeClr val="tx1"/>
-                </a:solidFill>
-                <a:effectLst/>
-                <a:latin typeface="Arial" pitchFamily="34" charset="0"/>
-                <a:ea typeface="Calibri" pitchFamily="34" charset="0"/>
-                <a:cs typeface="Arial" pitchFamily="34" charset="0"/>
-              </a:rPr>
               <a:t>= </a:t>
             </a:r>
             <a:r>
@@ -7949,7 +9530,7 @@
                 <a:latin typeface="Calibri" pitchFamily="34" charset="0"/>
                 <a:cs typeface="Times New Roman" pitchFamily="18" charset="0"/>
               </a:rPr>
-              <a:t>-200</a:t>
+              <a:t>-100</a:t>
             </a:r>
             <a:endParaRPr kumimoji="0" lang="fr-FR" altLang="fr-FR" sz="1800" b="0" i="0" u="none" strike="noStrike" cap="none" normalizeH="0" baseline="0" dirty="0" smtClean="0">
               <a:ln>
@@ -7967,13 +9548,13 @@
       </p:sp>
       <p:sp>
         <p:nvSpPr>
-          <p:cNvPr id="3" name="ZoneTexte 2"/>
+          <p:cNvPr id="2" name="ZoneTexte 1"/>
           <p:cNvSpPr txBox="1"/>
           <p:nvPr/>
         </p:nvSpPr>
         <p:spPr>
           <a:xfrm>
-            <a:off x="6588224" y="1124744"/>
+            <a:off x="6372200" y="942975"/>
             <a:ext cx="658257" cy="369332"/>
           </a:xfrm>
           <a:prstGeom prst="rect">
@@ -7998,7 +9579,7 @@
     </p:spTree>
     <p:extLst>
       <p:ext uri="{BB962C8B-B14F-4D97-AF65-F5344CB8AC3E}">
-        <p14:creationId xmlns:p14="http://schemas.microsoft.com/office/powerpoint/2010/main" val="3548689261"/>
+        <p14:creationId xmlns:p14="http://schemas.microsoft.com/office/powerpoint/2010/main" val="4280351544"/>
       </p:ext>
     </p:extLst>
   </p:cSld>
@@ -8027,78 +9608,6 @@
       </p:grpSpPr>
       <p:sp>
         <p:nvSpPr>
-          <p:cNvPr id="4" name="ZoneTexte 3"/>
-          <p:cNvSpPr txBox="1"/>
-          <p:nvPr/>
-        </p:nvSpPr>
-        <p:spPr>
-          <a:xfrm>
-            <a:off x="755576" y="2132856"/>
-            <a:ext cx="7344816" cy="3046988"/>
-          </a:xfrm>
-          <a:prstGeom prst="rect">
-            <a:avLst/>
-          </a:prstGeom>
-          <a:noFill/>
-        </p:spPr>
-        <p:txBody>
-          <a:bodyPr wrap="square" rtlCol="0">
-            <a:spAutoFit/>
-          </a:bodyPr>
-          <a:lstStyle/>
-          <a:p>
-            <a:pPr algn="ctr"/>
-            <a:r>
-              <a:rPr lang="fr-FR" sz="9600" dirty="0" smtClean="0"/>
-              <a:t>X Enthalpie</a:t>
-            </a:r>
-          </a:p>
-          <a:p>
-            <a:pPr algn="ctr"/>
-            <a:r>
-              <a:rPr lang="fr-FR" sz="9600" dirty="0" err="1" smtClean="0"/>
-              <a:t>Compute</a:t>
-            </a:r>
-            <a:r>
-              <a:rPr lang="fr-FR" sz="9600" dirty="0" smtClean="0"/>
-              <a:t> </a:t>
-            </a:r>
-            <a:endParaRPr lang="fr-FR" sz="9600" dirty="0"/>
-          </a:p>
-        </p:txBody>
-      </p:sp>
-    </p:spTree>
-    <p:extLst>
-      <p:ext uri="{BB962C8B-B14F-4D97-AF65-F5344CB8AC3E}">
-        <p14:creationId xmlns:p14="http://schemas.microsoft.com/office/powerpoint/2010/main" val="3287395860"/>
-      </p:ext>
-    </p:extLst>
-  </p:cSld>
-  <p:clrMapOvr>
-    <a:masterClrMapping/>
-  </p:clrMapOvr>
-</p:sld>
-</file>
-
-<file path=ppt/slides/slide7.xml><?xml version="1.0" encoding="utf-8"?>
-<p:sld xmlns:a="http://schemas.openxmlformats.org/drawingml/2006/main" xmlns:r="http://schemas.openxmlformats.org/officeDocument/2006/relationships" xmlns:p="http://schemas.openxmlformats.org/presentationml/2006/main">
-  <p:cSld>
-    <p:spTree>
-      <p:nvGrpSpPr>
-        <p:cNvPr id="1" name=""/>
-        <p:cNvGrpSpPr/>
-        <p:nvPr/>
-      </p:nvGrpSpPr>
-      <p:grpSpPr>
-        <a:xfrm>
-          <a:off x="0" y="0"/>
-          <a:ext cx="0" cy="0"/>
-          <a:chOff x="0" y="0"/>
-          <a:chExt cx="0" cy="0"/>
-        </a:xfrm>
-      </p:grpSpPr>
-      <p:sp>
-        <p:nvSpPr>
           <p:cNvPr id="5" name="Rectangle 4"/>
           <p:cNvSpPr/>
           <p:nvPr/>
@@ -8135,7 +9644,7 @@
           </a:bodyPr>
           <a:lstStyle/>
           <a:p>
-            <a:endParaRPr lang="fr-FR" dirty="0"/>
+            <a:endParaRPr lang="fr-FR"/>
           </a:p>
         </p:txBody>
       </p:sp>
@@ -8179,7 +9688,7 @@
           </a:bodyPr>
           <a:lstStyle/>
           <a:p>
-            <a:endParaRPr lang="fr-FR" dirty="0"/>
+            <a:endParaRPr lang="fr-FR"/>
           </a:p>
         </p:txBody>
       </p:sp>
@@ -8271,9 +9780,9 @@
           <p:nvPr/>
         </p:nvCxnSpPr>
         <p:spPr>
-          <a:xfrm>
-            <a:off x="2337035" y="2314575"/>
-            <a:ext cx="1577405" cy="0"/>
+          <a:xfrm flipH="1" flipV="1">
+            <a:off x="2409826" y="2314575"/>
+            <a:ext cx="847724" cy="642937"/>
           </a:xfrm>
           <a:prstGeom prst="straightConnector1">
             <a:avLst/>
@@ -8297,6 +9806,471 @@
           </a:fontRef>
         </p:style>
       </p:cxnSp>
+      <p:sp>
+        <p:nvSpPr>
+          <p:cNvPr id="9" name="Zone de texte 5"/>
+          <p:cNvSpPr txBox="1">
+            <a:spLocks noChangeArrowheads="1"/>
+          </p:cNvSpPr>
+          <p:nvPr/>
+        </p:nvSpPr>
+        <p:spPr bwMode="auto">
+          <a:xfrm>
+            <a:off x="3257550" y="2957512"/>
+            <a:ext cx="1962522" cy="619125"/>
+          </a:xfrm>
+          <a:prstGeom prst="rect">
+            <a:avLst/>
+          </a:prstGeom>
+          <a:solidFill>
+            <a:srgbClr val="FFFFFF"/>
+          </a:solidFill>
+          <a:ln w="6350">
+            <a:solidFill>
+              <a:srgbClr val="000000"/>
+            </a:solidFill>
+            <a:miter lim="800000"/>
+            <a:headEnd/>
+            <a:tailEnd/>
+          </a:ln>
+        </p:spPr>
+        <p:txBody>
+          <a:bodyPr vert="horz" wrap="square" lIns="91440" tIns="45720" rIns="91440" bIns="45720" numCol="1" anchor="t" anchorCtr="0" compatLnSpc="1">
+            <a:prstTxWarp prst="textNoShape">
+              <a:avLst/>
+            </a:prstTxWarp>
+          </a:bodyPr>
+          <a:lstStyle/>
+          <a:p>
+            <a:pPr lvl="0" fontAlgn="base">
+              <a:spcBef>
+                <a:spcPct val="0"/>
+              </a:spcBef>
+              <a:spcAft>
+                <a:spcPct val="0"/>
+              </a:spcAft>
+            </a:pPr>
+            <a:r>
+              <a:rPr lang="fr-FR" altLang="fr-FR" sz="900" dirty="0">
+                <a:latin typeface="Arial" pitchFamily="34" charset="0"/>
+                <a:ea typeface="Calibri" pitchFamily="34" charset="0"/>
+                <a:cs typeface="Arial" pitchFamily="34" charset="0"/>
+              </a:rPr>
+              <a:t>Clic </a:t>
+            </a:r>
+            <a:r>
+              <a:rPr lang="fr-FR" altLang="fr-FR" sz="900" dirty="0" err="1">
+                <a:latin typeface="Arial" pitchFamily="34" charset="0"/>
+                <a:ea typeface="Calibri" pitchFamily="34" charset="0"/>
+                <a:cs typeface="Arial" pitchFamily="34" charset="0"/>
+              </a:rPr>
+              <a:t>Pressed</a:t>
+            </a:r>
+            <a:r>
+              <a:rPr lang="fr-FR" altLang="fr-FR" sz="900" dirty="0">
+                <a:latin typeface="Arial" pitchFamily="34" charset="0"/>
+                <a:ea typeface="Calibri" pitchFamily="34" charset="0"/>
+                <a:cs typeface="Arial" pitchFamily="34" charset="0"/>
+              </a:rPr>
+              <a:t> </a:t>
+            </a:r>
+          </a:p>
+          <a:p>
+            <a:pPr lvl="0" fontAlgn="base">
+              <a:spcBef>
+                <a:spcPct val="0"/>
+              </a:spcBef>
+              <a:spcAft>
+                <a:spcPct val="0"/>
+              </a:spcAft>
+            </a:pPr>
+            <a:r>
+              <a:rPr lang="fr-FR" altLang="fr-FR" sz="900" dirty="0" err="1" smtClean="0">
+                <a:latin typeface="Arial" pitchFamily="34" charset="0"/>
+                <a:ea typeface="Calibri" pitchFamily="34" charset="0"/>
+                <a:cs typeface="Arial" pitchFamily="34" charset="0"/>
+              </a:rPr>
+              <a:t>dragStart.x</a:t>
+            </a:r>
+            <a:r>
+              <a:rPr lang="fr-FR" altLang="fr-FR" sz="900" dirty="0" smtClean="0">
+                <a:latin typeface="Arial" pitchFamily="34" charset="0"/>
+                <a:ea typeface="Calibri" pitchFamily="34" charset="0"/>
+                <a:cs typeface="Arial" pitchFamily="34" charset="0"/>
+              </a:rPr>
+              <a:t> </a:t>
+            </a:r>
+            <a:r>
+              <a:rPr lang="fr-FR" altLang="fr-FR" sz="900" dirty="0">
+                <a:latin typeface="Arial" pitchFamily="34" charset="0"/>
+                <a:cs typeface="Arial" pitchFamily="34" charset="0"/>
+              </a:rPr>
+              <a:t>= </a:t>
+            </a:r>
+            <a:r>
+              <a:rPr lang="fr-FR" altLang="fr-FR" sz="900" dirty="0" smtClean="0">
+                <a:latin typeface="Arial" pitchFamily="34" charset="0"/>
+                <a:cs typeface="Arial" pitchFamily="34" charset="0"/>
+              </a:rPr>
+              <a:t>x </a:t>
+            </a:r>
+            <a:r>
+              <a:rPr lang="fr-FR" altLang="fr-FR" sz="900" dirty="0">
+                <a:latin typeface="Arial" pitchFamily="34" charset="0"/>
+                <a:cs typeface="Arial" pitchFamily="34" charset="0"/>
+              </a:rPr>
+              <a:t>- </a:t>
+            </a:r>
+            <a:r>
+              <a:rPr lang="fr-FR" altLang="fr-FR" sz="900" dirty="0" err="1" smtClean="0">
+                <a:latin typeface="Arial" pitchFamily="34" charset="0"/>
+                <a:ea typeface="Calibri" pitchFamily="34" charset="0"/>
+                <a:cs typeface="Arial" pitchFamily="34" charset="0"/>
+              </a:rPr>
+              <a:t>offset.x</a:t>
+            </a:r>
+            <a:r>
+              <a:rPr lang="fr-FR" altLang="fr-FR" sz="900" dirty="0" smtClean="0">
+                <a:latin typeface="Arial" pitchFamily="34" charset="0"/>
+                <a:ea typeface="Calibri" pitchFamily="34" charset="0"/>
+                <a:cs typeface="Arial" pitchFamily="34" charset="0"/>
+              </a:rPr>
+              <a:t> </a:t>
+            </a:r>
+            <a:endParaRPr lang="fr-FR" altLang="fr-FR" sz="900" dirty="0">
+              <a:latin typeface="Arial" pitchFamily="34" charset="0"/>
+              <a:cs typeface="Arial" pitchFamily="34" charset="0"/>
+            </a:endParaRPr>
+          </a:p>
+          <a:p>
+            <a:pPr lvl="0" eaLnBrk="0" fontAlgn="base" hangingPunct="0">
+              <a:spcBef>
+                <a:spcPct val="0"/>
+              </a:spcBef>
+              <a:spcAft>
+                <a:spcPct val="0"/>
+              </a:spcAft>
+            </a:pPr>
+            <a:r>
+              <a:rPr lang="fr-FR" altLang="fr-FR" sz="900" dirty="0">
+                <a:latin typeface="Arial" pitchFamily="34" charset="0"/>
+                <a:ea typeface="Calibri" pitchFamily="34" charset="0"/>
+                <a:cs typeface="Arial" pitchFamily="34" charset="0"/>
+              </a:rPr>
+              <a:t>= 150 – </a:t>
+            </a:r>
+            <a:r>
+              <a:rPr lang="fr-FR" altLang="fr-FR" sz="900" dirty="0" smtClean="0">
+                <a:latin typeface="Arial" pitchFamily="34" charset="0"/>
+                <a:ea typeface="Calibri" pitchFamily="34" charset="0"/>
+                <a:cs typeface="Arial" pitchFamily="34" charset="0"/>
+              </a:rPr>
+              <a:t>(-100) </a:t>
+            </a:r>
+            <a:r>
+              <a:rPr lang="fr-FR" altLang="fr-FR" sz="900" dirty="0">
+                <a:latin typeface="Arial" pitchFamily="34" charset="0"/>
+                <a:ea typeface="Calibri" pitchFamily="34" charset="0"/>
+                <a:cs typeface="Arial" pitchFamily="34" charset="0"/>
+              </a:rPr>
+              <a:t>= </a:t>
+            </a:r>
+            <a:r>
+              <a:rPr lang="fr-FR" altLang="fr-FR" sz="900" dirty="0" smtClean="0">
+                <a:latin typeface="Arial" pitchFamily="34" charset="0"/>
+                <a:ea typeface="Calibri" pitchFamily="34" charset="0"/>
+                <a:cs typeface="Arial" pitchFamily="34" charset="0"/>
+              </a:rPr>
+              <a:t>250</a:t>
+            </a:r>
+            <a:endParaRPr lang="fr-FR" altLang="fr-FR" sz="900" dirty="0">
+              <a:latin typeface="Arial" pitchFamily="34" charset="0"/>
+              <a:ea typeface="Calibri" pitchFamily="34" charset="0"/>
+              <a:cs typeface="Arial" pitchFamily="34" charset="0"/>
+            </a:endParaRPr>
+          </a:p>
+          <a:p>
+            <a:pPr marL="0" marR="0" lvl="0" indent="0" algn="l" defTabSz="914400" rtl="0" eaLnBrk="1" fontAlgn="base" latinLnBrk="0" hangingPunct="1">
+              <a:lnSpc>
+                <a:spcPct val="100000"/>
+              </a:lnSpc>
+              <a:spcBef>
+                <a:spcPct val="0"/>
+              </a:spcBef>
+              <a:spcAft>
+                <a:spcPct val="0"/>
+              </a:spcAft>
+              <a:buClrTx/>
+              <a:buSzTx/>
+              <a:buFontTx/>
+              <a:buNone/>
+              <a:tabLst/>
+            </a:pPr>
+            <a:endParaRPr kumimoji="0" lang="fr-FR" altLang="fr-FR" sz="900" b="0" i="0" u="none" strike="noStrike" cap="none" normalizeH="0" baseline="0" dirty="0" smtClean="0">
+              <a:ln>
+                <a:noFill/>
+              </a:ln>
+              <a:solidFill>
+                <a:schemeClr val="tx1"/>
+              </a:solidFill>
+              <a:effectLst/>
+              <a:latin typeface="Arial" pitchFamily="34" charset="0"/>
+              <a:cs typeface="Arial" pitchFamily="34" charset="0"/>
+            </a:endParaRPr>
+          </a:p>
+        </p:txBody>
+      </p:sp>
+      <p:sp>
+        <p:nvSpPr>
+          <p:cNvPr id="10" name="Zone de texte 6"/>
+          <p:cNvSpPr txBox="1">
+            <a:spLocks noChangeArrowheads="1"/>
+          </p:cNvSpPr>
+          <p:nvPr/>
+        </p:nvSpPr>
+        <p:spPr bwMode="auto">
+          <a:xfrm>
+            <a:off x="2219325" y="1687333"/>
+            <a:ext cx="2856731" cy="523875"/>
+          </a:xfrm>
+          <a:prstGeom prst="rect">
+            <a:avLst/>
+          </a:prstGeom>
+          <a:solidFill>
+            <a:srgbClr val="FFFFFF"/>
+          </a:solidFill>
+          <a:ln w="6350">
+            <a:solidFill>
+              <a:srgbClr val="000000"/>
+            </a:solidFill>
+            <a:miter lim="800000"/>
+            <a:headEnd/>
+            <a:tailEnd/>
+          </a:ln>
+        </p:spPr>
+        <p:txBody>
+          <a:bodyPr vert="horz" wrap="square" lIns="91440" tIns="45720" rIns="91440" bIns="45720" numCol="1" anchor="t" anchorCtr="0" compatLnSpc="1">
+            <a:prstTxWarp prst="textNoShape">
+              <a:avLst/>
+            </a:prstTxWarp>
+          </a:bodyPr>
+          <a:lstStyle/>
+          <a:p>
+            <a:pPr marL="0" marR="0" lvl="0" indent="0" algn="l" defTabSz="914400" rtl="0" eaLnBrk="1" fontAlgn="base" latinLnBrk="0" hangingPunct="1">
+              <a:lnSpc>
+                <a:spcPct val="100000"/>
+              </a:lnSpc>
+              <a:spcBef>
+                <a:spcPct val="0"/>
+              </a:spcBef>
+              <a:spcAft>
+                <a:spcPct val="0"/>
+              </a:spcAft>
+              <a:buClrTx/>
+              <a:buSzTx/>
+              <a:buFontTx/>
+              <a:buNone/>
+              <a:tabLst/>
+            </a:pPr>
+            <a:r>
+              <a:rPr kumimoji="0" lang="fr-FR" altLang="fr-FR" sz="900" b="0" i="0" u="none" strike="noStrike" cap="none" normalizeH="0" baseline="0" dirty="0" smtClean="0">
+                <a:ln>
+                  <a:noFill/>
+                </a:ln>
+                <a:solidFill>
+                  <a:schemeClr val="tx1"/>
+                </a:solidFill>
+                <a:effectLst/>
+                <a:latin typeface="Arial" pitchFamily="34" charset="0"/>
+                <a:ea typeface="Calibri" pitchFamily="34" charset="0"/>
+                <a:cs typeface="Arial" pitchFamily="34" charset="0"/>
+              </a:rPr>
+              <a:t>Drag</a:t>
+            </a:r>
+            <a:r>
+              <a:rPr kumimoji="0" lang="fr-FR" altLang="fr-FR" sz="900" b="0" i="0" u="none" strike="noStrike" cap="none" normalizeH="0" baseline="0" dirty="0" smtClean="0">
+                <a:ln>
+                  <a:noFill/>
+                </a:ln>
+                <a:solidFill>
+                  <a:schemeClr val="tx1"/>
+                </a:solidFill>
+                <a:effectLst/>
+                <a:latin typeface="Calibri"/>
+                <a:ea typeface="Calibri" pitchFamily="34" charset="0"/>
+                <a:cs typeface="Arial" pitchFamily="34" charset="0"/>
+              </a:rPr>
+              <a:t> </a:t>
+            </a:r>
+            <a:r>
+              <a:rPr kumimoji="0" lang="fr-FR" altLang="fr-FR" sz="900" b="0" i="0" u="none" strike="noStrike" cap="none" normalizeH="0" baseline="0" dirty="0" smtClean="0">
+                <a:ln>
+                  <a:noFill/>
+                </a:ln>
+                <a:solidFill>
+                  <a:schemeClr val="tx1"/>
+                </a:solidFill>
+                <a:effectLst/>
+                <a:latin typeface="Arial" pitchFamily="34" charset="0"/>
+                <a:ea typeface="Calibri" pitchFamily="34" charset="0"/>
+                <a:cs typeface="Arial" pitchFamily="34" charset="0"/>
+              </a:rPr>
+              <a:t>: -&gt; 50</a:t>
+            </a:r>
+            <a:endParaRPr kumimoji="0" lang="fr-FR" altLang="fr-FR" sz="800" b="0" i="0" u="none" strike="noStrike" cap="none" normalizeH="0" baseline="0" dirty="0" smtClean="0">
+              <a:ln>
+                <a:noFill/>
+              </a:ln>
+              <a:solidFill>
+                <a:schemeClr val="tx1"/>
+              </a:solidFill>
+              <a:effectLst/>
+              <a:latin typeface="Arial" pitchFamily="34" charset="0"/>
+              <a:cs typeface="Arial" pitchFamily="34" charset="0"/>
+            </a:endParaRPr>
+          </a:p>
+          <a:p>
+            <a:pPr lvl="0" eaLnBrk="0" fontAlgn="base" hangingPunct="0">
+              <a:spcBef>
+                <a:spcPct val="0"/>
+              </a:spcBef>
+              <a:spcAft>
+                <a:spcPct val="0"/>
+              </a:spcAft>
+            </a:pPr>
+            <a:r>
+              <a:rPr kumimoji="0" lang="fr-FR" altLang="fr-FR" sz="900" b="0" i="0" u="none" strike="noStrike" cap="none" normalizeH="0" baseline="0" dirty="0" err="1" smtClean="0">
+                <a:ln>
+                  <a:noFill/>
+                </a:ln>
+                <a:solidFill>
+                  <a:schemeClr val="tx1"/>
+                </a:solidFill>
+                <a:effectLst/>
+                <a:latin typeface="Arial" pitchFamily="34" charset="0"/>
+                <a:ea typeface="Calibri" pitchFamily="34" charset="0"/>
+                <a:cs typeface="Arial" pitchFamily="34" charset="0"/>
+              </a:rPr>
+              <a:t>offset.x</a:t>
+            </a:r>
+            <a:r>
+              <a:rPr kumimoji="0" lang="fr-FR" altLang="fr-FR" sz="900" b="0" i="0" u="none" strike="noStrike" cap="none" normalizeH="0" baseline="0" dirty="0" smtClean="0">
+                <a:ln>
+                  <a:noFill/>
+                </a:ln>
+                <a:solidFill>
+                  <a:schemeClr val="tx1"/>
+                </a:solidFill>
+                <a:effectLst/>
+                <a:latin typeface="Arial" pitchFamily="34" charset="0"/>
+                <a:ea typeface="Calibri" pitchFamily="34" charset="0"/>
+                <a:cs typeface="Arial" pitchFamily="34" charset="0"/>
+              </a:rPr>
+              <a:t>= </a:t>
+            </a:r>
+            <a:r>
+              <a:rPr lang="fr-FR" altLang="fr-FR" sz="900" dirty="0" smtClean="0">
+                <a:latin typeface="Arial" pitchFamily="34" charset="0"/>
+                <a:ea typeface="Calibri" pitchFamily="34" charset="0"/>
+                <a:cs typeface="Arial" pitchFamily="34" charset="0"/>
+              </a:rPr>
+              <a:t> x</a:t>
+            </a:r>
+            <a:r>
+              <a:rPr kumimoji="0" lang="fr-FR" altLang="fr-FR" sz="900" b="0" i="0" u="none" strike="noStrike" cap="none" normalizeH="0" baseline="0" dirty="0" smtClean="0">
+                <a:ln>
+                  <a:noFill/>
+                </a:ln>
+                <a:solidFill>
+                  <a:schemeClr val="tx1"/>
+                </a:solidFill>
+                <a:effectLst/>
+                <a:latin typeface="Arial" pitchFamily="34" charset="0"/>
+                <a:ea typeface="Calibri" pitchFamily="34" charset="0"/>
+                <a:cs typeface="Arial" pitchFamily="34" charset="0"/>
+              </a:rPr>
+              <a:t> - </a:t>
+            </a:r>
+            <a:r>
+              <a:rPr kumimoji="0" lang="fr-FR" altLang="fr-FR" sz="900" b="0" i="0" u="none" strike="noStrike" cap="none" normalizeH="0" baseline="0" dirty="0" err="1" smtClean="0">
+                <a:ln>
+                  <a:noFill/>
+                </a:ln>
+                <a:solidFill>
+                  <a:schemeClr val="tx1"/>
+                </a:solidFill>
+                <a:effectLst/>
+                <a:latin typeface="Arial" pitchFamily="34" charset="0"/>
+                <a:ea typeface="Calibri" pitchFamily="34" charset="0"/>
+                <a:cs typeface="Arial" pitchFamily="34" charset="0"/>
+              </a:rPr>
+              <a:t>dragStart.x</a:t>
+            </a:r>
+            <a:r>
+              <a:rPr kumimoji="0" lang="fr-FR" altLang="fr-FR" sz="900" b="0" i="0" u="none" strike="noStrike" cap="none" normalizeH="0" baseline="0" dirty="0" smtClean="0">
+                <a:ln>
+                  <a:noFill/>
+                </a:ln>
+                <a:solidFill>
+                  <a:schemeClr val="tx1"/>
+                </a:solidFill>
+                <a:effectLst/>
+                <a:latin typeface="Arial" pitchFamily="34" charset="0"/>
+                <a:ea typeface="Calibri" pitchFamily="34" charset="0"/>
+                <a:cs typeface="Arial" pitchFamily="34" charset="0"/>
+              </a:rPr>
+              <a:t> </a:t>
+            </a:r>
+            <a:endParaRPr kumimoji="0" lang="fr-FR" altLang="fr-FR" sz="800" b="0" i="0" u="none" strike="noStrike" cap="none" normalizeH="0" baseline="0" dirty="0" smtClean="0">
+              <a:ln>
+                <a:noFill/>
+              </a:ln>
+              <a:solidFill>
+                <a:schemeClr val="tx1"/>
+              </a:solidFill>
+              <a:effectLst/>
+              <a:latin typeface="Arial" pitchFamily="34" charset="0"/>
+              <a:cs typeface="Arial" pitchFamily="34" charset="0"/>
+            </a:endParaRPr>
+          </a:p>
+          <a:p>
+            <a:pPr marL="0" marR="0" lvl="0" indent="0" algn="l" defTabSz="914400" rtl="0" eaLnBrk="0" fontAlgn="base" latinLnBrk="0" hangingPunct="0">
+              <a:lnSpc>
+                <a:spcPct val="100000"/>
+              </a:lnSpc>
+              <a:spcBef>
+                <a:spcPct val="0"/>
+              </a:spcBef>
+              <a:spcAft>
+                <a:spcPct val="0"/>
+              </a:spcAft>
+              <a:buClrTx/>
+              <a:buSzTx/>
+              <a:buFontTx/>
+              <a:buNone/>
+              <a:tabLst/>
+            </a:pPr>
+            <a:r>
+              <a:rPr lang="fr-FR" altLang="fr-FR" sz="900" dirty="0" smtClean="0">
+                <a:latin typeface="Arial" pitchFamily="34" charset="0"/>
+                <a:cs typeface="Arial" pitchFamily="34" charset="0"/>
+              </a:rPr>
+              <a:t>-200 = 50-250</a:t>
+            </a:r>
+            <a:endParaRPr kumimoji="0" lang="fr-FR" altLang="fr-FR" sz="1800" b="0" i="0" u="none" strike="noStrike" cap="none" normalizeH="0" baseline="0" dirty="0" smtClean="0">
+              <a:ln>
+                <a:noFill/>
+              </a:ln>
+              <a:solidFill>
+                <a:schemeClr val="tx1"/>
+              </a:solidFill>
+              <a:effectLst/>
+              <a:latin typeface="Arial" pitchFamily="34" charset="0"/>
+              <a:cs typeface="Arial" pitchFamily="34" charset="0"/>
+            </a:endParaRPr>
+          </a:p>
+        </p:txBody>
+      </p:sp>
       <p:sp>
         <p:nvSpPr>
           <p:cNvPr id="11" name="Rectangle 7"/>
@@ -8362,97 +10336,7 @@
       </p:sp>
       <p:sp>
         <p:nvSpPr>
-          <p:cNvPr id="13" name="ZoneTexte 12"/>
-          <p:cNvSpPr txBox="1"/>
-          <p:nvPr/>
-        </p:nvSpPr>
-        <p:spPr>
-          <a:xfrm>
-            <a:off x="3128962" y="463034"/>
-            <a:ext cx="2142356" cy="369332"/>
-          </a:xfrm>
-          <a:prstGeom prst="rect">
-            <a:avLst/>
-          </a:prstGeom>
-          <a:noFill/>
-        </p:spPr>
-        <p:txBody>
-          <a:bodyPr wrap="square" rtlCol="0">
-            <a:spAutoFit/>
-          </a:bodyPr>
-          <a:lstStyle/>
-          <a:p>
-            <a:r>
-              <a:rPr lang="fr-FR" dirty="0" smtClean="0"/>
-              <a:t>Echelle = X 1</a:t>
-            </a:r>
-            <a:endParaRPr lang="fr-FR" dirty="0"/>
-          </a:p>
-        </p:txBody>
-      </p:sp>
-      <p:sp>
-        <p:nvSpPr>
-          <p:cNvPr id="3" name="ZoneTexte 2"/>
-          <p:cNvSpPr txBox="1"/>
-          <p:nvPr/>
-        </p:nvSpPr>
-        <p:spPr>
-          <a:xfrm>
-            <a:off x="2337035" y="2511447"/>
-            <a:ext cx="911894" cy="369332"/>
-          </a:xfrm>
-          <a:prstGeom prst="rect">
-            <a:avLst/>
-          </a:prstGeom>
-          <a:noFill/>
-        </p:spPr>
-        <p:txBody>
-          <a:bodyPr wrap="square" rtlCol="0">
-            <a:spAutoFit/>
-          </a:bodyPr>
-          <a:lstStyle/>
-          <a:p>
-            <a:r>
-              <a:rPr lang="fr-FR" dirty="0" smtClean="0"/>
-              <a:t>140</a:t>
-            </a:r>
-            <a:endParaRPr lang="fr-FR" dirty="0"/>
-          </a:p>
-        </p:txBody>
-      </p:sp>
-      <p:sp>
-        <p:nvSpPr>
-          <p:cNvPr id="4" name="ZoneTexte 3"/>
-          <p:cNvSpPr txBox="1"/>
-          <p:nvPr/>
-        </p:nvSpPr>
-        <p:spPr>
-          <a:xfrm>
-            <a:off x="3536875" y="2515875"/>
-            <a:ext cx="755129" cy="372847"/>
-          </a:xfrm>
-          <a:prstGeom prst="rect">
-            <a:avLst/>
-          </a:prstGeom>
-          <a:noFill/>
-        </p:spPr>
-        <p:txBody>
-          <a:bodyPr wrap="square" rtlCol="0">
-            <a:spAutoFit/>
-          </a:bodyPr>
-          <a:lstStyle/>
-          <a:p>
-            <a:r>
-              <a:rPr lang="fr-FR" dirty="0" smtClean="0"/>
-              <a:t>530</a:t>
-            </a:r>
-            <a:endParaRPr lang="fr-FR" dirty="0"/>
-          </a:p>
-        </p:txBody>
-      </p:sp>
-      <p:sp>
-        <p:nvSpPr>
-          <p:cNvPr id="14" name="Zone de texte 2"/>
+          <p:cNvPr id="12" name="Zone de texte 2"/>
           <p:cNvSpPr txBox="1">
             <a:spLocks noChangeArrowheads="1"/>
           </p:cNvSpPr>
@@ -8495,6 +10379,21 @@
               </a:spcAft>
             </a:pPr>
             <a:r>
+              <a:rPr kumimoji="0" lang="fr-FR" altLang="fr-FR" sz="1100" b="0" i="0" u="none" strike="noStrike" cap="none" normalizeH="0" baseline="0" dirty="0" err="1" smtClean="0">
+                <a:ln>
+                  <a:noFill/>
+                </a:ln>
+                <a:solidFill>
+                  <a:schemeClr val="tx1"/>
+                </a:solidFill>
+                <a:effectLst/>
+                <a:latin typeface="Arial" pitchFamily="34" charset="0"/>
+                <a:ea typeface="Calibri" pitchFamily="34" charset="0"/>
+                <a:cs typeface="Arial" pitchFamily="34" charset="0"/>
+              </a:rPr>
+              <a:t>offset.x</a:t>
+            </a:r>
+            <a:r>
               <a:rPr kumimoji="0" lang="fr-FR" altLang="fr-FR" sz="1100" b="0" i="0" u="none" strike="noStrike" cap="none" normalizeH="0" baseline="0" dirty="0" smtClean="0">
                 <a:ln>
                   <a:noFill/>
@@ -8507,21 +10406,6 @@
                 <a:ea typeface="Calibri" pitchFamily="34" charset="0"/>
                 <a:cs typeface="Arial" pitchFamily="34" charset="0"/>
               </a:rPr>
-              <a:t>offset(x)  </a:t>
-            </a:r>
-            <a:r>
-              <a:rPr kumimoji="0" lang="fr-FR" altLang="fr-FR" sz="1100" b="0" i="0" u="none" strike="noStrike" cap="none" normalizeH="0" baseline="0" dirty="0" smtClean="0">
-                <a:ln>
-                  <a:noFill/>
-                </a:ln>
-                <a:solidFill>
-                  <a:schemeClr val="tx1"/>
-                </a:solidFill>
-                <a:effectLst/>
-                <a:latin typeface="Arial" pitchFamily="34" charset="0"/>
-                <a:ea typeface="Calibri" pitchFamily="34" charset="0"/>
-                <a:cs typeface="Arial" pitchFamily="34" charset="0"/>
-              </a:rPr>
               <a:t>= </a:t>
             </a:r>
             <a:r>
@@ -8547,7 +10431,153 @@
       </p:sp>
       <p:sp>
         <p:nvSpPr>
-          <p:cNvPr id="12" name="Zone de texte 2"/>
+          <p:cNvPr id="3" name="ZoneTexte 2"/>
+          <p:cNvSpPr txBox="1"/>
+          <p:nvPr/>
+        </p:nvSpPr>
+        <p:spPr>
+          <a:xfrm>
+            <a:off x="6588224" y="1124744"/>
+            <a:ext cx="803105" cy="369332"/>
+          </a:xfrm>
+          <a:prstGeom prst="rect">
+            <a:avLst/>
+          </a:prstGeom>
+          <a:noFill/>
+        </p:spPr>
+        <p:txBody>
+          <a:bodyPr wrap="none" rtlCol="0">
+            <a:spAutoFit/>
+          </a:bodyPr>
+          <a:lstStyle/>
+          <a:p>
+            <a:r>
+              <a:rPr lang="fr-FR" dirty="0" err="1" smtClean="0"/>
+              <a:t>Before</a:t>
+            </a:r>
+            <a:endParaRPr lang="fr-FR" dirty="0"/>
+          </a:p>
+        </p:txBody>
+      </p:sp>
+    </p:spTree>
+    <p:extLst>
+      <p:ext uri="{BB962C8B-B14F-4D97-AF65-F5344CB8AC3E}">
+        <p14:creationId xmlns:p14="http://schemas.microsoft.com/office/powerpoint/2010/main" val="1395693652"/>
+      </p:ext>
+    </p:extLst>
+  </p:cSld>
+  <p:clrMapOvr>
+    <a:masterClrMapping/>
+  </p:clrMapOvr>
+</p:sld>
+</file>
+
+<file path=ppt/slides/slide7.xml><?xml version="1.0" encoding="utf-8"?>
+<p:sld xmlns:a="http://schemas.openxmlformats.org/drawingml/2006/main" xmlns:r="http://schemas.openxmlformats.org/officeDocument/2006/relationships" xmlns:p="http://schemas.openxmlformats.org/presentationml/2006/main">
+  <p:cSld>
+    <p:spTree>
+      <p:nvGrpSpPr>
+        <p:cNvPr id="1" name=""/>
+        <p:cNvGrpSpPr/>
+        <p:nvPr/>
+      </p:nvGrpSpPr>
+      <p:grpSpPr>
+        <a:xfrm>
+          <a:off x="0" y="0"/>
+          <a:ext cx="0" cy="0"/>
+          <a:chOff x="0" y="0"/>
+          <a:chExt cx="0" cy="0"/>
+        </a:xfrm>
+      </p:grpSpPr>
+      <p:sp>
+        <p:nvSpPr>
+          <p:cNvPr id="5" name="Rectangle 4"/>
+          <p:cNvSpPr/>
+          <p:nvPr/>
+        </p:nvSpPr>
+        <p:spPr>
+          <a:xfrm>
+            <a:off x="68355" y="510523"/>
+            <a:ext cx="4476750" cy="3409950"/>
+          </a:xfrm>
+          <a:prstGeom prst="rect">
+            <a:avLst/>
+          </a:prstGeom>
+        </p:spPr>
+        <p:style>
+          <a:lnRef idx="1">
+            <a:schemeClr val="accent3"/>
+          </a:lnRef>
+          <a:fillRef idx="2">
+            <a:schemeClr val="accent3"/>
+          </a:fillRef>
+          <a:effectRef idx="1">
+            <a:schemeClr val="accent3"/>
+          </a:effectRef>
+          <a:fontRef idx="minor">
+            <a:schemeClr val="dk1"/>
+          </a:fontRef>
+        </p:style>
+        <p:txBody>
+          <a:bodyPr rot="0" spcFirstLastPara="0" vert="horz" wrap="square" lIns="91440" tIns="45720" rIns="91440" bIns="45720" numCol="1" spcCol="0" rtlCol="0" fromWordArt="0" anchor="ctr" anchorCtr="0" forceAA="0" compatLnSpc="1">
+            <a:prstTxWarp prst="textNoShape">
+              <a:avLst/>
+            </a:prstTxWarp>
+            <a:noAutofit/>
+          </a:bodyPr>
+          <a:lstStyle/>
+          <a:p>
+            <a:endParaRPr lang="fr-FR"/>
+          </a:p>
+        </p:txBody>
+      </p:sp>
+      <p:sp>
+        <p:nvSpPr>
+          <p:cNvPr id="6" name="Rectangle 5"/>
+          <p:cNvSpPr/>
+          <p:nvPr/>
+        </p:nvSpPr>
+        <p:spPr>
+          <a:xfrm>
+            <a:off x="2095500" y="1657350"/>
+            <a:ext cx="2295525" cy="1666875"/>
+          </a:xfrm>
+          <a:prstGeom prst="rect">
+            <a:avLst/>
+          </a:prstGeom>
+        </p:spPr>
+        <p:style>
+          <a:lnRef idx="2">
+            <a:schemeClr val="accent1">
+              <a:shade val="50000"/>
+            </a:schemeClr>
+          </a:lnRef>
+          <a:fillRef idx="1">
+            <a:schemeClr val="accent1"/>
+          </a:fillRef>
+          <a:effectRef idx="0">
+            <a:schemeClr val="accent1"/>
+          </a:effectRef>
+          <a:fontRef idx="minor">
+            <a:schemeClr val="lt1"/>
+          </a:fontRef>
+        </p:style>
+        <p:txBody>
+          <a:bodyPr rot="0" spcFirstLastPara="0" vert="horz" wrap="square" lIns="91440" tIns="45720" rIns="91440" bIns="45720" numCol="1" spcCol="0" rtlCol="0" fromWordArt="0" anchor="ctr" anchorCtr="0" forceAA="0" compatLnSpc="1">
+            <a:prstTxWarp prst="textNoShape">
+              <a:avLst/>
+            </a:prstTxWarp>
+            <a:noAutofit/>
+          </a:bodyPr>
+          <a:lstStyle/>
+          <a:p>
+            <a:endParaRPr lang="fr-FR"/>
+          </a:p>
+        </p:txBody>
+      </p:sp>
+      <p:sp>
+        <p:nvSpPr>
+          <p:cNvPr id="7" name="Zone de texte 2"/>
           <p:cNvSpPr txBox="1">
             <a:spLocks noChangeArrowheads="1"/>
           </p:cNvSpPr>
@@ -8555,8 +10585,8 @@
         </p:nvSpPr>
         <p:spPr bwMode="auto">
           <a:xfrm>
-            <a:off x="2231037" y="1846842"/>
-            <a:ext cx="477611" cy="295275"/>
+            <a:off x="1667677" y="1392058"/>
+            <a:ext cx="360363" cy="295275"/>
           </a:xfrm>
           <a:prstGeom prst="rect">
             <a:avLst/>
@@ -8598,607 +10628,6 @@
               <a:tabLst/>
             </a:pPr>
             <a:r>
-              <a:rPr lang="fr-FR" altLang="fr-FR" sz="1100" dirty="0" smtClean="0">
-                <a:latin typeface="Calibri" pitchFamily="34" charset="0"/>
-                <a:cs typeface="Times New Roman" pitchFamily="18" charset="0"/>
-              </a:rPr>
-              <a:t>X=30</a:t>
-            </a:r>
-            <a:endParaRPr kumimoji="0" lang="fr-FR" altLang="fr-FR" sz="1800" b="0" i="0" u="none" strike="noStrike" cap="none" normalizeH="0" baseline="0" dirty="0" smtClean="0">
-              <a:ln>
-                <a:noFill/>
-              </a:ln>
-              <a:solidFill>
-                <a:schemeClr val="tx1"/>
-              </a:solidFill>
-              <a:effectLst/>
-              <a:latin typeface="Arial" pitchFamily="34" charset="0"/>
-              <a:cs typeface="Arial" pitchFamily="34" charset="0"/>
-            </a:endParaRPr>
-          </a:p>
-        </p:txBody>
-      </p:sp>
-      <p:cxnSp>
-        <p:nvCxnSpPr>
-          <p:cNvPr id="10" name="Connecteur droit avec flèche 9"/>
-          <p:cNvCxnSpPr/>
-          <p:nvPr/>
-        </p:nvCxnSpPr>
-        <p:spPr>
-          <a:xfrm>
-            <a:off x="1157287" y="4077072"/>
-            <a:ext cx="1179748" cy="0"/>
-          </a:xfrm>
-          <a:prstGeom prst="straightConnector1">
-            <a:avLst/>
-          </a:prstGeom>
-          <a:ln>
-            <a:headEnd type="arrow"/>
-            <a:tailEnd type="arrow"/>
-          </a:ln>
-        </p:spPr>
-        <p:style>
-          <a:lnRef idx="1">
-            <a:schemeClr val="accent1"/>
-          </a:lnRef>
-          <a:fillRef idx="0">
-            <a:schemeClr val="accent1"/>
-          </a:fillRef>
-          <a:effectRef idx="0">
-            <a:schemeClr val="accent1"/>
-          </a:effectRef>
-          <a:fontRef idx="minor">
-            <a:schemeClr val="tx1"/>
-          </a:fontRef>
-        </p:style>
-      </p:cxnSp>
-      <p:sp>
-        <p:nvSpPr>
-          <p:cNvPr id="15" name="ZoneTexte 14"/>
-          <p:cNvSpPr txBox="1"/>
-          <p:nvPr/>
-        </p:nvSpPr>
-        <p:spPr>
-          <a:xfrm>
-            <a:off x="1327620" y="3645024"/>
-            <a:ext cx="2068042" cy="446276"/>
-          </a:xfrm>
-          <a:prstGeom prst="rect">
-            <a:avLst/>
-          </a:prstGeom>
-          <a:noFill/>
-        </p:spPr>
-        <p:txBody>
-          <a:bodyPr wrap="square" rtlCol="0">
-            <a:spAutoFit/>
-          </a:bodyPr>
-          <a:lstStyle/>
-          <a:p>
-            <a:r>
-              <a:rPr lang="fr-FR" sz="1100" dirty="0"/>
-              <a:t>3</a:t>
-            </a:r>
-            <a:r>
-              <a:rPr lang="fr-FR" sz="1100" dirty="0" smtClean="0"/>
-              <a:t>0-</a:t>
-            </a:r>
-            <a:r>
-              <a:rPr lang="fr-FR" sz="1100" dirty="0" smtClean="0"/>
-              <a:t>(</a:t>
-            </a:r>
-            <a:r>
-              <a:rPr kumimoji="0" lang="fr-FR" altLang="fr-FR" sz="1100" b="0" i="0" u="none" strike="noStrike" cap="none" normalizeH="0" baseline="0" dirty="0" smtClean="0">
-                <a:ln>
-                  <a:noFill/>
-                </a:ln>
-                <a:solidFill>
-                  <a:schemeClr val="tx1"/>
-                </a:solidFill>
-                <a:effectLst/>
-                <a:latin typeface="Arial" pitchFamily="34" charset="0"/>
-                <a:ea typeface="Calibri" pitchFamily="34" charset="0"/>
-                <a:cs typeface="Arial" pitchFamily="34" charset="0"/>
-              </a:rPr>
-              <a:t>offset(x)</a:t>
-            </a:r>
-            <a:r>
-              <a:rPr lang="fr-FR" sz="1100" dirty="0" smtClean="0"/>
-              <a:t>)</a:t>
-            </a:r>
-            <a:endParaRPr lang="fr-FR" sz="1100" dirty="0" smtClean="0"/>
-          </a:p>
-          <a:p>
-            <a:r>
-              <a:rPr lang="fr-FR" sz="1100" dirty="0" smtClean="0"/>
-              <a:t>30+100=130=</a:t>
-            </a:r>
-            <a:r>
-              <a:rPr lang="fr-FR" sz="1100" b="1" dirty="0" err="1"/>
-              <a:t>xOrigineH</a:t>
-            </a:r>
-            <a:endParaRPr lang="fr-FR" sz="1100" b="1" dirty="0"/>
-          </a:p>
-        </p:txBody>
-      </p:sp>
-      <p:cxnSp>
-        <p:nvCxnSpPr>
-          <p:cNvPr id="17" name="Connecteur droit avec flèche 16"/>
-          <p:cNvCxnSpPr/>
-          <p:nvPr/>
-        </p:nvCxnSpPr>
-        <p:spPr>
-          <a:xfrm>
-            <a:off x="1157287" y="4797152"/>
-            <a:ext cx="2757152" cy="0"/>
-          </a:xfrm>
-          <a:prstGeom prst="straightConnector1">
-            <a:avLst/>
-          </a:prstGeom>
-          <a:ln>
-            <a:headEnd type="arrow"/>
-            <a:tailEnd type="arrow"/>
-          </a:ln>
-        </p:spPr>
-        <p:style>
-          <a:lnRef idx="1">
-            <a:schemeClr val="accent1"/>
-          </a:lnRef>
-          <a:fillRef idx="0">
-            <a:schemeClr val="accent1"/>
-          </a:fillRef>
-          <a:effectRef idx="0">
-            <a:schemeClr val="accent1"/>
-          </a:effectRef>
-          <a:fontRef idx="minor">
-            <a:schemeClr val="tx1"/>
-          </a:fontRef>
-        </p:style>
-      </p:cxnSp>
-      <p:sp>
-        <p:nvSpPr>
-          <p:cNvPr id="19" name="ZoneTexte 18"/>
-          <p:cNvSpPr txBox="1"/>
-          <p:nvPr/>
-        </p:nvSpPr>
-        <p:spPr>
-          <a:xfrm>
-            <a:off x="1747161" y="5013175"/>
-            <a:ext cx="1183913" cy="430887"/>
-          </a:xfrm>
-          <a:prstGeom prst="rect">
-            <a:avLst/>
-          </a:prstGeom>
-          <a:noFill/>
-        </p:spPr>
-        <p:txBody>
-          <a:bodyPr wrap="square" rtlCol="0">
-            <a:spAutoFit/>
-          </a:bodyPr>
-          <a:lstStyle/>
-          <a:p>
-            <a:r>
-              <a:rPr lang="fr-FR" sz="1100" dirty="0" smtClean="0"/>
-              <a:t>280=</a:t>
-            </a:r>
-            <a:r>
-              <a:rPr lang="fr-FR" sz="1100" dirty="0" err="1" smtClean="0"/>
-              <a:t>x</a:t>
-            </a:r>
-            <a:r>
-              <a:rPr lang="fr-FR" sz="1100" b="1" dirty="0" err="1" smtClean="0"/>
-              <a:t>FinalH</a:t>
-            </a:r>
-            <a:endParaRPr lang="fr-FR" sz="1100" b="1" dirty="0" smtClean="0"/>
-          </a:p>
-          <a:p>
-            <a:endParaRPr lang="fr-FR" sz="1100" dirty="0"/>
-          </a:p>
-        </p:txBody>
-      </p:sp>
-      <p:sp>
-        <p:nvSpPr>
-          <p:cNvPr id="20" name="ZoneTexte 19"/>
-          <p:cNvSpPr txBox="1"/>
-          <p:nvPr/>
-        </p:nvSpPr>
-        <p:spPr>
-          <a:xfrm>
-            <a:off x="1836759" y="5661248"/>
-            <a:ext cx="6252534" cy="646331"/>
-          </a:xfrm>
-          <a:prstGeom prst="rect">
-            <a:avLst/>
-          </a:prstGeom>
-          <a:noFill/>
-        </p:spPr>
-        <p:txBody>
-          <a:bodyPr wrap="square" rtlCol="0">
-            <a:spAutoFit/>
-          </a:bodyPr>
-          <a:lstStyle/>
-          <a:p>
-            <a:r>
-              <a:rPr lang="fr-FR" sz="1200" dirty="0" smtClean="0"/>
-              <a:t>XH = 140 + (530-140) * (</a:t>
-            </a:r>
-            <a:r>
-              <a:rPr lang="fr-FR" sz="1200" dirty="0" smtClean="0"/>
-              <a:t>X/zoom-</a:t>
-            </a:r>
-            <a:r>
-              <a:rPr kumimoji="0" lang="fr-FR" altLang="fr-FR" sz="1200" b="0" i="0" u="none" strike="noStrike" cap="none" normalizeH="0" baseline="0" dirty="0" smtClean="0">
-                <a:ln>
-                  <a:noFill/>
-                </a:ln>
-                <a:solidFill>
-                  <a:schemeClr val="tx1"/>
-                </a:solidFill>
-                <a:effectLst/>
-                <a:latin typeface="Arial" pitchFamily="34" charset="0"/>
-                <a:ea typeface="Calibri" pitchFamily="34" charset="0"/>
-                <a:cs typeface="Arial" pitchFamily="34" charset="0"/>
-              </a:rPr>
-              <a:t>offset(x)</a:t>
-            </a:r>
-            <a:r>
-              <a:rPr lang="fr-FR" sz="1200" dirty="0" smtClean="0"/>
-              <a:t>) </a:t>
-            </a:r>
-            <a:r>
-              <a:rPr lang="fr-FR" sz="1200" dirty="0" smtClean="0"/>
-              <a:t>-</a:t>
-            </a:r>
-            <a:r>
-              <a:rPr lang="fr-FR" sz="1200" dirty="0" err="1" smtClean="0"/>
-              <a:t>xOrigineH</a:t>
-            </a:r>
-            <a:r>
-              <a:rPr lang="fr-FR" sz="1200" dirty="0" smtClean="0"/>
-              <a:t>) /  (</a:t>
-            </a:r>
-            <a:r>
-              <a:rPr lang="fr-FR" sz="1200" dirty="0" err="1" smtClean="0"/>
-              <a:t>x</a:t>
-            </a:r>
-            <a:r>
-              <a:rPr lang="fr-FR" sz="1200" b="1" dirty="0" err="1" smtClean="0"/>
-              <a:t>FinalH-</a:t>
-            </a:r>
-            <a:r>
-              <a:rPr lang="fr-FR" sz="1200" dirty="0" err="1" smtClean="0"/>
-              <a:t>xOrigineH</a:t>
-            </a:r>
-            <a:r>
-              <a:rPr lang="fr-FR" sz="1200" dirty="0" smtClean="0"/>
-              <a:t>)</a:t>
-            </a:r>
-          </a:p>
-          <a:p>
-            <a:r>
-              <a:rPr lang="fr-FR" sz="1200" b="1" dirty="0" smtClean="0"/>
-              <a:t>XH(30) = 140 +(530-140) * (30+100-130)/(280-130) = 140</a:t>
-            </a:r>
-          </a:p>
-          <a:p>
-            <a:r>
-              <a:rPr lang="fr-FR" sz="1200" b="1" dirty="0" smtClean="0"/>
-              <a:t>XH(180) = 140 +(530-140) * (180+100-130)/(280-130) = 530</a:t>
-            </a:r>
-          </a:p>
-        </p:txBody>
-      </p:sp>
-      <p:sp>
-        <p:nvSpPr>
-          <p:cNvPr id="22" name="ZoneTexte 21"/>
-          <p:cNvSpPr txBox="1"/>
-          <p:nvPr/>
-        </p:nvSpPr>
-        <p:spPr>
-          <a:xfrm>
-            <a:off x="6228184" y="1392058"/>
-            <a:ext cx="1728192" cy="938719"/>
-          </a:xfrm>
-          <a:prstGeom prst="rect">
-            <a:avLst/>
-          </a:prstGeom>
-          <a:noFill/>
-        </p:spPr>
-        <p:txBody>
-          <a:bodyPr wrap="square" rtlCol="0">
-            <a:spAutoFit/>
-          </a:bodyPr>
-          <a:lstStyle/>
-          <a:p>
-            <a:r>
-              <a:rPr lang="fr-FR" sz="1100" dirty="0" smtClean="0"/>
-              <a:t>Valeur sélectionnées par l’utilisateur  :</a:t>
-            </a:r>
-          </a:p>
-          <a:p>
-            <a:r>
-              <a:rPr lang="fr-FR" sz="1100" b="1" dirty="0" err="1" smtClean="0"/>
-              <a:t>xOrigineH</a:t>
-            </a:r>
-            <a:r>
-              <a:rPr lang="fr-FR" sz="1100" b="1" dirty="0" smtClean="0"/>
-              <a:t> </a:t>
-            </a:r>
-            <a:r>
-              <a:rPr lang="fr-FR" sz="1100" b="1" dirty="0" smtClean="0">
-                <a:sym typeface="Wingdings" panose="05000000000000000000" pitchFamily="2" charset="2"/>
-              </a:rPr>
-              <a:t> 140</a:t>
-            </a:r>
-            <a:endParaRPr lang="fr-FR" sz="1100" b="1" dirty="0" smtClean="0"/>
-          </a:p>
-          <a:p>
-            <a:r>
-              <a:rPr lang="fr-FR" sz="1100" dirty="0" err="1" smtClean="0"/>
-              <a:t>x</a:t>
-            </a:r>
-            <a:r>
-              <a:rPr lang="fr-FR" sz="1100" b="1" dirty="0" err="1" smtClean="0"/>
-              <a:t>FinalH</a:t>
-            </a:r>
-            <a:r>
-              <a:rPr lang="fr-FR" sz="1100" b="1" dirty="0" smtClean="0"/>
-              <a:t> </a:t>
-            </a:r>
-            <a:r>
-              <a:rPr lang="fr-FR" sz="1100" b="1" dirty="0" smtClean="0">
-                <a:sym typeface="Wingdings" panose="05000000000000000000" pitchFamily="2" charset="2"/>
-              </a:rPr>
-              <a:t> 530</a:t>
-            </a:r>
-            <a:endParaRPr lang="fr-FR" sz="1100" b="1" dirty="0" smtClean="0"/>
-          </a:p>
-          <a:p>
-            <a:endParaRPr lang="fr-FR" sz="1100" dirty="0"/>
-          </a:p>
-        </p:txBody>
-      </p:sp>
-      <p:sp>
-        <p:nvSpPr>
-          <p:cNvPr id="23" name="Zone de texte 2"/>
-          <p:cNvSpPr txBox="1">
-            <a:spLocks noChangeArrowheads="1"/>
-          </p:cNvSpPr>
-          <p:nvPr/>
-        </p:nvSpPr>
-        <p:spPr bwMode="auto">
-          <a:xfrm>
-            <a:off x="3675633" y="1836980"/>
-            <a:ext cx="477611" cy="295275"/>
-          </a:xfrm>
-          <a:prstGeom prst="rect">
-            <a:avLst/>
-          </a:prstGeom>
-          <a:solidFill>
-            <a:srgbClr val="FFFFFF"/>
-          </a:solidFill>
-          <a:ln w="6350">
-            <a:solidFill>
-              <a:srgbClr val="000000"/>
-            </a:solidFill>
-            <a:miter lim="800000"/>
-            <a:headEnd/>
-            <a:tailEnd/>
-          </a:ln>
-        </p:spPr>
-        <p:txBody>
-          <a:bodyPr vert="horz" wrap="none" lIns="91440" tIns="45720" rIns="91440" bIns="45720" numCol="1" anchor="t" anchorCtr="0" compatLnSpc="1">
-            <a:prstTxWarp prst="textNoShape">
-              <a:avLst/>
-            </a:prstTxWarp>
-          </a:bodyPr>
-          <a:lstStyle/>
-          <a:p>
-            <a:pPr marL="0" marR="0" lvl="0" indent="0" algn="l" defTabSz="914400" rtl="0" eaLnBrk="1" fontAlgn="base" latinLnBrk="0" hangingPunct="1">
-              <a:lnSpc>
-                <a:spcPct val="100000"/>
-              </a:lnSpc>
-              <a:spcBef>
-                <a:spcPct val="0"/>
-              </a:spcBef>
-              <a:spcAft>
-                <a:spcPct val="0"/>
-              </a:spcAft>
-              <a:buClrTx/>
-              <a:buSzTx/>
-              <a:buFontTx/>
-              <a:buNone/>
-              <a:tabLst/>
-            </a:pPr>
-            <a:r>
-              <a:rPr lang="fr-FR" altLang="fr-FR" sz="1100" dirty="0" smtClean="0">
-                <a:latin typeface="Calibri" pitchFamily="34" charset="0"/>
-                <a:cs typeface="Times New Roman" pitchFamily="18" charset="0"/>
-              </a:rPr>
-              <a:t>X=180</a:t>
-            </a:r>
-            <a:endParaRPr kumimoji="0" lang="fr-FR" altLang="fr-FR" sz="1800" b="0" i="0" u="none" strike="noStrike" cap="none" normalizeH="0" baseline="0" dirty="0" smtClean="0">
-              <a:ln>
-                <a:noFill/>
-              </a:ln>
-              <a:solidFill>
-                <a:schemeClr val="tx1"/>
-              </a:solidFill>
-              <a:effectLst/>
-              <a:latin typeface="Arial" pitchFamily="34" charset="0"/>
-              <a:cs typeface="Arial" pitchFamily="34" charset="0"/>
-            </a:endParaRPr>
-          </a:p>
-        </p:txBody>
-      </p:sp>
-    </p:spTree>
-    <p:extLst>
-      <p:ext uri="{BB962C8B-B14F-4D97-AF65-F5344CB8AC3E}">
-        <p14:creationId xmlns:p14="http://schemas.microsoft.com/office/powerpoint/2010/main" val="129594278"/>
-      </p:ext>
-    </p:extLst>
-  </p:cSld>
-  <p:clrMapOvr>
-    <a:masterClrMapping/>
-  </p:clrMapOvr>
-</p:sld>
-</file>
-
-<file path=ppt/slides/slide8.xml><?xml version="1.0" encoding="utf-8"?>
-<p:sld xmlns:a="http://schemas.openxmlformats.org/drawingml/2006/main" xmlns:r="http://schemas.openxmlformats.org/officeDocument/2006/relationships" xmlns:p="http://schemas.openxmlformats.org/presentationml/2006/main">
-  <p:cSld>
-    <p:spTree>
-      <p:nvGrpSpPr>
-        <p:cNvPr id="1" name=""/>
-        <p:cNvGrpSpPr/>
-        <p:nvPr/>
-      </p:nvGrpSpPr>
-      <p:grpSpPr>
-        <a:xfrm>
-          <a:off x="0" y="0"/>
-          <a:ext cx="0" cy="0"/>
-          <a:chOff x="0" y="0"/>
-          <a:chExt cx="0" cy="0"/>
-        </a:xfrm>
-      </p:grpSpPr>
-      <p:sp>
-        <p:nvSpPr>
-          <p:cNvPr id="5" name="Rectangle 4"/>
-          <p:cNvSpPr/>
-          <p:nvPr/>
-        </p:nvSpPr>
-        <p:spPr>
-          <a:xfrm>
-            <a:off x="104300" y="942975"/>
-            <a:ext cx="4476750" cy="3409950"/>
-          </a:xfrm>
-          <a:prstGeom prst="rect">
-            <a:avLst/>
-          </a:prstGeom>
-        </p:spPr>
-        <p:style>
-          <a:lnRef idx="1">
-            <a:schemeClr val="accent3"/>
-          </a:lnRef>
-          <a:fillRef idx="2">
-            <a:schemeClr val="accent3"/>
-          </a:fillRef>
-          <a:effectRef idx="1">
-            <a:schemeClr val="accent3"/>
-          </a:effectRef>
-          <a:fontRef idx="minor">
-            <a:schemeClr val="dk1"/>
-          </a:fontRef>
-        </p:style>
-        <p:txBody>
-          <a:bodyPr rot="0" spcFirstLastPara="0" vert="horz" wrap="square" lIns="91440" tIns="45720" rIns="91440" bIns="45720" numCol="1" spcCol="0" rtlCol="0" fromWordArt="0" anchor="ctr" anchorCtr="0" forceAA="0" compatLnSpc="1">
-            <a:prstTxWarp prst="textNoShape">
-              <a:avLst/>
-            </a:prstTxWarp>
-            <a:noAutofit/>
-          </a:bodyPr>
-          <a:lstStyle/>
-          <a:p>
-            <a:endParaRPr lang="fr-FR"/>
-          </a:p>
-        </p:txBody>
-      </p:sp>
-      <p:sp>
-        <p:nvSpPr>
-          <p:cNvPr id="6" name="Rectangle 5"/>
-          <p:cNvSpPr/>
-          <p:nvPr/>
-        </p:nvSpPr>
-        <p:spPr>
-          <a:xfrm>
-            <a:off x="2095500" y="1657350"/>
-            <a:ext cx="2295525" cy="1666875"/>
-          </a:xfrm>
-          <a:prstGeom prst="rect">
-            <a:avLst/>
-          </a:prstGeom>
-        </p:spPr>
-        <p:style>
-          <a:lnRef idx="2">
-            <a:schemeClr val="accent1">
-              <a:shade val="50000"/>
-            </a:schemeClr>
-          </a:lnRef>
-          <a:fillRef idx="1">
-            <a:schemeClr val="accent1"/>
-          </a:fillRef>
-          <a:effectRef idx="0">
-            <a:schemeClr val="accent1"/>
-          </a:effectRef>
-          <a:fontRef idx="minor">
-            <a:schemeClr val="lt1"/>
-          </a:fontRef>
-        </p:style>
-        <p:txBody>
-          <a:bodyPr rot="0" spcFirstLastPara="0" vert="horz" wrap="square" lIns="91440" tIns="45720" rIns="91440" bIns="45720" numCol="1" spcCol="0" rtlCol="0" fromWordArt="0" anchor="ctr" anchorCtr="0" forceAA="0" compatLnSpc="1">
-            <a:prstTxWarp prst="textNoShape">
-              <a:avLst/>
-            </a:prstTxWarp>
-            <a:noAutofit/>
-          </a:bodyPr>
-          <a:lstStyle/>
-          <a:p>
-            <a:endParaRPr lang="fr-FR" dirty="0"/>
-          </a:p>
-        </p:txBody>
-      </p:sp>
-      <p:sp>
-        <p:nvSpPr>
-          <p:cNvPr id="7" name="Zone de texte 2"/>
-          <p:cNvSpPr txBox="1">
-            <a:spLocks noChangeArrowheads="1"/>
-          </p:cNvSpPr>
-          <p:nvPr/>
-        </p:nvSpPr>
-        <p:spPr bwMode="auto">
-          <a:xfrm>
-            <a:off x="1667677" y="1392058"/>
-            <a:ext cx="360363" cy="295275"/>
-          </a:xfrm>
-          <a:prstGeom prst="rect">
-            <a:avLst/>
-          </a:prstGeom>
-          <a:solidFill>
-            <a:srgbClr val="FFFFFF"/>
-          </a:solidFill>
-          <a:ln w="6350">
-            <a:solidFill>
-              <a:srgbClr val="000000"/>
-            </a:solidFill>
-            <a:miter lim="800000"/>
-            <a:headEnd/>
-            <a:tailEnd/>
-          </a:ln>
-        </p:spPr>
-        <p:txBody>
-          <a:bodyPr vert="horz" wrap="none" lIns="91440" tIns="45720" rIns="91440" bIns="45720" numCol="1" anchor="t" anchorCtr="0" compatLnSpc="1">
-            <a:prstTxWarp prst="textNoShape">
-              <a:avLst/>
-            </a:prstTxWarp>
-          </a:bodyPr>
-          <a:lstStyle/>
-          <a:p>
-            <a:pPr marL="0" marR="0" lvl="0" indent="0" algn="l" defTabSz="914400" rtl="0" eaLnBrk="1" fontAlgn="base" latinLnBrk="0" hangingPunct="1">
-              <a:lnSpc>
-                <a:spcPct val="100000"/>
-              </a:lnSpc>
-              <a:spcBef>
-                <a:spcPct val="0"/>
-              </a:spcBef>
-              <a:spcAft>
-                <a:spcPct val="0"/>
-              </a:spcAft>
-              <a:buClrTx/>
-              <a:buSzTx/>
-              <a:buFontTx/>
-              <a:buNone/>
-              <a:tabLst/>
-            </a:pPr>
-            <a:r>
               <a:rPr kumimoji="0" lang="fr-FR" altLang="fr-FR" sz="1100" b="0" i="0" u="none" strike="noStrike" cap="none" normalizeH="0" baseline="0" smtClean="0">
                 <a:ln>
                   <a:noFill/>
@@ -9227,39 +10656,6 @@
           </a:p>
         </p:txBody>
       </p:sp>
-      <p:cxnSp>
-        <p:nvCxnSpPr>
-          <p:cNvPr id="8" name="Connecteur droit avec flèche 7"/>
-          <p:cNvCxnSpPr/>
-          <p:nvPr/>
-        </p:nvCxnSpPr>
-        <p:spPr>
-          <a:xfrm>
-            <a:off x="1284048" y="2314575"/>
-            <a:ext cx="1577405" cy="0"/>
-          </a:xfrm>
-          <a:prstGeom prst="straightConnector1">
-            <a:avLst/>
-          </a:prstGeom>
-          <a:ln>
-            <a:tailEnd type="arrow"/>
-          </a:ln>
-        </p:spPr>
-        <p:style>
-          <a:lnRef idx="2">
-            <a:schemeClr val="dk1"/>
-          </a:lnRef>
-          <a:fillRef idx="0">
-            <a:schemeClr val="dk1"/>
-          </a:fillRef>
-          <a:effectRef idx="1">
-            <a:schemeClr val="dk1"/>
-          </a:effectRef>
-          <a:fontRef idx="minor">
-            <a:schemeClr val="tx1"/>
-          </a:fontRef>
-        </p:style>
-      </p:cxnSp>
       <p:sp>
         <p:nvSpPr>
           <p:cNvPr id="11" name="Rectangle 7"/>
@@ -9325,97 +10721,7 @@
       </p:sp>
       <p:sp>
         <p:nvSpPr>
-          <p:cNvPr id="13" name="ZoneTexte 12"/>
-          <p:cNvSpPr txBox="1"/>
-          <p:nvPr/>
-        </p:nvSpPr>
-        <p:spPr>
-          <a:xfrm>
-            <a:off x="3128962" y="463034"/>
-            <a:ext cx="2142356" cy="369332"/>
-          </a:xfrm>
-          <a:prstGeom prst="rect">
-            <a:avLst/>
-          </a:prstGeom>
-          <a:noFill/>
-        </p:spPr>
-        <p:txBody>
-          <a:bodyPr wrap="square" rtlCol="0">
-            <a:spAutoFit/>
-          </a:bodyPr>
-          <a:lstStyle/>
-          <a:p>
-            <a:r>
-              <a:rPr lang="fr-FR" dirty="0" smtClean="0"/>
-              <a:t>Echelle = X 1</a:t>
-            </a:r>
-            <a:endParaRPr lang="fr-FR" dirty="0"/>
-          </a:p>
-        </p:txBody>
-      </p:sp>
-      <p:sp>
-        <p:nvSpPr>
-          <p:cNvPr id="3" name="ZoneTexte 2"/>
-          <p:cNvSpPr txBox="1"/>
-          <p:nvPr/>
-        </p:nvSpPr>
-        <p:spPr>
-          <a:xfrm>
-            <a:off x="1284048" y="2511447"/>
-            <a:ext cx="911894" cy="369332"/>
-          </a:xfrm>
-          <a:prstGeom prst="rect">
-            <a:avLst/>
-          </a:prstGeom>
-          <a:noFill/>
-        </p:spPr>
-        <p:txBody>
-          <a:bodyPr wrap="square" rtlCol="0">
-            <a:spAutoFit/>
-          </a:bodyPr>
-          <a:lstStyle/>
-          <a:p>
-            <a:r>
-              <a:rPr lang="fr-FR" dirty="0" smtClean="0"/>
-              <a:t>140</a:t>
-            </a:r>
-            <a:endParaRPr lang="fr-FR" dirty="0"/>
-          </a:p>
-        </p:txBody>
-      </p:sp>
-      <p:sp>
-        <p:nvSpPr>
-          <p:cNvPr id="4" name="ZoneTexte 3"/>
-          <p:cNvSpPr txBox="1"/>
-          <p:nvPr/>
-        </p:nvSpPr>
-        <p:spPr>
-          <a:xfrm>
-            <a:off x="2483888" y="2515875"/>
-            <a:ext cx="755129" cy="372847"/>
-          </a:xfrm>
-          <a:prstGeom prst="rect">
-            <a:avLst/>
-          </a:prstGeom>
-          <a:noFill/>
-        </p:spPr>
-        <p:txBody>
-          <a:bodyPr wrap="square" rtlCol="0">
-            <a:spAutoFit/>
-          </a:bodyPr>
-          <a:lstStyle/>
-          <a:p>
-            <a:r>
-              <a:rPr lang="fr-FR" dirty="0" smtClean="0"/>
-              <a:t>530</a:t>
-            </a:r>
-            <a:endParaRPr lang="fr-FR" dirty="0"/>
-          </a:p>
-        </p:txBody>
-      </p:sp>
-      <p:sp>
-        <p:nvSpPr>
-          <p:cNvPr id="14" name="Zone de texte 2"/>
+          <p:cNvPr id="12" name="Zone de texte 2"/>
           <p:cNvSpPr txBox="1">
             <a:spLocks noChangeArrowheads="1"/>
           </p:cNvSpPr>
@@ -9423,7 +10729,7 @@
         </p:nvSpPr>
         <p:spPr bwMode="auto">
           <a:xfrm>
-            <a:off x="92768" y="531118"/>
+            <a:off x="134119" y="80962"/>
             <a:ext cx="1535757" cy="295275"/>
           </a:xfrm>
           <a:prstGeom prst="rect">
@@ -9458,6 +10764,21 @@
               </a:spcAft>
             </a:pPr>
             <a:r>
+              <a:rPr kumimoji="0" lang="fr-FR" altLang="fr-FR" sz="1100" b="0" i="0" u="none" strike="noStrike" cap="none" normalizeH="0" baseline="0" dirty="0" err="1" smtClean="0">
+                <a:ln>
+                  <a:noFill/>
+                </a:ln>
+                <a:solidFill>
+                  <a:schemeClr val="tx1"/>
+                </a:solidFill>
+                <a:effectLst/>
+                <a:latin typeface="Arial" pitchFamily="34" charset="0"/>
+                <a:ea typeface="Calibri" pitchFamily="34" charset="0"/>
+                <a:cs typeface="Arial" pitchFamily="34" charset="0"/>
+              </a:rPr>
+              <a:t>offset.x</a:t>
+            </a:r>
+            <a:r>
               <a:rPr kumimoji="0" lang="fr-FR" altLang="fr-FR" sz="1100" b="0" i="0" u="none" strike="noStrike" cap="none" normalizeH="0" baseline="0" dirty="0" smtClean="0">
                 <a:ln>
                   <a:noFill/>
@@ -9470,21 +10791,6 @@
                 <a:ea typeface="Calibri" pitchFamily="34" charset="0"/>
                 <a:cs typeface="Arial" pitchFamily="34" charset="0"/>
               </a:rPr>
-              <a:t>offset(x)  </a:t>
-            </a:r>
-            <a:r>
-              <a:rPr kumimoji="0" lang="fr-FR" altLang="fr-FR" sz="1100" b="0" i="0" u="none" strike="noStrike" cap="none" normalizeH="0" baseline="0" dirty="0" smtClean="0">
-                <a:ln>
-                  <a:noFill/>
-                </a:ln>
-                <a:solidFill>
-                  <a:schemeClr val="tx1"/>
-                </a:solidFill>
-                <a:effectLst/>
-                <a:latin typeface="Arial" pitchFamily="34" charset="0"/>
-                <a:ea typeface="Calibri" pitchFamily="34" charset="0"/>
-                <a:cs typeface="Arial" pitchFamily="34" charset="0"/>
-              </a:rPr>
               <a:t>= </a:t>
             </a:r>
             <a:r>
@@ -9510,121 +10816,74 @@
       </p:sp>
       <p:sp>
         <p:nvSpPr>
-          <p:cNvPr id="12" name="Zone de texte 2"/>
-          <p:cNvSpPr txBox="1">
-            <a:spLocks noChangeArrowheads="1"/>
-          </p:cNvSpPr>
-          <p:nvPr/>
-        </p:nvSpPr>
-        <p:spPr bwMode="auto">
-          <a:xfrm>
-            <a:off x="2545187" y="1846842"/>
-            <a:ext cx="477611" cy="295275"/>
+          <p:cNvPr id="3" name="ZoneTexte 2"/>
+          <p:cNvSpPr txBox="1"/>
+          <p:nvPr/>
+        </p:nvSpPr>
+        <p:spPr>
+          <a:xfrm>
+            <a:off x="6588224" y="1124744"/>
+            <a:ext cx="658257" cy="369332"/>
           </a:xfrm>
           <a:prstGeom prst="rect">
             <a:avLst/>
           </a:prstGeom>
-          <a:solidFill>
-            <a:srgbClr val="FFFFFF"/>
-          </a:solidFill>
-          <a:ln w="6350">
-            <a:solidFill>
-              <a:srgbClr val="000000"/>
-            </a:solidFill>
-            <a:miter lim="800000"/>
-            <a:headEnd/>
-            <a:tailEnd/>
-          </a:ln>
-        </p:spPr>
-        <p:txBody>
-          <a:bodyPr vert="horz" wrap="none" lIns="91440" tIns="45720" rIns="91440" bIns="45720" numCol="1" anchor="t" anchorCtr="0" compatLnSpc="1">
-            <a:prstTxWarp prst="textNoShape">
-              <a:avLst/>
-            </a:prstTxWarp>
+          <a:noFill/>
+        </p:spPr>
+        <p:txBody>
+          <a:bodyPr wrap="none" rtlCol="0">
+            <a:spAutoFit/>
           </a:bodyPr>
           <a:lstStyle/>
           <a:p>
-            <a:pPr marL="0" marR="0" lvl="0" indent="0" algn="l" defTabSz="914400" rtl="0" eaLnBrk="1" fontAlgn="base" latinLnBrk="0" hangingPunct="1">
-              <a:lnSpc>
-                <a:spcPct val="100000"/>
-              </a:lnSpc>
-              <a:spcBef>
-                <a:spcPct val="0"/>
-              </a:spcBef>
-              <a:spcAft>
-                <a:spcPct val="0"/>
-              </a:spcAft>
-              <a:buClrTx/>
-              <a:buSzTx/>
-              <a:buFontTx/>
-              <a:buNone/>
-              <a:tabLst/>
-            </a:pPr>
-            <a:r>
-              <a:rPr lang="fr-FR" altLang="fr-FR" sz="1100" dirty="0" smtClean="0">
-                <a:latin typeface="Calibri" pitchFamily="34" charset="0"/>
-                <a:cs typeface="Times New Roman" pitchFamily="18" charset="0"/>
-              </a:rPr>
-              <a:t>X=80</a:t>
-            </a:r>
-            <a:endParaRPr kumimoji="0" lang="fr-FR" altLang="fr-FR" sz="1800" b="0" i="0" u="none" strike="noStrike" cap="none" normalizeH="0" baseline="0" dirty="0" smtClean="0">
-              <a:ln>
-                <a:noFill/>
-              </a:ln>
-              <a:solidFill>
-                <a:schemeClr val="tx1"/>
-              </a:solidFill>
-              <a:effectLst/>
-              <a:latin typeface="Arial" pitchFamily="34" charset="0"/>
-              <a:cs typeface="Arial" pitchFamily="34" charset="0"/>
-            </a:endParaRPr>
-          </a:p>
-        </p:txBody>
-      </p:sp>
-      <p:cxnSp>
-        <p:nvCxnSpPr>
-          <p:cNvPr id="15" name="Connecteur droit avec flèche 14"/>
-          <p:cNvCxnSpPr/>
-          <p:nvPr/>
-        </p:nvCxnSpPr>
+            <a:r>
+              <a:rPr lang="fr-FR" dirty="0" err="1" smtClean="0"/>
+              <a:t>After</a:t>
+            </a:r>
+            <a:endParaRPr lang="fr-FR" dirty="0"/>
+          </a:p>
+        </p:txBody>
+      </p:sp>
+    </p:spTree>
+    <p:extLst>
+      <p:ext uri="{BB962C8B-B14F-4D97-AF65-F5344CB8AC3E}">
+        <p14:creationId xmlns:p14="http://schemas.microsoft.com/office/powerpoint/2010/main" val="3548689261"/>
+      </p:ext>
+    </p:extLst>
+  </p:cSld>
+  <p:clrMapOvr>
+    <a:masterClrMapping/>
+  </p:clrMapOvr>
+</p:sld>
+</file>
+
+<file path=ppt/slides/slide8.xml><?xml version="1.0" encoding="utf-8"?>
+<p:sld xmlns:a="http://schemas.openxmlformats.org/drawingml/2006/main" xmlns:r="http://schemas.openxmlformats.org/officeDocument/2006/relationships" xmlns:p="http://schemas.openxmlformats.org/presentationml/2006/main">
+  <p:cSld>
+    <p:spTree>
+      <p:nvGrpSpPr>
+        <p:cNvPr id="1" name=""/>
+        <p:cNvGrpSpPr/>
+        <p:nvPr/>
+      </p:nvGrpSpPr>
+      <p:grpSpPr>
+        <a:xfrm>
+          <a:off x="0" y="0"/>
+          <a:ext cx="0" cy="0"/>
+          <a:chOff x="0" y="0"/>
+          <a:chExt cx="0" cy="0"/>
+        </a:xfrm>
+      </p:grpSpPr>
+      <p:sp>
+        <p:nvSpPr>
+          <p:cNvPr id="4" name="ZoneTexte 3"/>
+          <p:cNvSpPr txBox="1"/>
+          <p:nvPr/>
+        </p:nvSpPr>
         <p:spPr>
           <a:xfrm>
-            <a:off x="73816" y="4116011"/>
-            <a:ext cx="1179748" cy="0"/>
-          </a:xfrm>
-          <a:prstGeom prst="straightConnector1">
-            <a:avLst/>
-          </a:prstGeom>
-          <a:ln>
-            <a:headEnd type="arrow"/>
-            <a:tailEnd type="arrow"/>
-          </a:ln>
-        </p:spPr>
-        <p:style>
-          <a:lnRef idx="1">
-            <a:schemeClr val="accent1"/>
-          </a:lnRef>
-          <a:fillRef idx="0">
-            <a:schemeClr val="accent1"/>
-          </a:fillRef>
-          <a:effectRef idx="0">
-            <a:schemeClr val="accent1"/>
-          </a:effectRef>
-          <a:fontRef idx="minor">
-            <a:schemeClr val="tx1"/>
-          </a:fontRef>
-        </p:style>
-      </p:cxnSp>
-      <p:sp>
-        <p:nvSpPr>
-          <p:cNvPr id="16" name="ZoneTexte 15"/>
-          <p:cNvSpPr txBox="1"/>
-          <p:nvPr/>
-        </p:nvSpPr>
-        <p:spPr>
-          <a:xfrm>
-            <a:off x="244150" y="3683963"/>
-            <a:ext cx="1851350" cy="600164"/>
+            <a:off x="755576" y="2132856"/>
+            <a:ext cx="7344816" cy="3046988"/>
           </a:xfrm>
           <a:prstGeom prst="rect">
             <a:avLst/>
@@ -9637,293 +10896,35 @@
           </a:bodyPr>
           <a:lstStyle/>
           <a:p>
-            <a:r>
-              <a:rPr lang="fr-FR" sz="1100" dirty="0" smtClean="0"/>
-              <a:t>-70-</a:t>
-            </a:r>
-            <a:r>
-              <a:rPr lang="fr-FR" sz="1100" dirty="0" smtClean="0"/>
-              <a:t>(</a:t>
-            </a:r>
-            <a:r>
-              <a:rPr kumimoji="0" lang="fr-FR" altLang="fr-FR" sz="1100" b="0" i="0" u="none" strike="noStrike" cap="none" normalizeH="0" baseline="0" dirty="0" smtClean="0">
-                <a:ln>
-                  <a:noFill/>
-                </a:ln>
-                <a:solidFill>
-                  <a:schemeClr val="tx1"/>
-                </a:solidFill>
-                <a:effectLst/>
-                <a:latin typeface="Arial" pitchFamily="34" charset="0"/>
-                <a:ea typeface="Calibri" pitchFamily="34" charset="0"/>
-                <a:cs typeface="Arial" pitchFamily="34" charset="0"/>
-              </a:rPr>
-              <a:t>offset(x)</a:t>
-            </a:r>
-            <a:r>
-              <a:rPr lang="fr-FR" sz="1100" dirty="0" smtClean="0"/>
-              <a:t>)</a:t>
-            </a:r>
-            <a:endParaRPr lang="fr-FR" sz="1100" dirty="0" smtClean="0"/>
-          </a:p>
-          <a:p>
-            <a:r>
-              <a:rPr lang="fr-FR" sz="1100" dirty="0" smtClean="0"/>
-              <a:t>-70+200=130=</a:t>
-            </a:r>
-            <a:r>
-              <a:rPr lang="fr-FR" sz="1100" dirty="0" err="1" smtClean="0"/>
-              <a:t>x</a:t>
-            </a:r>
-            <a:r>
-              <a:rPr lang="fr-FR" sz="1100" b="1" dirty="0" err="1" smtClean="0"/>
-              <a:t>OrigineH</a:t>
-            </a:r>
-            <a:endParaRPr lang="fr-FR" sz="1100" b="1" dirty="0" smtClean="0"/>
-          </a:p>
-          <a:p>
-            <a:endParaRPr lang="fr-FR" sz="1100" b="1" dirty="0"/>
-          </a:p>
-        </p:txBody>
-      </p:sp>
-      <p:sp>
-        <p:nvSpPr>
-          <p:cNvPr id="17" name="Zone de texte 2"/>
-          <p:cNvSpPr txBox="1">
-            <a:spLocks noChangeArrowheads="1"/>
-          </p:cNvSpPr>
-          <p:nvPr/>
-        </p:nvSpPr>
-        <p:spPr bwMode="auto">
-          <a:xfrm>
-            <a:off x="1150914" y="1851604"/>
-            <a:ext cx="477611" cy="295275"/>
-          </a:xfrm>
-          <a:prstGeom prst="rect">
-            <a:avLst/>
-          </a:prstGeom>
-          <a:solidFill>
-            <a:srgbClr val="FFFFFF"/>
-          </a:solidFill>
-          <a:ln w="6350">
-            <a:solidFill>
-              <a:srgbClr val="000000"/>
-            </a:solidFill>
-            <a:miter lim="800000"/>
-            <a:headEnd/>
-            <a:tailEnd/>
-          </a:ln>
-        </p:spPr>
-        <p:txBody>
-          <a:bodyPr vert="horz" wrap="none" lIns="91440" tIns="45720" rIns="91440" bIns="45720" numCol="1" anchor="t" anchorCtr="0" compatLnSpc="1">
-            <a:prstTxWarp prst="textNoShape">
-              <a:avLst/>
-            </a:prstTxWarp>
-          </a:bodyPr>
-          <a:lstStyle/>
-          <a:p>
-            <a:pPr marL="0" marR="0" lvl="0" indent="0" algn="l" defTabSz="914400" rtl="0" eaLnBrk="1" fontAlgn="base" latinLnBrk="0" hangingPunct="1">
-              <a:lnSpc>
-                <a:spcPct val="100000"/>
-              </a:lnSpc>
-              <a:spcBef>
-                <a:spcPct val="0"/>
-              </a:spcBef>
-              <a:spcAft>
-                <a:spcPct val="0"/>
-              </a:spcAft>
-              <a:buClrTx/>
-              <a:buSzTx/>
-              <a:buFontTx/>
-              <a:buNone/>
-              <a:tabLst/>
-            </a:pPr>
-            <a:r>
-              <a:rPr lang="fr-FR" altLang="fr-FR" sz="1100" dirty="0" smtClean="0">
-                <a:latin typeface="Calibri" pitchFamily="34" charset="0"/>
-                <a:cs typeface="Times New Roman" pitchFamily="18" charset="0"/>
-              </a:rPr>
-              <a:t>X= -70</a:t>
-            </a:r>
-            <a:endParaRPr kumimoji="0" lang="fr-FR" altLang="fr-FR" sz="1800" b="0" i="0" u="none" strike="noStrike" cap="none" normalizeH="0" baseline="0" dirty="0" smtClean="0">
-              <a:ln>
-                <a:noFill/>
-              </a:ln>
-              <a:solidFill>
-                <a:schemeClr val="tx1"/>
-              </a:solidFill>
-              <a:effectLst/>
-              <a:latin typeface="Arial" pitchFamily="34" charset="0"/>
-              <a:cs typeface="Arial" pitchFamily="34" charset="0"/>
-            </a:endParaRPr>
-          </a:p>
-        </p:txBody>
-      </p:sp>
-      <p:cxnSp>
-        <p:nvCxnSpPr>
-          <p:cNvPr id="18" name="Connecteur droit avec flèche 17"/>
-          <p:cNvCxnSpPr/>
-          <p:nvPr/>
-        </p:nvCxnSpPr>
-        <p:spPr>
-          <a:xfrm>
-            <a:off x="73816" y="4797152"/>
-            <a:ext cx="2757152" cy="0"/>
-          </a:xfrm>
-          <a:prstGeom prst="straightConnector1">
-            <a:avLst/>
-          </a:prstGeom>
-          <a:ln>
-            <a:headEnd type="arrow"/>
-            <a:tailEnd type="arrow"/>
-          </a:ln>
-        </p:spPr>
-        <p:style>
-          <a:lnRef idx="1">
-            <a:schemeClr val="accent1"/>
-          </a:lnRef>
-          <a:fillRef idx="0">
-            <a:schemeClr val="accent1"/>
-          </a:fillRef>
-          <a:effectRef idx="0">
-            <a:schemeClr val="accent1"/>
-          </a:effectRef>
-          <a:fontRef idx="minor">
-            <a:schemeClr val="tx1"/>
-          </a:fontRef>
-        </p:style>
-      </p:cxnSp>
-      <p:sp>
-        <p:nvSpPr>
-          <p:cNvPr id="19" name="ZoneTexte 18"/>
-          <p:cNvSpPr txBox="1"/>
-          <p:nvPr/>
-        </p:nvSpPr>
-        <p:spPr>
-          <a:xfrm>
-            <a:off x="1012029" y="5013176"/>
-            <a:ext cx="1183913" cy="430887"/>
-          </a:xfrm>
-          <a:prstGeom prst="rect">
-            <a:avLst/>
-          </a:prstGeom>
-          <a:noFill/>
-        </p:spPr>
-        <p:txBody>
-          <a:bodyPr wrap="square" rtlCol="0">
-            <a:spAutoFit/>
-          </a:bodyPr>
-          <a:lstStyle/>
-          <a:p>
-            <a:r>
-              <a:rPr lang="fr-FR" sz="1100" dirty="0" smtClean="0"/>
-              <a:t>280=</a:t>
-            </a:r>
-            <a:r>
-              <a:rPr lang="fr-FR" sz="1100" dirty="0" err="1" smtClean="0"/>
-              <a:t>x</a:t>
-            </a:r>
-            <a:r>
-              <a:rPr lang="fr-FR" sz="1100" b="1" dirty="0" err="1" smtClean="0"/>
-              <a:t>FinalH</a:t>
-            </a:r>
-            <a:endParaRPr lang="fr-FR" sz="1100" b="1" dirty="0" smtClean="0"/>
-          </a:p>
-          <a:p>
-            <a:endParaRPr lang="fr-FR" sz="1100" dirty="0"/>
-          </a:p>
-        </p:txBody>
-      </p:sp>
-      <p:sp>
-        <p:nvSpPr>
-          <p:cNvPr id="20" name="ZoneTexte 19"/>
-          <p:cNvSpPr txBox="1"/>
-          <p:nvPr/>
-        </p:nvSpPr>
-        <p:spPr>
-          <a:xfrm>
-            <a:off x="1836759" y="5661248"/>
-            <a:ext cx="6252534" cy="461665"/>
-          </a:xfrm>
-          <a:prstGeom prst="rect">
-            <a:avLst/>
-          </a:prstGeom>
-          <a:noFill/>
-        </p:spPr>
-        <p:txBody>
-          <a:bodyPr wrap="square" rtlCol="0">
-            <a:spAutoFit/>
-          </a:bodyPr>
-          <a:lstStyle/>
-          <a:p>
-            <a:r>
-              <a:rPr lang="fr-FR" sz="1200" dirty="0" smtClean="0"/>
-              <a:t>XH = 140 + (530-140) * (</a:t>
-            </a:r>
-            <a:r>
-              <a:rPr lang="fr-FR" sz="1200" dirty="0" smtClean="0"/>
-              <a:t>X/Zoom-</a:t>
-            </a:r>
-            <a:r>
-              <a:rPr kumimoji="0" lang="fr-FR" altLang="fr-FR" sz="1200" b="0" i="0" u="none" strike="noStrike" cap="none" normalizeH="0" baseline="0" dirty="0" smtClean="0">
-                <a:ln>
-                  <a:noFill/>
-                </a:ln>
-                <a:solidFill>
-                  <a:schemeClr val="tx1"/>
-                </a:solidFill>
-                <a:effectLst/>
-                <a:latin typeface="Arial" pitchFamily="34" charset="0"/>
-                <a:ea typeface="Calibri" pitchFamily="34" charset="0"/>
-                <a:cs typeface="Arial" pitchFamily="34" charset="0"/>
-              </a:rPr>
-              <a:t>offset(x)</a:t>
-            </a:r>
-            <a:r>
-              <a:rPr lang="fr-FR" sz="1200" dirty="0" smtClean="0"/>
-              <a:t>) </a:t>
-            </a:r>
-            <a:r>
-              <a:rPr lang="fr-FR" sz="1200" dirty="0" smtClean="0"/>
-              <a:t>-</a:t>
-            </a:r>
-            <a:r>
-              <a:rPr lang="fr-FR" sz="1200" dirty="0" err="1" smtClean="0"/>
-              <a:t>xOrigineH</a:t>
-            </a:r>
-            <a:r>
-              <a:rPr lang="fr-FR" sz="1200" dirty="0" smtClean="0"/>
-              <a:t>) /  (</a:t>
-            </a:r>
-            <a:r>
-              <a:rPr lang="fr-FR" sz="1200" dirty="0" err="1" smtClean="0"/>
-              <a:t>x</a:t>
-            </a:r>
-            <a:r>
-              <a:rPr lang="fr-FR" sz="1200" b="1" dirty="0" err="1" smtClean="0"/>
-              <a:t>FinalH-</a:t>
-            </a:r>
-            <a:r>
-              <a:rPr lang="fr-FR" sz="1200" dirty="0" err="1" smtClean="0"/>
-              <a:t>xOrigineH</a:t>
-            </a:r>
-            <a:r>
-              <a:rPr lang="fr-FR" sz="1200" dirty="0" smtClean="0"/>
-              <a:t>)</a:t>
-            </a:r>
-          </a:p>
-          <a:p>
-            <a:r>
-              <a:rPr lang="fr-FR" sz="1200" b="1" dirty="0" smtClean="0"/>
-              <a:t>XH(30) = 140 +(530-140) * (80+200-130)/(280-130) = 530</a:t>
-            </a:r>
+            <a:pPr algn="ctr"/>
+            <a:r>
+              <a:rPr lang="fr-FR" sz="9600" dirty="0" smtClean="0"/>
+              <a:t>X </a:t>
+            </a:r>
+            <a:r>
+              <a:rPr lang="fr-FR" sz="9600" dirty="0" err="1" smtClean="0"/>
+              <a:t>Enthalpy</a:t>
+            </a:r>
+            <a:endParaRPr lang="fr-FR" sz="9600" dirty="0" smtClean="0"/>
+          </a:p>
+          <a:p>
+            <a:pPr algn="ctr"/>
+            <a:r>
+              <a:rPr lang="fr-FR" sz="9600" dirty="0" err="1" smtClean="0"/>
+              <a:t>Compute</a:t>
+            </a:r>
+            <a:r>
+              <a:rPr lang="fr-FR" sz="9600" dirty="0" smtClean="0"/>
+              <a:t> </a:t>
+            </a:r>
+            <a:endParaRPr lang="fr-FR" sz="9600" dirty="0"/>
           </a:p>
         </p:txBody>
       </p:sp>
     </p:spTree>
     <p:extLst>
       <p:ext uri="{BB962C8B-B14F-4D97-AF65-F5344CB8AC3E}">
-        <p14:creationId xmlns:p14="http://schemas.microsoft.com/office/powerpoint/2010/main" val="3090944776"/>
+        <p14:creationId xmlns:p14="http://schemas.microsoft.com/office/powerpoint/2010/main" val="3287395860"/>
       </p:ext>
     </p:extLst>
   </p:cSld>
@@ -10348,7 +11349,7 @@
               </a:spcAft>
             </a:pPr>
             <a:r>
-              <a:rPr kumimoji="0" lang="fr-FR" altLang="fr-FR" sz="1100" b="0" i="0" u="none" strike="noStrike" cap="none" normalizeH="0" baseline="0" dirty="0" smtClean="0">
+              <a:rPr kumimoji="0" lang="fr-FR" altLang="fr-FR" sz="1100" b="0" i="0" u="none" strike="noStrike" cap="none" normalizeH="0" baseline="0" dirty="0" err="1" smtClean="0">
                 <a:ln>
                   <a:noFill/>
                 </a:ln>
@@ -10360,7 +11361,7 @@
                 <a:ea typeface="Calibri" pitchFamily="34" charset="0"/>
                 <a:cs typeface="Arial" pitchFamily="34" charset="0"/>
               </a:rPr>
-              <a:t>offset(x)  </a:t>
+              <a:t>offset.x</a:t>
             </a:r>
             <a:r>
               <a:rPr kumimoji="0" lang="fr-FR" altLang="fr-FR" sz="1100" b="0" i="0" u="none" strike="noStrike" cap="none" normalizeH="0" baseline="0" dirty="0" smtClean="0">
@@ -10528,19 +11529,11 @@
           <a:lstStyle/>
           <a:p>
             <a:r>
-              <a:rPr lang="fr-FR" sz="1100" dirty="0"/>
-              <a:t>3</a:t>
-            </a:r>
-            <a:r>
               <a:rPr lang="fr-FR" sz="1100" dirty="0" smtClean="0"/>
-              <a:t>0-</a:t>
-            </a:r>
-            <a:r>
-              <a:rPr lang="fr-FR" sz="1100" dirty="0" smtClean="0"/>
-              <a:t>(</a:t>
-            </a:r>
-            <a:r>
-              <a:rPr kumimoji="0" lang="fr-FR" altLang="fr-FR" sz="1100" b="0" i="0" u="none" strike="noStrike" cap="none" normalizeH="0" baseline="0" dirty="0" smtClean="0">
+              <a:t>x/zoom-</a:t>
+            </a:r>
+            <a:r>
+              <a:rPr kumimoji="0" lang="fr-FR" altLang="fr-FR" sz="1100" b="0" i="0" u="none" strike="noStrike" cap="none" normalizeH="0" baseline="0" dirty="0" err="1" smtClean="0">
                 <a:ln>
                   <a:noFill/>
                 </a:ln>
@@ -10552,11 +11545,7 @@
                 <a:ea typeface="Calibri" pitchFamily="34" charset="0"/>
                 <a:cs typeface="Arial" pitchFamily="34" charset="0"/>
               </a:rPr>
-              <a:t>offset(x)</a:t>
-            </a:r>
-            <a:r>
-              <a:rPr lang="fr-FR" sz="1100" dirty="0" smtClean="0"/>
-              <a:t>)</a:t>
+              <a:t>offset.x</a:t>
             </a:r>
             <a:endParaRPr lang="fr-FR" sz="1100" dirty="0" smtClean="0"/>
           </a:p>
@@ -10566,8 +11555,8 @@
               <a:t>30+100=130=</a:t>
             </a:r>
             <a:r>
-              <a:rPr lang="fr-FR" sz="1100" b="1" dirty="0" err="1"/>
-              <a:t>xOrigineH</a:t>
+              <a:rPr lang="fr-FR" sz="1100" b="1" dirty="0" err="1" smtClean="0"/>
+              <a:t>mHOrigine</a:t>
             </a:r>
             <a:endParaRPr lang="fr-FR" sz="1100" b="1" dirty="0"/>
           </a:p>
@@ -10581,7 +11570,7 @@
         </p:nvCxnSpPr>
         <p:spPr>
           <a:xfrm>
-            <a:off x="1157287" y="4797152"/>
+            <a:off x="1134764" y="4508541"/>
             <a:ext cx="2757152" cy="0"/>
           </a:xfrm>
           <a:prstGeom prst="straightConnector1">
@@ -10615,8 +11604,8 @@
         </p:nvSpPr>
         <p:spPr>
           <a:xfrm>
-            <a:off x="1747161" y="5013175"/>
-            <a:ext cx="1183913" cy="430887"/>
+            <a:off x="3318648" y="3935852"/>
+            <a:ext cx="2144754" cy="430887"/>
           </a:xfrm>
           <a:prstGeom prst="rect">
             <a:avLst/>
@@ -10630,21 +11619,29 @@
           <a:lstStyle/>
           <a:p>
             <a:r>
+              <a:rPr lang="fr-FR" sz="1100" dirty="0"/>
+              <a:t>x/zoom-</a:t>
+            </a:r>
+            <a:r>
+              <a:rPr lang="fr-FR" altLang="fr-FR" sz="1100" dirty="0" err="1">
+                <a:latin typeface="Arial" pitchFamily="34" charset="0"/>
+                <a:ea typeface="Calibri" pitchFamily="34" charset="0"/>
+                <a:cs typeface="Arial" pitchFamily="34" charset="0"/>
+              </a:rPr>
+              <a:t>offset.x</a:t>
+            </a:r>
+            <a:endParaRPr lang="fr-FR" sz="1100" dirty="0"/>
+          </a:p>
+          <a:p>
+            <a:r>
               <a:rPr lang="fr-FR" sz="1100" dirty="0" smtClean="0"/>
-              <a:t>280=</a:t>
+              <a:t>180+100=280=</a:t>
             </a:r>
             <a:r>
               <a:rPr lang="fr-FR" sz="1100" dirty="0" err="1" smtClean="0"/>
-              <a:t>x</a:t>
-            </a:r>
-            <a:r>
-              <a:rPr lang="fr-FR" sz="1100" b="1" dirty="0" err="1" smtClean="0"/>
-              <a:t>FinalH</a:t>
+              <a:t>mHFinal</a:t>
             </a:r>
             <a:endParaRPr lang="fr-FR" sz="1100" b="1" dirty="0" smtClean="0"/>
-          </a:p>
-          <a:p>
-            <a:endParaRPr lang="fr-FR" sz="1100" dirty="0"/>
           </a:p>
         </p:txBody>
       </p:sp>
@@ -10656,8 +11653,8 @@
         </p:nvSpPr>
         <p:spPr>
           <a:xfrm>
-            <a:off x="1836759" y="5661248"/>
-            <a:ext cx="6252534" cy="646331"/>
+            <a:off x="268493" y="4725144"/>
+            <a:ext cx="8047021" cy="1877437"/>
           </a:xfrm>
           <a:prstGeom prst="rect">
             <a:avLst/>
@@ -10671,15 +11668,25 @@
           <a:lstStyle/>
           <a:p>
             <a:r>
+              <a:rPr lang="fr-FR" sz="1400" b="1" u="sng" dirty="0" smtClean="0"/>
+              <a:t>Valeur H/(x) : </a:t>
+            </a:r>
+            <a:r>
+              <a:rPr lang="fr-FR" sz="1400" b="1" u="sng" dirty="0" err="1" smtClean="0"/>
+              <a:t>getHoX</a:t>
+            </a:r>
+            <a:r>
+              <a:rPr lang="fr-FR" sz="1400" b="1" u="sng" dirty="0" smtClean="0"/>
+              <a:t>(x)</a:t>
+            </a:r>
+          </a:p>
+          <a:p>
+            <a:r>
               <a:rPr lang="fr-FR" sz="1200" dirty="0" smtClean="0"/>
-              <a:t>XH = 140 + (530-140) * (</a:t>
-            </a:r>
-            <a:r>
-              <a:rPr lang="fr-FR" sz="1200" dirty="0" smtClean="0"/>
-              <a:t>X/zoom-</a:t>
-            </a:r>
-            <a:r>
-              <a:rPr kumimoji="0" lang="fr-FR" altLang="fr-FR" sz="1200" b="0" i="0" u="none" strike="noStrike" cap="none" normalizeH="0" baseline="0" dirty="0" smtClean="0">
+              <a:t>              = 140 + (530-140) * (X/zoom-</a:t>
+            </a:r>
+            <a:r>
+              <a:rPr kumimoji="0" lang="fr-FR" altLang="fr-FR" sz="1200" b="0" i="0" u="none" strike="noStrike" cap="none" normalizeH="0" baseline="0" dirty="0" err="1" smtClean="0">
                 <a:ln>
                   <a:noFill/>
                 </a:ln>
@@ -10691,19 +11698,15 @@
                 <a:ea typeface="Calibri" pitchFamily="34" charset="0"/>
                 <a:cs typeface="Arial" pitchFamily="34" charset="0"/>
               </a:rPr>
-              <a:t>offset(x)</a:t>
+              <a:t>offset.x</a:t>
             </a:r>
             <a:r>
               <a:rPr lang="fr-FR" sz="1200" dirty="0" smtClean="0"/>
-              <a:t>) </a:t>
-            </a:r>
-            <a:r>
-              <a:rPr lang="fr-FR" sz="1200" dirty="0" smtClean="0"/>
-              <a:t>-</a:t>
+              <a:t>) -</a:t>
             </a:r>
             <a:r>
               <a:rPr lang="fr-FR" sz="1200" dirty="0" err="1" smtClean="0"/>
-              <a:t>xOrigineH</a:t>
+              <a:t>mHOrigine</a:t>
             </a:r>
             <a:r>
               <a:rPr lang="fr-FR" sz="1200" dirty="0" smtClean="0"/>
@@ -10711,15 +11714,15 @@
             </a:r>
             <a:r>
               <a:rPr lang="fr-FR" sz="1200" dirty="0" err="1" smtClean="0"/>
-              <a:t>x</a:t>
+              <a:t>mHFinal</a:t>
             </a:r>
             <a:r>
               <a:rPr lang="fr-FR" sz="1200" b="1" dirty="0" err="1" smtClean="0"/>
-              <a:t>FinalH-</a:t>
+              <a:t>-</a:t>
             </a:r>
             <a:r>
               <a:rPr lang="fr-FR" sz="1200" dirty="0" err="1" smtClean="0"/>
-              <a:t>xOrigineH</a:t>
+              <a:t>mHOrigine</a:t>
             </a:r>
             <a:r>
               <a:rPr lang="fr-FR" sz="1200" dirty="0" smtClean="0"/>
@@ -10728,15 +11731,191 @@
           </a:p>
           <a:p>
             <a:r>
+              <a:rPr lang="fr-FR" sz="1200" dirty="0" smtClean="0"/>
+              <a:t>              </a:t>
+            </a:r>
+            <a:r>
+              <a:rPr lang="fr-FR" sz="1400" b="1" dirty="0" smtClean="0"/>
+              <a:t>H = </a:t>
+            </a:r>
+            <a:r>
+              <a:rPr lang="fr-FR" sz="1400" b="1" dirty="0" err="1" smtClean="0"/>
+              <a:t>iHOrigine</a:t>
+            </a:r>
+            <a:r>
+              <a:rPr lang="fr-FR" sz="1400" b="1" dirty="0" smtClean="0"/>
+              <a:t>  + (</a:t>
+            </a:r>
+            <a:r>
+              <a:rPr lang="fr-FR" sz="1400" b="1" dirty="0" err="1" smtClean="0"/>
+              <a:t>iHFinal-iHOrigine</a:t>
+            </a:r>
+            <a:r>
+              <a:rPr lang="fr-FR" sz="1400" b="1" dirty="0" smtClean="0"/>
+              <a:t> ) </a:t>
+            </a:r>
+            <a:r>
+              <a:rPr lang="fr-FR" sz="1400" b="1" dirty="0"/>
+              <a:t>* (</a:t>
+            </a:r>
+            <a:r>
+              <a:rPr lang="fr-FR" sz="1400" b="1" dirty="0" smtClean="0"/>
+              <a:t>X/zoom-</a:t>
+            </a:r>
+            <a:r>
+              <a:rPr lang="fr-FR" altLang="fr-FR" sz="1400" b="1" dirty="0" err="1" smtClean="0">
+                <a:ea typeface="Calibri" pitchFamily="34" charset="0"/>
+                <a:cs typeface="Arial" pitchFamily="34" charset="0"/>
+              </a:rPr>
+              <a:t>offset.x</a:t>
+            </a:r>
+            <a:r>
+              <a:rPr lang="fr-FR" sz="1400" b="1" dirty="0" smtClean="0"/>
+              <a:t> </a:t>
+            </a:r>
+            <a:r>
+              <a:rPr lang="fr-FR" sz="1400" b="1" dirty="0"/>
+              <a:t>-</a:t>
+            </a:r>
+            <a:r>
+              <a:rPr lang="fr-FR" sz="1400" b="1" dirty="0" err="1"/>
+              <a:t>mHOrigine</a:t>
+            </a:r>
+            <a:r>
+              <a:rPr lang="fr-FR" sz="1400" b="1" dirty="0" smtClean="0"/>
+              <a:t>)  </a:t>
+            </a:r>
+            <a:r>
+              <a:rPr lang="fr-FR" sz="1400" b="1" dirty="0"/>
+              <a:t>/ </a:t>
+            </a:r>
+            <a:r>
+              <a:rPr lang="fr-FR" sz="1400" b="1" dirty="0" smtClean="0"/>
+              <a:t>(</a:t>
+            </a:r>
+            <a:r>
+              <a:rPr lang="fr-FR" sz="1400" b="1" dirty="0" err="1"/>
+              <a:t>mHFinal-mHOrigine</a:t>
+            </a:r>
+            <a:r>
+              <a:rPr lang="fr-FR" sz="1400" b="1" dirty="0"/>
+              <a:t>)</a:t>
+            </a:r>
+            <a:endParaRPr lang="fr-FR" sz="1400" b="1" dirty="0" smtClean="0"/>
+          </a:p>
+          <a:p>
+            <a:r>
+              <a:rPr lang="fr-FR" sz="1200" dirty="0"/>
+              <a:t> </a:t>
+            </a:r>
+            <a:r>
+              <a:rPr lang="fr-FR" sz="1200" dirty="0" smtClean="0"/>
+              <a:t>     XH(30) = 140 +(530-140) * (30+100-130)/(280-130) = 140</a:t>
+            </a:r>
+          </a:p>
+          <a:p>
+            <a:r>
+              <a:rPr lang="fr-FR" sz="1200" dirty="0" smtClean="0"/>
+              <a:t>     XH(180) = 140 +(530-140) * (180+100-130)/(280-130) = 530</a:t>
+            </a:r>
+          </a:p>
+          <a:p>
+            <a:endParaRPr lang="fr-FR" sz="1200" b="1" dirty="0"/>
+          </a:p>
+          <a:p>
+            <a:r>
+              <a:rPr lang="fr-FR" sz="1400" b="1" u="sng" dirty="0"/>
+              <a:t>Valeur </a:t>
+            </a:r>
+            <a:r>
+              <a:rPr lang="fr-FR" sz="1400" b="1" u="sng" dirty="0" smtClean="0"/>
+              <a:t>(x)/H </a:t>
+            </a:r>
+            <a:r>
+              <a:rPr lang="fr-FR" sz="1400" b="1" u="sng" dirty="0"/>
+              <a:t>: </a:t>
+            </a:r>
+            <a:r>
+              <a:rPr lang="fr-FR" sz="1400" b="1" u="sng" dirty="0" err="1" smtClean="0"/>
+              <a:t>getXoH</a:t>
+            </a:r>
+            <a:r>
+              <a:rPr lang="fr-FR" sz="1400" b="1" u="sng" dirty="0" smtClean="0"/>
+              <a:t>(H) </a:t>
+            </a:r>
+          </a:p>
+          <a:p>
+            <a:r>
               <a:rPr lang="fr-FR" sz="1200" b="1" dirty="0" smtClean="0"/>
-              <a:t>XH(30) = 140 +(530-140) * (30+100-130)/(280-130) = 140</a:t>
-            </a:r>
-          </a:p>
-          <a:p>
-            <a:r>
-              <a:rPr lang="fr-FR" sz="1200" b="1" dirty="0" smtClean="0"/>
-              <a:t>XH(180) = 140 +(530-140) * (180+100-130)/(280-130) = 530</a:t>
-            </a:r>
+              <a:t>              </a:t>
+            </a:r>
+            <a:r>
+              <a:rPr lang="fr-FR" sz="1400" b="1" dirty="0" smtClean="0"/>
+              <a:t>X = zoom * ([(H -  </a:t>
+            </a:r>
+            <a:r>
+              <a:rPr lang="fr-FR" sz="1400" b="1" dirty="0" err="1" smtClean="0"/>
+              <a:t>iHOrigine</a:t>
+            </a:r>
+            <a:r>
+              <a:rPr lang="fr-FR" sz="1400" b="1" dirty="0" smtClean="0"/>
+              <a:t>) / </a:t>
+            </a:r>
+            <a:r>
+              <a:rPr lang="fr-FR" sz="1400" b="1" dirty="0"/>
+              <a:t>(</a:t>
+            </a:r>
+            <a:r>
+              <a:rPr lang="fr-FR" sz="1400" b="1" dirty="0" err="1"/>
+              <a:t>iHFinal-iHOrigine</a:t>
+            </a:r>
+            <a:r>
+              <a:rPr lang="fr-FR" sz="1400" b="1" dirty="0"/>
+              <a:t> ) </a:t>
+            </a:r>
+            <a:r>
+              <a:rPr lang="fr-FR" sz="1400" b="1" dirty="0" smtClean="0"/>
+              <a:t> * </a:t>
+            </a:r>
+            <a:r>
+              <a:rPr lang="fr-FR" sz="1400" b="1" dirty="0"/>
+              <a:t>(</a:t>
+            </a:r>
+            <a:r>
+              <a:rPr lang="fr-FR" sz="1400" b="1" dirty="0" err="1" smtClean="0"/>
+              <a:t>mHFinal-mHOrigine</a:t>
+            </a:r>
+            <a:r>
+              <a:rPr lang="fr-FR" sz="1400" b="1" dirty="0" smtClean="0"/>
+              <a:t>) ] + </a:t>
+            </a:r>
+            <a:r>
+              <a:rPr lang="fr-FR" altLang="fr-FR" sz="1400" b="1" dirty="0" err="1">
+                <a:ea typeface="Calibri" pitchFamily="34" charset="0"/>
+                <a:cs typeface="Arial" pitchFamily="34" charset="0"/>
+              </a:rPr>
+              <a:t>offset.x</a:t>
+            </a:r>
+            <a:r>
+              <a:rPr lang="fr-FR" sz="1400" b="1" dirty="0"/>
+              <a:t> </a:t>
+            </a:r>
+            <a:r>
+              <a:rPr lang="fr-FR" sz="1400" b="1" dirty="0" smtClean="0"/>
+              <a:t>+</a:t>
+            </a:r>
+            <a:r>
+              <a:rPr lang="fr-FR" sz="1400" b="1" dirty="0" err="1" smtClean="0"/>
+              <a:t>mHOrigine</a:t>
+            </a:r>
+            <a:r>
+              <a:rPr lang="fr-FR" sz="1400" b="1" dirty="0" smtClean="0"/>
+              <a:t>)</a:t>
+            </a:r>
+            <a:endParaRPr lang="fr-FR" sz="1400" b="1" dirty="0"/>
+          </a:p>
+          <a:p>
+            <a:endParaRPr lang="fr-FR" sz="1200" b="1" dirty="0" smtClean="0"/>
           </a:p>
         </p:txBody>
       </p:sp>
@@ -10749,7 +11928,7 @@
         <p:spPr>
           <a:xfrm>
             <a:off x="6228184" y="1392058"/>
-            <a:ext cx="1728192" cy="938719"/>
+            <a:ext cx="1728192" cy="1954381"/>
           </a:xfrm>
           <a:prstGeom prst="rect">
             <a:avLst/>
@@ -10770,7 +11949,7 @@
           <a:p>
             <a:r>
               <a:rPr lang="fr-FR" sz="1100" b="1" dirty="0" err="1" smtClean="0"/>
-              <a:t>xOrigineH</a:t>
+              <a:t>iHOrigine</a:t>
             </a:r>
             <a:r>
               <a:rPr lang="fr-FR" sz="1100" b="1" dirty="0" smtClean="0"/>
@@ -10786,12 +11965,8 @@
           </a:p>
           <a:p>
             <a:r>
-              <a:rPr lang="fr-FR" sz="1100" dirty="0" err="1" smtClean="0"/>
-              <a:t>x</a:t>
-            </a:r>
-            <a:r>
               <a:rPr lang="fr-FR" sz="1100" b="1" dirty="0" err="1" smtClean="0"/>
-              <a:t>FinalH</a:t>
+              <a:t>iHFinal</a:t>
             </a:r>
             <a:r>
               <a:rPr lang="fr-FR" sz="1100" b="1" dirty="0" smtClean="0"/>
@@ -10803,6 +11978,65 @@
               </a:rPr>
               <a:t> 530</a:t>
             </a:r>
+          </a:p>
+          <a:p>
+            <a:endParaRPr lang="fr-FR" sz="1100" b="1" dirty="0">
+              <a:sym typeface="Wingdings" panose="05000000000000000000" pitchFamily="2" charset="2"/>
+            </a:endParaRPr>
+          </a:p>
+          <a:p>
+            <a:r>
+              <a:rPr lang="fr-FR" sz="1100" dirty="0"/>
+              <a:t>Valeur </a:t>
+            </a:r>
+            <a:r>
+              <a:rPr lang="fr-FR" sz="1100" dirty="0" smtClean="0"/>
+              <a:t>cliquer </a:t>
+            </a:r>
+            <a:r>
+              <a:rPr lang="fr-FR" sz="1100" dirty="0"/>
+              <a:t>par l’utilisateur  :</a:t>
+            </a:r>
+          </a:p>
+          <a:p>
+            <a:r>
+              <a:rPr lang="fr-FR" sz="1100" b="1" dirty="0" smtClean="0"/>
+              <a:t>x </a:t>
+            </a:r>
+            <a:r>
+              <a:rPr lang="fr-FR" sz="1100" b="1" dirty="0">
+                <a:sym typeface="Wingdings" panose="05000000000000000000" pitchFamily="2" charset="2"/>
+              </a:rPr>
+              <a:t> </a:t>
+            </a:r>
+            <a:r>
+              <a:rPr lang="fr-FR" sz="1100" b="1" dirty="0" smtClean="0">
+                <a:sym typeface="Wingdings" panose="05000000000000000000" pitchFamily="2" charset="2"/>
+              </a:rPr>
+              <a:t>30</a:t>
+            </a:r>
+            <a:endParaRPr lang="fr-FR" sz="1100" b="1" dirty="0"/>
+          </a:p>
+          <a:p>
+            <a:r>
+              <a:rPr lang="fr-FR" sz="1100" b="1" dirty="0" smtClean="0"/>
+              <a:t>x </a:t>
+            </a:r>
+            <a:r>
+              <a:rPr lang="fr-FR" sz="1100" b="1" dirty="0">
+                <a:sym typeface="Wingdings" panose="05000000000000000000" pitchFamily="2" charset="2"/>
+              </a:rPr>
+              <a:t> </a:t>
+            </a:r>
+            <a:r>
+              <a:rPr lang="fr-FR" sz="1100" b="1" dirty="0" smtClean="0">
+                <a:sym typeface="Wingdings" panose="05000000000000000000" pitchFamily="2" charset="2"/>
+              </a:rPr>
+              <a:t>180</a:t>
+            </a:r>
+            <a:endParaRPr lang="fr-FR" sz="1100" b="1" dirty="0"/>
+          </a:p>
+          <a:p>
             <a:endParaRPr lang="fr-FR" sz="1100" b="1" dirty="0" smtClean="0"/>
           </a:p>
           <a:p>
@@ -10886,7 +12120,7 @@
     </p:spTree>
     <p:extLst>
       <p:ext uri="{BB962C8B-B14F-4D97-AF65-F5344CB8AC3E}">
-        <p14:creationId xmlns:p14="http://schemas.microsoft.com/office/powerpoint/2010/main" val="2638730915"/>
+        <p14:creationId xmlns:p14="http://schemas.microsoft.com/office/powerpoint/2010/main" val="129594278"/>
       </p:ext>
     </p:extLst>
   </p:cSld>

--- a/prog_help/EnthalpyDraw.pptx
+++ b/prog_help/EnthalpyDraw.pptx
@@ -20,6 +20,14 @@
     <p:sldId id="262" r:id="rId14"/>
     <p:sldId id="268" r:id="rId15"/>
     <p:sldId id="276" r:id="rId16"/>
+    <p:sldId id="278" r:id="rId17"/>
+    <p:sldId id="277" r:id="rId18"/>
+    <p:sldId id="279" r:id="rId19"/>
+    <p:sldId id="280" r:id="rId20"/>
+    <p:sldId id="281" r:id="rId21"/>
+    <p:sldId id="282" r:id="rId22"/>
+    <p:sldId id="283" r:id="rId23"/>
+    <p:sldId id="284" r:id="rId24"/>
   </p:sldIdLst>
   <p:sldSz cx="9144000" cy="6858000" type="screen4x3"/>
   <p:notesSz cx="6858000" cy="9144000"/>
@@ -302,7 +310,7 @@
           <a:p>
             <a:fld id="{42968C2D-30BC-42AA-92C6-446775E33AE6}" type="datetimeFigureOut">
               <a:rPr lang="fr-FR" smtClean="0"/>
-              <a:t>10/12/2016</a:t>
+              <a:t>17/12/2016</a:t>
             </a:fld>
             <a:endParaRPr lang="fr-FR"/>
           </a:p>
@@ -472,7 +480,7 @@
           <a:p>
             <a:fld id="{42968C2D-30BC-42AA-92C6-446775E33AE6}" type="datetimeFigureOut">
               <a:rPr lang="fr-FR" smtClean="0"/>
-              <a:t>10/12/2016</a:t>
+              <a:t>17/12/2016</a:t>
             </a:fld>
             <a:endParaRPr lang="fr-FR"/>
           </a:p>
@@ -652,7 +660,7 @@
           <a:p>
             <a:fld id="{42968C2D-30BC-42AA-92C6-446775E33AE6}" type="datetimeFigureOut">
               <a:rPr lang="fr-FR" smtClean="0"/>
-              <a:t>10/12/2016</a:t>
+              <a:t>17/12/2016</a:t>
             </a:fld>
             <a:endParaRPr lang="fr-FR"/>
           </a:p>
@@ -822,7 +830,7 @@
           <a:p>
             <a:fld id="{42968C2D-30BC-42AA-92C6-446775E33AE6}" type="datetimeFigureOut">
               <a:rPr lang="fr-FR" smtClean="0"/>
-              <a:t>10/12/2016</a:t>
+              <a:t>17/12/2016</a:t>
             </a:fld>
             <a:endParaRPr lang="fr-FR"/>
           </a:p>
@@ -1068,7 +1076,7 @@
           <a:p>
             <a:fld id="{42968C2D-30BC-42AA-92C6-446775E33AE6}" type="datetimeFigureOut">
               <a:rPr lang="fr-FR" smtClean="0"/>
-              <a:t>10/12/2016</a:t>
+              <a:t>17/12/2016</a:t>
             </a:fld>
             <a:endParaRPr lang="fr-FR"/>
           </a:p>
@@ -1356,7 +1364,7 @@
           <a:p>
             <a:fld id="{42968C2D-30BC-42AA-92C6-446775E33AE6}" type="datetimeFigureOut">
               <a:rPr lang="fr-FR" smtClean="0"/>
-              <a:t>10/12/2016</a:t>
+              <a:t>17/12/2016</a:t>
             </a:fld>
             <a:endParaRPr lang="fr-FR"/>
           </a:p>
@@ -1778,7 +1786,7 @@
           <a:p>
             <a:fld id="{42968C2D-30BC-42AA-92C6-446775E33AE6}" type="datetimeFigureOut">
               <a:rPr lang="fr-FR" smtClean="0"/>
-              <a:t>10/12/2016</a:t>
+              <a:t>17/12/2016</a:t>
             </a:fld>
             <a:endParaRPr lang="fr-FR"/>
           </a:p>
@@ -1896,7 +1904,7 @@
           <a:p>
             <a:fld id="{42968C2D-30BC-42AA-92C6-446775E33AE6}" type="datetimeFigureOut">
               <a:rPr lang="fr-FR" smtClean="0"/>
-              <a:t>10/12/2016</a:t>
+              <a:t>17/12/2016</a:t>
             </a:fld>
             <a:endParaRPr lang="fr-FR"/>
           </a:p>
@@ -1991,7 +1999,7 @@
           <a:p>
             <a:fld id="{42968C2D-30BC-42AA-92C6-446775E33AE6}" type="datetimeFigureOut">
               <a:rPr lang="fr-FR" smtClean="0"/>
-              <a:t>10/12/2016</a:t>
+              <a:t>17/12/2016</a:t>
             </a:fld>
             <a:endParaRPr lang="fr-FR"/>
           </a:p>
@@ -2268,7 +2276,7 @@
           <a:p>
             <a:fld id="{42968C2D-30BC-42AA-92C6-446775E33AE6}" type="datetimeFigureOut">
               <a:rPr lang="fr-FR" smtClean="0"/>
-              <a:t>10/12/2016</a:t>
+              <a:t>17/12/2016</a:t>
             </a:fld>
             <a:endParaRPr lang="fr-FR"/>
           </a:p>
@@ -2521,7 +2529,7 @@
           <a:p>
             <a:fld id="{42968C2D-30BC-42AA-92C6-446775E33AE6}" type="datetimeFigureOut">
               <a:rPr lang="fr-FR" smtClean="0"/>
-              <a:t>10/12/2016</a:t>
+              <a:t>17/12/2016</a:t>
             </a:fld>
             <a:endParaRPr lang="fr-FR"/>
           </a:p>
@@ -2734,7 +2742,7 @@
           <a:p>
             <a:fld id="{42968C2D-30BC-42AA-92C6-446775E33AE6}" type="datetimeFigureOut">
               <a:rPr lang="fr-FR" smtClean="0"/>
-              <a:t>10/12/2016</a:t>
+              <a:t>17/12/2016</a:t>
             </a:fld>
             <a:endParaRPr lang="fr-FR"/>
           </a:p>
@@ -6710,11 +6718,7 @@
           <a:p>
             <a:r>
               <a:rPr lang="fr-FR" sz="1200" b="1" dirty="0" smtClean="0"/>
-              <a:t>(</a:t>
-            </a:r>
-            <a:r>
-              <a:rPr lang="fr-FR" sz="1200" b="1" dirty="0" smtClean="0"/>
-              <a:t>y/</a:t>
+              <a:t>(y/</a:t>
             </a:r>
             <a:r>
               <a:rPr lang="fr-FR" sz="1200" b="1" dirty="0" err="1" smtClean="0"/>
@@ -7569,6 +7573,2462 @@
     <p:extLst>
       <p:ext uri="{BB962C8B-B14F-4D97-AF65-F5344CB8AC3E}">
         <p14:creationId xmlns:p14="http://schemas.microsoft.com/office/powerpoint/2010/main" val="1492521094"/>
+      </p:ext>
+    </p:extLst>
+  </p:cSld>
+  <p:clrMapOvr>
+    <a:masterClrMapping/>
+  </p:clrMapOvr>
+</p:sld>
+</file>
+
+<file path=ppt/slides/slide16.xml><?xml version="1.0" encoding="utf-8"?>
+<p:sld xmlns:a="http://schemas.openxmlformats.org/drawingml/2006/main" xmlns:r="http://schemas.openxmlformats.org/officeDocument/2006/relationships" xmlns:p="http://schemas.openxmlformats.org/presentationml/2006/main">
+  <p:cSld>
+    <p:spTree>
+      <p:nvGrpSpPr>
+        <p:cNvPr id="1" name=""/>
+        <p:cNvGrpSpPr/>
+        <p:nvPr/>
+      </p:nvGrpSpPr>
+      <p:grpSpPr>
+        <a:xfrm>
+          <a:off x="0" y="0"/>
+          <a:ext cx="0" cy="0"/>
+          <a:chOff x="0" y="0"/>
+          <a:chExt cx="0" cy="0"/>
+        </a:xfrm>
+      </p:grpSpPr>
+      <p:sp>
+        <p:nvSpPr>
+          <p:cNvPr id="4" name="ZoneTexte 3"/>
+          <p:cNvSpPr txBox="1"/>
+          <p:nvPr/>
+        </p:nvSpPr>
+        <p:spPr>
+          <a:xfrm>
+            <a:off x="755576" y="2132856"/>
+            <a:ext cx="7344816" cy="3046988"/>
+          </a:xfrm>
+          <a:prstGeom prst="rect">
+            <a:avLst/>
+          </a:prstGeom>
+          <a:noFill/>
+        </p:spPr>
+        <p:txBody>
+          <a:bodyPr wrap="square" rtlCol="0">
+            <a:spAutoFit/>
+          </a:bodyPr>
+          <a:lstStyle/>
+          <a:p>
+            <a:pPr algn="ctr"/>
+            <a:r>
+              <a:rPr lang="fr-FR" sz="9600" dirty="0" smtClean="0"/>
+              <a:t>Pression</a:t>
+            </a:r>
+          </a:p>
+          <a:p>
+            <a:pPr algn="ctr"/>
+            <a:r>
+              <a:rPr lang="fr-FR" sz="9600" dirty="0" smtClean="0"/>
+              <a:t>Température</a:t>
+            </a:r>
+            <a:endParaRPr lang="fr-FR" sz="9600" dirty="0"/>
+          </a:p>
+        </p:txBody>
+      </p:sp>
+    </p:spTree>
+    <p:extLst>
+      <p:ext uri="{BB962C8B-B14F-4D97-AF65-F5344CB8AC3E}">
+        <p14:creationId xmlns:p14="http://schemas.microsoft.com/office/powerpoint/2010/main" val="2507594710"/>
+      </p:ext>
+    </p:extLst>
+  </p:cSld>
+  <p:clrMapOvr>
+    <a:masterClrMapping/>
+  </p:clrMapOvr>
+</p:sld>
+</file>
+
+<file path=ppt/slides/slide17.xml><?xml version="1.0" encoding="utf-8"?>
+<p:sld xmlns:a="http://schemas.openxmlformats.org/drawingml/2006/main" xmlns:r="http://schemas.openxmlformats.org/officeDocument/2006/relationships" xmlns:p="http://schemas.openxmlformats.org/presentationml/2006/main">
+  <p:cSld>
+    <p:spTree>
+      <p:nvGrpSpPr>
+        <p:cNvPr id="1" name=""/>
+        <p:cNvGrpSpPr/>
+        <p:nvPr/>
+      </p:nvGrpSpPr>
+      <p:grpSpPr>
+        <a:xfrm>
+          <a:off x="0" y="0"/>
+          <a:ext cx="0" cy="0"/>
+          <a:chOff x="0" y="0"/>
+          <a:chExt cx="0" cy="0"/>
+        </a:xfrm>
+      </p:grpSpPr>
+      <p:sp>
+        <p:nvSpPr>
+          <p:cNvPr id="5" name="Rectangle 4"/>
+          <p:cNvSpPr/>
+          <p:nvPr/>
+        </p:nvSpPr>
+        <p:spPr>
+          <a:xfrm>
+            <a:off x="2095500" y="1657350"/>
+            <a:ext cx="3412604" cy="2635746"/>
+          </a:xfrm>
+          <a:prstGeom prst="rect">
+            <a:avLst/>
+          </a:prstGeom>
+        </p:spPr>
+        <p:style>
+          <a:lnRef idx="1">
+            <a:schemeClr val="accent5"/>
+          </a:lnRef>
+          <a:fillRef idx="2">
+            <a:schemeClr val="accent5"/>
+          </a:fillRef>
+          <a:effectRef idx="1">
+            <a:schemeClr val="accent5"/>
+          </a:effectRef>
+          <a:fontRef idx="minor">
+            <a:schemeClr val="dk1"/>
+          </a:fontRef>
+        </p:style>
+        <p:txBody>
+          <a:bodyPr rot="0" spcFirstLastPara="0" vert="horz" wrap="square" lIns="91440" tIns="45720" rIns="91440" bIns="45720" numCol="1" spcCol="0" rtlCol="0" fromWordArt="0" anchor="ctr" anchorCtr="0" forceAA="0" compatLnSpc="1">
+            <a:prstTxWarp prst="textNoShape">
+              <a:avLst/>
+            </a:prstTxWarp>
+            <a:noAutofit/>
+          </a:bodyPr>
+          <a:lstStyle/>
+          <a:p>
+            <a:endParaRPr lang="fr-FR"/>
+          </a:p>
+        </p:txBody>
+      </p:sp>
+      <p:sp>
+        <p:nvSpPr>
+          <p:cNvPr id="6" name="Zone de texte 2"/>
+          <p:cNvSpPr txBox="1">
+            <a:spLocks noChangeArrowheads="1"/>
+          </p:cNvSpPr>
+          <p:nvPr/>
+        </p:nvSpPr>
+        <p:spPr bwMode="auto">
+          <a:xfrm>
+            <a:off x="1667677" y="1392058"/>
+            <a:ext cx="600067" cy="295275"/>
+          </a:xfrm>
+          <a:prstGeom prst="rect">
+            <a:avLst/>
+          </a:prstGeom>
+          <a:solidFill>
+            <a:srgbClr val="FFFFFF"/>
+          </a:solidFill>
+          <a:ln w="6350">
+            <a:solidFill>
+              <a:srgbClr val="000000"/>
+            </a:solidFill>
+            <a:miter lim="800000"/>
+            <a:headEnd/>
+            <a:tailEnd/>
+          </a:ln>
+        </p:spPr>
+        <p:txBody>
+          <a:bodyPr vert="horz" wrap="none" lIns="91440" tIns="45720" rIns="91440" bIns="45720" numCol="1" anchor="t" anchorCtr="0" compatLnSpc="1">
+            <a:prstTxWarp prst="textNoShape">
+              <a:avLst/>
+            </a:prstTxWarp>
+          </a:bodyPr>
+          <a:lstStyle/>
+          <a:p>
+            <a:pPr marL="0" marR="0" lvl="0" indent="0" algn="l" defTabSz="914400" rtl="0" eaLnBrk="1" fontAlgn="base" latinLnBrk="0" hangingPunct="1">
+              <a:lnSpc>
+                <a:spcPct val="100000"/>
+              </a:lnSpc>
+              <a:spcBef>
+                <a:spcPct val="0"/>
+              </a:spcBef>
+              <a:spcAft>
+                <a:spcPct val="0"/>
+              </a:spcAft>
+              <a:buClrTx/>
+              <a:buSzTx/>
+              <a:buFontTx/>
+              <a:buNone/>
+              <a:tabLst/>
+            </a:pPr>
+            <a:r>
+              <a:rPr kumimoji="0" lang="fr-FR" altLang="fr-FR" sz="1100" b="0" i="0" u="none" strike="noStrike" cap="none" normalizeH="0" baseline="0" dirty="0" smtClean="0">
+                <a:ln>
+                  <a:noFill/>
+                </a:ln>
+                <a:solidFill>
+                  <a:schemeClr val="tx1"/>
+                </a:solidFill>
+                <a:effectLst/>
+                <a:latin typeface="Calibri" pitchFamily="34" charset="0"/>
+                <a:ea typeface="Calibri" pitchFamily="34" charset="0"/>
+                <a:cs typeface="Times New Roman" pitchFamily="18" charset="0"/>
+              </a:rPr>
+              <a:t>m0,m0</a:t>
+            </a:r>
+            <a:endParaRPr kumimoji="0" lang="fr-FR" altLang="fr-FR" sz="1800" b="0" i="0" u="none" strike="noStrike" cap="none" normalizeH="0" baseline="0" dirty="0" smtClean="0">
+              <a:ln>
+                <a:noFill/>
+              </a:ln>
+              <a:solidFill>
+                <a:schemeClr val="tx1"/>
+              </a:solidFill>
+              <a:effectLst/>
+              <a:latin typeface="Arial" pitchFamily="34" charset="0"/>
+              <a:cs typeface="Arial" pitchFamily="34" charset="0"/>
+            </a:endParaRPr>
+          </a:p>
+        </p:txBody>
+      </p:sp>
+      <p:cxnSp>
+        <p:nvCxnSpPr>
+          <p:cNvPr id="7" name="Connecteur droit avec flèche 6"/>
+          <p:cNvCxnSpPr/>
+          <p:nvPr/>
+        </p:nvCxnSpPr>
+        <p:spPr>
+          <a:xfrm>
+            <a:off x="2771800" y="1124744"/>
+            <a:ext cx="1368152" cy="0"/>
+          </a:xfrm>
+          <a:prstGeom prst="straightConnector1">
+            <a:avLst/>
+          </a:prstGeom>
+          <a:ln>
+            <a:tailEnd type="arrow"/>
+          </a:ln>
+        </p:spPr>
+        <p:style>
+          <a:lnRef idx="1">
+            <a:schemeClr val="accent1"/>
+          </a:lnRef>
+          <a:fillRef idx="0">
+            <a:schemeClr val="accent1"/>
+          </a:fillRef>
+          <a:effectRef idx="0">
+            <a:schemeClr val="accent1"/>
+          </a:effectRef>
+          <a:fontRef idx="minor">
+            <a:schemeClr val="tx1"/>
+          </a:fontRef>
+        </p:style>
+      </p:cxnSp>
+      <p:cxnSp>
+        <p:nvCxnSpPr>
+          <p:cNvPr id="9" name="Connecteur droit avec flèche 8"/>
+          <p:cNvCxnSpPr/>
+          <p:nvPr/>
+        </p:nvCxnSpPr>
+        <p:spPr>
+          <a:xfrm>
+            <a:off x="1475656" y="2060848"/>
+            <a:ext cx="0" cy="1440160"/>
+          </a:xfrm>
+          <a:prstGeom prst="straightConnector1">
+            <a:avLst/>
+          </a:prstGeom>
+          <a:ln>
+            <a:tailEnd type="arrow"/>
+          </a:ln>
+        </p:spPr>
+        <p:style>
+          <a:lnRef idx="1">
+            <a:schemeClr val="accent1"/>
+          </a:lnRef>
+          <a:fillRef idx="0">
+            <a:schemeClr val="accent1"/>
+          </a:fillRef>
+          <a:effectRef idx="0">
+            <a:schemeClr val="accent1"/>
+          </a:effectRef>
+          <a:fontRef idx="minor">
+            <a:schemeClr val="tx1"/>
+          </a:fontRef>
+        </p:style>
+      </p:cxnSp>
+      <p:sp>
+        <p:nvSpPr>
+          <p:cNvPr id="10" name="ZoneTexte 9"/>
+          <p:cNvSpPr txBox="1"/>
+          <p:nvPr/>
+        </p:nvSpPr>
+        <p:spPr>
+          <a:xfrm>
+            <a:off x="3313850" y="559466"/>
+            <a:ext cx="284052" cy="369332"/>
+          </a:xfrm>
+          <a:prstGeom prst="rect">
+            <a:avLst/>
+          </a:prstGeom>
+          <a:noFill/>
+        </p:spPr>
+        <p:txBody>
+          <a:bodyPr wrap="none" rtlCol="0">
+            <a:spAutoFit/>
+          </a:bodyPr>
+          <a:lstStyle/>
+          <a:p>
+            <a:r>
+              <a:rPr lang="fr-FR" dirty="0" smtClean="0"/>
+              <a:t>x</a:t>
+            </a:r>
+            <a:endParaRPr lang="fr-FR" dirty="0"/>
+          </a:p>
+        </p:txBody>
+      </p:sp>
+      <p:sp>
+        <p:nvSpPr>
+          <p:cNvPr id="11" name="ZoneTexte 10"/>
+          <p:cNvSpPr txBox="1"/>
+          <p:nvPr/>
+        </p:nvSpPr>
+        <p:spPr>
+          <a:xfrm>
+            <a:off x="1043608" y="2780928"/>
+            <a:ext cx="288862" cy="369332"/>
+          </a:xfrm>
+          <a:prstGeom prst="rect">
+            <a:avLst/>
+          </a:prstGeom>
+          <a:noFill/>
+        </p:spPr>
+        <p:txBody>
+          <a:bodyPr wrap="none" rtlCol="0">
+            <a:spAutoFit/>
+          </a:bodyPr>
+          <a:lstStyle/>
+          <a:p>
+            <a:r>
+              <a:rPr lang="fr-FR" dirty="0" smtClean="0"/>
+              <a:t>y</a:t>
+            </a:r>
+            <a:endParaRPr lang="fr-FR" dirty="0"/>
+          </a:p>
+        </p:txBody>
+      </p:sp>
+      <p:cxnSp>
+        <p:nvCxnSpPr>
+          <p:cNvPr id="13" name="Connecteur droit avec flèche 12"/>
+          <p:cNvCxnSpPr/>
+          <p:nvPr/>
+        </p:nvCxnSpPr>
+        <p:spPr>
+          <a:xfrm>
+            <a:off x="2095500" y="4725144"/>
+            <a:ext cx="3412604" cy="0"/>
+          </a:xfrm>
+          <a:prstGeom prst="straightConnector1">
+            <a:avLst/>
+          </a:prstGeom>
+          <a:ln>
+            <a:headEnd type="arrow"/>
+            <a:tailEnd type="arrow"/>
+          </a:ln>
+        </p:spPr>
+        <p:style>
+          <a:lnRef idx="1">
+            <a:schemeClr val="accent1"/>
+          </a:lnRef>
+          <a:fillRef idx="0">
+            <a:schemeClr val="accent1"/>
+          </a:fillRef>
+          <a:effectRef idx="0">
+            <a:schemeClr val="accent1"/>
+          </a:effectRef>
+          <a:fontRef idx="minor">
+            <a:schemeClr val="tx1"/>
+          </a:fontRef>
+        </p:style>
+      </p:cxnSp>
+      <p:cxnSp>
+        <p:nvCxnSpPr>
+          <p:cNvPr id="15" name="Connecteur droit avec flèche 14"/>
+          <p:cNvCxnSpPr/>
+          <p:nvPr/>
+        </p:nvCxnSpPr>
+        <p:spPr>
+          <a:xfrm>
+            <a:off x="5940152" y="1687333"/>
+            <a:ext cx="0" cy="2605763"/>
+          </a:xfrm>
+          <a:prstGeom prst="straightConnector1">
+            <a:avLst/>
+          </a:prstGeom>
+          <a:ln>
+            <a:headEnd type="arrow"/>
+            <a:tailEnd type="arrow"/>
+          </a:ln>
+        </p:spPr>
+        <p:style>
+          <a:lnRef idx="1">
+            <a:schemeClr val="accent1"/>
+          </a:lnRef>
+          <a:fillRef idx="0">
+            <a:schemeClr val="accent1"/>
+          </a:fillRef>
+          <a:effectRef idx="0">
+            <a:schemeClr val="accent1"/>
+          </a:effectRef>
+          <a:fontRef idx="minor">
+            <a:schemeClr val="tx1"/>
+          </a:fontRef>
+        </p:style>
+      </p:cxnSp>
+      <p:sp>
+        <p:nvSpPr>
+          <p:cNvPr id="16" name="ZoneTexte 15"/>
+          <p:cNvSpPr txBox="1"/>
+          <p:nvPr/>
+        </p:nvSpPr>
+        <p:spPr>
+          <a:xfrm>
+            <a:off x="3313850" y="5301208"/>
+            <a:ext cx="1061573" cy="369332"/>
+          </a:xfrm>
+          <a:prstGeom prst="rect">
+            <a:avLst/>
+          </a:prstGeom>
+          <a:noFill/>
+        </p:spPr>
+        <p:txBody>
+          <a:bodyPr wrap="none" rtlCol="0">
+            <a:spAutoFit/>
+          </a:bodyPr>
+          <a:lstStyle/>
+          <a:p>
+            <a:r>
+              <a:rPr lang="fr-FR" dirty="0" err="1" smtClean="0"/>
+              <a:t>getWidth</a:t>
+            </a:r>
+            <a:endParaRPr lang="fr-FR" dirty="0"/>
+          </a:p>
+        </p:txBody>
+      </p:sp>
+      <p:sp>
+        <p:nvSpPr>
+          <p:cNvPr id="17" name="ZoneTexte 16"/>
+          <p:cNvSpPr txBox="1"/>
+          <p:nvPr/>
+        </p:nvSpPr>
+        <p:spPr>
+          <a:xfrm>
+            <a:off x="6372200" y="2990214"/>
+            <a:ext cx="1101135" cy="369332"/>
+          </a:xfrm>
+          <a:prstGeom prst="rect">
+            <a:avLst/>
+          </a:prstGeom>
+          <a:noFill/>
+        </p:spPr>
+        <p:txBody>
+          <a:bodyPr wrap="none" rtlCol="0">
+            <a:spAutoFit/>
+          </a:bodyPr>
+          <a:lstStyle/>
+          <a:p>
+            <a:r>
+              <a:rPr lang="fr-FR" dirty="0" err="1" smtClean="0"/>
+              <a:t>getHeight</a:t>
+            </a:r>
+            <a:endParaRPr lang="fr-FR" dirty="0"/>
+          </a:p>
+        </p:txBody>
+      </p:sp>
+      <p:sp>
+        <p:nvSpPr>
+          <p:cNvPr id="19" name="Ellipse 18"/>
+          <p:cNvSpPr/>
+          <p:nvPr/>
+        </p:nvSpPr>
+        <p:spPr>
+          <a:xfrm>
+            <a:off x="2725778" y="2197091"/>
+            <a:ext cx="88712" cy="121473"/>
+          </a:xfrm>
+          <a:prstGeom prst="ellipse">
+            <a:avLst/>
+          </a:prstGeom>
+        </p:spPr>
+        <p:style>
+          <a:lnRef idx="2">
+            <a:schemeClr val="accent1">
+              <a:shade val="50000"/>
+            </a:schemeClr>
+          </a:lnRef>
+          <a:fillRef idx="1">
+            <a:schemeClr val="accent1"/>
+          </a:fillRef>
+          <a:effectRef idx="0">
+            <a:schemeClr val="accent1"/>
+          </a:effectRef>
+          <a:fontRef idx="minor">
+            <a:schemeClr val="lt1"/>
+          </a:fontRef>
+        </p:style>
+        <p:txBody>
+          <a:bodyPr rtlCol="0" anchor="ctr"/>
+          <a:lstStyle/>
+          <a:p>
+            <a:pPr algn="ctr"/>
+            <a:endParaRPr lang="fr-FR"/>
+          </a:p>
+        </p:txBody>
+      </p:sp>
+      <p:sp>
+        <p:nvSpPr>
+          <p:cNvPr id="20" name="ZoneTexte 19"/>
+          <p:cNvSpPr txBox="1"/>
+          <p:nvPr/>
+        </p:nvSpPr>
+        <p:spPr>
+          <a:xfrm>
+            <a:off x="2452460" y="1823087"/>
+            <a:ext cx="1008112" cy="276999"/>
+          </a:xfrm>
+          <a:prstGeom prst="rect">
+            <a:avLst/>
+          </a:prstGeom>
+          <a:noFill/>
+        </p:spPr>
+        <p:txBody>
+          <a:bodyPr wrap="square" rtlCol="0">
+            <a:spAutoFit/>
+          </a:bodyPr>
+          <a:lstStyle/>
+          <a:p>
+            <a:r>
+              <a:rPr lang="fr-FR" sz="1200" dirty="0" smtClean="0"/>
+              <a:t>P(70,100)</a:t>
+            </a:r>
+            <a:endParaRPr lang="fr-FR" sz="1200" dirty="0"/>
+          </a:p>
+        </p:txBody>
+      </p:sp>
+    </p:spTree>
+    <p:extLst>
+      <p:ext uri="{BB962C8B-B14F-4D97-AF65-F5344CB8AC3E}">
+        <p14:creationId xmlns:p14="http://schemas.microsoft.com/office/powerpoint/2010/main" val="2307769491"/>
+      </p:ext>
+    </p:extLst>
+  </p:cSld>
+  <p:clrMapOvr>
+    <a:masterClrMapping/>
+  </p:clrMapOvr>
+</p:sld>
+</file>
+
+<file path=ppt/slides/slide18.xml><?xml version="1.0" encoding="utf-8"?>
+<p:sld xmlns:a="http://schemas.openxmlformats.org/drawingml/2006/main" xmlns:r="http://schemas.openxmlformats.org/officeDocument/2006/relationships" xmlns:p="http://schemas.openxmlformats.org/presentationml/2006/main">
+  <p:cSld>
+    <p:spTree>
+      <p:nvGrpSpPr>
+        <p:cNvPr id="1" name=""/>
+        <p:cNvGrpSpPr/>
+        <p:nvPr/>
+      </p:nvGrpSpPr>
+      <p:grpSpPr>
+        <a:xfrm>
+          <a:off x="0" y="0"/>
+          <a:ext cx="0" cy="0"/>
+          <a:chOff x="0" y="0"/>
+          <a:chExt cx="0" cy="0"/>
+        </a:xfrm>
+      </p:grpSpPr>
+      <p:sp>
+        <p:nvSpPr>
+          <p:cNvPr id="5" name="Rectangle 4"/>
+          <p:cNvSpPr/>
+          <p:nvPr/>
+        </p:nvSpPr>
+        <p:spPr>
+          <a:xfrm>
+            <a:off x="2244627" y="2183135"/>
+            <a:ext cx="3412604" cy="2635746"/>
+          </a:xfrm>
+          <a:prstGeom prst="rect">
+            <a:avLst/>
+          </a:prstGeom>
+        </p:spPr>
+        <p:style>
+          <a:lnRef idx="1">
+            <a:schemeClr val="accent5"/>
+          </a:lnRef>
+          <a:fillRef idx="2">
+            <a:schemeClr val="accent5"/>
+          </a:fillRef>
+          <a:effectRef idx="1">
+            <a:schemeClr val="accent5"/>
+          </a:effectRef>
+          <a:fontRef idx="minor">
+            <a:schemeClr val="dk1"/>
+          </a:fontRef>
+        </p:style>
+        <p:txBody>
+          <a:bodyPr rot="0" spcFirstLastPara="0" vert="horz" wrap="square" lIns="91440" tIns="45720" rIns="91440" bIns="45720" numCol="1" spcCol="0" rtlCol="0" fromWordArt="0" anchor="ctr" anchorCtr="0" forceAA="0" compatLnSpc="1">
+            <a:prstTxWarp prst="textNoShape">
+              <a:avLst/>
+            </a:prstTxWarp>
+            <a:noAutofit/>
+          </a:bodyPr>
+          <a:lstStyle/>
+          <a:p>
+            <a:endParaRPr lang="fr-FR"/>
+          </a:p>
+        </p:txBody>
+      </p:sp>
+      <p:sp>
+        <p:nvSpPr>
+          <p:cNvPr id="6" name="Zone de texte 2"/>
+          <p:cNvSpPr txBox="1">
+            <a:spLocks noChangeArrowheads="1"/>
+          </p:cNvSpPr>
+          <p:nvPr/>
+        </p:nvSpPr>
+        <p:spPr bwMode="auto">
+          <a:xfrm>
+            <a:off x="1763688" y="1887860"/>
+            <a:ext cx="665670" cy="325258"/>
+          </a:xfrm>
+          <a:prstGeom prst="rect">
+            <a:avLst/>
+          </a:prstGeom>
+          <a:solidFill>
+            <a:srgbClr val="FFFFFF"/>
+          </a:solidFill>
+          <a:ln w="6350">
+            <a:solidFill>
+              <a:srgbClr val="000000"/>
+            </a:solidFill>
+            <a:miter lim="800000"/>
+            <a:headEnd/>
+            <a:tailEnd/>
+          </a:ln>
+        </p:spPr>
+        <p:txBody>
+          <a:bodyPr vert="horz" wrap="none" lIns="91440" tIns="45720" rIns="91440" bIns="45720" numCol="1" anchor="t" anchorCtr="0" compatLnSpc="1">
+            <a:prstTxWarp prst="textNoShape">
+              <a:avLst/>
+            </a:prstTxWarp>
+          </a:bodyPr>
+          <a:lstStyle/>
+          <a:p>
+            <a:pPr marL="0" marR="0" lvl="0" indent="0" algn="l" defTabSz="914400" rtl="0" eaLnBrk="1" fontAlgn="base" latinLnBrk="0" hangingPunct="1">
+              <a:lnSpc>
+                <a:spcPct val="100000"/>
+              </a:lnSpc>
+              <a:spcBef>
+                <a:spcPct val="0"/>
+              </a:spcBef>
+              <a:spcAft>
+                <a:spcPct val="0"/>
+              </a:spcAft>
+              <a:buClrTx/>
+              <a:buSzTx/>
+              <a:buFontTx/>
+              <a:buNone/>
+              <a:tabLst/>
+            </a:pPr>
+            <a:r>
+              <a:rPr kumimoji="0" lang="fr-FR" altLang="fr-FR" sz="1100" b="0" i="0" u="none" strike="noStrike" cap="none" normalizeH="0" baseline="0" dirty="0" smtClean="0">
+                <a:ln>
+                  <a:noFill/>
+                </a:ln>
+                <a:solidFill>
+                  <a:schemeClr val="tx1"/>
+                </a:solidFill>
+                <a:effectLst/>
+                <a:latin typeface="Calibri" pitchFamily="34" charset="0"/>
+                <a:ea typeface="Calibri" pitchFamily="34" charset="0"/>
+                <a:cs typeface="Times New Roman" pitchFamily="18" charset="0"/>
+              </a:rPr>
+              <a:t>m0,m0</a:t>
+            </a:r>
+            <a:endParaRPr kumimoji="0" lang="fr-FR" altLang="fr-FR" sz="1800" b="0" i="0" u="none" strike="noStrike" cap="none" normalizeH="0" baseline="0" dirty="0" smtClean="0">
+              <a:ln>
+                <a:noFill/>
+              </a:ln>
+              <a:solidFill>
+                <a:schemeClr val="tx1"/>
+              </a:solidFill>
+              <a:effectLst/>
+              <a:latin typeface="Arial" pitchFamily="34" charset="0"/>
+              <a:cs typeface="Arial" pitchFamily="34" charset="0"/>
+            </a:endParaRPr>
+          </a:p>
+        </p:txBody>
+      </p:sp>
+      <p:cxnSp>
+        <p:nvCxnSpPr>
+          <p:cNvPr id="7" name="Connecteur droit avec flèche 6"/>
+          <p:cNvCxnSpPr/>
+          <p:nvPr/>
+        </p:nvCxnSpPr>
+        <p:spPr>
+          <a:xfrm>
+            <a:off x="4071212" y="3488221"/>
+            <a:ext cx="1368152" cy="0"/>
+          </a:xfrm>
+          <a:prstGeom prst="straightConnector1">
+            <a:avLst/>
+          </a:prstGeom>
+          <a:ln>
+            <a:tailEnd type="arrow"/>
+          </a:ln>
+        </p:spPr>
+        <p:style>
+          <a:lnRef idx="1">
+            <a:schemeClr val="accent1"/>
+          </a:lnRef>
+          <a:fillRef idx="0">
+            <a:schemeClr val="accent1"/>
+          </a:fillRef>
+          <a:effectRef idx="0">
+            <a:schemeClr val="accent1"/>
+          </a:effectRef>
+          <a:fontRef idx="minor">
+            <a:schemeClr val="tx1"/>
+          </a:fontRef>
+        </p:style>
+      </p:cxnSp>
+      <p:cxnSp>
+        <p:nvCxnSpPr>
+          <p:cNvPr id="9" name="Connecteur droit avec flèche 8"/>
+          <p:cNvCxnSpPr/>
+          <p:nvPr/>
+        </p:nvCxnSpPr>
+        <p:spPr>
+          <a:xfrm>
+            <a:off x="3921686" y="3515999"/>
+            <a:ext cx="0" cy="1440160"/>
+          </a:xfrm>
+          <a:prstGeom prst="straightConnector1">
+            <a:avLst/>
+          </a:prstGeom>
+          <a:ln>
+            <a:tailEnd type="arrow"/>
+          </a:ln>
+        </p:spPr>
+        <p:style>
+          <a:lnRef idx="1">
+            <a:schemeClr val="accent1"/>
+          </a:lnRef>
+          <a:fillRef idx="0">
+            <a:schemeClr val="accent1"/>
+          </a:fillRef>
+          <a:effectRef idx="0">
+            <a:schemeClr val="accent1"/>
+          </a:effectRef>
+          <a:fontRef idx="minor">
+            <a:schemeClr val="tx1"/>
+          </a:fontRef>
+        </p:style>
+      </p:cxnSp>
+      <p:sp>
+        <p:nvSpPr>
+          <p:cNvPr id="10" name="ZoneTexte 9"/>
+          <p:cNvSpPr txBox="1"/>
+          <p:nvPr/>
+        </p:nvSpPr>
+        <p:spPr>
+          <a:xfrm>
+            <a:off x="4613262" y="2974409"/>
+            <a:ext cx="361702" cy="369332"/>
+          </a:xfrm>
+          <a:prstGeom prst="rect">
+            <a:avLst/>
+          </a:prstGeom>
+          <a:noFill/>
+        </p:spPr>
+        <p:txBody>
+          <a:bodyPr wrap="none" rtlCol="0">
+            <a:spAutoFit/>
+          </a:bodyPr>
+          <a:lstStyle/>
+          <a:p>
+            <a:r>
+              <a:rPr lang="fr-FR" dirty="0" err="1" smtClean="0"/>
+              <a:t>xt</a:t>
+            </a:r>
+            <a:endParaRPr lang="fr-FR" dirty="0"/>
+          </a:p>
+        </p:txBody>
+      </p:sp>
+      <p:sp>
+        <p:nvSpPr>
+          <p:cNvPr id="11" name="ZoneTexte 10"/>
+          <p:cNvSpPr txBox="1"/>
+          <p:nvPr/>
+        </p:nvSpPr>
+        <p:spPr>
+          <a:xfrm>
+            <a:off x="3458458" y="3700665"/>
+            <a:ext cx="366960" cy="369332"/>
+          </a:xfrm>
+          <a:prstGeom prst="rect">
+            <a:avLst/>
+          </a:prstGeom>
+          <a:noFill/>
+        </p:spPr>
+        <p:txBody>
+          <a:bodyPr wrap="none" rtlCol="0">
+            <a:spAutoFit/>
+          </a:bodyPr>
+          <a:lstStyle/>
+          <a:p>
+            <a:r>
+              <a:rPr lang="fr-FR" dirty="0" err="1" smtClean="0"/>
+              <a:t>yt</a:t>
+            </a:r>
+            <a:endParaRPr lang="fr-FR" dirty="0"/>
+          </a:p>
+        </p:txBody>
+      </p:sp>
+      <p:cxnSp>
+        <p:nvCxnSpPr>
+          <p:cNvPr id="13" name="Connecteur droit avec flèche 12"/>
+          <p:cNvCxnSpPr/>
+          <p:nvPr/>
+        </p:nvCxnSpPr>
+        <p:spPr>
+          <a:xfrm>
+            <a:off x="2244627" y="5250929"/>
+            <a:ext cx="3412604" cy="0"/>
+          </a:xfrm>
+          <a:prstGeom prst="straightConnector1">
+            <a:avLst/>
+          </a:prstGeom>
+          <a:ln>
+            <a:headEnd type="arrow"/>
+            <a:tailEnd type="arrow"/>
+          </a:ln>
+        </p:spPr>
+        <p:style>
+          <a:lnRef idx="1">
+            <a:schemeClr val="accent1"/>
+          </a:lnRef>
+          <a:fillRef idx="0">
+            <a:schemeClr val="accent1"/>
+          </a:fillRef>
+          <a:effectRef idx="0">
+            <a:schemeClr val="accent1"/>
+          </a:effectRef>
+          <a:fontRef idx="minor">
+            <a:schemeClr val="tx1"/>
+          </a:fontRef>
+        </p:style>
+      </p:cxnSp>
+      <p:cxnSp>
+        <p:nvCxnSpPr>
+          <p:cNvPr id="15" name="Connecteur droit avec flèche 14"/>
+          <p:cNvCxnSpPr/>
+          <p:nvPr/>
+        </p:nvCxnSpPr>
+        <p:spPr>
+          <a:xfrm>
+            <a:off x="6089279" y="2213118"/>
+            <a:ext cx="0" cy="2605763"/>
+          </a:xfrm>
+          <a:prstGeom prst="straightConnector1">
+            <a:avLst/>
+          </a:prstGeom>
+          <a:ln>
+            <a:headEnd type="arrow"/>
+            <a:tailEnd type="arrow"/>
+          </a:ln>
+        </p:spPr>
+        <p:style>
+          <a:lnRef idx="1">
+            <a:schemeClr val="accent1"/>
+          </a:lnRef>
+          <a:fillRef idx="0">
+            <a:schemeClr val="accent1"/>
+          </a:fillRef>
+          <a:effectRef idx="0">
+            <a:schemeClr val="accent1"/>
+          </a:effectRef>
+          <a:fontRef idx="minor">
+            <a:schemeClr val="tx1"/>
+          </a:fontRef>
+        </p:style>
+      </p:cxnSp>
+      <p:sp>
+        <p:nvSpPr>
+          <p:cNvPr id="16" name="ZoneTexte 15"/>
+          <p:cNvSpPr txBox="1"/>
+          <p:nvPr/>
+        </p:nvSpPr>
+        <p:spPr>
+          <a:xfrm>
+            <a:off x="3462977" y="5826993"/>
+            <a:ext cx="1061573" cy="369332"/>
+          </a:xfrm>
+          <a:prstGeom prst="rect">
+            <a:avLst/>
+          </a:prstGeom>
+          <a:noFill/>
+        </p:spPr>
+        <p:txBody>
+          <a:bodyPr wrap="none" rtlCol="0">
+            <a:spAutoFit/>
+          </a:bodyPr>
+          <a:lstStyle/>
+          <a:p>
+            <a:r>
+              <a:rPr lang="fr-FR" dirty="0" err="1" smtClean="0"/>
+              <a:t>getWidth</a:t>
+            </a:r>
+            <a:endParaRPr lang="fr-FR" dirty="0"/>
+          </a:p>
+        </p:txBody>
+      </p:sp>
+      <p:sp>
+        <p:nvSpPr>
+          <p:cNvPr id="17" name="ZoneTexte 16"/>
+          <p:cNvSpPr txBox="1"/>
+          <p:nvPr/>
+        </p:nvSpPr>
+        <p:spPr>
+          <a:xfrm>
+            <a:off x="6521327" y="3515999"/>
+            <a:ext cx="1101135" cy="369332"/>
+          </a:xfrm>
+          <a:prstGeom prst="rect">
+            <a:avLst/>
+          </a:prstGeom>
+          <a:noFill/>
+        </p:spPr>
+        <p:txBody>
+          <a:bodyPr wrap="none" rtlCol="0">
+            <a:spAutoFit/>
+          </a:bodyPr>
+          <a:lstStyle/>
+          <a:p>
+            <a:r>
+              <a:rPr lang="fr-FR" dirty="0" err="1" smtClean="0"/>
+              <a:t>getHeight</a:t>
+            </a:r>
+            <a:endParaRPr lang="fr-FR" dirty="0"/>
+          </a:p>
+        </p:txBody>
+      </p:sp>
+      <p:sp>
+        <p:nvSpPr>
+          <p:cNvPr id="2" name="ZoneTexte 1"/>
+          <p:cNvSpPr txBox="1"/>
+          <p:nvPr/>
+        </p:nvSpPr>
+        <p:spPr>
+          <a:xfrm>
+            <a:off x="2244627" y="1269917"/>
+            <a:ext cx="184731" cy="369332"/>
+          </a:xfrm>
+          <a:prstGeom prst="rect">
+            <a:avLst/>
+          </a:prstGeom>
+          <a:noFill/>
+        </p:spPr>
+        <p:txBody>
+          <a:bodyPr wrap="none" rtlCol="0">
+            <a:spAutoFit/>
+          </a:bodyPr>
+          <a:lstStyle/>
+          <a:p>
+            <a:endParaRPr lang="fr-FR" dirty="0"/>
+          </a:p>
+        </p:txBody>
+      </p:sp>
+      <p:sp>
+        <p:nvSpPr>
+          <p:cNvPr id="3" name="ZoneTexte 2"/>
+          <p:cNvSpPr txBox="1"/>
+          <p:nvPr/>
+        </p:nvSpPr>
+        <p:spPr>
+          <a:xfrm>
+            <a:off x="980844" y="1112321"/>
+            <a:ext cx="4040786" cy="369332"/>
+          </a:xfrm>
+          <a:prstGeom prst="rect">
+            <a:avLst/>
+          </a:prstGeom>
+          <a:noFill/>
+        </p:spPr>
+        <p:txBody>
+          <a:bodyPr wrap="none" rtlCol="0">
+            <a:spAutoFit/>
+          </a:bodyPr>
+          <a:lstStyle/>
+          <a:p>
+            <a:r>
+              <a:rPr lang="fr-FR" dirty="0"/>
+              <a:t>g2.translate(</a:t>
+            </a:r>
+            <a:r>
+              <a:rPr lang="fr-FR" dirty="0" err="1"/>
+              <a:t>getWidth</a:t>
+            </a:r>
+            <a:r>
+              <a:rPr lang="fr-FR" dirty="0"/>
+              <a:t>()/2,getHeight()/2);</a:t>
+            </a:r>
+          </a:p>
+        </p:txBody>
+      </p:sp>
+      <p:sp>
+        <p:nvSpPr>
+          <p:cNvPr id="4" name="Ellipse 3"/>
+          <p:cNvSpPr/>
+          <p:nvPr/>
+        </p:nvSpPr>
+        <p:spPr>
+          <a:xfrm>
+            <a:off x="4524550" y="4127337"/>
+            <a:ext cx="88712" cy="121473"/>
+          </a:xfrm>
+          <a:prstGeom prst="ellipse">
+            <a:avLst/>
+          </a:prstGeom>
+        </p:spPr>
+        <p:style>
+          <a:lnRef idx="2">
+            <a:schemeClr val="accent1">
+              <a:shade val="50000"/>
+            </a:schemeClr>
+          </a:lnRef>
+          <a:fillRef idx="1">
+            <a:schemeClr val="accent1"/>
+          </a:fillRef>
+          <a:effectRef idx="0">
+            <a:schemeClr val="accent1"/>
+          </a:effectRef>
+          <a:fontRef idx="minor">
+            <a:schemeClr val="lt1"/>
+          </a:fontRef>
+        </p:style>
+        <p:txBody>
+          <a:bodyPr rtlCol="0" anchor="ctr"/>
+          <a:lstStyle/>
+          <a:p>
+            <a:pPr algn="ctr"/>
+            <a:endParaRPr lang="fr-FR"/>
+          </a:p>
+        </p:txBody>
+      </p:sp>
+      <p:sp>
+        <p:nvSpPr>
+          <p:cNvPr id="18" name="ZoneTexte 17"/>
+          <p:cNvSpPr txBox="1"/>
+          <p:nvPr/>
+        </p:nvSpPr>
+        <p:spPr>
+          <a:xfrm>
+            <a:off x="4251232" y="3753333"/>
+            <a:ext cx="1008112" cy="276999"/>
+          </a:xfrm>
+          <a:prstGeom prst="rect">
+            <a:avLst/>
+          </a:prstGeom>
+          <a:noFill/>
+        </p:spPr>
+        <p:txBody>
+          <a:bodyPr wrap="square" rtlCol="0">
+            <a:spAutoFit/>
+          </a:bodyPr>
+          <a:lstStyle/>
+          <a:p>
+            <a:r>
+              <a:rPr lang="fr-FR" sz="1200" dirty="0" smtClean="0"/>
+              <a:t>P(70,100)</a:t>
+            </a:r>
+            <a:endParaRPr lang="fr-FR" sz="1200" dirty="0"/>
+          </a:p>
+        </p:txBody>
+      </p:sp>
+      <p:sp>
+        <p:nvSpPr>
+          <p:cNvPr id="19" name="Zone de texte 2"/>
+          <p:cNvSpPr txBox="1">
+            <a:spLocks noChangeArrowheads="1"/>
+          </p:cNvSpPr>
+          <p:nvPr/>
+        </p:nvSpPr>
+        <p:spPr bwMode="auto">
+          <a:xfrm>
+            <a:off x="3588851" y="1758262"/>
+            <a:ext cx="665670" cy="325258"/>
+          </a:xfrm>
+          <a:prstGeom prst="rect">
+            <a:avLst/>
+          </a:prstGeom>
+          <a:solidFill>
+            <a:srgbClr val="FFFFFF"/>
+          </a:solidFill>
+          <a:ln w="6350">
+            <a:solidFill>
+              <a:srgbClr val="000000"/>
+            </a:solidFill>
+            <a:miter lim="800000"/>
+            <a:headEnd/>
+            <a:tailEnd/>
+          </a:ln>
+        </p:spPr>
+        <p:txBody>
+          <a:bodyPr vert="horz" wrap="none" lIns="91440" tIns="45720" rIns="91440" bIns="45720" numCol="1" anchor="t" anchorCtr="0" compatLnSpc="1">
+            <a:prstTxWarp prst="textNoShape">
+              <a:avLst/>
+            </a:prstTxWarp>
+          </a:bodyPr>
+          <a:lstStyle/>
+          <a:p>
+            <a:pPr marL="0" marR="0" lvl="0" indent="0" algn="l" defTabSz="914400" rtl="0" eaLnBrk="1" fontAlgn="base" latinLnBrk="0" hangingPunct="1">
+              <a:lnSpc>
+                <a:spcPct val="100000"/>
+              </a:lnSpc>
+              <a:spcBef>
+                <a:spcPct val="0"/>
+              </a:spcBef>
+              <a:spcAft>
+                <a:spcPct val="0"/>
+              </a:spcAft>
+              <a:buClrTx/>
+              <a:buSzTx/>
+              <a:buFontTx/>
+              <a:buNone/>
+              <a:tabLst/>
+            </a:pPr>
+            <a:r>
+              <a:rPr kumimoji="0" lang="fr-FR" altLang="fr-FR" sz="1100" b="0" i="0" u="none" strike="noStrike" cap="none" normalizeH="0" baseline="0" dirty="0" smtClean="0">
+                <a:ln>
+                  <a:noFill/>
+                </a:ln>
+                <a:solidFill>
+                  <a:schemeClr val="tx1"/>
+                </a:solidFill>
+                <a:effectLst/>
+                <a:latin typeface="Calibri" pitchFamily="34" charset="0"/>
+                <a:ea typeface="Calibri" pitchFamily="34" charset="0"/>
+                <a:cs typeface="Times New Roman" pitchFamily="18" charset="0"/>
+              </a:rPr>
+              <a:t>m150</a:t>
+            </a:r>
+            <a:endParaRPr kumimoji="0" lang="fr-FR" altLang="fr-FR" sz="1800" b="0" i="0" u="none" strike="noStrike" cap="none" normalizeH="0" baseline="0" dirty="0" smtClean="0">
+              <a:ln>
+                <a:noFill/>
+              </a:ln>
+              <a:solidFill>
+                <a:schemeClr val="tx1"/>
+              </a:solidFill>
+              <a:effectLst/>
+              <a:latin typeface="Arial" pitchFamily="34" charset="0"/>
+              <a:cs typeface="Arial" pitchFamily="34" charset="0"/>
+            </a:endParaRPr>
+          </a:p>
+        </p:txBody>
+      </p:sp>
+      <p:sp>
+        <p:nvSpPr>
+          <p:cNvPr id="20" name="ZoneTexte 19"/>
+          <p:cNvSpPr txBox="1"/>
+          <p:nvPr/>
+        </p:nvSpPr>
+        <p:spPr>
+          <a:xfrm>
+            <a:off x="3468423" y="3159075"/>
+            <a:ext cx="602789" cy="286138"/>
+          </a:xfrm>
+          <a:prstGeom prst="rect">
+            <a:avLst/>
+          </a:prstGeom>
+          <a:noFill/>
+        </p:spPr>
+        <p:txBody>
+          <a:bodyPr wrap="square" rtlCol="0">
+            <a:spAutoFit/>
+          </a:bodyPr>
+          <a:lstStyle/>
+          <a:p>
+            <a:r>
+              <a:rPr lang="fr-FR" sz="1200" dirty="0" smtClean="0"/>
+              <a:t>P(0,0)</a:t>
+            </a:r>
+            <a:endParaRPr lang="fr-FR" sz="1200" dirty="0"/>
+          </a:p>
+        </p:txBody>
+      </p:sp>
+      <p:sp>
+        <p:nvSpPr>
+          <p:cNvPr id="8" name="ZoneTexte 7"/>
+          <p:cNvSpPr txBox="1"/>
+          <p:nvPr/>
+        </p:nvSpPr>
+        <p:spPr>
+          <a:xfrm>
+            <a:off x="7071894" y="1920891"/>
+            <a:ext cx="1629677" cy="369332"/>
+          </a:xfrm>
+          <a:prstGeom prst="rect">
+            <a:avLst/>
+          </a:prstGeom>
+          <a:noFill/>
+        </p:spPr>
+        <p:txBody>
+          <a:bodyPr wrap="none" rtlCol="0">
+            <a:spAutoFit/>
+          </a:bodyPr>
+          <a:lstStyle/>
+          <a:p>
+            <a:r>
+              <a:rPr lang="fr-FR" dirty="0" err="1" smtClean="0"/>
+              <a:t>xt</a:t>
+            </a:r>
+            <a:r>
+              <a:rPr lang="fr-FR" dirty="0" smtClean="0"/>
+              <a:t>= </a:t>
+            </a:r>
+            <a:r>
+              <a:rPr lang="fr-FR" dirty="0" err="1" smtClean="0"/>
+              <a:t>xm-width</a:t>
+            </a:r>
+            <a:r>
+              <a:rPr lang="fr-FR" dirty="0" smtClean="0"/>
+              <a:t>/2</a:t>
+            </a:r>
+            <a:endParaRPr lang="fr-FR" dirty="0"/>
+          </a:p>
+        </p:txBody>
+      </p:sp>
+      <p:sp>
+        <p:nvSpPr>
+          <p:cNvPr id="21" name="ZoneTexte 20"/>
+          <p:cNvSpPr txBox="1"/>
+          <p:nvPr/>
+        </p:nvSpPr>
+        <p:spPr>
+          <a:xfrm>
+            <a:off x="4393258" y="4365104"/>
+            <a:ext cx="1008112" cy="276999"/>
+          </a:xfrm>
+          <a:prstGeom prst="rect">
+            <a:avLst/>
+          </a:prstGeom>
+          <a:noFill/>
+        </p:spPr>
+        <p:txBody>
+          <a:bodyPr wrap="square" rtlCol="0">
+            <a:spAutoFit/>
+          </a:bodyPr>
+          <a:lstStyle/>
+          <a:p>
+            <a:r>
+              <a:rPr lang="fr-FR" sz="1200" dirty="0" err="1" smtClean="0"/>
+              <a:t>xm</a:t>
+            </a:r>
+            <a:r>
+              <a:rPr lang="fr-FR" sz="1200" dirty="0" smtClean="0"/>
+              <a:t>=70+150</a:t>
+            </a:r>
+            <a:endParaRPr lang="fr-FR" sz="1200" dirty="0"/>
+          </a:p>
+        </p:txBody>
+      </p:sp>
+    </p:spTree>
+    <p:extLst>
+      <p:ext uri="{BB962C8B-B14F-4D97-AF65-F5344CB8AC3E}">
+        <p14:creationId xmlns:p14="http://schemas.microsoft.com/office/powerpoint/2010/main" val="1792091075"/>
+      </p:ext>
+    </p:extLst>
+  </p:cSld>
+  <p:clrMapOvr>
+    <a:masterClrMapping/>
+  </p:clrMapOvr>
+</p:sld>
+</file>
+
+<file path=ppt/slides/slide19.xml><?xml version="1.0" encoding="utf-8"?>
+<p:sld xmlns:a="http://schemas.openxmlformats.org/drawingml/2006/main" xmlns:r="http://schemas.openxmlformats.org/officeDocument/2006/relationships" xmlns:p="http://schemas.openxmlformats.org/presentationml/2006/main">
+  <p:cSld>
+    <p:spTree>
+      <p:nvGrpSpPr>
+        <p:cNvPr id="1" name=""/>
+        <p:cNvGrpSpPr/>
+        <p:nvPr/>
+      </p:nvGrpSpPr>
+      <p:grpSpPr>
+        <a:xfrm>
+          <a:off x="0" y="0"/>
+          <a:ext cx="0" cy="0"/>
+          <a:chOff x="0" y="0"/>
+          <a:chExt cx="0" cy="0"/>
+        </a:xfrm>
+      </p:grpSpPr>
+      <p:sp>
+        <p:nvSpPr>
+          <p:cNvPr id="5" name="Rectangle 4"/>
+          <p:cNvSpPr/>
+          <p:nvPr/>
+        </p:nvSpPr>
+        <p:spPr>
+          <a:xfrm>
+            <a:off x="2244627" y="2183135"/>
+            <a:ext cx="3412604" cy="2635746"/>
+          </a:xfrm>
+          <a:prstGeom prst="rect">
+            <a:avLst/>
+          </a:prstGeom>
+        </p:spPr>
+        <p:style>
+          <a:lnRef idx="1">
+            <a:schemeClr val="accent5"/>
+          </a:lnRef>
+          <a:fillRef idx="2">
+            <a:schemeClr val="accent5"/>
+          </a:fillRef>
+          <a:effectRef idx="1">
+            <a:schemeClr val="accent5"/>
+          </a:effectRef>
+          <a:fontRef idx="minor">
+            <a:schemeClr val="dk1"/>
+          </a:fontRef>
+        </p:style>
+        <p:txBody>
+          <a:bodyPr rot="0" spcFirstLastPara="0" vert="horz" wrap="square" lIns="91440" tIns="45720" rIns="91440" bIns="45720" numCol="1" spcCol="0" rtlCol="0" fromWordArt="0" anchor="ctr" anchorCtr="0" forceAA="0" compatLnSpc="1">
+            <a:prstTxWarp prst="textNoShape">
+              <a:avLst/>
+            </a:prstTxWarp>
+            <a:noAutofit/>
+          </a:bodyPr>
+          <a:lstStyle/>
+          <a:p>
+            <a:endParaRPr lang="fr-FR" dirty="0"/>
+          </a:p>
+        </p:txBody>
+      </p:sp>
+      <p:sp>
+        <p:nvSpPr>
+          <p:cNvPr id="6" name="Zone de texte 2"/>
+          <p:cNvSpPr txBox="1">
+            <a:spLocks noChangeArrowheads="1"/>
+          </p:cNvSpPr>
+          <p:nvPr/>
+        </p:nvSpPr>
+        <p:spPr bwMode="auto">
+          <a:xfrm>
+            <a:off x="1763688" y="1767848"/>
+            <a:ext cx="573304" cy="295275"/>
+          </a:xfrm>
+          <a:prstGeom prst="rect">
+            <a:avLst/>
+          </a:prstGeom>
+          <a:solidFill>
+            <a:srgbClr val="FFFFFF"/>
+          </a:solidFill>
+          <a:ln w="6350">
+            <a:solidFill>
+              <a:srgbClr val="000000"/>
+            </a:solidFill>
+            <a:miter lim="800000"/>
+            <a:headEnd/>
+            <a:tailEnd/>
+          </a:ln>
+        </p:spPr>
+        <p:txBody>
+          <a:bodyPr vert="horz" wrap="none" lIns="91440" tIns="45720" rIns="91440" bIns="45720" numCol="1" anchor="t" anchorCtr="0" compatLnSpc="1">
+            <a:prstTxWarp prst="textNoShape">
+              <a:avLst/>
+            </a:prstTxWarp>
+          </a:bodyPr>
+          <a:lstStyle/>
+          <a:p>
+            <a:pPr marL="0" marR="0" lvl="0" indent="0" algn="l" defTabSz="914400" rtl="0" eaLnBrk="1" fontAlgn="base" latinLnBrk="0" hangingPunct="1">
+              <a:lnSpc>
+                <a:spcPct val="100000"/>
+              </a:lnSpc>
+              <a:spcBef>
+                <a:spcPct val="0"/>
+              </a:spcBef>
+              <a:spcAft>
+                <a:spcPct val="0"/>
+              </a:spcAft>
+              <a:buClrTx/>
+              <a:buSzTx/>
+              <a:buFontTx/>
+              <a:buNone/>
+              <a:tabLst/>
+            </a:pPr>
+            <a:r>
+              <a:rPr kumimoji="0" lang="fr-FR" altLang="fr-FR" sz="1100" b="0" i="0" u="none" strike="noStrike" cap="none" normalizeH="0" baseline="0" dirty="0" smtClean="0">
+                <a:ln>
+                  <a:noFill/>
+                </a:ln>
+                <a:solidFill>
+                  <a:schemeClr val="tx1"/>
+                </a:solidFill>
+                <a:effectLst/>
+                <a:latin typeface="Calibri" pitchFamily="34" charset="0"/>
+                <a:ea typeface="Calibri" pitchFamily="34" charset="0"/>
+                <a:cs typeface="Times New Roman" pitchFamily="18" charset="0"/>
+              </a:rPr>
+              <a:t>m0,m0</a:t>
+            </a:r>
+            <a:endParaRPr kumimoji="0" lang="fr-FR" altLang="fr-FR" sz="1800" b="0" i="0" u="none" strike="noStrike" cap="none" normalizeH="0" baseline="0" dirty="0" smtClean="0">
+              <a:ln>
+                <a:noFill/>
+              </a:ln>
+              <a:solidFill>
+                <a:schemeClr val="tx1"/>
+              </a:solidFill>
+              <a:effectLst/>
+              <a:latin typeface="Arial" pitchFamily="34" charset="0"/>
+              <a:cs typeface="Arial" pitchFamily="34" charset="0"/>
+            </a:endParaRPr>
+          </a:p>
+        </p:txBody>
+      </p:sp>
+      <p:cxnSp>
+        <p:nvCxnSpPr>
+          <p:cNvPr id="7" name="Connecteur droit avec flèche 6"/>
+          <p:cNvCxnSpPr/>
+          <p:nvPr/>
+        </p:nvCxnSpPr>
+        <p:spPr>
+          <a:xfrm>
+            <a:off x="4007210" y="3454350"/>
+            <a:ext cx="1368152" cy="0"/>
+          </a:xfrm>
+          <a:prstGeom prst="straightConnector1">
+            <a:avLst/>
+          </a:prstGeom>
+          <a:ln>
+            <a:tailEnd type="arrow"/>
+          </a:ln>
+        </p:spPr>
+        <p:style>
+          <a:lnRef idx="1">
+            <a:schemeClr val="accent1"/>
+          </a:lnRef>
+          <a:fillRef idx="0">
+            <a:schemeClr val="accent1"/>
+          </a:fillRef>
+          <a:effectRef idx="0">
+            <a:schemeClr val="accent1"/>
+          </a:effectRef>
+          <a:fontRef idx="minor">
+            <a:schemeClr val="tx1"/>
+          </a:fontRef>
+        </p:style>
+      </p:cxnSp>
+      <p:cxnSp>
+        <p:nvCxnSpPr>
+          <p:cNvPr id="9" name="Connecteur droit avec flèche 8"/>
+          <p:cNvCxnSpPr/>
+          <p:nvPr/>
+        </p:nvCxnSpPr>
+        <p:spPr>
+          <a:xfrm flipV="1">
+            <a:off x="4007210" y="2085130"/>
+            <a:ext cx="0" cy="1221582"/>
+          </a:xfrm>
+          <a:prstGeom prst="straightConnector1">
+            <a:avLst/>
+          </a:prstGeom>
+          <a:ln>
+            <a:tailEnd type="arrow"/>
+          </a:ln>
+        </p:spPr>
+        <p:style>
+          <a:lnRef idx="1">
+            <a:schemeClr val="accent1"/>
+          </a:lnRef>
+          <a:fillRef idx="0">
+            <a:schemeClr val="accent1"/>
+          </a:fillRef>
+          <a:effectRef idx="0">
+            <a:schemeClr val="accent1"/>
+          </a:effectRef>
+          <a:fontRef idx="minor">
+            <a:schemeClr val="tx1"/>
+          </a:fontRef>
+        </p:style>
+      </p:cxnSp>
+      <p:sp>
+        <p:nvSpPr>
+          <p:cNvPr id="10" name="ZoneTexte 9"/>
+          <p:cNvSpPr txBox="1"/>
+          <p:nvPr/>
+        </p:nvSpPr>
+        <p:spPr>
+          <a:xfrm>
+            <a:off x="4549260" y="3518243"/>
+            <a:ext cx="284052" cy="369332"/>
+          </a:xfrm>
+          <a:prstGeom prst="rect">
+            <a:avLst/>
+          </a:prstGeom>
+          <a:noFill/>
+        </p:spPr>
+        <p:txBody>
+          <a:bodyPr wrap="none" rtlCol="0">
+            <a:spAutoFit/>
+          </a:bodyPr>
+          <a:lstStyle/>
+          <a:p>
+            <a:r>
+              <a:rPr lang="fr-FR" dirty="0" smtClean="0"/>
+              <a:t>x</a:t>
+            </a:r>
+            <a:endParaRPr lang="fr-FR" dirty="0"/>
+          </a:p>
+        </p:txBody>
+      </p:sp>
+      <p:sp>
+        <p:nvSpPr>
+          <p:cNvPr id="11" name="ZoneTexte 10"/>
+          <p:cNvSpPr txBox="1"/>
+          <p:nvPr/>
+        </p:nvSpPr>
+        <p:spPr>
+          <a:xfrm>
+            <a:off x="3462977" y="2381677"/>
+            <a:ext cx="288862" cy="369332"/>
+          </a:xfrm>
+          <a:prstGeom prst="rect">
+            <a:avLst/>
+          </a:prstGeom>
+          <a:noFill/>
+        </p:spPr>
+        <p:txBody>
+          <a:bodyPr wrap="none" rtlCol="0">
+            <a:spAutoFit/>
+          </a:bodyPr>
+          <a:lstStyle/>
+          <a:p>
+            <a:r>
+              <a:rPr lang="fr-FR" dirty="0" smtClean="0"/>
+              <a:t>y</a:t>
+            </a:r>
+            <a:endParaRPr lang="fr-FR" dirty="0"/>
+          </a:p>
+        </p:txBody>
+      </p:sp>
+      <p:cxnSp>
+        <p:nvCxnSpPr>
+          <p:cNvPr id="13" name="Connecteur droit avec flèche 12"/>
+          <p:cNvCxnSpPr/>
+          <p:nvPr/>
+        </p:nvCxnSpPr>
+        <p:spPr>
+          <a:xfrm>
+            <a:off x="4100989" y="5250929"/>
+            <a:ext cx="2958246" cy="0"/>
+          </a:xfrm>
+          <a:prstGeom prst="straightConnector1">
+            <a:avLst/>
+          </a:prstGeom>
+          <a:ln>
+            <a:headEnd type="arrow"/>
+            <a:tailEnd type="arrow"/>
+          </a:ln>
+        </p:spPr>
+        <p:style>
+          <a:lnRef idx="1">
+            <a:schemeClr val="accent1"/>
+          </a:lnRef>
+          <a:fillRef idx="0">
+            <a:schemeClr val="accent1"/>
+          </a:fillRef>
+          <a:effectRef idx="0">
+            <a:schemeClr val="accent1"/>
+          </a:effectRef>
+          <a:fontRef idx="minor">
+            <a:schemeClr val="tx1"/>
+          </a:fontRef>
+        </p:style>
+      </p:cxnSp>
+      <p:cxnSp>
+        <p:nvCxnSpPr>
+          <p:cNvPr id="15" name="Connecteur droit avec flèche 14"/>
+          <p:cNvCxnSpPr/>
+          <p:nvPr/>
+        </p:nvCxnSpPr>
+        <p:spPr>
+          <a:xfrm>
+            <a:off x="1403648" y="2183135"/>
+            <a:ext cx="0" cy="2605763"/>
+          </a:xfrm>
+          <a:prstGeom prst="straightConnector1">
+            <a:avLst/>
+          </a:prstGeom>
+          <a:ln>
+            <a:headEnd type="arrow"/>
+            <a:tailEnd type="arrow"/>
+          </a:ln>
+        </p:spPr>
+        <p:style>
+          <a:lnRef idx="1">
+            <a:schemeClr val="accent1"/>
+          </a:lnRef>
+          <a:fillRef idx="0">
+            <a:schemeClr val="accent1"/>
+          </a:fillRef>
+          <a:effectRef idx="0">
+            <a:schemeClr val="accent1"/>
+          </a:effectRef>
+          <a:fontRef idx="minor">
+            <a:schemeClr val="tx1"/>
+          </a:fontRef>
+        </p:style>
+      </p:cxnSp>
+      <p:sp>
+        <p:nvSpPr>
+          <p:cNvPr id="16" name="ZoneTexte 15"/>
+          <p:cNvSpPr txBox="1"/>
+          <p:nvPr/>
+        </p:nvSpPr>
+        <p:spPr>
+          <a:xfrm>
+            <a:off x="3462977" y="5826993"/>
+            <a:ext cx="1061573" cy="369332"/>
+          </a:xfrm>
+          <a:prstGeom prst="rect">
+            <a:avLst/>
+          </a:prstGeom>
+          <a:noFill/>
+        </p:spPr>
+        <p:txBody>
+          <a:bodyPr wrap="none" rtlCol="0">
+            <a:spAutoFit/>
+          </a:bodyPr>
+          <a:lstStyle/>
+          <a:p>
+            <a:r>
+              <a:rPr lang="fr-FR" dirty="0" err="1" smtClean="0"/>
+              <a:t>getWidth</a:t>
+            </a:r>
+            <a:endParaRPr lang="fr-FR" dirty="0"/>
+          </a:p>
+        </p:txBody>
+      </p:sp>
+      <p:sp>
+        <p:nvSpPr>
+          <p:cNvPr id="17" name="ZoneTexte 16"/>
+          <p:cNvSpPr txBox="1"/>
+          <p:nvPr/>
+        </p:nvSpPr>
+        <p:spPr>
+          <a:xfrm>
+            <a:off x="179512" y="3454350"/>
+            <a:ext cx="1101135" cy="369332"/>
+          </a:xfrm>
+          <a:prstGeom prst="rect">
+            <a:avLst/>
+          </a:prstGeom>
+          <a:noFill/>
+        </p:spPr>
+        <p:txBody>
+          <a:bodyPr wrap="none" rtlCol="0">
+            <a:spAutoFit/>
+          </a:bodyPr>
+          <a:lstStyle/>
+          <a:p>
+            <a:r>
+              <a:rPr lang="fr-FR" dirty="0" err="1" smtClean="0"/>
+              <a:t>getHeight</a:t>
+            </a:r>
+            <a:endParaRPr lang="fr-FR" dirty="0"/>
+          </a:p>
+        </p:txBody>
+      </p:sp>
+      <p:sp>
+        <p:nvSpPr>
+          <p:cNvPr id="2" name="ZoneTexte 1"/>
+          <p:cNvSpPr txBox="1"/>
+          <p:nvPr/>
+        </p:nvSpPr>
+        <p:spPr>
+          <a:xfrm>
+            <a:off x="2244627" y="1269917"/>
+            <a:ext cx="184731" cy="369332"/>
+          </a:xfrm>
+          <a:prstGeom prst="rect">
+            <a:avLst/>
+          </a:prstGeom>
+          <a:noFill/>
+        </p:spPr>
+        <p:txBody>
+          <a:bodyPr wrap="none" rtlCol="0">
+            <a:spAutoFit/>
+          </a:bodyPr>
+          <a:lstStyle/>
+          <a:p>
+            <a:endParaRPr lang="fr-FR" dirty="0"/>
+          </a:p>
+        </p:txBody>
+      </p:sp>
+      <p:sp>
+        <p:nvSpPr>
+          <p:cNvPr id="4" name="ZoneTexte 3"/>
+          <p:cNvSpPr txBox="1"/>
+          <p:nvPr/>
+        </p:nvSpPr>
+        <p:spPr>
+          <a:xfrm>
+            <a:off x="404377" y="346587"/>
+            <a:ext cx="6833362" cy="923330"/>
+          </a:xfrm>
+          <a:prstGeom prst="rect">
+            <a:avLst/>
+          </a:prstGeom>
+          <a:noFill/>
+        </p:spPr>
+        <p:txBody>
+          <a:bodyPr wrap="square" rtlCol="0">
+            <a:spAutoFit/>
+          </a:bodyPr>
+          <a:lstStyle/>
+          <a:p>
+            <a:r>
+              <a:rPr lang="fr-FR" dirty="0" err="1"/>
+              <a:t>zoomx</a:t>
+            </a:r>
+            <a:r>
+              <a:rPr lang="fr-FR" dirty="0"/>
+              <a:t>=</a:t>
+            </a:r>
+            <a:r>
+              <a:rPr lang="fr-FR" dirty="0" err="1"/>
+              <a:t>getWidth</a:t>
+            </a:r>
+            <a:r>
+              <a:rPr lang="fr-FR" dirty="0"/>
+              <a:t>()/(xmax-xmin+2*</a:t>
+            </a:r>
+            <a:r>
+              <a:rPr lang="fr-FR" dirty="0" err="1"/>
+              <a:t>marginx</a:t>
+            </a:r>
+            <a:r>
+              <a:rPr lang="fr-FR" dirty="0"/>
+              <a:t>);</a:t>
+            </a:r>
+          </a:p>
+          <a:p>
+            <a:r>
+              <a:rPr lang="fr-FR" dirty="0" err="1"/>
+              <a:t>zoomy</a:t>
+            </a:r>
+            <a:r>
+              <a:rPr lang="fr-FR" dirty="0"/>
+              <a:t>= </a:t>
+            </a:r>
+            <a:r>
+              <a:rPr lang="fr-FR" dirty="0" err="1"/>
+              <a:t>getHeight</a:t>
+            </a:r>
+            <a:r>
+              <a:rPr lang="fr-FR" dirty="0"/>
+              <a:t>()/(ymax-ymin+2*</a:t>
+            </a:r>
+            <a:r>
+              <a:rPr lang="fr-FR" dirty="0" err="1"/>
+              <a:t>marginy</a:t>
+            </a:r>
+            <a:r>
+              <a:rPr lang="fr-FR" dirty="0"/>
+              <a:t>);</a:t>
+            </a:r>
+          </a:p>
+          <a:p>
+            <a:r>
+              <a:rPr lang="fr-FR" dirty="0" smtClean="0"/>
+              <a:t>g2.scale(</a:t>
+            </a:r>
+            <a:r>
+              <a:rPr lang="fr-FR" dirty="0" err="1" smtClean="0"/>
+              <a:t>zoomx</a:t>
+            </a:r>
+            <a:r>
+              <a:rPr lang="fr-FR" dirty="0"/>
+              <a:t>, -</a:t>
+            </a:r>
+            <a:r>
+              <a:rPr lang="fr-FR" dirty="0" err="1"/>
+              <a:t>zoomy</a:t>
+            </a:r>
+            <a:r>
+              <a:rPr lang="fr-FR" dirty="0"/>
+              <a:t>);</a:t>
+            </a:r>
+          </a:p>
+        </p:txBody>
+      </p:sp>
+      <p:sp>
+        <p:nvSpPr>
+          <p:cNvPr id="12" name="ZoneTexte 11"/>
+          <p:cNvSpPr txBox="1"/>
+          <p:nvPr/>
+        </p:nvSpPr>
+        <p:spPr>
+          <a:xfrm>
+            <a:off x="4477817" y="1269917"/>
+            <a:ext cx="1795089" cy="276999"/>
+          </a:xfrm>
+          <a:prstGeom prst="rect">
+            <a:avLst/>
+          </a:prstGeom>
+          <a:noFill/>
+        </p:spPr>
+        <p:txBody>
+          <a:bodyPr wrap="square" rtlCol="0">
+            <a:spAutoFit/>
+          </a:bodyPr>
+          <a:lstStyle/>
+          <a:p>
+            <a:r>
+              <a:rPr lang="fr-FR" sz="1200" dirty="0" err="1" smtClean="0"/>
+              <a:t>Xmax</a:t>
+            </a:r>
+            <a:r>
+              <a:rPr lang="fr-FR" sz="1200" dirty="0" smtClean="0"/>
+              <a:t> =  m(300)/200 = 1,5</a:t>
+            </a:r>
+            <a:endParaRPr lang="fr-FR" sz="1200" dirty="0"/>
+          </a:p>
+        </p:txBody>
+      </p:sp>
+      <p:sp>
+        <p:nvSpPr>
+          <p:cNvPr id="14" name="Ellipse 13"/>
+          <p:cNvSpPr/>
+          <p:nvPr/>
+        </p:nvSpPr>
+        <p:spPr>
+          <a:xfrm>
+            <a:off x="5580112" y="3159075"/>
+            <a:ext cx="77119" cy="147637"/>
+          </a:xfrm>
+          <a:prstGeom prst="ellipse">
+            <a:avLst/>
+          </a:prstGeom>
+        </p:spPr>
+        <p:style>
+          <a:lnRef idx="2">
+            <a:schemeClr val="accent1">
+              <a:shade val="50000"/>
+            </a:schemeClr>
+          </a:lnRef>
+          <a:fillRef idx="1">
+            <a:schemeClr val="accent1"/>
+          </a:fillRef>
+          <a:effectRef idx="0">
+            <a:schemeClr val="accent1"/>
+          </a:effectRef>
+          <a:fontRef idx="minor">
+            <a:schemeClr val="lt1"/>
+          </a:fontRef>
+        </p:style>
+        <p:txBody>
+          <a:bodyPr rtlCol="0" anchor="ctr"/>
+          <a:lstStyle/>
+          <a:p>
+            <a:pPr algn="ctr"/>
+            <a:endParaRPr lang="fr-FR"/>
+          </a:p>
+        </p:txBody>
+      </p:sp>
+      <p:sp>
+        <p:nvSpPr>
+          <p:cNvPr id="18" name="ZoneTexte 17"/>
+          <p:cNvSpPr txBox="1"/>
+          <p:nvPr/>
+        </p:nvSpPr>
+        <p:spPr>
+          <a:xfrm>
+            <a:off x="6300192" y="620688"/>
+            <a:ext cx="1872208" cy="1723549"/>
+          </a:xfrm>
+          <a:prstGeom prst="rect">
+            <a:avLst/>
+          </a:prstGeom>
+          <a:noFill/>
+        </p:spPr>
+        <p:txBody>
+          <a:bodyPr wrap="square" rtlCol="0">
+            <a:spAutoFit/>
+          </a:bodyPr>
+          <a:lstStyle/>
+          <a:p>
+            <a:r>
+              <a:rPr lang="fr-FR" sz="1400" dirty="0" err="1" smtClean="0"/>
+              <a:t>Xmax</a:t>
+            </a:r>
+            <a:r>
+              <a:rPr lang="fr-FR" sz="1400" dirty="0" smtClean="0"/>
+              <a:t>=1,5</a:t>
+            </a:r>
+          </a:p>
+          <a:p>
+            <a:r>
+              <a:rPr lang="fr-FR" sz="1400" dirty="0" err="1" smtClean="0"/>
+              <a:t>Xmin</a:t>
+            </a:r>
+            <a:r>
+              <a:rPr lang="fr-FR" sz="1400" dirty="0" smtClean="0"/>
+              <a:t>=0</a:t>
+            </a:r>
+          </a:p>
+          <a:p>
+            <a:r>
+              <a:rPr lang="fr-FR" sz="1400" dirty="0" err="1" smtClean="0"/>
+              <a:t>Margin</a:t>
+            </a:r>
+            <a:r>
+              <a:rPr lang="fr-FR" sz="1400" dirty="0" smtClean="0"/>
+              <a:t>=0</a:t>
+            </a:r>
+          </a:p>
+          <a:p>
+            <a:r>
+              <a:rPr lang="fr-FR" sz="1400" dirty="0" err="1" smtClean="0"/>
+              <a:t>Width</a:t>
+            </a:r>
+            <a:r>
+              <a:rPr lang="fr-FR" sz="1400" dirty="0" smtClean="0"/>
+              <a:t>=300</a:t>
+            </a:r>
+          </a:p>
+          <a:p>
+            <a:r>
+              <a:rPr lang="fr-FR" sz="1400" dirty="0" err="1" smtClean="0"/>
+              <a:t>Zoomx</a:t>
+            </a:r>
+            <a:r>
+              <a:rPr lang="fr-FR" sz="1400" dirty="0" smtClean="0"/>
+              <a:t>=200</a:t>
+            </a:r>
+          </a:p>
+          <a:p>
+            <a:endParaRPr lang="fr-FR" dirty="0" smtClean="0"/>
+          </a:p>
+          <a:p>
+            <a:endParaRPr lang="fr-FR" dirty="0"/>
+          </a:p>
+        </p:txBody>
+      </p:sp>
+      <p:sp>
+        <p:nvSpPr>
+          <p:cNvPr id="19" name="Zone de texte 2"/>
+          <p:cNvSpPr txBox="1">
+            <a:spLocks noChangeArrowheads="1"/>
+          </p:cNvSpPr>
+          <p:nvPr/>
+        </p:nvSpPr>
+        <p:spPr bwMode="auto">
+          <a:xfrm>
+            <a:off x="3626121" y="1639249"/>
+            <a:ext cx="665670" cy="325258"/>
+          </a:xfrm>
+          <a:prstGeom prst="rect">
+            <a:avLst/>
+          </a:prstGeom>
+          <a:solidFill>
+            <a:srgbClr val="FFFFFF"/>
+          </a:solidFill>
+          <a:ln w="6350">
+            <a:solidFill>
+              <a:srgbClr val="000000"/>
+            </a:solidFill>
+            <a:miter lim="800000"/>
+            <a:headEnd/>
+            <a:tailEnd/>
+          </a:ln>
+        </p:spPr>
+        <p:txBody>
+          <a:bodyPr vert="horz" wrap="none" lIns="91440" tIns="45720" rIns="91440" bIns="45720" numCol="1" anchor="t" anchorCtr="0" compatLnSpc="1">
+            <a:prstTxWarp prst="textNoShape">
+              <a:avLst/>
+            </a:prstTxWarp>
+          </a:bodyPr>
+          <a:lstStyle/>
+          <a:p>
+            <a:pPr marL="0" marR="0" lvl="0" indent="0" algn="l" defTabSz="914400" rtl="0" eaLnBrk="1" fontAlgn="base" latinLnBrk="0" hangingPunct="1">
+              <a:lnSpc>
+                <a:spcPct val="100000"/>
+              </a:lnSpc>
+              <a:spcBef>
+                <a:spcPct val="0"/>
+              </a:spcBef>
+              <a:spcAft>
+                <a:spcPct val="0"/>
+              </a:spcAft>
+              <a:buClrTx/>
+              <a:buSzTx/>
+              <a:buFontTx/>
+              <a:buNone/>
+              <a:tabLst/>
+            </a:pPr>
+            <a:r>
+              <a:rPr lang="fr-FR" altLang="fr-FR" sz="1100" dirty="0" err="1">
+                <a:latin typeface="Calibri" pitchFamily="34" charset="0"/>
+                <a:ea typeface="Calibri" pitchFamily="34" charset="0"/>
+                <a:cs typeface="Times New Roman" pitchFamily="18" charset="0"/>
+              </a:rPr>
+              <a:t>x</a:t>
+            </a:r>
+            <a:r>
+              <a:rPr kumimoji="0" lang="fr-FR" altLang="fr-FR" sz="1100" b="0" i="0" u="none" strike="noStrike" cap="none" normalizeH="0" baseline="0" dirty="0" err="1" smtClean="0">
+                <a:ln>
+                  <a:noFill/>
+                </a:ln>
+                <a:solidFill>
+                  <a:schemeClr val="tx1"/>
+                </a:solidFill>
+                <a:effectLst/>
+                <a:latin typeface="Calibri" pitchFamily="34" charset="0"/>
+                <a:ea typeface="Calibri" pitchFamily="34" charset="0"/>
+                <a:cs typeface="Times New Roman" pitchFamily="18" charset="0"/>
+              </a:rPr>
+              <a:t>m</a:t>
+            </a:r>
+            <a:r>
+              <a:rPr kumimoji="0" lang="fr-FR" altLang="fr-FR" sz="1100" b="0" i="0" u="none" strike="noStrike" cap="none" normalizeH="0" baseline="0" dirty="0" smtClean="0">
+                <a:ln>
+                  <a:noFill/>
+                </a:ln>
+                <a:solidFill>
+                  <a:schemeClr val="tx1"/>
+                </a:solidFill>
+                <a:effectLst/>
+                <a:latin typeface="Calibri" pitchFamily="34" charset="0"/>
+                <a:ea typeface="Calibri" pitchFamily="34" charset="0"/>
+                <a:cs typeface="Times New Roman" pitchFamily="18" charset="0"/>
+              </a:rPr>
+              <a:t>=150</a:t>
+            </a:r>
+            <a:endParaRPr kumimoji="0" lang="fr-FR" altLang="fr-FR" sz="1800" b="0" i="0" u="none" strike="noStrike" cap="none" normalizeH="0" baseline="0" dirty="0" smtClean="0">
+              <a:ln>
+                <a:noFill/>
+              </a:ln>
+              <a:solidFill>
+                <a:schemeClr val="tx1"/>
+              </a:solidFill>
+              <a:effectLst/>
+              <a:latin typeface="Arial" pitchFamily="34" charset="0"/>
+              <a:cs typeface="Arial" pitchFamily="34" charset="0"/>
+            </a:endParaRPr>
+          </a:p>
+        </p:txBody>
+      </p:sp>
+      <p:sp>
+        <p:nvSpPr>
+          <p:cNvPr id="20" name="ZoneTexte 19"/>
+          <p:cNvSpPr txBox="1"/>
+          <p:nvPr/>
+        </p:nvSpPr>
+        <p:spPr>
+          <a:xfrm>
+            <a:off x="3993763" y="3025143"/>
+            <a:ext cx="602789" cy="286138"/>
+          </a:xfrm>
+          <a:prstGeom prst="rect">
+            <a:avLst/>
+          </a:prstGeom>
+          <a:noFill/>
+        </p:spPr>
+        <p:txBody>
+          <a:bodyPr wrap="square" rtlCol="0">
+            <a:spAutoFit/>
+          </a:bodyPr>
+          <a:lstStyle/>
+          <a:p>
+            <a:r>
+              <a:rPr lang="fr-FR" sz="1200" dirty="0" smtClean="0"/>
+              <a:t>P(0,0)</a:t>
+            </a:r>
+            <a:endParaRPr lang="fr-FR" sz="1200" dirty="0"/>
+          </a:p>
+        </p:txBody>
+      </p:sp>
+      <p:sp>
+        <p:nvSpPr>
+          <p:cNvPr id="21" name="ZoneTexte 20"/>
+          <p:cNvSpPr txBox="1"/>
+          <p:nvPr/>
+        </p:nvSpPr>
+        <p:spPr>
+          <a:xfrm>
+            <a:off x="5124606" y="2886643"/>
+            <a:ext cx="1396721" cy="276999"/>
+          </a:xfrm>
+          <a:prstGeom prst="rect">
+            <a:avLst/>
+          </a:prstGeom>
+          <a:noFill/>
+        </p:spPr>
+        <p:txBody>
+          <a:bodyPr wrap="square" rtlCol="0">
+            <a:spAutoFit/>
+          </a:bodyPr>
+          <a:lstStyle/>
+          <a:p>
+            <a:r>
+              <a:rPr lang="fr-FR" sz="1200" dirty="0" smtClean="0"/>
+              <a:t>P(150/200 = 0,75)</a:t>
+            </a:r>
+            <a:endParaRPr lang="fr-FR" sz="1200" dirty="0"/>
+          </a:p>
+        </p:txBody>
+      </p:sp>
+      <p:sp>
+        <p:nvSpPr>
+          <p:cNvPr id="23" name="Ellipse 22"/>
+          <p:cNvSpPr/>
+          <p:nvPr/>
+        </p:nvSpPr>
+        <p:spPr>
+          <a:xfrm>
+            <a:off x="7007208" y="3211527"/>
+            <a:ext cx="77119" cy="147637"/>
+          </a:xfrm>
+          <a:prstGeom prst="ellipse">
+            <a:avLst/>
+          </a:prstGeom>
+        </p:spPr>
+        <p:style>
+          <a:lnRef idx="2">
+            <a:schemeClr val="accent1">
+              <a:shade val="50000"/>
+            </a:schemeClr>
+          </a:lnRef>
+          <a:fillRef idx="1">
+            <a:schemeClr val="accent1"/>
+          </a:fillRef>
+          <a:effectRef idx="0">
+            <a:schemeClr val="accent1"/>
+          </a:effectRef>
+          <a:fontRef idx="minor">
+            <a:schemeClr val="lt1"/>
+          </a:fontRef>
+        </p:style>
+        <p:txBody>
+          <a:bodyPr rtlCol="0" anchor="ctr"/>
+          <a:lstStyle/>
+          <a:p>
+            <a:pPr algn="ctr"/>
+            <a:endParaRPr lang="fr-FR"/>
+          </a:p>
+        </p:txBody>
+      </p:sp>
+      <p:sp>
+        <p:nvSpPr>
+          <p:cNvPr id="24" name="ZoneTexte 23"/>
+          <p:cNvSpPr txBox="1"/>
+          <p:nvPr/>
+        </p:nvSpPr>
+        <p:spPr>
+          <a:xfrm>
+            <a:off x="6551702" y="2939095"/>
+            <a:ext cx="1396721" cy="276999"/>
+          </a:xfrm>
+          <a:prstGeom prst="rect">
+            <a:avLst/>
+          </a:prstGeom>
+          <a:noFill/>
+        </p:spPr>
+        <p:txBody>
+          <a:bodyPr wrap="square" rtlCol="0">
+            <a:spAutoFit/>
+          </a:bodyPr>
+          <a:lstStyle/>
+          <a:p>
+            <a:r>
+              <a:rPr lang="fr-FR" sz="1200" dirty="0" smtClean="0"/>
+              <a:t>P(300/200 = 1,5)</a:t>
+            </a:r>
+            <a:endParaRPr lang="fr-FR" sz="1200" dirty="0"/>
+          </a:p>
+        </p:txBody>
+      </p:sp>
+      <p:sp>
+        <p:nvSpPr>
+          <p:cNvPr id="25" name="Ellipse 24"/>
+          <p:cNvSpPr/>
+          <p:nvPr/>
+        </p:nvSpPr>
+        <p:spPr>
+          <a:xfrm>
+            <a:off x="4797868" y="2587122"/>
+            <a:ext cx="88712" cy="121473"/>
+          </a:xfrm>
+          <a:prstGeom prst="ellipse">
+            <a:avLst/>
+          </a:prstGeom>
+        </p:spPr>
+        <p:style>
+          <a:lnRef idx="2">
+            <a:schemeClr val="accent1">
+              <a:shade val="50000"/>
+            </a:schemeClr>
+          </a:lnRef>
+          <a:fillRef idx="1">
+            <a:schemeClr val="accent1"/>
+          </a:fillRef>
+          <a:effectRef idx="0">
+            <a:schemeClr val="accent1"/>
+          </a:effectRef>
+          <a:fontRef idx="minor">
+            <a:schemeClr val="lt1"/>
+          </a:fontRef>
+        </p:style>
+        <p:txBody>
+          <a:bodyPr rtlCol="0" anchor="ctr"/>
+          <a:lstStyle/>
+          <a:p>
+            <a:pPr algn="ctr"/>
+            <a:endParaRPr lang="fr-FR"/>
+          </a:p>
+        </p:txBody>
+      </p:sp>
+      <p:sp>
+        <p:nvSpPr>
+          <p:cNvPr id="26" name="ZoneTexte 25"/>
+          <p:cNvSpPr txBox="1"/>
+          <p:nvPr/>
+        </p:nvSpPr>
+        <p:spPr>
+          <a:xfrm>
+            <a:off x="4524549" y="2213118"/>
+            <a:ext cx="1564729" cy="276999"/>
+          </a:xfrm>
+          <a:prstGeom prst="rect">
+            <a:avLst/>
+          </a:prstGeom>
+          <a:noFill/>
+        </p:spPr>
+        <p:txBody>
+          <a:bodyPr wrap="square" rtlCol="0">
+            <a:spAutoFit/>
+          </a:bodyPr>
+          <a:lstStyle/>
+          <a:p>
+            <a:r>
+              <a:rPr lang="fr-FR" sz="1200" dirty="0" smtClean="0"/>
+              <a:t>P(</a:t>
+            </a:r>
+            <a:r>
+              <a:rPr lang="fr-FR" sz="1200" dirty="0" err="1" smtClean="0"/>
+              <a:t>xt</a:t>
+            </a:r>
+            <a:r>
+              <a:rPr lang="fr-FR" sz="1200" dirty="0" smtClean="0"/>
+              <a:t>/zoom, </a:t>
+            </a:r>
+            <a:r>
+              <a:rPr lang="fr-FR" sz="1200" dirty="0" err="1" smtClean="0"/>
+              <a:t>yt</a:t>
+            </a:r>
+            <a:r>
+              <a:rPr lang="fr-FR" sz="1200" dirty="0" smtClean="0"/>
+              <a:t>/zoom)</a:t>
+            </a:r>
+            <a:endParaRPr lang="fr-FR" sz="1200" dirty="0"/>
+          </a:p>
+        </p:txBody>
+      </p:sp>
+      <p:sp>
+        <p:nvSpPr>
+          <p:cNvPr id="27" name="ZoneTexte 26"/>
+          <p:cNvSpPr txBox="1"/>
+          <p:nvPr/>
+        </p:nvSpPr>
+        <p:spPr>
+          <a:xfrm>
+            <a:off x="6669070" y="4788898"/>
+            <a:ext cx="676275" cy="369332"/>
+          </a:xfrm>
+          <a:prstGeom prst="rect">
+            <a:avLst/>
+          </a:prstGeom>
+          <a:noFill/>
+        </p:spPr>
+        <p:txBody>
+          <a:bodyPr wrap="none" rtlCol="0">
+            <a:spAutoFit/>
+          </a:bodyPr>
+          <a:lstStyle/>
+          <a:p>
+            <a:r>
+              <a:rPr lang="fr-FR" dirty="0" err="1" smtClean="0"/>
+              <a:t>xmax</a:t>
+            </a:r>
+            <a:endParaRPr lang="fr-FR" dirty="0"/>
+          </a:p>
+        </p:txBody>
+      </p:sp>
+      <p:sp>
+        <p:nvSpPr>
+          <p:cNvPr id="28" name="ZoneTexte 27"/>
+          <p:cNvSpPr txBox="1"/>
+          <p:nvPr/>
+        </p:nvSpPr>
+        <p:spPr>
+          <a:xfrm>
+            <a:off x="3810565" y="4881597"/>
+            <a:ext cx="643125" cy="369332"/>
+          </a:xfrm>
+          <a:prstGeom prst="rect">
+            <a:avLst/>
+          </a:prstGeom>
+          <a:noFill/>
+        </p:spPr>
+        <p:txBody>
+          <a:bodyPr wrap="none" rtlCol="0">
+            <a:spAutoFit/>
+          </a:bodyPr>
+          <a:lstStyle/>
+          <a:p>
+            <a:r>
+              <a:rPr lang="fr-FR" dirty="0" err="1" smtClean="0"/>
+              <a:t>xmin</a:t>
+            </a:r>
+            <a:endParaRPr lang="fr-FR" dirty="0"/>
+          </a:p>
+        </p:txBody>
+      </p:sp>
+      <p:cxnSp>
+        <p:nvCxnSpPr>
+          <p:cNvPr id="29" name="Connecteur droit 28"/>
+          <p:cNvCxnSpPr/>
+          <p:nvPr/>
+        </p:nvCxnSpPr>
+        <p:spPr>
+          <a:xfrm>
+            <a:off x="4100989" y="3359164"/>
+            <a:ext cx="2958246" cy="0"/>
+          </a:xfrm>
+          <a:prstGeom prst="line">
+            <a:avLst/>
+          </a:prstGeom>
+        </p:spPr>
+        <p:style>
+          <a:lnRef idx="3">
+            <a:schemeClr val="accent6"/>
+          </a:lnRef>
+          <a:fillRef idx="0">
+            <a:schemeClr val="accent6"/>
+          </a:fillRef>
+          <a:effectRef idx="2">
+            <a:schemeClr val="accent6"/>
+          </a:effectRef>
+          <a:fontRef idx="minor">
+            <a:schemeClr val="tx1"/>
+          </a:fontRef>
+        </p:style>
+      </p:cxnSp>
+      <p:cxnSp>
+        <p:nvCxnSpPr>
+          <p:cNvPr id="35" name="Connecteur droit 34"/>
+          <p:cNvCxnSpPr/>
+          <p:nvPr/>
+        </p:nvCxnSpPr>
+        <p:spPr>
+          <a:xfrm flipV="1">
+            <a:off x="5657231" y="3600883"/>
+            <a:ext cx="0" cy="1611913"/>
+          </a:xfrm>
+          <a:prstGeom prst="line">
+            <a:avLst/>
+          </a:prstGeom>
+        </p:spPr>
+        <p:style>
+          <a:lnRef idx="1">
+            <a:schemeClr val="accent1"/>
+          </a:lnRef>
+          <a:fillRef idx="0">
+            <a:schemeClr val="accent1"/>
+          </a:fillRef>
+          <a:effectRef idx="0">
+            <a:schemeClr val="accent1"/>
+          </a:effectRef>
+          <a:fontRef idx="minor">
+            <a:schemeClr val="tx1"/>
+          </a:fontRef>
+        </p:style>
+      </p:cxnSp>
+      <p:sp>
+        <p:nvSpPr>
+          <p:cNvPr id="39" name="ZoneTexte 38"/>
+          <p:cNvSpPr txBox="1"/>
+          <p:nvPr/>
+        </p:nvSpPr>
+        <p:spPr>
+          <a:xfrm>
+            <a:off x="6300192" y="3600883"/>
+            <a:ext cx="2664296" cy="646331"/>
+          </a:xfrm>
+          <a:prstGeom prst="rect">
+            <a:avLst/>
+          </a:prstGeom>
+          <a:noFill/>
+        </p:spPr>
+        <p:txBody>
+          <a:bodyPr wrap="square" rtlCol="0">
+            <a:spAutoFit/>
+          </a:bodyPr>
+          <a:lstStyle/>
+          <a:p>
+            <a:r>
+              <a:rPr lang="fr-FR" dirty="0" err="1" smtClean="0"/>
+              <a:t>xt</a:t>
+            </a:r>
+            <a:r>
+              <a:rPr lang="fr-FR" dirty="0" smtClean="0"/>
+              <a:t> = </a:t>
+            </a:r>
+            <a:r>
+              <a:rPr lang="fr-FR" dirty="0" err="1" smtClean="0"/>
+              <a:t>xm-width</a:t>
+            </a:r>
+            <a:r>
+              <a:rPr lang="fr-FR" dirty="0" smtClean="0"/>
+              <a:t>/2</a:t>
+            </a:r>
+            <a:endParaRPr lang="fr-FR" dirty="0"/>
+          </a:p>
+          <a:p>
+            <a:r>
+              <a:rPr lang="fr-FR" dirty="0" err="1" smtClean="0"/>
+              <a:t>xa</a:t>
+            </a:r>
+            <a:r>
+              <a:rPr lang="fr-FR" dirty="0" smtClean="0"/>
+              <a:t>= </a:t>
+            </a:r>
+            <a:r>
+              <a:rPr lang="fr-FR" dirty="0" err="1" smtClean="0"/>
+              <a:t>xt</a:t>
+            </a:r>
+            <a:r>
+              <a:rPr lang="fr-FR" dirty="0" smtClean="0"/>
+              <a:t>/zoom</a:t>
+            </a:r>
+            <a:endParaRPr lang="fr-FR" dirty="0" smtClean="0"/>
+          </a:p>
+        </p:txBody>
+      </p:sp>
+    </p:spTree>
+    <p:extLst>
+      <p:ext uri="{BB962C8B-B14F-4D97-AF65-F5344CB8AC3E}">
+        <p14:creationId xmlns:p14="http://schemas.microsoft.com/office/powerpoint/2010/main" val="1059276312"/>
       </p:ext>
     </p:extLst>
   </p:cSld>
@@ -8190,6 +10650,3606 @@
     <p:extLst>
       <p:ext uri="{BB962C8B-B14F-4D97-AF65-F5344CB8AC3E}">
         <p14:creationId xmlns:p14="http://schemas.microsoft.com/office/powerpoint/2010/main" val="2806608212"/>
+      </p:ext>
+    </p:extLst>
+  </p:cSld>
+  <p:clrMapOvr>
+    <a:masterClrMapping/>
+  </p:clrMapOvr>
+</p:sld>
+</file>
+
+<file path=ppt/slides/slide20.xml><?xml version="1.0" encoding="utf-8"?>
+<p:sld xmlns:a="http://schemas.openxmlformats.org/drawingml/2006/main" xmlns:r="http://schemas.openxmlformats.org/officeDocument/2006/relationships" xmlns:p="http://schemas.openxmlformats.org/presentationml/2006/main">
+  <p:cSld>
+    <p:spTree>
+      <p:nvGrpSpPr>
+        <p:cNvPr id="1" name=""/>
+        <p:cNvGrpSpPr/>
+        <p:nvPr/>
+      </p:nvGrpSpPr>
+      <p:grpSpPr>
+        <a:xfrm>
+          <a:off x="0" y="0"/>
+          <a:ext cx="0" cy="0"/>
+          <a:chOff x="0" y="0"/>
+          <a:chExt cx="0" cy="0"/>
+        </a:xfrm>
+      </p:grpSpPr>
+      <p:sp>
+        <p:nvSpPr>
+          <p:cNvPr id="5" name="Rectangle 4"/>
+          <p:cNvSpPr/>
+          <p:nvPr/>
+        </p:nvSpPr>
+        <p:spPr>
+          <a:xfrm>
+            <a:off x="2244627" y="2183135"/>
+            <a:ext cx="3412604" cy="2635746"/>
+          </a:xfrm>
+          <a:prstGeom prst="rect">
+            <a:avLst/>
+          </a:prstGeom>
+        </p:spPr>
+        <p:style>
+          <a:lnRef idx="1">
+            <a:schemeClr val="accent5"/>
+          </a:lnRef>
+          <a:fillRef idx="2">
+            <a:schemeClr val="accent5"/>
+          </a:fillRef>
+          <a:effectRef idx="1">
+            <a:schemeClr val="accent5"/>
+          </a:effectRef>
+          <a:fontRef idx="minor">
+            <a:schemeClr val="dk1"/>
+          </a:fontRef>
+        </p:style>
+        <p:txBody>
+          <a:bodyPr rot="0" spcFirstLastPara="0" vert="horz" wrap="square" lIns="91440" tIns="45720" rIns="91440" bIns="45720" numCol="1" spcCol="0" rtlCol="0" fromWordArt="0" anchor="ctr" anchorCtr="0" forceAA="0" compatLnSpc="1">
+            <a:prstTxWarp prst="textNoShape">
+              <a:avLst/>
+            </a:prstTxWarp>
+            <a:noAutofit/>
+          </a:bodyPr>
+          <a:lstStyle/>
+          <a:p>
+            <a:endParaRPr lang="fr-FR" dirty="0"/>
+          </a:p>
+        </p:txBody>
+      </p:sp>
+      <p:sp>
+        <p:nvSpPr>
+          <p:cNvPr id="6" name="Zone de texte 2"/>
+          <p:cNvSpPr txBox="1">
+            <a:spLocks noChangeArrowheads="1"/>
+          </p:cNvSpPr>
+          <p:nvPr/>
+        </p:nvSpPr>
+        <p:spPr bwMode="auto">
+          <a:xfrm>
+            <a:off x="1763688" y="1767848"/>
+            <a:ext cx="573304" cy="295275"/>
+          </a:xfrm>
+          <a:prstGeom prst="rect">
+            <a:avLst/>
+          </a:prstGeom>
+          <a:solidFill>
+            <a:srgbClr val="FFFFFF"/>
+          </a:solidFill>
+          <a:ln w="6350">
+            <a:solidFill>
+              <a:srgbClr val="000000"/>
+            </a:solidFill>
+            <a:miter lim="800000"/>
+            <a:headEnd/>
+            <a:tailEnd/>
+          </a:ln>
+        </p:spPr>
+        <p:txBody>
+          <a:bodyPr vert="horz" wrap="none" lIns="91440" tIns="45720" rIns="91440" bIns="45720" numCol="1" anchor="t" anchorCtr="0" compatLnSpc="1">
+            <a:prstTxWarp prst="textNoShape">
+              <a:avLst/>
+            </a:prstTxWarp>
+          </a:bodyPr>
+          <a:lstStyle/>
+          <a:p>
+            <a:pPr marL="0" marR="0" lvl="0" indent="0" algn="l" defTabSz="914400" rtl="0" eaLnBrk="1" fontAlgn="base" latinLnBrk="0" hangingPunct="1">
+              <a:lnSpc>
+                <a:spcPct val="100000"/>
+              </a:lnSpc>
+              <a:spcBef>
+                <a:spcPct val="0"/>
+              </a:spcBef>
+              <a:spcAft>
+                <a:spcPct val="0"/>
+              </a:spcAft>
+              <a:buClrTx/>
+              <a:buSzTx/>
+              <a:buFontTx/>
+              <a:buNone/>
+              <a:tabLst/>
+            </a:pPr>
+            <a:r>
+              <a:rPr kumimoji="0" lang="fr-FR" altLang="fr-FR" sz="1100" b="0" i="0" u="none" strike="noStrike" cap="none" normalizeH="0" baseline="0" dirty="0" smtClean="0">
+                <a:ln>
+                  <a:noFill/>
+                </a:ln>
+                <a:solidFill>
+                  <a:schemeClr val="tx1"/>
+                </a:solidFill>
+                <a:effectLst/>
+                <a:latin typeface="Calibri" pitchFamily="34" charset="0"/>
+                <a:ea typeface="Calibri" pitchFamily="34" charset="0"/>
+                <a:cs typeface="Times New Roman" pitchFamily="18" charset="0"/>
+              </a:rPr>
+              <a:t>m0,m0</a:t>
+            </a:r>
+            <a:endParaRPr kumimoji="0" lang="fr-FR" altLang="fr-FR" sz="1800" b="0" i="0" u="none" strike="noStrike" cap="none" normalizeH="0" baseline="0" dirty="0" smtClean="0">
+              <a:ln>
+                <a:noFill/>
+              </a:ln>
+              <a:solidFill>
+                <a:schemeClr val="tx1"/>
+              </a:solidFill>
+              <a:effectLst/>
+              <a:latin typeface="Arial" pitchFamily="34" charset="0"/>
+              <a:cs typeface="Arial" pitchFamily="34" charset="0"/>
+            </a:endParaRPr>
+          </a:p>
+        </p:txBody>
+      </p:sp>
+      <p:cxnSp>
+        <p:nvCxnSpPr>
+          <p:cNvPr id="7" name="Connecteur droit avec flèche 6"/>
+          <p:cNvCxnSpPr/>
+          <p:nvPr/>
+        </p:nvCxnSpPr>
+        <p:spPr>
+          <a:xfrm>
+            <a:off x="2252016" y="4816910"/>
+            <a:ext cx="1368152" cy="0"/>
+          </a:xfrm>
+          <a:prstGeom prst="straightConnector1">
+            <a:avLst/>
+          </a:prstGeom>
+          <a:ln>
+            <a:tailEnd type="arrow"/>
+          </a:ln>
+        </p:spPr>
+        <p:style>
+          <a:lnRef idx="1">
+            <a:schemeClr val="accent1"/>
+          </a:lnRef>
+          <a:fillRef idx="0">
+            <a:schemeClr val="accent1"/>
+          </a:fillRef>
+          <a:effectRef idx="0">
+            <a:schemeClr val="accent1"/>
+          </a:effectRef>
+          <a:fontRef idx="minor">
+            <a:schemeClr val="tx1"/>
+          </a:fontRef>
+        </p:style>
+      </p:cxnSp>
+      <p:cxnSp>
+        <p:nvCxnSpPr>
+          <p:cNvPr id="9" name="Connecteur droit avec flèche 8"/>
+          <p:cNvCxnSpPr/>
+          <p:nvPr/>
+        </p:nvCxnSpPr>
+        <p:spPr>
+          <a:xfrm flipV="1">
+            <a:off x="2252016" y="3447690"/>
+            <a:ext cx="0" cy="1221582"/>
+          </a:xfrm>
+          <a:prstGeom prst="straightConnector1">
+            <a:avLst/>
+          </a:prstGeom>
+          <a:ln>
+            <a:tailEnd type="arrow"/>
+          </a:ln>
+        </p:spPr>
+        <p:style>
+          <a:lnRef idx="1">
+            <a:schemeClr val="accent1"/>
+          </a:lnRef>
+          <a:fillRef idx="0">
+            <a:schemeClr val="accent1"/>
+          </a:fillRef>
+          <a:effectRef idx="0">
+            <a:schemeClr val="accent1"/>
+          </a:effectRef>
+          <a:fontRef idx="minor">
+            <a:schemeClr val="tx1"/>
+          </a:fontRef>
+        </p:style>
+      </p:cxnSp>
+      <p:sp>
+        <p:nvSpPr>
+          <p:cNvPr id="10" name="ZoneTexte 9"/>
+          <p:cNvSpPr txBox="1"/>
+          <p:nvPr/>
+        </p:nvSpPr>
+        <p:spPr>
+          <a:xfrm>
+            <a:off x="2936092" y="4749408"/>
+            <a:ext cx="284052" cy="369332"/>
+          </a:xfrm>
+          <a:prstGeom prst="rect">
+            <a:avLst/>
+          </a:prstGeom>
+          <a:noFill/>
+        </p:spPr>
+        <p:txBody>
+          <a:bodyPr wrap="none" rtlCol="0">
+            <a:spAutoFit/>
+          </a:bodyPr>
+          <a:lstStyle/>
+          <a:p>
+            <a:r>
+              <a:rPr lang="fr-FR" dirty="0" smtClean="0"/>
+              <a:t>x</a:t>
+            </a:r>
+            <a:endParaRPr lang="fr-FR" dirty="0"/>
+          </a:p>
+        </p:txBody>
+      </p:sp>
+      <p:sp>
+        <p:nvSpPr>
+          <p:cNvPr id="11" name="ZoneTexte 10"/>
+          <p:cNvSpPr txBox="1"/>
+          <p:nvPr/>
+        </p:nvSpPr>
+        <p:spPr>
+          <a:xfrm>
+            <a:off x="1849809" y="3612842"/>
+            <a:ext cx="288862" cy="369332"/>
+          </a:xfrm>
+          <a:prstGeom prst="rect">
+            <a:avLst/>
+          </a:prstGeom>
+          <a:noFill/>
+        </p:spPr>
+        <p:txBody>
+          <a:bodyPr wrap="none" rtlCol="0">
+            <a:spAutoFit/>
+          </a:bodyPr>
+          <a:lstStyle/>
+          <a:p>
+            <a:r>
+              <a:rPr lang="fr-FR" dirty="0" smtClean="0"/>
+              <a:t>y</a:t>
+            </a:r>
+            <a:endParaRPr lang="fr-FR" dirty="0"/>
+          </a:p>
+        </p:txBody>
+      </p:sp>
+      <p:cxnSp>
+        <p:nvCxnSpPr>
+          <p:cNvPr id="13" name="Connecteur droit avec flèche 12"/>
+          <p:cNvCxnSpPr/>
+          <p:nvPr/>
+        </p:nvCxnSpPr>
+        <p:spPr>
+          <a:xfrm>
+            <a:off x="2244627" y="5250929"/>
+            <a:ext cx="3412604" cy="0"/>
+          </a:xfrm>
+          <a:prstGeom prst="straightConnector1">
+            <a:avLst/>
+          </a:prstGeom>
+          <a:ln>
+            <a:headEnd type="arrow"/>
+            <a:tailEnd type="arrow"/>
+          </a:ln>
+        </p:spPr>
+        <p:style>
+          <a:lnRef idx="1">
+            <a:schemeClr val="accent1"/>
+          </a:lnRef>
+          <a:fillRef idx="0">
+            <a:schemeClr val="accent1"/>
+          </a:fillRef>
+          <a:effectRef idx="0">
+            <a:schemeClr val="accent1"/>
+          </a:effectRef>
+          <a:fontRef idx="minor">
+            <a:schemeClr val="tx1"/>
+          </a:fontRef>
+        </p:style>
+      </p:cxnSp>
+      <p:cxnSp>
+        <p:nvCxnSpPr>
+          <p:cNvPr id="15" name="Connecteur droit avec flèche 14"/>
+          <p:cNvCxnSpPr/>
+          <p:nvPr/>
+        </p:nvCxnSpPr>
+        <p:spPr>
+          <a:xfrm>
+            <a:off x="1403648" y="2183135"/>
+            <a:ext cx="0" cy="2605763"/>
+          </a:xfrm>
+          <a:prstGeom prst="straightConnector1">
+            <a:avLst/>
+          </a:prstGeom>
+          <a:ln>
+            <a:headEnd type="arrow"/>
+            <a:tailEnd type="arrow"/>
+          </a:ln>
+        </p:spPr>
+        <p:style>
+          <a:lnRef idx="1">
+            <a:schemeClr val="accent1"/>
+          </a:lnRef>
+          <a:fillRef idx="0">
+            <a:schemeClr val="accent1"/>
+          </a:fillRef>
+          <a:effectRef idx="0">
+            <a:schemeClr val="accent1"/>
+          </a:effectRef>
+          <a:fontRef idx="minor">
+            <a:schemeClr val="tx1"/>
+          </a:fontRef>
+        </p:style>
+      </p:cxnSp>
+      <p:sp>
+        <p:nvSpPr>
+          <p:cNvPr id="16" name="ZoneTexte 15"/>
+          <p:cNvSpPr txBox="1"/>
+          <p:nvPr/>
+        </p:nvSpPr>
+        <p:spPr>
+          <a:xfrm>
+            <a:off x="3462977" y="5826993"/>
+            <a:ext cx="1061573" cy="369332"/>
+          </a:xfrm>
+          <a:prstGeom prst="rect">
+            <a:avLst/>
+          </a:prstGeom>
+          <a:noFill/>
+        </p:spPr>
+        <p:txBody>
+          <a:bodyPr wrap="none" rtlCol="0">
+            <a:spAutoFit/>
+          </a:bodyPr>
+          <a:lstStyle/>
+          <a:p>
+            <a:r>
+              <a:rPr lang="fr-FR" dirty="0" err="1" smtClean="0"/>
+              <a:t>getWidth</a:t>
+            </a:r>
+            <a:endParaRPr lang="fr-FR" dirty="0"/>
+          </a:p>
+        </p:txBody>
+      </p:sp>
+      <p:sp>
+        <p:nvSpPr>
+          <p:cNvPr id="17" name="ZoneTexte 16"/>
+          <p:cNvSpPr txBox="1"/>
+          <p:nvPr/>
+        </p:nvSpPr>
+        <p:spPr>
+          <a:xfrm>
+            <a:off x="179512" y="3454350"/>
+            <a:ext cx="1101135" cy="369332"/>
+          </a:xfrm>
+          <a:prstGeom prst="rect">
+            <a:avLst/>
+          </a:prstGeom>
+          <a:noFill/>
+        </p:spPr>
+        <p:txBody>
+          <a:bodyPr wrap="none" rtlCol="0">
+            <a:spAutoFit/>
+          </a:bodyPr>
+          <a:lstStyle/>
+          <a:p>
+            <a:r>
+              <a:rPr lang="fr-FR" dirty="0" err="1" smtClean="0"/>
+              <a:t>getHeight</a:t>
+            </a:r>
+            <a:endParaRPr lang="fr-FR" dirty="0"/>
+          </a:p>
+        </p:txBody>
+      </p:sp>
+      <p:sp>
+        <p:nvSpPr>
+          <p:cNvPr id="2" name="ZoneTexte 1"/>
+          <p:cNvSpPr txBox="1"/>
+          <p:nvPr/>
+        </p:nvSpPr>
+        <p:spPr>
+          <a:xfrm>
+            <a:off x="2244627" y="1269917"/>
+            <a:ext cx="184731" cy="369332"/>
+          </a:xfrm>
+          <a:prstGeom prst="rect">
+            <a:avLst/>
+          </a:prstGeom>
+          <a:noFill/>
+        </p:spPr>
+        <p:txBody>
+          <a:bodyPr wrap="none" rtlCol="0">
+            <a:spAutoFit/>
+          </a:bodyPr>
+          <a:lstStyle/>
+          <a:p>
+            <a:endParaRPr lang="fr-FR" dirty="0"/>
+          </a:p>
+        </p:txBody>
+      </p:sp>
+      <p:sp>
+        <p:nvSpPr>
+          <p:cNvPr id="4" name="ZoneTexte 3"/>
+          <p:cNvSpPr txBox="1"/>
+          <p:nvPr/>
+        </p:nvSpPr>
+        <p:spPr>
+          <a:xfrm>
+            <a:off x="209440" y="280333"/>
+            <a:ext cx="6833362" cy="369332"/>
+          </a:xfrm>
+          <a:prstGeom prst="rect">
+            <a:avLst/>
+          </a:prstGeom>
+          <a:noFill/>
+        </p:spPr>
+        <p:txBody>
+          <a:bodyPr wrap="square" rtlCol="0">
+            <a:spAutoFit/>
+          </a:bodyPr>
+          <a:lstStyle/>
+          <a:p>
+            <a:r>
+              <a:rPr lang="fr-FR" dirty="0"/>
+              <a:t>g2.translate(-(</a:t>
+            </a:r>
+            <a:r>
+              <a:rPr lang="fr-FR" dirty="0" err="1"/>
+              <a:t>xmax+xmin</a:t>
+            </a:r>
+            <a:r>
+              <a:rPr lang="fr-FR" dirty="0"/>
+              <a:t>)/2, -(</a:t>
+            </a:r>
+            <a:r>
+              <a:rPr lang="fr-FR" dirty="0" err="1"/>
+              <a:t>ymax+ymin</a:t>
+            </a:r>
+            <a:r>
+              <a:rPr lang="fr-FR" dirty="0"/>
+              <a:t>)/2);</a:t>
+            </a:r>
+          </a:p>
+        </p:txBody>
+      </p:sp>
+      <p:sp>
+        <p:nvSpPr>
+          <p:cNvPr id="12" name="ZoneTexte 11"/>
+          <p:cNvSpPr txBox="1"/>
+          <p:nvPr/>
+        </p:nvSpPr>
+        <p:spPr>
+          <a:xfrm>
+            <a:off x="4477817" y="1269917"/>
+            <a:ext cx="1795089" cy="276999"/>
+          </a:xfrm>
+          <a:prstGeom prst="rect">
+            <a:avLst/>
+          </a:prstGeom>
+          <a:noFill/>
+        </p:spPr>
+        <p:txBody>
+          <a:bodyPr wrap="square" rtlCol="0">
+            <a:spAutoFit/>
+          </a:bodyPr>
+          <a:lstStyle/>
+          <a:p>
+            <a:r>
+              <a:rPr lang="fr-FR" sz="1200" dirty="0" err="1" smtClean="0"/>
+              <a:t>Xmax</a:t>
+            </a:r>
+            <a:r>
+              <a:rPr lang="fr-FR" sz="1200" dirty="0" smtClean="0"/>
+              <a:t> =  m(300)/200 = 1,5</a:t>
+            </a:r>
+            <a:endParaRPr lang="fr-FR" sz="1200" dirty="0"/>
+          </a:p>
+        </p:txBody>
+      </p:sp>
+      <p:sp>
+        <p:nvSpPr>
+          <p:cNvPr id="14" name="Ellipse 13"/>
+          <p:cNvSpPr/>
+          <p:nvPr/>
+        </p:nvSpPr>
+        <p:spPr>
+          <a:xfrm>
+            <a:off x="3824918" y="4521635"/>
+            <a:ext cx="77119" cy="147637"/>
+          </a:xfrm>
+          <a:prstGeom prst="ellipse">
+            <a:avLst/>
+          </a:prstGeom>
+        </p:spPr>
+        <p:style>
+          <a:lnRef idx="2">
+            <a:schemeClr val="accent1">
+              <a:shade val="50000"/>
+            </a:schemeClr>
+          </a:lnRef>
+          <a:fillRef idx="1">
+            <a:schemeClr val="accent1"/>
+          </a:fillRef>
+          <a:effectRef idx="0">
+            <a:schemeClr val="accent1"/>
+          </a:effectRef>
+          <a:fontRef idx="minor">
+            <a:schemeClr val="lt1"/>
+          </a:fontRef>
+        </p:style>
+        <p:txBody>
+          <a:bodyPr rtlCol="0" anchor="ctr"/>
+          <a:lstStyle/>
+          <a:p>
+            <a:pPr algn="ctr"/>
+            <a:endParaRPr lang="fr-FR"/>
+          </a:p>
+        </p:txBody>
+      </p:sp>
+      <p:sp>
+        <p:nvSpPr>
+          <p:cNvPr id="18" name="ZoneTexte 17"/>
+          <p:cNvSpPr txBox="1"/>
+          <p:nvPr/>
+        </p:nvSpPr>
+        <p:spPr>
+          <a:xfrm>
+            <a:off x="6300192" y="620688"/>
+            <a:ext cx="1872208" cy="1723549"/>
+          </a:xfrm>
+          <a:prstGeom prst="rect">
+            <a:avLst/>
+          </a:prstGeom>
+          <a:noFill/>
+        </p:spPr>
+        <p:txBody>
+          <a:bodyPr wrap="square" rtlCol="0">
+            <a:spAutoFit/>
+          </a:bodyPr>
+          <a:lstStyle/>
+          <a:p>
+            <a:r>
+              <a:rPr lang="fr-FR" sz="1400" dirty="0" err="1" smtClean="0"/>
+              <a:t>Xmax</a:t>
+            </a:r>
+            <a:r>
+              <a:rPr lang="fr-FR" sz="1400" dirty="0" smtClean="0"/>
+              <a:t>=1,5</a:t>
+            </a:r>
+          </a:p>
+          <a:p>
+            <a:r>
+              <a:rPr lang="fr-FR" sz="1400" dirty="0" err="1" smtClean="0"/>
+              <a:t>Xmin</a:t>
+            </a:r>
+            <a:r>
+              <a:rPr lang="fr-FR" sz="1400" dirty="0" smtClean="0"/>
+              <a:t>=0</a:t>
+            </a:r>
+          </a:p>
+          <a:p>
+            <a:r>
+              <a:rPr lang="fr-FR" sz="1400" dirty="0" err="1" smtClean="0"/>
+              <a:t>Margin</a:t>
+            </a:r>
+            <a:r>
+              <a:rPr lang="fr-FR" sz="1400" dirty="0" smtClean="0"/>
+              <a:t>=0</a:t>
+            </a:r>
+          </a:p>
+          <a:p>
+            <a:r>
+              <a:rPr lang="fr-FR" sz="1400" dirty="0" err="1" smtClean="0"/>
+              <a:t>Width</a:t>
+            </a:r>
+            <a:r>
+              <a:rPr lang="fr-FR" sz="1400" dirty="0" smtClean="0"/>
+              <a:t>=300</a:t>
+            </a:r>
+          </a:p>
+          <a:p>
+            <a:r>
+              <a:rPr lang="fr-FR" sz="1400" dirty="0" err="1" smtClean="0"/>
+              <a:t>Zoomx</a:t>
+            </a:r>
+            <a:r>
+              <a:rPr lang="fr-FR" sz="1400" dirty="0" smtClean="0"/>
+              <a:t>=200</a:t>
+            </a:r>
+          </a:p>
+          <a:p>
+            <a:endParaRPr lang="fr-FR" dirty="0" smtClean="0"/>
+          </a:p>
+          <a:p>
+            <a:endParaRPr lang="fr-FR" dirty="0"/>
+          </a:p>
+        </p:txBody>
+      </p:sp>
+      <p:sp>
+        <p:nvSpPr>
+          <p:cNvPr id="19" name="Zone de texte 2"/>
+          <p:cNvSpPr txBox="1">
+            <a:spLocks noChangeArrowheads="1"/>
+          </p:cNvSpPr>
+          <p:nvPr/>
+        </p:nvSpPr>
+        <p:spPr bwMode="auto">
+          <a:xfrm>
+            <a:off x="3626121" y="1639249"/>
+            <a:ext cx="665670" cy="325258"/>
+          </a:xfrm>
+          <a:prstGeom prst="rect">
+            <a:avLst/>
+          </a:prstGeom>
+          <a:solidFill>
+            <a:srgbClr val="FFFFFF"/>
+          </a:solidFill>
+          <a:ln w="6350">
+            <a:solidFill>
+              <a:srgbClr val="000000"/>
+            </a:solidFill>
+            <a:miter lim="800000"/>
+            <a:headEnd/>
+            <a:tailEnd/>
+          </a:ln>
+        </p:spPr>
+        <p:txBody>
+          <a:bodyPr vert="horz" wrap="none" lIns="91440" tIns="45720" rIns="91440" bIns="45720" numCol="1" anchor="t" anchorCtr="0" compatLnSpc="1">
+            <a:prstTxWarp prst="textNoShape">
+              <a:avLst/>
+            </a:prstTxWarp>
+          </a:bodyPr>
+          <a:lstStyle/>
+          <a:p>
+            <a:pPr marL="0" marR="0" lvl="0" indent="0" algn="l" defTabSz="914400" rtl="0" eaLnBrk="1" fontAlgn="base" latinLnBrk="0" hangingPunct="1">
+              <a:lnSpc>
+                <a:spcPct val="100000"/>
+              </a:lnSpc>
+              <a:spcBef>
+                <a:spcPct val="0"/>
+              </a:spcBef>
+              <a:spcAft>
+                <a:spcPct val="0"/>
+              </a:spcAft>
+              <a:buClrTx/>
+              <a:buSzTx/>
+              <a:buFontTx/>
+              <a:buNone/>
+              <a:tabLst/>
+            </a:pPr>
+            <a:r>
+              <a:rPr kumimoji="0" lang="fr-FR" altLang="fr-FR" sz="1100" b="0" i="0" u="none" strike="noStrike" cap="none" normalizeH="0" baseline="0" dirty="0" smtClean="0">
+                <a:ln>
+                  <a:noFill/>
+                </a:ln>
+                <a:solidFill>
+                  <a:schemeClr val="tx1"/>
+                </a:solidFill>
+                <a:effectLst/>
+                <a:latin typeface="Calibri" pitchFamily="34" charset="0"/>
+                <a:ea typeface="Calibri" pitchFamily="34" charset="0"/>
+                <a:cs typeface="Times New Roman" pitchFamily="18" charset="0"/>
+              </a:rPr>
+              <a:t>m150</a:t>
+            </a:r>
+            <a:endParaRPr kumimoji="0" lang="fr-FR" altLang="fr-FR" sz="1800" b="0" i="0" u="none" strike="noStrike" cap="none" normalizeH="0" baseline="0" dirty="0" smtClean="0">
+              <a:ln>
+                <a:noFill/>
+              </a:ln>
+              <a:solidFill>
+                <a:schemeClr val="tx1"/>
+              </a:solidFill>
+              <a:effectLst/>
+              <a:latin typeface="Arial" pitchFamily="34" charset="0"/>
+              <a:cs typeface="Arial" pitchFamily="34" charset="0"/>
+            </a:endParaRPr>
+          </a:p>
+        </p:txBody>
+      </p:sp>
+      <p:sp>
+        <p:nvSpPr>
+          <p:cNvPr id="20" name="ZoneTexte 19"/>
+          <p:cNvSpPr txBox="1"/>
+          <p:nvPr/>
+        </p:nvSpPr>
+        <p:spPr>
+          <a:xfrm>
+            <a:off x="2238569" y="4387703"/>
+            <a:ext cx="602789" cy="286138"/>
+          </a:xfrm>
+          <a:prstGeom prst="rect">
+            <a:avLst/>
+          </a:prstGeom>
+          <a:noFill/>
+        </p:spPr>
+        <p:txBody>
+          <a:bodyPr wrap="square" rtlCol="0">
+            <a:spAutoFit/>
+          </a:bodyPr>
+          <a:lstStyle/>
+          <a:p>
+            <a:r>
+              <a:rPr lang="fr-FR" sz="1200" dirty="0" smtClean="0"/>
+              <a:t>P(0,0)</a:t>
+            </a:r>
+            <a:endParaRPr lang="fr-FR" sz="1200" dirty="0"/>
+          </a:p>
+        </p:txBody>
+      </p:sp>
+      <p:sp>
+        <p:nvSpPr>
+          <p:cNvPr id="21" name="ZoneTexte 20"/>
+          <p:cNvSpPr txBox="1"/>
+          <p:nvPr/>
+        </p:nvSpPr>
+        <p:spPr>
+          <a:xfrm>
+            <a:off x="3369412" y="4249203"/>
+            <a:ext cx="1396721" cy="276999"/>
+          </a:xfrm>
+          <a:prstGeom prst="rect">
+            <a:avLst/>
+          </a:prstGeom>
+          <a:noFill/>
+        </p:spPr>
+        <p:txBody>
+          <a:bodyPr wrap="square" rtlCol="0">
+            <a:spAutoFit/>
+          </a:bodyPr>
+          <a:lstStyle/>
+          <a:p>
+            <a:r>
+              <a:rPr lang="fr-FR" sz="1200" dirty="0" smtClean="0"/>
+              <a:t>P(150/200 = 0,75)</a:t>
+            </a:r>
+            <a:endParaRPr lang="fr-FR" sz="1200" dirty="0"/>
+          </a:p>
+        </p:txBody>
+      </p:sp>
+      <p:sp>
+        <p:nvSpPr>
+          <p:cNvPr id="23" name="Ellipse 22"/>
+          <p:cNvSpPr/>
+          <p:nvPr/>
+        </p:nvSpPr>
+        <p:spPr>
+          <a:xfrm>
+            <a:off x="5554871" y="4572719"/>
+            <a:ext cx="77119" cy="147637"/>
+          </a:xfrm>
+          <a:prstGeom prst="ellipse">
+            <a:avLst/>
+          </a:prstGeom>
+        </p:spPr>
+        <p:style>
+          <a:lnRef idx="2">
+            <a:schemeClr val="accent1">
+              <a:shade val="50000"/>
+            </a:schemeClr>
+          </a:lnRef>
+          <a:fillRef idx="1">
+            <a:schemeClr val="accent1"/>
+          </a:fillRef>
+          <a:effectRef idx="0">
+            <a:schemeClr val="accent1"/>
+          </a:effectRef>
+          <a:fontRef idx="minor">
+            <a:schemeClr val="lt1"/>
+          </a:fontRef>
+        </p:style>
+        <p:txBody>
+          <a:bodyPr rtlCol="0" anchor="ctr"/>
+          <a:lstStyle/>
+          <a:p>
+            <a:pPr algn="ctr"/>
+            <a:endParaRPr lang="fr-FR"/>
+          </a:p>
+        </p:txBody>
+      </p:sp>
+      <p:sp>
+        <p:nvSpPr>
+          <p:cNvPr id="24" name="ZoneTexte 23"/>
+          <p:cNvSpPr txBox="1"/>
+          <p:nvPr/>
+        </p:nvSpPr>
+        <p:spPr>
+          <a:xfrm>
+            <a:off x="4936274" y="4262193"/>
+            <a:ext cx="1396721" cy="276999"/>
+          </a:xfrm>
+          <a:prstGeom prst="rect">
+            <a:avLst/>
+          </a:prstGeom>
+          <a:noFill/>
+        </p:spPr>
+        <p:txBody>
+          <a:bodyPr wrap="square" rtlCol="0">
+            <a:spAutoFit/>
+          </a:bodyPr>
+          <a:lstStyle/>
+          <a:p>
+            <a:r>
+              <a:rPr lang="fr-FR" sz="1200" dirty="0" smtClean="0"/>
+              <a:t>P(300/200 = 1,5)</a:t>
+            </a:r>
+            <a:endParaRPr lang="fr-FR" sz="1200" dirty="0"/>
+          </a:p>
+        </p:txBody>
+      </p:sp>
+      <p:sp>
+        <p:nvSpPr>
+          <p:cNvPr id="25" name="Ellipse 24"/>
+          <p:cNvSpPr/>
+          <p:nvPr/>
+        </p:nvSpPr>
+        <p:spPr>
+          <a:xfrm>
+            <a:off x="3042674" y="3949682"/>
+            <a:ext cx="88712" cy="121473"/>
+          </a:xfrm>
+          <a:prstGeom prst="ellipse">
+            <a:avLst/>
+          </a:prstGeom>
+        </p:spPr>
+        <p:style>
+          <a:lnRef idx="2">
+            <a:schemeClr val="accent1">
+              <a:shade val="50000"/>
+            </a:schemeClr>
+          </a:lnRef>
+          <a:fillRef idx="1">
+            <a:schemeClr val="accent1"/>
+          </a:fillRef>
+          <a:effectRef idx="0">
+            <a:schemeClr val="accent1"/>
+          </a:effectRef>
+          <a:fontRef idx="minor">
+            <a:schemeClr val="lt1"/>
+          </a:fontRef>
+        </p:style>
+        <p:txBody>
+          <a:bodyPr rtlCol="0" anchor="ctr"/>
+          <a:lstStyle/>
+          <a:p>
+            <a:pPr algn="ctr"/>
+            <a:endParaRPr lang="fr-FR"/>
+          </a:p>
+        </p:txBody>
+      </p:sp>
+      <p:sp>
+        <p:nvSpPr>
+          <p:cNvPr id="26" name="ZoneTexte 25"/>
+          <p:cNvSpPr txBox="1"/>
+          <p:nvPr/>
+        </p:nvSpPr>
+        <p:spPr>
+          <a:xfrm>
+            <a:off x="2769355" y="3575678"/>
+            <a:ext cx="1564729" cy="276999"/>
+          </a:xfrm>
+          <a:prstGeom prst="rect">
+            <a:avLst/>
+          </a:prstGeom>
+          <a:noFill/>
+        </p:spPr>
+        <p:txBody>
+          <a:bodyPr wrap="square" rtlCol="0">
+            <a:spAutoFit/>
+          </a:bodyPr>
+          <a:lstStyle/>
+          <a:p>
+            <a:r>
+              <a:rPr lang="fr-FR" sz="1200" dirty="0" smtClean="0"/>
+              <a:t>P(x/zoom, y/zoom)</a:t>
+            </a:r>
+            <a:endParaRPr lang="fr-FR" sz="1200" dirty="0"/>
+          </a:p>
+        </p:txBody>
+      </p:sp>
+      <p:sp>
+        <p:nvSpPr>
+          <p:cNvPr id="27" name="ZoneTexte 26"/>
+          <p:cNvSpPr txBox="1"/>
+          <p:nvPr/>
+        </p:nvSpPr>
+        <p:spPr>
+          <a:xfrm>
+            <a:off x="5751140" y="4816910"/>
+            <a:ext cx="676275" cy="369332"/>
+          </a:xfrm>
+          <a:prstGeom prst="rect">
+            <a:avLst/>
+          </a:prstGeom>
+          <a:noFill/>
+        </p:spPr>
+        <p:txBody>
+          <a:bodyPr wrap="none" rtlCol="0">
+            <a:spAutoFit/>
+          </a:bodyPr>
+          <a:lstStyle/>
+          <a:p>
+            <a:r>
+              <a:rPr lang="fr-FR" dirty="0" err="1" smtClean="0"/>
+              <a:t>xmax</a:t>
+            </a:r>
+            <a:endParaRPr lang="fr-FR" dirty="0"/>
+          </a:p>
+        </p:txBody>
+      </p:sp>
+      <p:sp>
+        <p:nvSpPr>
+          <p:cNvPr id="28" name="ZoneTexte 27"/>
+          <p:cNvSpPr txBox="1"/>
+          <p:nvPr/>
+        </p:nvSpPr>
+        <p:spPr>
+          <a:xfrm>
+            <a:off x="1728777" y="4881597"/>
+            <a:ext cx="643125" cy="369332"/>
+          </a:xfrm>
+          <a:prstGeom prst="rect">
+            <a:avLst/>
+          </a:prstGeom>
+          <a:noFill/>
+        </p:spPr>
+        <p:txBody>
+          <a:bodyPr wrap="none" rtlCol="0">
+            <a:spAutoFit/>
+          </a:bodyPr>
+          <a:lstStyle/>
+          <a:p>
+            <a:r>
+              <a:rPr lang="fr-FR" dirty="0" err="1" smtClean="0"/>
+              <a:t>xmin</a:t>
+            </a:r>
+            <a:endParaRPr lang="fr-FR" dirty="0"/>
+          </a:p>
+        </p:txBody>
+      </p:sp>
+      <p:cxnSp>
+        <p:nvCxnSpPr>
+          <p:cNvPr id="29" name="Connecteur droit 28"/>
+          <p:cNvCxnSpPr/>
+          <p:nvPr/>
+        </p:nvCxnSpPr>
+        <p:spPr>
+          <a:xfrm flipV="1">
+            <a:off x="2341814" y="4721724"/>
+            <a:ext cx="3315417" cy="2"/>
+          </a:xfrm>
+          <a:prstGeom prst="line">
+            <a:avLst/>
+          </a:prstGeom>
+        </p:spPr>
+        <p:style>
+          <a:lnRef idx="3">
+            <a:schemeClr val="accent6"/>
+          </a:lnRef>
+          <a:fillRef idx="0">
+            <a:schemeClr val="accent6"/>
+          </a:fillRef>
+          <a:effectRef idx="2">
+            <a:schemeClr val="accent6"/>
+          </a:effectRef>
+          <a:fontRef idx="minor">
+            <a:schemeClr val="tx1"/>
+          </a:fontRef>
+        </p:style>
+      </p:cxnSp>
+      <p:sp>
+        <p:nvSpPr>
+          <p:cNvPr id="32" name="ZoneTexte 31"/>
+          <p:cNvSpPr txBox="1"/>
+          <p:nvPr/>
+        </p:nvSpPr>
+        <p:spPr>
+          <a:xfrm>
+            <a:off x="6427415" y="3139218"/>
+            <a:ext cx="2537073" cy="2308324"/>
+          </a:xfrm>
+          <a:prstGeom prst="rect">
+            <a:avLst/>
+          </a:prstGeom>
+          <a:noFill/>
+        </p:spPr>
+        <p:txBody>
+          <a:bodyPr wrap="square" rtlCol="0">
+            <a:spAutoFit/>
+          </a:bodyPr>
+          <a:lstStyle/>
+          <a:p>
+            <a:r>
+              <a:rPr lang="fr-FR" dirty="0" err="1" smtClean="0"/>
+              <a:t>xt</a:t>
+            </a:r>
+            <a:r>
+              <a:rPr lang="fr-FR" dirty="0" smtClean="0"/>
+              <a:t> = </a:t>
+            </a:r>
+            <a:r>
+              <a:rPr lang="fr-FR" dirty="0" err="1" smtClean="0"/>
+              <a:t>xm-width</a:t>
+            </a:r>
+            <a:r>
+              <a:rPr lang="fr-FR" dirty="0" smtClean="0"/>
+              <a:t>/2</a:t>
+            </a:r>
+            <a:endParaRPr lang="fr-FR" dirty="0"/>
+          </a:p>
+          <a:p>
+            <a:r>
+              <a:rPr lang="fr-FR" dirty="0" err="1" smtClean="0"/>
+              <a:t>xa</a:t>
+            </a:r>
+            <a:r>
+              <a:rPr lang="fr-FR" dirty="0" smtClean="0"/>
+              <a:t>= </a:t>
+            </a:r>
+            <a:r>
+              <a:rPr lang="fr-FR" dirty="0" err="1" smtClean="0"/>
+              <a:t>xt</a:t>
+            </a:r>
+            <a:r>
+              <a:rPr lang="fr-FR" dirty="0" smtClean="0"/>
+              <a:t>/zoom</a:t>
+            </a:r>
+          </a:p>
+          <a:p>
+            <a:r>
+              <a:rPr lang="fr-FR" dirty="0" err="1"/>
+              <a:t>zoomx</a:t>
+            </a:r>
+            <a:r>
+              <a:rPr lang="fr-FR" dirty="0"/>
+              <a:t>=</a:t>
+            </a:r>
+            <a:r>
+              <a:rPr lang="fr-FR" dirty="0" err="1"/>
+              <a:t>getWidth</a:t>
+            </a:r>
+            <a:r>
+              <a:rPr lang="fr-FR" dirty="0"/>
+              <a:t>()/(xmax-xmin+2*</a:t>
+            </a:r>
+            <a:r>
+              <a:rPr lang="fr-FR" dirty="0" err="1"/>
+              <a:t>marginx</a:t>
+            </a:r>
+            <a:r>
+              <a:rPr lang="fr-FR" dirty="0"/>
+              <a:t>);</a:t>
+            </a:r>
+          </a:p>
+          <a:p>
+            <a:r>
+              <a:rPr lang="fr-FR" dirty="0" smtClean="0"/>
+              <a:t>x </a:t>
+            </a:r>
+            <a:r>
+              <a:rPr lang="fr-FR" dirty="0" smtClean="0"/>
+              <a:t>= </a:t>
+            </a:r>
+            <a:r>
+              <a:rPr lang="fr-FR" dirty="0" err="1" smtClean="0"/>
+              <a:t>xa</a:t>
+            </a:r>
+            <a:r>
+              <a:rPr lang="fr-FR" dirty="0"/>
+              <a:t>+</a:t>
+            </a:r>
+            <a:r>
+              <a:rPr lang="fr-FR" dirty="0" smtClean="0"/>
+              <a:t>(</a:t>
+            </a:r>
+            <a:r>
+              <a:rPr lang="fr-FR" dirty="0" err="1" smtClean="0"/>
+              <a:t>xmax+xmin</a:t>
+            </a:r>
+            <a:r>
+              <a:rPr lang="fr-FR" dirty="0" smtClean="0"/>
+              <a:t>)/2</a:t>
+            </a:r>
+          </a:p>
+          <a:p>
+            <a:r>
+              <a:rPr lang="fr-FR" dirty="0"/>
+              <a:t>x =</a:t>
+            </a:r>
+            <a:r>
+              <a:rPr lang="fr-FR" dirty="0" err="1"/>
+              <a:t>xm</a:t>
+            </a:r>
+            <a:r>
+              <a:rPr lang="fr-FR" dirty="0"/>
+              <a:t>/zoom+ </a:t>
+            </a:r>
+            <a:r>
+              <a:rPr lang="fr-FR" dirty="0" err="1"/>
+              <a:t>xmin</a:t>
+            </a:r>
+            <a:r>
+              <a:rPr lang="fr-FR" dirty="0"/>
+              <a:t> - </a:t>
+            </a:r>
+            <a:r>
+              <a:rPr lang="fr-FR" dirty="0" err="1"/>
+              <a:t>margin</a:t>
+            </a:r>
+            <a:endParaRPr lang="fr-FR" dirty="0" smtClean="0"/>
+          </a:p>
+          <a:p>
+            <a:endParaRPr lang="fr-FR" dirty="0"/>
+          </a:p>
+        </p:txBody>
+      </p:sp>
+    </p:spTree>
+    <p:extLst>
+      <p:ext uri="{BB962C8B-B14F-4D97-AF65-F5344CB8AC3E}">
+        <p14:creationId xmlns:p14="http://schemas.microsoft.com/office/powerpoint/2010/main" val="1397880338"/>
+      </p:ext>
+    </p:extLst>
+  </p:cSld>
+  <p:clrMapOvr>
+    <a:masterClrMapping/>
+  </p:clrMapOvr>
+</p:sld>
+</file>
+
+<file path=ppt/slides/slide21.xml><?xml version="1.0" encoding="utf-8"?>
+<p:sld xmlns:a="http://schemas.openxmlformats.org/drawingml/2006/main" xmlns:r="http://schemas.openxmlformats.org/officeDocument/2006/relationships" xmlns:p="http://schemas.openxmlformats.org/presentationml/2006/main">
+  <p:cSld>
+    <p:spTree>
+      <p:nvGrpSpPr>
+        <p:cNvPr id="1" name=""/>
+        <p:cNvGrpSpPr/>
+        <p:nvPr/>
+      </p:nvGrpSpPr>
+      <p:grpSpPr>
+        <a:xfrm>
+          <a:off x="0" y="0"/>
+          <a:ext cx="0" cy="0"/>
+          <a:chOff x="0" y="0"/>
+          <a:chExt cx="0" cy="0"/>
+        </a:xfrm>
+      </p:grpSpPr>
+      <p:sp>
+        <p:nvSpPr>
+          <p:cNvPr id="5" name="Rectangle 4"/>
+          <p:cNvSpPr/>
+          <p:nvPr/>
+        </p:nvSpPr>
+        <p:spPr>
+          <a:xfrm>
+            <a:off x="2244627" y="2183135"/>
+            <a:ext cx="3412604" cy="2635746"/>
+          </a:xfrm>
+          <a:prstGeom prst="rect">
+            <a:avLst/>
+          </a:prstGeom>
+        </p:spPr>
+        <p:style>
+          <a:lnRef idx="1">
+            <a:schemeClr val="accent5"/>
+          </a:lnRef>
+          <a:fillRef idx="2">
+            <a:schemeClr val="accent5"/>
+          </a:fillRef>
+          <a:effectRef idx="1">
+            <a:schemeClr val="accent5"/>
+          </a:effectRef>
+          <a:fontRef idx="minor">
+            <a:schemeClr val="dk1"/>
+          </a:fontRef>
+        </p:style>
+        <p:txBody>
+          <a:bodyPr rot="0" spcFirstLastPara="0" vert="horz" wrap="square" lIns="91440" tIns="45720" rIns="91440" bIns="45720" numCol="1" spcCol="0" rtlCol="0" fromWordArt="0" anchor="ctr" anchorCtr="0" forceAA="0" compatLnSpc="1">
+            <a:prstTxWarp prst="textNoShape">
+              <a:avLst/>
+            </a:prstTxWarp>
+            <a:noAutofit/>
+          </a:bodyPr>
+          <a:lstStyle/>
+          <a:p>
+            <a:endParaRPr lang="fr-FR" dirty="0"/>
+          </a:p>
+        </p:txBody>
+      </p:sp>
+      <p:sp>
+        <p:nvSpPr>
+          <p:cNvPr id="6" name="Zone de texte 2"/>
+          <p:cNvSpPr txBox="1">
+            <a:spLocks noChangeArrowheads="1"/>
+          </p:cNvSpPr>
+          <p:nvPr/>
+        </p:nvSpPr>
+        <p:spPr bwMode="auto">
+          <a:xfrm>
+            <a:off x="1763688" y="1767848"/>
+            <a:ext cx="573304" cy="295275"/>
+          </a:xfrm>
+          <a:prstGeom prst="rect">
+            <a:avLst/>
+          </a:prstGeom>
+          <a:solidFill>
+            <a:srgbClr val="FFFFFF"/>
+          </a:solidFill>
+          <a:ln w="6350">
+            <a:solidFill>
+              <a:srgbClr val="000000"/>
+            </a:solidFill>
+            <a:miter lim="800000"/>
+            <a:headEnd/>
+            <a:tailEnd/>
+          </a:ln>
+        </p:spPr>
+        <p:txBody>
+          <a:bodyPr vert="horz" wrap="none" lIns="91440" tIns="45720" rIns="91440" bIns="45720" numCol="1" anchor="t" anchorCtr="0" compatLnSpc="1">
+            <a:prstTxWarp prst="textNoShape">
+              <a:avLst/>
+            </a:prstTxWarp>
+          </a:bodyPr>
+          <a:lstStyle/>
+          <a:p>
+            <a:pPr marL="0" marR="0" lvl="0" indent="0" algn="l" defTabSz="914400" rtl="0" eaLnBrk="1" fontAlgn="base" latinLnBrk="0" hangingPunct="1">
+              <a:lnSpc>
+                <a:spcPct val="100000"/>
+              </a:lnSpc>
+              <a:spcBef>
+                <a:spcPct val="0"/>
+              </a:spcBef>
+              <a:spcAft>
+                <a:spcPct val="0"/>
+              </a:spcAft>
+              <a:buClrTx/>
+              <a:buSzTx/>
+              <a:buFontTx/>
+              <a:buNone/>
+              <a:tabLst/>
+            </a:pPr>
+            <a:r>
+              <a:rPr kumimoji="0" lang="fr-FR" altLang="fr-FR" sz="1100" b="0" i="0" u="none" strike="noStrike" cap="none" normalizeH="0" baseline="0" dirty="0" smtClean="0">
+                <a:ln>
+                  <a:noFill/>
+                </a:ln>
+                <a:solidFill>
+                  <a:schemeClr val="tx1"/>
+                </a:solidFill>
+                <a:effectLst/>
+                <a:latin typeface="Calibri" pitchFamily="34" charset="0"/>
+                <a:ea typeface="Calibri" pitchFamily="34" charset="0"/>
+                <a:cs typeface="Times New Roman" pitchFamily="18" charset="0"/>
+              </a:rPr>
+              <a:t>m0,m0</a:t>
+            </a:r>
+            <a:endParaRPr kumimoji="0" lang="fr-FR" altLang="fr-FR" sz="1800" b="0" i="0" u="none" strike="noStrike" cap="none" normalizeH="0" baseline="0" dirty="0" smtClean="0">
+              <a:ln>
+                <a:noFill/>
+              </a:ln>
+              <a:solidFill>
+                <a:schemeClr val="tx1"/>
+              </a:solidFill>
+              <a:effectLst/>
+              <a:latin typeface="Arial" pitchFamily="34" charset="0"/>
+              <a:cs typeface="Arial" pitchFamily="34" charset="0"/>
+            </a:endParaRPr>
+          </a:p>
+        </p:txBody>
+      </p:sp>
+      <p:cxnSp>
+        <p:nvCxnSpPr>
+          <p:cNvPr id="7" name="Connecteur droit avec flèche 6"/>
+          <p:cNvCxnSpPr/>
+          <p:nvPr/>
+        </p:nvCxnSpPr>
+        <p:spPr>
+          <a:xfrm>
+            <a:off x="4007210" y="3454350"/>
+            <a:ext cx="1368152" cy="0"/>
+          </a:xfrm>
+          <a:prstGeom prst="straightConnector1">
+            <a:avLst/>
+          </a:prstGeom>
+          <a:ln>
+            <a:tailEnd type="arrow"/>
+          </a:ln>
+        </p:spPr>
+        <p:style>
+          <a:lnRef idx="1">
+            <a:schemeClr val="accent1"/>
+          </a:lnRef>
+          <a:fillRef idx="0">
+            <a:schemeClr val="accent1"/>
+          </a:fillRef>
+          <a:effectRef idx="0">
+            <a:schemeClr val="accent1"/>
+          </a:effectRef>
+          <a:fontRef idx="minor">
+            <a:schemeClr val="tx1"/>
+          </a:fontRef>
+        </p:style>
+      </p:cxnSp>
+      <p:cxnSp>
+        <p:nvCxnSpPr>
+          <p:cNvPr id="9" name="Connecteur droit avec flèche 8"/>
+          <p:cNvCxnSpPr/>
+          <p:nvPr/>
+        </p:nvCxnSpPr>
+        <p:spPr>
+          <a:xfrm flipV="1">
+            <a:off x="4007210" y="2085130"/>
+            <a:ext cx="0" cy="1221582"/>
+          </a:xfrm>
+          <a:prstGeom prst="straightConnector1">
+            <a:avLst/>
+          </a:prstGeom>
+          <a:ln>
+            <a:tailEnd type="arrow"/>
+          </a:ln>
+        </p:spPr>
+        <p:style>
+          <a:lnRef idx="1">
+            <a:schemeClr val="accent1"/>
+          </a:lnRef>
+          <a:fillRef idx="0">
+            <a:schemeClr val="accent1"/>
+          </a:fillRef>
+          <a:effectRef idx="0">
+            <a:schemeClr val="accent1"/>
+          </a:effectRef>
+          <a:fontRef idx="minor">
+            <a:schemeClr val="tx1"/>
+          </a:fontRef>
+        </p:style>
+      </p:cxnSp>
+      <p:sp>
+        <p:nvSpPr>
+          <p:cNvPr id="10" name="ZoneTexte 9"/>
+          <p:cNvSpPr txBox="1"/>
+          <p:nvPr/>
+        </p:nvSpPr>
+        <p:spPr>
+          <a:xfrm>
+            <a:off x="4549260" y="3518243"/>
+            <a:ext cx="284052" cy="369332"/>
+          </a:xfrm>
+          <a:prstGeom prst="rect">
+            <a:avLst/>
+          </a:prstGeom>
+          <a:noFill/>
+        </p:spPr>
+        <p:txBody>
+          <a:bodyPr wrap="none" rtlCol="0">
+            <a:spAutoFit/>
+          </a:bodyPr>
+          <a:lstStyle/>
+          <a:p>
+            <a:r>
+              <a:rPr lang="fr-FR" dirty="0" smtClean="0"/>
+              <a:t>x</a:t>
+            </a:r>
+            <a:endParaRPr lang="fr-FR" dirty="0"/>
+          </a:p>
+        </p:txBody>
+      </p:sp>
+      <p:sp>
+        <p:nvSpPr>
+          <p:cNvPr id="11" name="ZoneTexte 10"/>
+          <p:cNvSpPr txBox="1"/>
+          <p:nvPr/>
+        </p:nvSpPr>
+        <p:spPr>
+          <a:xfrm>
+            <a:off x="3462977" y="2381677"/>
+            <a:ext cx="288862" cy="369332"/>
+          </a:xfrm>
+          <a:prstGeom prst="rect">
+            <a:avLst/>
+          </a:prstGeom>
+          <a:noFill/>
+        </p:spPr>
+        <p:txBody>
+          <a:bodyPr wrap="none" rtlCol="0">
+            <a:spAutoFit/>
+          </a:bodyPr>
+          <a:lstStyle/>
+          <a:p>
+            <a:r>
+              <a:rPr lang="fr-FR" dirty="0" smtClean="0"/>
+              <a:t>y</a:t>
+            </a:r>
+            <a:endParaRPr lang="fr-FR" dirty="0"/>
+          </a:p>
+        </p:txBody>
+      </p:sp>
+      <p:cxnSp>
+        <p:nvCxnSpPr>
+          <p:cNvPr id="13" name="Connecteur droit avec flèche 12"/>
+          <p:cNvCxnSpPr/>
+          <p:nvPr/>
+        </p:nvCxnSpPr>
+        <p:spPr>
+          <a:xfrm>
+            <a:off x="4060256" y="5444823"/>
+            <a:ext cx="1519856" cy="0"/>
+          </a:xfrm>
+          <a:prstGeom prst="straightConnector1">
+            <a:avLst/>
+          </a:prstGeom>
+          <a:ln>
+            <a:headEnd type="arrow"/>
+            <a:tailEnd type="arrow"/>
+          </a:ln>
+        </p:spPr>
+        <p:style>
+          <a:lnRef idx="1">
+            <a:schemeClr val="accent1"/>
+          </a:lnRef>
+          <a:fillRef idx="0">
+            <a:schemeClr val="accent1"/>
+          </a:fillRef>
+          <a:effectRef idx="0">
+            <a:schemeClr val="accent1"/>
+          </a:effectRef>
+          <a:fontRef idx="minor">
+            <a:schemeClr val="tx1"/>
+          </a:fontRef>
+        </p:style>
+      </p:cxnSp>
+      <p:cxnSp>
+        <p:nvCxnSpPr>
+          <p:cNvPr id="15" name="Connecteur droit avec flèche 14"/>
+          <p:cNvCxnSpPr/>
+          <p:nvPr/>
+        </p:nvCxnSpPr>
+        <p:spPr>
+          <a:xfrm>
+            <a:off x="1403648" y="2183135"/>
+            <a:ext cx="0" cy="2605763"/>
+          </a:xfrm>
+          <a:prstGeom prst="straightConnector1">
+            <a:avLst/>
+          </a:prstGeom>
+          <a:ln>
+            <a:headEnd type="arrow"/>
+            <a:tailEnd type="arrow"/>
+          </a:ln>
+        </p:spPr>
+        <p:style>
+          <a:lnRef idx="1">
+            <a:schemeClr val="accent1"/>
+          </a:lnRef>
+          <a:fillRef idx="0">
+            <a:schemeClr val="accent1"/>
+          </a:fillRef>
+          <a:effectRef idx="0">
+            <a:schemeClr val="accent1"/>
+          </a:effectRef>
+          <a:fontRef idx="minor">
+            <a:schemeClr val="tx1"/>
+          </a:fontRef>
+        </p:style>
+      </p:cxnSp>
+      <p:sp>
+        <p:nvSpPr>
+          <p:cNvPr id="16" name="ZoneTexte 15"/>
+          <p:cNvSpPr txBox="1"/>
+          <p:nvPr/>
+        </p:nvSpPr>
+        <p:spPr>
+          <a:xfrm>
+            <a:off x="3462977" y="5826993"/>
+            <a:ext cx="1061573" cy="369332"/>
+          </a:xfrm>
+          <a:prstGeom prst="rect">
+            <a:avLst/>
+          </a:prstGeom>
+          <a:noFill/>
+        </p:spPr>
+        <p:txBody>
+          <a:bodyPr wrap="none" rtlCol="0">
+            <a:spAutoFit/>
+          </a:bodyPr>
+          <a:lstStyle/>
+          <a:p>
+            <a:r>
+              <a:rPr lang="fr-FR" dirty="0" err="1" smtClean="0"/>
+              <a:t>getWidth</a:t>
+            </a:r>
+            <a:endParaRPr lang="fr-FR" dirty="0"/>
+          </a:p>
+        </p:txBody>
+      </p:sp>
+      <p:sp>
+        <p:nvSpPr>
+          <p:cNvPr id="17" name="ZoneTexte 16"/>
+          <p:cNvSpPr txBox="1"/>
+          <p:nvPr/>
+        </p:nvSpPr>
+        <p:spPr>
+          <a:xfrm>
+            <a:off x="179512" y="3454350"/>
+            <a:ext cx="1101135" cy="369332"/>
+          </a:xfrm>
+          <a:prstGeom prst="rect">
+            <a:avLst/>
+          </a:prstGeom>
+          <a:noFill/>
+        </p:spPr>
+        <p:txBody>
+          <a:bodyPr wrap="none" rtlCol="0">
+            <a:spAutoFit/>
+          </a:bodyPr>
+          <a:lstStyle/>
+          <a:p>
+            <a:r>
+              <a:rPr lang="fr-FR" dirty="0" err="1" smtClean="0"/>
+              <a:t>getHeight</a:t>
+            </a:r>
+            <a:endParaRPr lang="fr-FR" dirty="0"/>
+          </a:p>
+        </p:txBody>
+      </p:sp>
+      <p:sp>
+        <p:nvSpPr>
+          <p:cNvPr id="2" name="ZoneTexte 1"/>
+          <p:cNvSpPr txBox="1"/>
+          <p:nvPr/>
+        </p:nvSpPr>
+        <p:spPr>
+          <a:xfrm>
+            <a:off x="2244627" y="1269917"/>
+            <a:ext cx="184731" cy="369332"/>
+          </a:xfrm>
+          <a:prstGeom prst="rect">
+            <a:avLst/>
+          </a:prstGeom>
+          <a:noFill/>
+        </p:spPr>
+        <p:txBody>
+          <a:bodyPr wrap="none" rtlCol="0">
+            <a:spAutoFit/>
+          </a:bodyPr>
+          <a:lstStyle/>
+          <a:p>
+            <a:endParaRPr lang="fr-FR" dirty="0"/>
+          </a:p>
+        </p:txBody>
+      </p:sp>
+      <p:sp>
+        <p:nvSpPr>
+          <p:cNvPr id="4" name="ZoneTexte 3"/>
+          <p:cNvSpPr txBox="1"/>
+          <p:nvPr/>
+        </p:nvSpPr>
+        <p:spPr>
+          <a:xfrm>
+            <a:off x="404377" y="346587"/>
+            <a:ext cx="6833362" cy="923330"/>
+          </a:xfrm>
+          <a:prstGeom prst="rect">
+            <a:avLst/>
+          </a:prstGeom>
+          <a:noFill/>
+        </p:spPr>
+        <p:txBody>
+          <a:bodyPr wrap="square" rtlCol="0">
+            <a:spAutoFit/>
+          </a:bodyPr>
+          <a:lstStyle/>
+          <a:p>
+            <a:r>
+              <a:rPr lang="fr-FR" dirty="0" err="1"/>
+              <a:t>zoomx</a:t>
+            </a:r>
+            <a:r>
+              <a:rPr lang="fr-FR" dirty="0"/>
+              <a:t>=</a:t>
+            </a:r>
+            <a:r>
+              <a:rPr lang="fr-FR" dirty="0" err="1"/>
+              <a:t>getWidth</a:t>
+            </a:r>
+            <a:r>
+              <a:rPr lang="fr-FR" dirty="0"/>
+              <a:t>()/(xmax-xmin+2*</a:t>
+            </a:r>
+            <a:r>
+              <a:rPr lang="fr-FR" dirty="0" err="1"/>
+              <a:t>marginx</a:t>
+            </a:r>
+            <a:r>
+              <a:rPr lang="fr-FR" dirty="0"/>
+              <a:t>);</a:t>
+            </a:r>
+          </a:p>
+          <a:p>
+            <a:r>
+              <a:rPr lang="fr-FR" dirty="0" err="1"/>
+              <a:t>zoomy</a:t>
+            </a:r>
+            <a:r>
+              <a:rPr lang="fr-FR" dirty="0"/>
+              <a:t>= </a:t>
+            </a:r>
+            <a:r>
+              <a:rPr lang="fr-FR" dirty="0" err="1"/>
+              <a:t>getHeight</a:t>
+            </a:r>
+            <a:r>
+              <a:rPr lang="fr-FR" dirty="0"/>
+              <a:t>()/(ymax-ymin+2*</a:t>
+            </a:r>
+            <a:r>
+              <a:rPr lang="fr-FR" dirty="0" err="1"/>
+              <a:t>marginy</a:t>
+            </a:r>
+            <a:r>
+              <a:rPr lang="fr-FR" dirty="0"/>
+              <a:t>);</a:t>
+            </a:r>
+          </a:p>
+          <a:p>
+            <a:r>
+              <a:rPr lang="fr-FR" dirty="0" smtClean="0"/>
+              <a:t>g2.scale(</a:t>
+            </a:r>
+            <a:r>
+              <a:rPr lang="fr-FR" dirty="0" err="1" smtClean="0"/>
+              <a:t>zoomx</a:t>
+            </a:r>
+            <a:r>
+              <a:rPr lang="fr-FR" dirty="0"/>
+              <a:t>, -</a:t>
+            </a:r>
+            <a:r>
+              <a:rPr lang="fr-FR" dirty="0" err="1"/>
+              <a:t>zoomy</a:t>
+            </a:r>
+            <a:r>
+              <a:rPr lang="fr-FR" dirty="0"/>
+              <a:t>);</a:t>
+            </a:r>
+          </a:p>
+        </p:txBody>
+      </p:sp>
+      <p:sp>
+        <p:nvSpPr>
+          <p:cNvPr id="12" name="ZoneTexte 11"/>
+          <p:cNvSpPr txBox="1"/>
+          <p:nvPr/>
+        </p:nvSpPr>
+        <p:spPr>
+          <a:xfrm>
+            <a:off x="4477817" y="1269917"/>
+            <a:ext cx="1795089" cy="276999"/>
+          </a:xfrm>
+          <a:prstGeom prst="rect">
+            <a:avLst/>
+          </a:prstGeom>
+          <a:noFill/>
+        </p:spPr>
+        <p:txBody>
+          <a:bodyPr wrap="square" rtlCol="0">
+            <a:spAutoFit/>
+          </a:bodyPr>
+          <a:lstStyle/>
+          <a:p>
+            <a:r>
+              <a:rPr lang="fr-FR" sz="1200" dirty="0" err="1" smtClean="0"/>
+              <a:t>Xmax</a:t>
+            </a:r>
+            <a:r>
+              <a:rPr lang="fr-FR" sz="1200" dirty="0" smtClean="0"/>
+              <a:t> =  m(300)/200 = 1,5</a:t>
+            </a:r>
+            <a:endParaRPr lang="fr-FR" sz="1200" dirty="0"/>
+          </a:p>
+        </p:txBody>
+      </p:sp>
+      <p:sp>
+        <p:nvSpPr>
+          <p:cNvPr id="14" name="Ellipse 13"/>
+          <p:cNvSpPr/>
+          <p:nvPr/>
+        </p:nvSpPr>
+        <p:spPr>
+          <a:xfrm>
+            <a:off x="5580112" y="3159075"/>
+            <a:ext cx="77119" cy="147637"/>
+          </a:xfrm>
+          <a:prstGeom prst="ellipse">
+            <a:avLst/>
+          </a:prstGeom>
+        </p:spPr>
+        <p:style>
+          <a:lnRef idx="2">
+            <a:schemeClr val="accent1">
+              <a:shade val="50000"/>
+            </a:schemeClr>
+          </a:lnRef>
+          <a:fillRef idx="1">
+            <a:schemeClr val="accent1"/>
+          </a:fillRef>
+          <a:effectRef idx="0">
+            <a:schemeClr val="accent1"/>
+          </a:effectRef>
+          <a:fontRef idx="minor">
+            <a:schemeClr val="lt1"/>
+          </a:fontRef>
+        </p:style>
+        <p:txBody>
+          <a:bodyPr rtlCol="0" anchor="ctr"/>
+          <a:lstStyle/>
+          <a:p>
+            <a:pPr algn="ctr"/>
+            <a:endParaRPr lang="fr-FR"/>
+          </a:p>
+        </p:txBody>
+      </p:sp>
+      <p:sp>
+        <p:nvSpPr>
+          <p:cNvPr id="18" name="ZoneTexte 17"/>
+          <p:cNvSpPr txBox="1"/>
+          <p:nvPr/>
+        </p:nvSpPr>
+        <p:spPr>
+          <a:xfrm>
+            <a:off x="6300192" y="620688"/>
+            <a:ext cx="1872208" cy="1723549"/>
+          </a:xfrm>
+          <a:prstGeom prst="rect">
+            <a:avLst/>
+          </a:prstGeom>
+          <a:noFill/>
+        </p:spPr>
+        <p:txBody>
+          <a:bodyPr wrap="square" rtlCol="0">
+            <a:spAutoFit/>
+          </a:bodyPr>
+          <a:lstStyle/>
+          <a:p>
+            <a:r>
+              <a:rPr lang="fr-FR" sz="1400" dirty="0" err="1" smtClean="0"/>
+              <a:t>Xmax</a:t>
+            </a:r>
+            <a:r>
+              <a:rPr lang="fr-FR" sz="1400" dirty="0" smtClean="0"/>
+              <a:t>=1,5</a:t>
+            </a:r>
+          </a:p>
+          <a:p>
+            <a:r>
+              <a:rPr lang="fr-FR" sz="1400" dirty="0" err="1" smtClean="0"/>
+              <a:t>Xmin</a:t>
+            </a:r>
+            <a:r>
+              <a:rPr lang="fr-FR" sz="1400" dirty="0" smtClean="0"/>
+              <a:t>=0</a:t>
+            </a:r>
+          </a:p>
+          <a:p>
+            <a:r>
+              <a:rPr lang="fr-FR" sz="1400" dirty="0" err="1" smtClean="0"/>
+              <a:t>Margin</a:t>
+            </a:r>
+            <a:r>
+              <a:rPr lang="fr-FR" sz="1400" dirty="0" smtClean="0"/>
+              <a:t>=1</a:t>
+            </a:r>
+          </a:p>
+          <a:p>
+            <a:r>
+              <a:rPr lang="fr-FR" sz="1400" dirty="0" err="1" smtClean="0"/>
+              <a:t>Width</a:t>
+            </a:r>
+            <a:r>
+              <a:rPr lang="fr-FR" sz="1400" dirty="0" smtClean="0"/>
+              <a:t>=300</a:t>
+            </a:r>
+          </a:p>
+          <a:p>
+            <a:r>
+              <a:rPr lang="fr-FR" sz="1400" dirty="0" err="1" smtClean="0"/>
+              <a:t>Zoomx</a:t>
+            </a:r>
+            <a:r>
+              <a:rPr lang="fr-FR" sz="1400" dirty="0" smtClean="0"/>
+              <a:t>=85</a:t>
+            </a:r>
+          </a:p>
+          <a:p>
+            <a:endParaRPr lang="fr-FR" dirty="0" smtClean="0"/>
+          </a:p>
+          <a:p>
+            <a:endParaRPr lang="fr-FR" dirty="0"/>
+          </a:p>
+        </p:txBody>
+      </p:sp>
+      <p:sp>
+        <p:nvSpPr>
+          <p:cNvPr id="19" name="Zone de texte 2"/>
+          <p:cNvSpPr txBox="1">
+            <a:spLocks noChangeArrowheads="1"/>
+          </p:cNvSpPr>
+          <p:nvPr/>
+        </p:nvSpPr>
+        <p:spPr bwMode="auto">
+          <a:xfrm>
+            <a:off x="3626121" y="1639249"/>
+            <a:ext cx="665670" cy="325258"/>
+          </a:xfrm>
+          <a:prstGeom prst="rect">
+            <a:avLst/>
+          </a:prstGeom>
+          <a:solidFill>
+            <a:srgbClr val="FFFFFF"/>
+          </a:solidFill>
+          <a:ln w="6350">
+            <a:solidFill>
+              <a:srgbClr val="000000"/>
+            </a:solidFill>
+            <a:miter lim="800000"/>
+            <a:headEnd/>
+            <a:tailEnd/>
+          </a:ln>
+        </p:spPr>
+        <p:txBody>
+          <a:bodyPr vert="horz" wrap="none" lIns="91440" tIns="45720" rIns="91440" bIns="45720" numCol="1" anchor="t" anchorCtr="0" compatLnSpc="1">
+            <a:prstTxWarp prst="textNoShape">
+              <a:avLst/>
+            </a:prstTxWarp>
+          </a:bodyPr>
+          <a:lstStyle/>
+          <a:p>
+            <a:pPr marL="0" marR="0" lvl="0" indent="0" algn="l" defTabSz="914400" rtl="0" eaLnBrk="1" fontAlgn="base" latinLnBrk="0" hangingPunct="1">
+              <a:lnSpc>
+                <a:spcPct val="100000"/>
+              </a:lnSpc>
+              <a:spcBef>
+                <a:spcPct val="0"/>
+              </a:spcBef>
+              <a:spcAft>
+                <a:spcPct val="0"/>
+              </a:spcAft>
+              <a:buClrTx/>
+              <a:buSzTx/>
+              <a:buFontTx/>
+              <a:buNone/>
+              <a:tabLst/>
+            </a:pPr>
+            <a:r>
+              <a:rPr kumimoji="0" lang="fr-FR" altLang="fr-FR" sz="1100" b="0" i="0" u="none" strike="noStrike" cap="none" normalizeH="0" baseline="0" dirty="0" smtClean="0">
+                <a:ln>
+                  <a:noFill/>
+                </a:ln>
+                <a:solidFill>
+                  <a:schemeClr val="tx1"/>
+                </a:solidFill>
+                <a:effectLst/>
+                <a:latin typeface="Calibri" pitchFamily="34" charset="0"/>
+                <a:ea typeface="Calibri" pitchFamily="34" charset="0"/>
+                <a:cs typeface="Times New Roman" pitchFamily="18" charset="0"/>
+              </a:rPr>
+              <a:t>m150</a:t>
+            </a:r>
+            <a:endParaRPr kumimoji="0" lang="fr-FR" altLang="fr-FR" sz="1800" b="0" i="0" u="none" strike="noStrike" cap="none" normalizeH="0" baseline="0" dirty="0" smtClean="0">
+              <a:ln>
+                <a:noFill/>
+              </a:ln>
+              <a:solidFill>
+                <a:schemeClr val="tx1"/>
+              </a:solidFill>
+              <a:effectLst/>
+              <a:latin typeface="Arial" pitchFamily="34" charset="0"/>
+              <a:cs typeface="Arial" pitchFamily="34" charset="0"/>
+            </a:endParaRPr>
+          </a:p>
+        </p:txBody>
+      </p:sp>
+      <p:sp>
+        <p:nvSpPr>
+          <p:cNvPr id="20" name="ZoneTexte 19"/>
+          <p:cNvSpPr txBox="1"/>
+          <p:nvPr/>
+        </p:nvSpPr>
+        <p:spPr>
+          <a:xfrm>
+            <a:off x="3993763" y="3025143"/>
+            <a:ext cx="602789" cy="286138"/>
+          </a:xfrm>
+          <a:prstGeom prst="rect">
+            <a:avLst/>
+          </a:prstGeom>
+          <a:noFill/>
+        </p:spPr>
+        <p:txBody>
+          <a:bodyPr wrap="square" rtlCol="0">
+            <a:spAutoFit/>
+          </a:bodyPr>
+          <a:lstStyle/>
+          <a:p>
+            <a:r>
+              <a:rPr lang="fr-FR" sz="1200" dirty="0" smtClean="0"/>
+              <a:t>P(0,0)</a:t>
+            </a:r>
+            <a:endParaRPr lang="fr-FR" sz="1200" dirty="0"/>
+          </a:p>
+        </p:txBody>
+      </p:sp>
+      <p:sp>
+        <p:nvSpPr>
+          <p:cNvPr id="21" name="ZoneTexte 20"/>
+          <p:cNvSpPr txBox="1"/>
+          <p:nvPr/>
+        </p:nvSpPr>
+        <p:spPr>
+          <a:xfrm>
+            <a:off x="5124606" y="2886643"/>
+            <a:ext cx="1396721" cy="276999"/>
+          </a:xfrm>
+          <a:prstGeom prst="rect">
+            <a:avLst/>
+          </a:prstGeom>
+          <a:noFill/>
+        </p:spPr>
+        <p:txBody>
+          <a:bodyPr wrap="square" rtlCol="0">
+            <a:spAutoFit/>
+          </a:bodyPr>
+          <a:lstStyle/>
+          <a:p>
+            <a:r>
+              <a:rPr lang="fr-FR" sz="1200" dirty="0" smtClean="0"/>
+              <a:t>P(150/85 = 1,76)</a:t>
+            </a:r>
+            <a:endParaRPr lang="fr-FR" sz="1200" dirty="0"/>
+          </a:p>
+        </p:txBody>
+      </p:sp>
+      <p:sp>
+        <p:nvSpPr>
+          <p:cNvPr id="25" name="Ellipse 24"/>
+          <p:cNvSpPr/>
+          <p:nvPr/>
+        </p:nvSpPr>
+        <p:spPr>
+          <a:xfrm>
+            <a:off x="4797868" y="2587122"/>
+            <a:ext cx="88712" cy="121473"/>
+          </a:xfrm>
+          <a:prstGeom prst="ellipse">
+            <a:avLst/>
+          </a:prstGeom>
+        </p:spPr>
+        <p:style>
+          <a:lnRef idx="2">
+            <a:schemeClr val="accent1">
+              <a:shade val="50000"/>
+            </a:schemeClr>
+          </a:lnRef>
+          <a:fillRef idx="1">
+            <a:schemeClr val="accent1"/>
+          </a:fillRef>
+          <a:effectRef idx="0">
+            <a:schemeClr val="accent1"/>
+          </a:effectRef>
+          <a:fontRef idx="minor">
+            <a:schemeClr val="lt1"/>
+          </a:fontRef>
+        </p:style>
+        <p:txBody>
+          <a:bodyPr rtlCol="0" anchor="ctr"/>
+          <a:lstStyle/>
+          <a:p>
+            <a:pPr algn="ctr"/>
+            <a:endParaRPr lang="fr-FR"/>
+          </a:p>
+        </p:txBody>
+      </p:sp>
+      <p:sp>
+        <p:nvSpPr>
+          <p:cNvPr id="26" name="ZoneTexte 25"/>
+          <p:cNvSpPr txBox="1"/>
+          <p:nvPr/>
+        </p:nvSpPr>
+        <p:spPr>
+          <a:xfrm>
+            <a:off x="4524549" y="2213118"/>
+            <a:ext cx="1564729" cy="276999"/>
+          </a:xfrm>
+          <a:prstGeom prst="rect">
+            <a:avLst/>
+          </a:prstGeom>
+          <a:noFill/>
+        </p:spPr>
+        <p:txBody>
+          <a:bodyPr wrap="square" rtlCol="0">
+            <a:spAutoFit/>
+          </a:bodyPr>
+          <a:lstStyle/>
+          <a:p>
+            <a:r>
+              <a:rPr lang="fr-FR" sz="1200" dirty="0" smtClean="0"/>
+              <a:t>P(x/zoom, y/zoom)</a:t>
+            </a:r>
+            <a:endParaRPr lang="fr-FR" sz="1200" dirty="0"/>
+          </a:p>
+        </p:txBody>
+      </p:sp>
+      <p:sp>
+        <p:nvSpPr>
+          <p:cNvPr id="27" name="ZoneTexte 26"/>
+          <p:cNvSpPr txBox="1"/>
+          <p:nvPr/>
+        </p:nvSpPr>
+        <p:spPr>
+          <a:xfrm>
+            <a:off x="5751140" y="5010804"/>
+            <a:ext cx="676275" cy="369332"/>
+          </a:xfrm>
+          <a:prstGeom prst="rect">
+            <a:avLst/>
+          </a:prstGeom>
+          <a:noFill/>
+        </p:spPr>
+        <p:txBody>
+          <a:bodyPr wrap="none" rtlCol="0">
+            <a:spAutoFit/>
+          </a:bodyPr>
+          <a:lstStyle/>
+          <a:p>
+            <a:r>
+              <a:rPr lang="fr-FR" dirty="0" err="1" smtClean="0"/>
+              <a:t>xmax</a:t>
+            </a:r>
+            <a:endParaRPr lang="fr-FR" dirty="0"/>
+          </a:p>
+        </p:txBody>
+      </p:sp>
+      <p:sp>
+        <p:nvSpPr>
+          <p:cNvPr id="28" name="ZoneTexte 27"/>
+          <p:cNvSpPr txBox="1"/>
+          <p:nvPr/>
+        </p:nvSpPr>
+        <p:spPr>
+          <a:xfrm>
+            <a:off x="3430276" y="5075491"/>
+            <a:ext cx="643125" cy="369332"/>
+          </a:xfrm>
+          <a:prstGeom prst="rect">
+            <a:avLst/>
+          </a:prstGeom>
+          <a:noFill/>
+        </p:spPr>
+        <p:txBody>
+          <a:bodyPr wrap="none" rtlCol="0">
+            <a:spAutoFit/>
+          </a:bodyPr>
+          <a:lstStyle/>
+          <a:p>
+            <a:r>
+              <a:rPr lang="fr-FR" dirty="0" err="1" smtClean="0"/>
+              <a:t>xmin</a:t>
+            </a:r>
+            <a:endParaRPr lang="fr-FR" dirty="0"/>
+          </a:p>
+        </p:txBody>
+      </p:sp>
+      <p:cxnSp>
+        <p:nvCxnSpPr>
+          <p:cNvPr id="8" name="Connecteur droit 7"/>
+          <p:cNvCxnSpPr/>
+          <p:nvPr/>
+        </p:nvCxnSpPr>
+        <p:spPr>
+          <a:xfrm flipV="1">
+            <a:off x="4060256" y="3311281"/>
+            <a:ext cx="1447848" cy="1"/>
+          </a:xfrm>
+          <a:prstGeom prst="line">
+            <a:avLst/>
+          </a:prstGeom>
+        </p:spPr>
+        <p:style>
+          <a:lnRef idx="3">
+            <a:schemeClr val="accent6"/>
+          </a:lnRef>
+          <a:fillRef idx="0">
+            <a:schemeClr val="accent6"/>
+          </a:fillRef>
+          <a:effectRef idx="2">
+            <a:schemeClr val="accent6"/>
+          </a:effectRef>
+          <a:fontRef idx="minor">
+            <a:schemeClr val="tx1"/>
+          </a:fontRef>
+        </p:style>
+      </p:cxnSp>
+      <p:cxnSp>
+        <p:nvCxnSpPr>
+          <p:cNvPr id="32" name="Connecteur droit 31"/>
+          <p:cNvCxnSpPr/>
+          <p:nvPr/>
+        </p:nvCxnSpPr>
+        <p:spPr>
+          <a:xfrm flipH="1">
+            <a:off x="3993763" y="3518243"/>
+            <a:ext cx="17462" cy="1557248"/>
+          </a:xfrm>
+          <a:prstGeom prst="line">
+            <a:avLst/>
+          </a:prstGeom>
+        </p:spPr>
+        <p:style>
+          <a:lnRef idx="1">
+            <a:schemeClr val="accent1"/>
+          </a:lnRef>
+          <a:fillRef idx="0">
+            <a:schemeClr val="accent1"/>
+          </a:fillRef>
+          <a:effectRef idx="0">
+            <a:schemeClr val="accent1"/>
+          </a:effectRef>
+          <a:fontRef idx="minor">
+            <a:schemeClr val="tx1"/>
+          </a:fontRef>
+        </p:style>
+      </p:cxnSp>
+      <p:cxnSp>
+        <p:nvCxnSpPr>
+          <p:cNvPr id="36" name="Connecteur droit 35"/>
+          <p:cNvCxnSpPr/>
+          <p:nvPr/>
+        </p:nvCxnSpPr>
+        <p:spPr>
+          <a:xfrm>
+            <a:off x="4797868" y="3942805"/>
+            <a:ext cx="0" cy="1884188"/>
+          </a:xfrm>
+          <a:prstGeom prst="line">
+            <a:avLst/>
+          </a:prstGeom>
+        </p:spPr>
+        <p:style>
+          <a:lnRef idx="1">
+            <a:schemeClr val="accent1"/>
+          </a:lnRef>
+          <a:fillRef idx="0">
+            <a:schemeClr val="accent1"/>
+          </a:fillRef>
+          <a:effectRef idx="0">
+            <a:schemeClr val="accent1"/>
+          </a:effectRef>
+          <a:fontRef idx="minor">
+            <a:schemeClr val="tx1"/>
+          </a:fontRef>
+        </p:style>
+      </p:cxnSp>
+      <p:cxnSp>
+        <p:nvCxnSpPr>
+          <p:cNvPr id="38" name="Connecteur droit avec flèche 37"/>
+          <p:cNvCxnSpPr/>
+          <p:nvPr/>
+        </p:nvCxnSpPr>
+        <p:spPr>
+          <a:xfrm flipH="1">
+            <a:off x="2987824" y="3486016"/>
+            <a:ext cx="963105" cy="456789"/>
+          </a:xfrm>
+          <a:prstGeom prst="straightConnector1">
+            <a:avLst/>
+          </a:prstGeom>
+          <a:ln>
+            <a:tailEnd type="arrow"/>
+          </a:ln>
+        </p:spPr>
+        <p:style>
+          <a:lnRef idx="1">
+            <a:schemeClr val="accent1"/>
+          </a:lnRef>
+          <a:fillRef idx="0">
+            <a:schemeClr val="accent1"/>
+          </a:fillRef>
+          <a:effectRef idx="0">
+            <a:schemeClr val="accent1"/>
+          </a:effectRef>
+          <a:fontRef idx="minor">
+            <a:schemeClr val="tx1"/>
+          </a:fontRef>
+        </p:style>
+      </p:cxnSp>
+      <p:sp>
+        <p:nvSpPr>
+          <p:cNvPr id="39" name="ZoneTexte 38"/>
+          <p:cNvSpPr txBox="1"/>
+          <p:nvPr/>
+        </p:nvSpPr>
+        <p:spPr>
+          <a:xfrm>
+            <a:off x="6394761" y="2351626"/>
+            <a:ext cx="2537073" cy="1200329"/>
+          </a:xfrm>
+          <a:prstGeom prst="rect">
+            <a:avLst/>
+          </a:prstGeom>
+          <a:noFill/>
+        </p:spPr>
+        <p:txBody>
+          <a:bodyPr wrap="square" rtlCol="0">
+            <a:spAutoFit/>
+          </a:bodyPr>
+          <a:lstStyle/>
+          <a:p>
+            <a:r>
+              <a:rPr lang="fr-FR" dirty="0" err="1" smtClean="0"/>
+              <a:t>tx</a:t>
+            </a:r>
+            <a:r>
+              <a:rPr lang="fr-FR" dirty="0" smtClean="0"/>
+              <a:t> = </a:t>
+            </a:r>
+            <a:r>
+              <a:rPr lang="fr-FR" dirty="0"/>
+              <a:t>mx-</a:t>
+            </a:r>
+            <a:r>
+              <a:rPr lang="fr-FR" dirty="0" err="1"/>
+              <a:t>width</a:t>
+            </a:r>
+            <a:r>
+              <a:rPr lang="fr-FR" dirty="0"/>
+              <a:t>/2</a:t>
+            </a:r>
+          </a:p>
+          <a:p>
+            <a:r>
+              <a:rPr lang="fr-FR" dirty="0" err="1" smtClean="0"/>
+              <a:t>xa</a:t>
+            </a:r>
+            <a:r>
+              <a:rPr lang="fr-FR" dirty="0" smtClean="0"/>
+              <a:t>= </a:t>
+            </a:r>
+            <a:r>
+              <a:rPr lang="fr-FR" dirty="0" err="1" smtClean="0"/>
+              <a:t>tx</a:t>
+            </a:r>
+            <a:r>
+              <a:rPr lang="fr-FR" dirty="0" smtClean="0"/>
+              <a:t>/zoom</a:t>
+            </a:r>
+          </a:p>
+          <a:p>
+            <a:r>
+              <a:rPr lang="fr-FR" dirty="0" err="1" smtClean="0"/>
+              <a:t>xa</a:t>
+            </a:r>
+            <a:r>
+              <a:rPr lang="fr-FR" dirty="0" smtClean="0"/>
+              <a:t> = (mx-</a:t>
+            </a:r>
+            <a:r>
+              <a:rPr lang="fr-FR" dirty="0" err="1" smtClean="0"/>
+              <a:t>width</a:t>
+            </a:r>
+            <a:r>
+              <a:rPr lang="fr-FR" dirty="0" smtClean="0"/>
+              <a:t>/2)/zoom</a:t>
+            </a:r>
+          </a:p>
+          <a:p>
+            <a:endParaRPr lang="fr-FR" dirty="0"/>
+          </a:p>
+        </p:txBody>
+      </p:sp>
+    </p:spTree>
+    <p:extLst>
+      <p:ext uri="{BB962C8B-B14F-4D97-AF65-F5344CB8AC3E}">
+        <p14:creationId xmlns:p14="http://schemas.microsoft.com/office/powerpoint/2010/main" val="1347065031"/>
+      </p:ext>
+    </p:extLst>
+  </p:cSld>
+  <p:clrMapOvr>
+    <a:masterClrMapping/>
+  </p:clrMapOvr>
+</p:sld>
+</file>
+
+<file path=ppt/slides/slide22.xml><?xml version="1.0" encoding="utf-8"?>
+<p:sld xmlns:a="http://schemas.openxmlformats.org/drawingml/2006/main" xmlns:r="http://schemas.openxmlformats.org/officeDocument/2006/relationships" xmlns:p="http://schemas.openxmlformats.org/presentationml/2006/main">
+  <p:cSld>
+    <p:spTree>
+      <p:nvGrpSpPr>
+        <p:cNvPr id="1" name=""/>
+        <p:cNvGrpSpPr/>
+        <p:nvPr/>
+      </p:nvGrpSpPr>
+      <p:grpSpPr>
+        <a:xfrm>
+          <a:off x="0" y="0"/>
+          <a:ext cx="0" cy="0"/>
+          <a:chOff x="0" y="0"/>
+          <a:chExt cx="0" cy="0"/>
+        </a:xfrm>
+      </p:grpSpPr>
+      <p:sp>
+        <p:nvSpPr>
+          <p:cNvPr id="5" name="Rectangle 4"/>
+          <p:cNvSpPr/>
+          <p:nvPr/>
+        </p:nvSpPr>
+        <p:spPr>
+          <a:xfrm>
+            <a:off x="2244627" y="2183135"/>
+            <a:ext cx="3412604" cy="2635746"/>
+          </a:xfrm>
+          <a:prstGeom prst="rect">
+            <a:avLst/>
+          </a:prstGeom>
+        </p:spPr>
+        <p:style>
+          <a:lnRef idx="1">
+            <a:schemeClr val="accent5"/>
+          </a:lnRef>
+          <a:fillRef idx="2">
+            <a:schemeClr val="accent5"/>
+          </a:fillRef>
+          <a:effectRef idx="1">
+            <a:schemeClr val="accent5"/>
+          </a:effectRef>
+          <a:fontRef idx="minor">
+            <a:schemeClr val="dk1"/>
+          </a:fontRef>
+        </p:style>
+        <p:txBody>
+          <a:bodyPr rot="0" spcFirstLastPara="0" vert="horz" wrap="square" lIns="91440" tIns="45720" rIns="91440" bIns="45720" numCol="1" spcCol="0" rtlCol="0" fromWordArt="0" anchor="ctr" anchorCtr="0" forceAA="0" compatLnSpc="1">
+            <a:prstTxWarp prst="textNoShape">
+              <a:avLst/>
+            </a:prstTxWarp>
+            <a:noAutofit/>
+          </a:bodyPr>
+          <a:lstStyle/>
+          <a:p>
+            <a:endParaRPr lang="fr-FR" dirty="0"/>
+          </a:p>
+        </p:txBody>
+      </p:sp>
+      <p:sp>
+        <p:nvSpPr>
+          <p:cNvPr id="6" name="Zone de texte 2"/>
+          <p:cNvSpPr txBox="1">
+            <a:spLocks noChangeArrowheads="1"/>
+          </p:cNvSpPr>
+          <p:nvPr/>
+        </p:nvSpPr>
+        <p:spPr bwMode="auto">
+          <a:xfrm>
+            <a:off x="1763688" y="1767848"/>
+            <a:ext cx="573304" cy="295275"/>
+          </a:xfrm>
+          <a:prstGeom prst="rect">
+            <a:avLst/>
+          </a:prstGeom>
+          <a:solidFill>
+            <a:srgbClr val="FFFFFF"/>
+          </a:solidFill>
+          <a:ln w="6350">
+            <a:solidFill>
+              <a:srgbClr val="000000"/>
+            </a:solidFill>
+            <a:miter lim="800000"/>
+            <a:headEnd/>
+            <a:tailEnd/>
+          </a:ln>
+        </p:spPr>
+        <p:txBody>
+          <a:bodyPr vert="horz" wrap="none" lIns="91440" tIns="45720" rIns="91440" bIns="45720" numCol="1" anchor="t" anchorCtr="0" compatLnSpc="1">
+            <a:prstTxWarp prst="textNoShape">
+              <a:avLst/>
+            </a:prstTxWarp>
+          </a:bodyPr>
+          <a:lstStyle/>
+          <a:p>
+            <a:pPr marL="0" marR="0" lvl="0" indent="0" algn="l" defTabSz="914400" rtl="0" eaLnBrk="1" fontAlgn="base" latinLnBrk="0" hangingPunct="1">
+              <a:lnSpc>
+                <a:spcPct val="100000"/>
+              </a:lnSpc>
+              <a:spcBef>
+                <a:spcPct val="0"/>
+              </a:spcBef>
+              <a:spcAft>
+                <a:spcPct val="0"/>
+              </a:spcAft>
+              <a:buClrTx/>
+              <a:buSzTx/>
+              <a:buFontTx/>
+              <a:buNone/>
+              <a:tabLst/>
+            </a:pPr>
+            <a:r>
+              <a:rPr kumimoji="0" lang="fr-FR" altLang="fr-FR" sz="1100" b="0" i="0" u="none" strike="noStrike" cap="none" normalizeH="0" baseline="0" dirty="0" smtClean="0">
+                <a:ln>
+                  <a:noFill/>
+                </a:ln>
+                <a:solidFill>
+                  <a:schemeClr val="tx1"/>
+                </a:solidFill>
+                <a:effectLst/>
+                <a:latin typeface="Calibri" pitchFamily="34" charset="0"/>
+                <a:ea typeface="Calibri" pitchFamily="34" charset="0"/>
+                <a:cs typeface="Times New Roman" pitchFamily="18" charset="0"/>
+              </a:rPr>
+              <a:t>m0,m0</a:t>
+            </a:r>
+            <a:endParaRPr kumimoji="0" lang="fr-FR" altLang="fr-FR" sz="1800" b="0" i="0" u="none" strike="noStrike" cap="none" normalizeH="0" baseline="0" dirty="0" smtClean="0">
+              <a:ln>
+                <a:noFill/>
+              </a:ln>
+              <a:solidFill>
+                <a:schemeClr val="tx1"/>
+              </a:solidFill>
+              <a:effectLst/>
+              <a:latin typeface="Arial" pitchFamily="34" charset="0"/>
+              <a:cs typeface="Arial" pitchFamily="34" charset="0"/>
+            </a:endParaRPr>
+          </a:p>
+        </p:txBody>
+      </p:sp>
+      <p:cxnSp>
+        <p:nvCxnSpPr>
+          <p:cNvPr id="7" name="Connecteur droit avec flèche 6"/>
+          <p:cNvCxnSpPr/>
+          <p:nvPr/>
+        </p:nvCxnSpPr>
+        <p:spPr>
+          <a:xfrm>
+            <a:off x="2887570" y="4085874"/>
+            <a:ext cx="1368152" cy="0"/>
+          </a:xfrm>
+          <a:prstGeom prst="straightConnector1">
+            <a:avLst/>
+          </a:prstGeom>
+          <a:ln>
+            <a:tailEnd type="arrow"/>
+          </a:ln>
+        </p:spPr>
+        <p:style>
+          <a:lnRef idx="1">
+            <a:schemeClr val="accent1"/>
+          </a:lnRef>
+          <a:fillRef idx="0">
+            <a:schemeClr val="accent1"/>
+          </a:fillRef>
+          <a:effectRef idx="0">
+            <a:schemeClr val="accent1"/>
+          </a:effectRef>
+          <a:fontRef idx="minor">
+            <a:schemeClr val="tx1"/>
+          </a:fontRef>
+        </p:style>
+      </p:cxnSp>
+      <p:cxnSp>
+        <p:nvCxnSpPr>
+          <p:cNvPr id="9" name="Connecteur droit avec flèche 8"/>
+          <p:cNvCxnSpPr/>
+          <p:nvPr/>
+        </p:nvCxnSpPr>
+        <p:spPr>
+          <a:xfrm flipV="1">
+            <a:off x="2887570" y="2716654"/>
+            <a:ext cx="0" cy="1221582"/>
+          </a:xfrm>
+          <a:prstGeom prst="straightConnector1">
+            <a:avLst/>
+          </a:prstGeom>
+          <a:ln>
+            <a:tailEnd type="arrow"/>
+          </a:ln>
+        </p:spPr>
+        <p:style>
+          <a:lnRef idx="1">
+            <a:schemeClr val="accent1"/>
+          </a:lnRef>
+          <a:fillRef idx="0">
+            <a:schemeClr val="accent1"/>
+          </a:fillRef>
+          <a:effectRef idx="0">
+            <a:schemeClr val="accent1"/>
+          </a:effectRef>
+          <a:fontRef idx="minor">
+            <a:schemeClr val="tx1"/>
+          </a:fontRef>
+        </p:style>
+      </p:cxnSp>
+      <p:sp>
+        <p:nvSpPr>
+          <p:cNvPr id="10" name="ZoneTexte 9"/>
+          <p:cNvSpPr txBox="1"/>
+          <p:nvPr/>
+        </p:nvSpPr>
+        <p:spPr>
+          <a:xfrm>
+            <a:off x="3429620" y="4149767"/>
+            <a:ext cx="284052" cy="369332"/>
+          </a:xfrm>
+          <a:prstGeom prst="rect">
+            <a:avLst/>
+          </a:prstGeom>
+          <a:noFill/>
+        </p:spPr>
+        <p:txBody>
+          <a:bodyPr wrap="none" rtlCol="0">
+            <a:spAutoFit/>
+          </a:bodyPr>
+          <a:lstStyle/>
+          <a:p>
+            <a:r>
+              <a:rPr lang="fr-FR" dirty="0" smtClean="0"/>
+              <a:t>x</a:t>
+            </a:r>
+            <a:endParaRPr lang="fr-FR" dirty="0"/>
+          </a:p>
+        </p:txBody>
+      </p:sp>
+      <p:sp>
+        <p:nvSpPr>
+          <p:cNvPr id="11" name="ZoneTexte 10"/>
+          <p:cNvSpPr txBox="1"/>
+          <p:nvPr/>
+        </p:nvSpPr>
+        <p:spPr>
+          <a:xfrm>
+            <a:off x="2343337" y="3013201"/>
+            <a:ext cx="288862" cy="369332"/>
+          </a:xfrm>
+          <a:prstGeom prst="rect">
+            <a:avLst/>
+          </a:prstGeom>
+          <a:noFill/>
+        </p:spPr>
+        <p:txBody>
+          <a:bodyPr wrap="none" rtlCol="0">
+            <a:spAutoFit/>
+          </a:bodyPr>
+          <a:lstStyle/>
+          <a:p>
+            <a:r>
+              <a:rPr lang="fr-FR" dirty="0" smtClean="0"/>
+              <a:t>y</a:t>
+            </a:r>
+            <a:endParaRPr lang="fr-FR" dirty="0"/>
+          </a:p>
+        </p:txBody>
+      </p:sp>
+      <p:cxnSp>
+        <p:nvCxnSpPr>
+          <p:cNvPr id="13" name="Connecteur droit avec flèche 12"/>
+          <p:cNvCxnSpPr/>
+          <p:nvPr/>
+        </p:nvCxnSpPr>
+        <p:spPr>
+          <a:xfrm>
+            <a:off x="2962656" y="5429004"/>
+            <a:ext cx="1519856" cy="0"/>
+          </a:xfrm>
+          <a:prstGeom prst="straightConnector1">
+            <a:avLst/>
+          </a:prstGeom>
+          <a:ln>
+            <a:headEnd type="arrow"/>
+            <a:tailEnd type="arrow"/>
+          </a:ln>
+        </p:spPr>
+        <p:style>
+          <a:lnRef idx="1">
+            <a:schemeClr val="accent1"/>
+          </a:lnRef>
+          <a:fillRef idx="0">
+            <a:schemeClr val="accent1"/>
+          </a:fillRef>
+          <a:effectRef idx="0">
+            <a:schemeClr val="accent1"/>
+          </a:effectRef>
+          <a:fontRef idx="minor">
+            <a:schemeClr val="tx1"/>
+          </a:fontRef>
+        </p:style>
+      </p:cxnSp>
+      <p:cxnSp>
+        <p:nvCxnSpPr>
+          <p:cNvPr id="15" name="Connecteur droit avec flèche 14"/>
+          <p:cNvCxnSpPr/>
+          <p:nvPr/>
+        </p:nvCxnSpPr>
+        <p:spPr>
+          <a:xfrm>
+            <a:off x="1403648" y="2183135"/>
+            <a:ext cx="0" cy="2605763"/>
+          </a:xfrm>
+          <a:prstGeom prst="straightConnector1">
+            <a:avLst/>
+          </a:prstGeom>
+          <a:ln>
+            <a:headEnd type="arrow"/>
+            <a:tailEnd type="arrow"/>
+          </a:ln>
+        </p:spPr>
+        <p:style>
+          <a:lnRef idx="1">
+            <a:schemeClr val="accent1"/>
+          </a:lnRef>
+          <a:fillRef idx="0">
+            <a:schemeClr val="accent1"/>
+          </a:fillRef>
+          <a:effectRef idx="0">
+            <a:schemeClr val="accent1"/>
+          </a:effectRef>
+          <a:fontRef idx="minor">
+            <a:schemeClr val="tx1"/>
+          </a:fontRef>
+        </p:style>
+      </p:cxnSp>
+      <p:sp>
+        <p:nvSpPr>
+          <p:cNvPr id="16" name="ZoneTexte 15"/>
+          <p:cNvSpPr txBox="1"/>
+          <p:nvPr/>
+        </p:nvSpPr>
+        <p:spPr>
+          <a:xfrm>
+            <a:off x="3462977" y="5826993"/>
+            <a:ext cx="1061573" cy="369332"/>
+          </a:xfrm>
+          <a:prstGeom prst="rect">
+            <a:avLst/>
+          </a:prstGeom>
+          <a:noFill/>
+        </p:spPr>
+        <p:txBody>
+          <a:bodyPr wrap="none" rtlCol="0">
+            <a:spAutoFit/>
+          </a:bodyPr>
+          <a:lstStyle/>
+          <a:p>
+            <a:r>
+              <a:rPr lang="fr-FR" dirty="0" err="1" smtClean="0"/>
+              <a:t>getWidth</a:t>
+            </a:r>
+            <a:endParaRPr lang="fr-FR" dirty="0"/>
+          </a:p>
+        </p:txBody>
+      </p:sp>
+      <p:sp>
+        <p:nvSpPr>
+          <p:cNvPr id="17" name="ZoneTexte 16"/>
+          <p:cNvSpPr txBox="1"/>
+          <p:nvPr/>
+        </p:nvSpPr>
+        <p:spPr>
+          <a:xfrm>
+            <a:off x="179512" y="3454350"/>
+            <a:ext cx="1101135" cy="369332"/>
+          </a:xfrm>
+          <a:prstGeom prst="rect">
+            <a:avLst/>
+          </a:prstGeom>
+          <a:noFill/>
+        </p:spPr>
+        <p:txBody>
+          <a:bodyPr wrap="none" rtlCol="0">
+            <a:spAutoFit/>
+          </a:bodyPr>
+          <a:lstStyle/>
+          <a:p>
+            <a:r>
+              <a:rPr lang="fr-FR" dirty="0" err="1" smtClean="0"/>
+              <a:t>getHeight</a:t>
+            </a:r>
+            <a:endParaRPr lang="fr-FR" dirty="0"/>
+          </a:p>
+        </p:txBody>
+      </p:sp>
+      <p:sp>
+        <p:nvSpPr>
+          <p:cNvPr id="2" name="ZoneTexte 1"/>
+          <p:cNvSpPr txBox="1"/>
+          <p:nvPr/>
+        </p:nvSpPr>
+        <p:spPr>
+          <a:xfrm>
+            <a:off x="2244627" y="1269917"/>
+            <a:ext cx="184731" cy="369332"/>
+          </a:xfrm>
+          <a:prstGeom prst="rect">
+            <a:avLst/>
+          </a:prstGeom>
+          <a:noFill/>
+        </p:spPr>
+        <p:txBody>
+          <a:bodyPr wrap="none" rtlCol="0">
+            <a:spAutoFit/>
+          </a:bodyPr>
+          <a:lstStyle/>
+          <a:p>
+            <a:endParaRPr lang="fr-FR" dirty="0"/>
+          </a:p>
+        </p:txBody>
+      </p:sp>
+      <p:sp>
+        <p:nvSpPr>
+          <p:cNvPr id="12" name="ZoneTexte 11"/>
+          <p:cNvSpPr txBox="1"/>
+          <p:nvPr/>
+        </p:nvSpPr>
+        <p:spPr>
+          <a:xfrm>
+            <a:off x="4477817" y="1269917"/>
+            <a:ext cx="1795089" cy="276999"/>
+          </a:xfrm>
+          <a:prstGeom prst="rect">
+            <a:avLst/>
+          </a:prstGeom>
+          <a:noFill/>
+        </p:spPr>
+        <p:txBody>
+          <a:bodyPr wrap="square" rtlCol="0">
+            <a:spAutoFit/>
+          </a:bodyPr>
+          <a:lstStyle/>
+          <a:p>
+            <a:r>
+              <a:rPr lang="fr-FR" sz="1200" dirty="0" err="1" smtClean="0"/>
+              <a:t>Xmax</a:t>
+            </a:r>
+            <a:r>
+              <a:rPr lang="fr-FR" sz="1200" dirty="0" smtClean="0"/>
+              <a:t> =  m(300)/200 = 1,5</a:t>
+            </a:r>
+            <a:endParaRPr lang="fr-FR" sz="1200" dirty="0"/>
+          </a:p>
+        </p:txBody>
+      </p:sp>
+      <p:sp>
+        <p:nvSpPr>
+          <p:cNvPr id="14" name="Ellipse 13"/>
+          <p:cNvSpPr/>
+          <p:nvPr/>
+        </p:nvSpPr>
+        <p:spPr>
+          <a:xfrm>
+            <a:off x="4460472" y="3790599"/>
+            <a:ext cx="77119" cy="147637"/>
+          </a:xfrm>
+          <a:prstGeom prst="ellipse">
+            <a:avLst/>
+          </a:prstGeom>
+        </p:spPr>
+        <p:style>
+          <a:lnRef idx="2">
+            <a:schemeClr val="accent1">
+              <a:shade val="50000"/>
+            </a:schemeClr>
+          </a:lnRef>
+          <a:fillRef idx="1">
+            <a:schemeClr val="accent1"/>
+          </a:fillRef>
+          <a:effectRef idx="0">
+            <a:schemeClr val="accent1"/>
+          </a:effectRef>
+          <a:fontRef idx="minor">
+            <a:schemeClr val="lt1"/>
+          </a:fontRef>
+        </p:style>
+        <p:txBody>
+          <a:bodyPr rtlCol="0" anchor="ctr"/>
+          <a:lstStyle/>
+          <a:p>
+            <a:pPr algn="ctr"/>
+            <a:endParaRPr lang="fr-FR"/>
+          </a:p>
+        </p:txBody>
+      </p:sp>
+      <p:sp>
+        <p:nvSpPr>
+          <p:cNvPr id="18" name="ZoneTexte 17"/>
+          <p:cNvSpPr txBox="1"/>
+          <p:nvPr/>
+        </p:nvSpPr>
+        <p:spPr>
+          <a:xfrm>
+            <a:off x="6300192" y="620688"/>
+            <a:ext cx="1872208" cy="1723549"/>
+          </a:xfrm>
+          <a:prstGeom prst="rect">
+            <a:avLst/>
+          </a:prstGeom>
+          <a:noFill/>
+        </p:spPr>
+        <p:txBody>
+          <a:bodyPr wrap="square" rtlCol="0">
+            <a:spAutoFit/>
+          </a:bodyPr>
+          <a:lstStyle/>
+          <a:p>
+            <a:r>
+              <a:rPr lang="fr-FR" sz="1400" dirty="0" err="1" smtClean="0"/>
+              <a:t>Xmax</a:t>
+            </a:r>
+            <a:r>
+              <a:rPr lang="fr-FR" sz="1400" dirty="0" smtClean="0"/>
+              <a:t>=1,5</a:t>
+            </a:r>
+          </a:p>
+          <a:p>
+            <a:r>
+              <a:rPr lang="fr-FR" sz="1400" dirty="0" err="1" smtClean="0"/>
+              <a:t>Xmin</a:t>
+            </a:r>
+            <a:r>
+              <a:rPr lang="fr-FR" sz="1400" dirty="0" smtClean="0"/>
+              <a:t>=0</a:t>
+            </a:r>
+          </a:p>
+          <a:p>
+            <a:r>
+              <a:rPr lang="fr-FR" sz="1400" dirty="0" err="1" smtClean="0"/>
+              <a:t>Margin</a:t>
+            </a:r>
+            <a:r>
+              <a:rPr lang="fr-FR" sz="1400" dirty="0" smtClean="0"/>
+              <a:t>=1</a:t>
+            </a:r>
+          </a:p>
+          <a:p>
+            <a:r>
+              <a:rPr lang="fr-FR" sz="1400" dirty="0" err="1" smtClean="0"/>
+              <a:t>Width</a:t>
+            </a:r>
+            <a:r>
+              <a:rPr lang="fr-FR" sz="1400" dirty="0" smtClean="0"/>
+              <a:t>=300</a:t>
+            </a:r>
+          </a:p>
+          <a:p>
+            <a:r>
+              <a:rPr lang="fr-FR" sz="1400" dirty="0" err="1" smtClean="0"/>
+              <a:t>Zoomx</a:t>
+            </a:r>
+            <a:r>
+              <a:rPr lang="fr-FR" sz="1400" dirty="0" smtClean="0"/>
+              <a:t>=85</a:t>
+            </a:r>
+          </a:p>
+          <a:p>
+            <a:endParaRPr lang="fr-FR" dirty="0" smtClean="0"/>
+          </a:p>
+          <a:p>
+            <a:endParaRPr lang="fr-FR" dirty="0"/>
+          </a:p>
+        </p:txBody>
+      </p:sp>
+      <p:sp>
+        <p:nvSpPr>
+          <p:cNvPr id="19" name="Zone de texte 2"/>
+          <p:cNvSpPr txBox="1">
+            <a:spLocks noChangeArrowheads="1"/>
+          </p:cNvSpPr>
+          <p:nvPr/>
+        </p:nvSpPr>
+        <p:spPr bwMode="auto">
+          <a:xfrm>
+            <a:off x="3626121" y="1639249"/>
+            <a:ext cx="665670" cy="325258"/>
+          </a:xfrm>
+          <a:prstGeom prst="rect">
+            <a:avLst/>
+          </a:prstGeom>
+          <a:solidFill>
+            <a:srgbClr val="FFFFFF"/>
+          </a:solidFill>
+          <a:ln w="6350">
+            <a:solidFill>
+              <a:srgbClr val="000000"/>
+            </a:solidFill>
+            <a:miter lim="800000"/>
+            <a:headEnd/>
+            <a:tailEnd/>
+          </a:ln>
+        </p:spPr>
+        <p:txBody>
+          <a:bodyPr vert="horz" wrap="none" lIns="91440" tIns="45720" rIns="91440" bIns="45720" numCol="1" anchor="t" anchorCtr="0" compatLnSpc="1">
+            <a:prstTxWarp prst="textNoShape">
+              <a:avLst/>
+            </a:prstTxWarp>
+          </a:bodyPr>
+          <a:lstStyle/>
+          <a:p>
+            <a:pPr marL="0" marR="0" lvl="0" indent="0" algn="l" defTabSz="914400" rtl="0" eaLnBrk="1" fontAlgn="base" latinLnBrk="0" hangingPunct="1">
+              <a:lnSpc>
+                <a:spcPct val="100000"/>
+              </a:lnSpc>
+              <a:spcBef>
+                <a:spcPct val="0"/>
+              </a:spcBef>
+              <a:spcAft>
+                <a:spcPct val="0"/>
+              </a:spcAft>
+              <a:buClrTx/>
+              <a:buSzTx/>
+              <a:buFontTx/>
+              <a:buNone/>
+              <a:tabLst/>
+            </a:pPr>
+            <a:r>
+              <a:rPr kumimoji="0" lang="fr-FR" altLang="fr-FR" sz="1100" b="0" i="0" u="none" strike="noStrike" cap="none" normalizeH="0" baseline="0" dirty="0" smtClean="0">
+                <a:ln>
+                  <a:noFill/>
+                </a:ln>
+                <a:solidFill>
+                  <a:schemeClr val="tx1"/>
+                </a:solidFill>
+                <a:effectLst/>
+                <a:latin typeface="Calibri" pitchFamily="34" charset="0"/>
+                <a:ea typeface="Calibri" pitchFamily="34" charset="0"/>
+                <a:cs typeface="Times New Roman" pitchFamily="18" charset="0"/>
+              </a:rPr>
+              <a:t>m150</a:t>
+            </a:r>
+            <a:endParaRPr kumimoji="0" lang="fr-FR" altLang="fr-FR" sz="1800" b="0" i="0" u="none" strike="noStrike" cap="none" normalizeH="0" baseline="0" dirty="0" smtClean="0">
+              <a:ln>
+                <a:noFill/>
+              </a:ln>
+              <a:solidFill>
+                <a:schemeClr val="tx1"/>
+              </a:solidFill>
+              <a:effectLst/>
+              <a:latin typeface="Arial" pitchFamily="34" charset="0"/>
+              <a:cs typeface="Arial" pitchFamily="34" charset="0"/>
+            </a:endParaRPr>
+          </a:p>
+        </p:txBody>
+      </p:sp>
+      <p:sp>
+        <p:nvSpPr>
+          <p:cNvPr id="20" name="ZoneTexte 19"/>
+          <p:cNvSpPr txBox="1"/>
+          <p:nvPr/>
+        </p:nvSpPr>
+        <p:spPr>
+          <a:xfrm>
+            <a:off x="2874123" y="3656667"/>
+            <a:ext cx="602789" cy="286138"/>
+          </a:xfrm>
+          <a:prstGeom prst="rect">
+            <a:avLst/>
+          </a:prstGeom>
+          <a:noFill/>
+        </p:spPr>
+        <p:txBody>
+          <a:bodyPr wrap="square" rtlCol="0">
+            <a:spAutoFit/>
+          </a:bodyPr>
+          <a:lstStyle/>
+          <a:p>
+            <a:r>
+              <a:rPr lang="fr-FR" sz="1200" dirty="0" smtClean="0"/>
+              <a:t>P(0,0)</a:t>
+            </a:r>
+            <a:endParaRPr lang="fr-FR" sz="1200" dirty="0"/>
+          </a:p>
+        </p:txBody>
+      </p:sp>
+      <p:sp>
+        <p:nvSpPr>
+          <p:cNvPr id="21" name="ZoneTexte 20"/>
+          <p:cNvSpPr txBox="1"/>
+          <p:nvPr/>
+        </p:nvSpPr>
+        <p:spPr>
+          <a:xfrm>
+            <a:off x="4004966" y="3518167"/>
+            <a:ext cx="1396721" cy="276999"/>
+          </a:xfrm>
+          <a:prstGeom prst="rect">
+            <a:avLst/>
+          </a:prstGeom>
+          <a:noFill/>
+        </p:spPr>
+        <p:txBody>
+          <a:bodyPr wrap="square" rtlCol="0">
+            <a:spAutoFit/>
+          </a:bodyPr>
+          <a:lstStyle/>
+          <a:p>
+            <a:r>
+              <a:rPr lang="fr-FR" sz="1200" dirty="0" smtClean="0"/>
+              <a:t>P(150/85 = 1,76)</a:t>
+            </a:r>
+            <a:endParaRPr lang="fr-FR" sz="1200" dirty="0"/>
+          </a:p>
+        </p:txBody>
+      </p:sp>
+      <p:sp>
+        <p:nvSpPr>
+          <p:cNvPr id="25" name="Ellipse 24"/>
+          <p:cNvSpPr/>
+          <p:nvPr/>
+        </p:nvSpPr>
+        <p:spPr>
+          <a:xfrm>
+            <a:off x="3678228" y="3218646"/>
+            <a:ext cx="88712" cy="121473"/>
+          </a:xfrm>
+          <a:prstGeom prst="ellipse">
+            <a:avLst/>
+          </a:prstGeom>
+        </p:spPr>
+        <p:style>
+          <a:lnRef idx="2">
+            <a:schemeClr val="accent1">
+              <a:shade val="50000"/>
+            </a:schemeClr>
+          </a:lnRef>
+          <a:fillRef idx="1">
+            <a:schemeClr val="accent1"/>
+          </a:fillRef>
+          <a:effectRef idx="0">
+            <a:schemeClr val="accent1"/>
+          </a:effectRef>
+          <a:fontRef idx="minor">
+            <a:schemeClr val="lt1"/>
+          </a:fontRef>
+        </p:style>
+        <p:txBody>
+          <a:bodyPr rtlCol="0" anchor="ctr"/>
+          <a:lstStyle/>
+          <a:p>
+            <a:pPr algn="ctr"/>
+            <a:endParaRPr lang="fr-FR"/>
+          </a:p>
+        </p:txBody>
+      </p:sp>
+      <p:sp>
+        <p:nvSpPr>
+          <p:cNvPr id="26" name="ZoneTexte 25"/>
+          <p:cNvSpPr txBox="1"/>
+          <p:nvPr/>
+        </p:nvSpPr>
+        <p:spPr>
+          <a:xfrm>
+            <a:off x="3404909" y="2844642"/>
+            <a:ext cx="1564729" cy="276999"/>
+          </a:xfrm>
+          <a:prstGeom prst="rect">
+            <a:avLst/>
+          </a:prstGeom>
+          <a:noFill/>
+        </p:spPr>
+        <p:txBody>
+          <a:bodyPr wrap="square" rtlCol="0">
+            <a:spAutoFit/>
+          </a:bodyPr>
+          <a:lstStyle/>
+          <a:p>
+            <a:r>
+              <a:rPr lang="fr-FR" sz="1200" dirty="0" smtClean="0"/>
+              <a:t>P(x/zoom, y/zoom)</a:t>
+            </a:r>
+            <a:endParaRPr lang="fr-FR" sz="1200" dirty="0"/>
+          </a:p>
+        </p:txBody>
+      </p:sp>
+      <p:sp>
+        <p:nvSpPr>
+          <p:cNvPr id="27" name="ZoneTexte 26"/>
+          <p:cNvSpPr txBox="1"/>
+          <p:nvPr/>
+        </p:nvSpPr>
+        <p:spPr>
+          <a:xfrm>
+            <a:off x="4653540" y="4994985"/>
+            <a:ext cx="676275" cy="369332"/>
+          </a:xfrm>
+          <a:prstGeom prst="rect">
+            <a:avLst/>
+          </a:prstGeom>
+          <a:noFill/>
+        </p:spPr>
+        <p:txBody>
+          <a:bodyPr wrap="none" rtlCol="0">
+            <a:spAutoFit/>
+          </a:bodyPr>
+          <a:lstStyle/>
+          <a:p>
+            <a:r>
+              <a:rPr lang="fr-FR" dirty="0" err="1" smtClean="0"/>
+              <a:t>xmax</a:t>
+            </a:r>
+            <a:endParaRPr lang="fr-FR" dirty="0"/>
+          </a:p>
+        </p:txBody>
+      </p:sp>
+      <p:sp>
+        <p:nvSpPr>
+          <p:cNvPr id="28" name="ZoneTexte 27"/>
+          <p:cNvSpPr txBox="1"/>
+          <p:nvPr/>
+        </p:nvSpPr>
+        <p:spPr>
+          <a:xfrm>
+            <a:off x="2332676" y="5059672"/>
+            <a:ext cx="643125" cy="369332"/>
+          </a:xfrm>
+          <a:prstGeom prst="rect">
+            <a:avLst/>
+          </a:prstGeom>
+          <a:noFill/>
+        </p:spPr>
+        <p:txBody>
+          <a:bodyPr wrap="none" rtlCol="0">
+            <a:spAutoFit/>
+          </a:bodyPr>
+          <a:lstStyle/>
+          <a:p>
+            <a:r>
+              <a:rPr lang="fr-FR" dirty="0" err="1" smtClean="0"/>
+              <a:t>xmin</a:t>
+            </a:r>
+            <a:endParaRPr lang="fr-FR" dirty="0"/>
+          </a:p>
+        </p:txBody>
+      </p:sp>
+      <p:cxnSp>
+        <p:nvCxnSpPr>
+          <p:cNvPr id="8" name="Connecteur droit 7"/>
+          <p:cNvCxnSpPr/>
+          <p:nvPr/>
+        </p:nvCxnSpPr>
+        <p:spPr>
+          <a:xfrm flipV="1">
+            <a:off x="2940616" y="3942805"/>
+            <a:ext cx="1447848" cy="1"/>
+          </a:xfrm>
+          <a:prstGeom prst="line">
+            <a:avLst/>
+          </a:prstGeom>
+        </p:spPr>
+        <p:style>
+          <a:lnRef idx="3">
+            <a:schemeClr val="accent6"/>
+          </a:lnRef>
+          <a:fillRef idx="0">
+            <a:schemeClr val="accent6"/>
+          </a:fillRef>
+          <a:effectRef idx="2">
+            <a:schemeClr val="accent6"/>
+          </a:effectRef>
+          <a:fontRef idx="minor">
+            <a:schemeClr val="tx1"/>
+          </a:fontRef>
+        </p:style>
+      </p:cxnSp>
+      <p:cxnSp>
+        <p:nvCxnSpPr>
+          <p:cNvPr id="32" name="Connecteur droit 31"/>
+          <p:cNvCxnSpPr/>
+          <p:nvPr/>
+        </p:nvCxnSpPr>
+        <p:spPr>
+          <a:xfrm flipH="1">
+            <a:off x="3993763" y="3518243"/>
+            <a:ext cx="17462" cy="1557248"/>
+          </a:xfrm>
+          <a:prstGeom prst="line">
+            <a:avLst/>
+          </a:prstGeom>
+        </p:spPr>
+        <p:style>
+          <a:lnRef idx="1">
+            <a:schemeClr val="accent1"/>
+          </a:lnRef>
+          <a:fillRef idx="0">
+            <a:schemeClr val="accent1"/>
+          </a:fillRef>
+          <a:effectRef idx="0">
+            <a:schemeClr val="accent1"/>
+          </a:effectRef>
+          <a:fontRef idx="minor">
+            <a:schemeClr val="tx1"/>
+          </a:fontRef>
+        </p:style>
+      </p:cxnSp>
+      <p:sp>
+        <p:nvSpPr>
+          <p:cNvPr id="31" name="ZoneTexte 30"/>
+          <p:cNvSpPr txBox="1"/>
+          <p:nvPr/>
+        </p:nvSpPr>
+        <p:spPr>
+          <a:xfrm>
+            <a:off x="6258965" y="2183909"/>
+            <a:ext cx="2705523" cy="1200329"/>
+          </a:xfrm>
+          <a:prstGeom prst="rect">
+            <a:avLst/>
+          </a:prstGeom>
+          <a:noFill/>
+        </p:spPr>
+        <p:txBody>
+          <a:bodyPr wrap="square" rtlCol="0">
+            <a:spAutoFit/>
+          </a:bodyPr>
+          <a:lstStyle/>
+          <a:p>
+            <a:r>
+              <a:rPr lang="fr-FR" dirty="0" err="1" smtClean="0"/>
+              <a:t>xt</a:t>
+            </a:r>
+            <a:r>
+              <a:rPr lang="fr-FR" dirty="0" smtClean="0"/>
+              <a:t> = </a:t>
+            </a:r>
+            <a:r>
+              <a:rPr lang="fr-FR" dirty="0" err="1" smtClean="0"/>
+              <a:t>xm-width</a:t>
+            </a:r>
+            <a:r>
+              <a:rPr lang="fr-FR" dirty="0" smtClean="0"/>
+              <a:t>/2</a:t>
+            </a:r>
+            <a:endParaRPr lang="fr-FR" dirty="0"/>
+          </a:p>
+          <a:p>
+            <a:r>
+              <a:rPr lang="fr-FR" dirty="0" err="1" smtClean="0"/>
+              <a:t>xa</a:t>
+            </a:r>
+            <a:r>
+              <a:rPr lang="fr-FR" dirty="0" smtClean="0"/>
+              <a:t>= </a:t>
+            </a:r>
+            <a:r>
+              <a:rPr lang="fr-FR" dirty="0" err="1" smtClean="0"/>
+              <a:t>xt</a:t>
+            </a:r>
+            <a:r>
+              <a:rPr lang="fr-FR" dirty="0" smtClean="0"/>
+              <a:t>/zoom</a:t>
+            </a:r>
+          </a:p>
+          <a:p>
+            <a:r>
+              <a:rPr lang="fr-FR" dirty="0" err="1" smtClean="0"/>
+              <a:t>xa</a:t>
+            </a:r>
+            <a:r>
+              <a:rPr lang="fr-FR" dirty="0" smtClean="0"/>
+              <a:t> = (</a:t>
+            </a:r>
+            <a:r>
+              <a:rPr lang="fr-FR" dirty="0" err="1" smtClean="0"/>
+              <a:t>xm-width</a:t>
+            </a:r>
+            <a:r>
+              <a:rPr lang="fr-FR" dirty="0" smtClean="0"/>
+              <a:t>/2)/zoom</a:t>
+            </a:r>
+          </a:p>
+          <a:p>
+            <a:r>
+              <a:rPr lang="fr-FR" dirty="0" smtClean="0"/>
+              <a:t>x = </a:t>
+            </a:r>
+            <a:r>
+              <a:rPr lang="fr-FR" dirty="0" err="1" smtClean="0"/>
+              <a:t>xa</a:t>
+            </a:r>
+            <a:r>
+              <a:rPr lang="fr-FR" dirty="0"/>
+              <a:t>+</a:t>
+            </a:r>
+            <a:r>
+              <a:rPr lang="fr-FR" dirty="0" smtClean="0"/>
+              <a:t>(</a:t>
+            </a:r>
+            <a:r>
+              <a:rPr lang="fr-FR" dirty="0" err="1" smtClean="0"/>
+              <a:t>xmax+xmin</a:t>
+            </a:r>
+            <a:r>
+              <a:rPr lang="fr-FR" dirty="0" smtClean="0"/>
+              <a:t>)/2</a:t>
+            </a:r>
+          </a:p>
+        </p:txBody>
+      </p:sp>
+      <p:sp>
+        <p:nvSpPr>
+          <p:cNvPr id="33" name="ZoneTexte 32"/>
+          <p:cNvSpPr txBox="1"/>
+          <p:nvPr/>
+        </p:nvSpPr>
+        <p:spPr>
+          <a:xfrm>
+            <a:off x="209440" y="280333"/>
+            <a:ext cx="6833362" cy="369332"/>
+          </a:xfrm>
+          <a:prstGeom prst="rect">
+            <a:avLst/>
+          </a:prstGeom>
+          <a:noFill/>
+        </p:spPr>
+        <p:txBody>
+          <a:bodyPr wrap="square" rtlCol="0">
+            <a:spAutoFit/>
+          </a:bodyPr>
+          <a:lstStyle/>
+          <a:p>
+            <a:r>
+              <a:rPr lang="fr-FR" dirty="0"/>
+              <a:t>g2.translate(-(</a:t>
+            </a:r>
+            <a:r>
+              <a:rPr lang="fr-FR" dirty="0" err="1"/>
+              <a:t>xmax+xmin</a:t>
+            </a:r>
+            <a:r>
+              <a:rPr lang="fr-FR" dirty="0"/>
+              <a:t>)/2, -(</a:t>
+            </a:r>
+            <a:r>
+              <a:rPr lang="fr-FR" dirty="0" err="1"/>
+              <a:t>ymax+ymin</a:t>
+            </a:r>
+            <a:r>
+              <a:rPr lang="fr-FR" dirty="0"/>
+              <a:t>)/2);</a:t>
+            </a:r>
+          </a:p>
+        </p:txBody>
+      </p:sp>
+      <mc:AlternateContent xmlns:mc="http://schemas.openxmlformats.org/markup-compatibility/2006" xmlns:a14="http://schemas.microsoft.com/office/drawing/2010/main">
+        <mc:Choice Requires="a14">
+          <p:sp>
+            <p:nvSpPr>
+              <p:cNvPr id="22" name="ZoneTexte 21"/>
+              <p:cNvSpPr txBox="1"/>
+              <p:nvPr/>
+            </p:nvSpPr>
+            <p:spPr>
+              <a:xfrm>
+                <a:off x="5657231" y="5364317"/>
+                <a:ext cx="3292568" cy="566758"/>
+              </a:xfrm>
+              <a:prstGeom prst="rect">
+                <a:avLst/>
+              </a:prstGeom>
+              <a:noFill/>
+            </p:spPr>
+            <p:txBody>
+              <a:bodyPr wrap="none" rtlCol="0">
+                <a:spAutoFit/>
+              </a:bodyPr>
+              <a:lstStyle/>
+              <a:p>
+                <a:pPr/>
+                <a14:m>
+                  <m:oMathPara xmlns:m="http://schemas.openxmlformats.org/officeDocument/2006/math">
+                    <m:oMathParaPr>
+                      <m:jc m:val="centerGroup"/>
+                    </m:oMathParaPr>
+                    <m:oMath xmlns:m="http://schemas.openxmlformats.org/officeDocument/2006/math">
+                      <m:r>
+                        <a:rPr lang="fr-FR" i="1" smtClean="0">
+                          <a:latin typeface="Cambria Math"/>
+                        </a:rPr>
+                        <m:t>𝑥</m:t>
+                      </m:r>
+                      <m:r>
+                        <a:rPr lang="fr-FR" i="1" smtClean="0">
+                          <a:latin typeface="Cambria Math"/>
+                        </a:rPr>
+                        <m:t> =</m:t>
+                      </m:r>
+                      <m:f>
+                        <m:fPr>
+                          <m:ctrlPr>
+                            <a:rPr lang="fr-FR" i="1">
+                              <a:latin typeface="Cambria Math"/>
+                            </a:rPr>
+                          </m:ctrlPr>
+                        </m:fPr>
+                        <m:num>
+                          <m:r>
+                            <a:rPr lang="fr-FR" i="1">
+                              <a:latin typeface="Cambria Math"/>
+                            </a:rPr>
+                            <m:t>𝑥𝑚</m:t>
+                          </m:r>
+                        </m:num>
+                        <m:den>
+                          <m:r>
+                            <a:rPr lang="fr-FR" i="1">
+                              <a:latin typeface="Cambria Math"/>
+                            </a:rPr>
+                            <m:t>𝑧𝑜𝑜𝑚</m:t>
+                          </m:r>
+                        </m:den>
+                      </m:f>
+                      <m:r>
+                        <a:rPr lang="fr-FR" i="1">
+                          <a:latin typeface="Cambria Math"/>
+                        </a:rPr>
+                        <m:t>+ </m:t>
+                      </m:r>
+                      <m:r>
+                        <a:rPr lang="fr-FR" i="1">
+                          <a:latin typeface="Cambria Math"/>
+                        </a:rPr>
+                        <m:t>𝑥𝑚𝑖𝑛</m:t>
+                      </m:r>
+                      <m:r>
+                        <a:rPr lang="fr-FR" i="1">
+                          <a:latin typeface="Cambria Math"/>
+                        </a:rPr>
+                        <m:t> − </m:t>
+                      </m:r>
+                      <m:r>
+                        <a:rPr lang="fr-FR" i="1">
+                          <a:latin typeface="Cambria Math"/>
+                        </a:rPr>
+                        <m:t>𝑚𝑎𝑟𝑔𝑖𝑛</m:t>
+                      </m:r>
+                    </m:oMath>
+                  </m:oMathPara>
+                </a14:m>
+                <a:endParaRPr/>
+              </a:p>
+            </p:txBody>
+          </p:sp>
+        </mc:Choice>
+        <mc:Fallback xmlns="">
+          <p:sp>
+            <p:nvSpPr>
+              <p:cNvPr id="22" name="ZoneTexte 21"/>
+              <p:cNvSpPr txBox="1">
+                <a:spLocks noRot="1" noChangeAspect="1" noMove="1" noResize="1" noEditPoints="1" noAdjustHandles="1" noChangeArrowheads="1" noChangeShapeType="1" noTextEdit="1"/>
+              </p:cNvSpPr>
+              <p:nvPr/>
+            </p:nvSpPr>
+            <p:spPr>
+              <a:xfrm>
+                <a:off x="5657231" y="5364317"/>
+                <a:ext cx="3292568" cy="566758"/>
+              </a:xfrm>
+              <a:prstGeom prst="rect">
+                <a:avLst/>
+              </a:prstGeom>
+              <a:blipFill rotWithShape="1">
+                <a:blip r:embed="rId2"/>
+                <a:stretch>
+                  <a:fillRect/>
+                </a:stretch>
+              </a:blipFill>
+            </p:spPr>
+            <p:txBody>
+              <a:bodyPr/>
+              <a:lstStyle/>
+              <a:p>
+                <a:r>
+                  <a:rPr lang="fr-FR">
+                    <a:noFill/>
+                  </a:rPr>
+                  <a:t> </a:t>
+                </a:r>
+              </a:p>
+            </p:txBody>
+          </p:sp>
+        </mc:Fallback>
+      </mc:AlternateContent>
+    </p:spTree>
+    <p:extLst>
+      <p:ext uri="{BB962C8B-B14F-4D97-AF65-F5344CB8AC3E}">
+        <p14:creationId xmlns:p14="http://schemas.microsoft.com/office/powerpoint/2010/main" val="1524363906"/>
+      </p:ext>
+    </p:extLst>
+  </p:cSld>
+  <p:clrMapOvr>
+    <a:masterClrMapping/>
+  </p:clrMapOvr>
+</p:sld>
+</file>
+
+<file path=ppt/slides/slide23.xml><?xml version="1.0" encoding="utf-8"?>
+<p:sld xmlns:a="http://schemas.openxmlformats.org/drawingml/2006/main" xmlns:r="http://schemas.openxmlformats.org/officeDocument/2006/relationships" xmlns:p="http://schemas.openxmlformats.org/presentationml/2006/main">
+  <p:cSld>
+    <p:spTree>
+      <p:nvGrpSpPr>
+        <p:cNvPr id="1" name=""/>
+        <p:cNvGrpSpPr/>
+        <p:nvPr/>
+      </p:nvGrpSpPr>
+      <p:grpSpPr>
+        <a:xfrm>
+          <a:off x="0" y="0"/>
+          <a:ext cx="0" cy="0"/>
+          <a:chOff x="0" y="0"/>
+          <a:chExt cx="0" cy="0"/>
+        </a:xfrm>
+      </p:grpSpPr>
+      <p:pic>
+        <p:nvPicPr>
+          <p:cNvPr id="1026" name="Picture 2"/>
+          <p:cNvPicPr>
+            <a:picLocks noGrp="1" noChangeAspect="1" noChangeArrowheads="1"/>
+          </p:cNvPicPr>
+          <p:nvPr>
+            <p:ph idx="1"/>
+          </p:nvPr>
+        </p:nvPicPr>
+        <p:blipFill>
+          <a:blip r:embed="rId2">
+            <a:extLst>
+              <a:ext uri="{28A0092B-C50C-407E-A947-70E740481C1C}">
+                <a14:useLocalDpi xmlns:a14="http://schemas.microsoft.com/office/drawing/2010/main" val="0"/>
+              </a:ext>
+            </a:extLst>
+          </a:blip>
+          <a:srcRect/>
+          <a:stretch>
+            <a:fillRect/>
+          </a:stretch>
+        </p:blipFill>
+        <p:spPr bwMode="auto">
+          <a:xfrm>
+            <a:off x="971600" y="1124744"/>
+            <a:ext cx="7052494" cy="4523804"/>
+          </a:xfrm>
+          <a:prstGeom prst="rect">
+            <a:avLst/>
+          </a:prstGeom>
+          <a:noFill/>
+          <a:ln>
+            <a:noFill/>
+          </a:ln>
+          <a:extLst>
+            <a:ext uri="{909E8E84-426E-40DD-AFC4-6F175D3DCCD1}">
+              <a14:hiddenFill xmlns:a14="http://schemas.microsoft.com/office/drawing/2010/main">
+                <a:solidFill>
+                  <a:schemeClr val="accent1"/>
+                </a:solidFill>
+              </a14:hiddenFill>
+            </a:ext>
+            <a:ext uri="{91240B29-F687-4F45-9708-019B960494DF}">
+              <a14:hiddenLine xmlns:a14="http://schemas.microsoft.com/office/drawing/2010/main" w="9525">
+                <a:solidFill>
+                  <a:schemeClr val="tx1"/>
+                </a:solidFill>
+                <a:miter lim="800000"/>
+                <a:headEnd/>
+                <a:tailEnd/>
+              </a14:hiddenLine>
+            </a:ext>
+          </a:extLst>
+        </p:spPr>
+      </p:pic>
+    </p:spTree>
+    <p:extLst>
+      <p:ext uri="{BB962C8B-B14F-4D97-AF65-F5344CB8AC3E}">
+        <p14:creationId xmlns:p14="http://schemas.microsoft.com/office/powerpoint/2010/main" val="229610067"/>
       </p:ext>
     </p:extLst>
   </p:cSld>

--- a/prog_help/EnthalpyDraw.pptx
+++ b/prog_help/EnthalpyDraw.pptx
@@ -310,7 +310,7 @@
           <a:p>
             <a:fld id="{42968C2D-30BC-42AA-92C6-446775E33AE6}" type="datetimeFigureOut">
               <a:rPr lang="fr-FR" smtClean="0"/>
-              <a:t>17/12/2016</a:t>
+              <a:t>18/12/2016</a:t>
             </a:fld>
             <a:endParaRPr lang="fr-FR"/>
           </a:p>
@@ -480,7 +480,7 @@
           <a:p>
             <a:fld id="{42968C2D-30BC-42AA-92C6-446775E33AE6}" type="datetimeFigureOut">
               <a:rPr lang="fr-FR" smtClean="0"/>
-              <a:t>17/12/2016</a:t>
+              <a:t>18/12/2016</a:t>
             </a:fld>
             <a:endParaRPr lang="fr-FR"/>
           </a:p>
@@ -660,7 +660,7 @@
           <a:p>
             <a:fld id="{42968C2D-30BC-42AA-92C6-446775E33AE6}" type="datetimeFigureOut">
               <a:rPr lang="fr-FR" smtClean="0"/>
-              <a:t>17/12/2016</a:t>
+              <a:t>18/12/2016</a:t>
             </a:fld>
             <a:endParaRPr lang="fr-FR"/>
           </a:p>
@@ -830,7 +830,7 @@
           <a:p>
             <a:fld id="{42968C2D-30BC-42AA-92C6-446775E33AE6}" type="datetimeFigureOut">
               <a:rPr lang="fr-FR" smtClean="0"/>
-              <a:t>17/12/2016</a:t>
+              <a:t>18/12/2016</a:t>
             </a:fld>
             <a:endParaRPr lang="fr-FR"/>
           </a:p>
@@ -1076,7 +1076,7 @@
           <a:p>
             <a:fld id="{42968C2D-30BC-42AA-92C6-446775E33AE6}" type="datetimeFigureOut">
               <a:rPr lang="fr-FR" smtClean="0"/>
-              <a:t>17/12/2016</a:t>
+              <a:t>18/12/2016</a:t>
             </a:fld>
             <a:endParaRPr lang="fr-FR"/>
           </a:p>
@@ -1364,7 +1364,7 @@
           <a:p>
             <a:fld id="{42968C2D-30BC-42AA-92C6-446775E33AE6}" type="datetimeFigureOut">
               <a:rPr lang="fr-FR" smtClean="0"/>
-              <a:t>17/12/2016</a:t>
+              <a:t>18/12/2016</a:t>
             </a:fld>
             <a:endParaRPr lang="fr-FR"/>
           </a:p>
@@ -1786,7 +1786,7 @@
           <a:p>
             <a:fld id="{42968C2D-30BC-42AA-92C6-446775E33AE6}" type="datetimeFigureOut">
               <a:rPr lang="fr-FR" smtClean="0"/>
-              <a:t>17/12/2016</a:t>
+              <a:t>18/12/2016</a:t>
             </a:fld>
             <a:endParaRPr lang="fr-FR"/>
           </a:p>
@@ -1904,7 +1904,7 @@
           <a:p>
             <a:fld id="{42968C2D-30BC-42AA-92C6-446775E33AE6}" type="datetimeFigureOut">
               <a:rPr lang="fr-FR" smtClean="0"/>
-              <a:t>17/12/2016</a:t>
+              <a:t>18/12/2016</a:t>
             </a:fld>
             <a:endParaRPr lang="fr-FR"/>
           </a:p>
@@ -1999,7 +1999,7 @@
           <a:p>
             <a:fld id="{42968C2D-30BC-42AA-92C6-446775E33AE6}" type="datetimeFigureOut">
               <a:rPr lang="fr-FR" smtClean="0"/>
-              <a:t>17/12/2016</a:t>
+              <a:t>18/12/2016</a:t>
             </a:fld>
             <a:endParaRPr lang="fr-FR"/>
           </a:p>
@@ -2276,7 +2276,7 @@
           <a:p>
             <a:fld id="{42968C2D-30BC-42AA-92C6-446775E33AE6}" type="datetimeFigureOut">
               <a:rPr lang="fr-FR" smtClean="0"/>
-              <a:t>17/12/2016</a:t>
+              <a:t>18/12/2016</a:t>
             </a:fld>
             <a:endParaRPr lang="fr-FR"/>
           </a:p>
@@ -2529,7 +2529,7 @@
           <a:p>
             <a:fld id="{42968C2D-30BC-42AA-92C6-446775E33AE6}" type="datetimeFigureOut">
               <a:rPr lang="fr-FR" smtClean="0"/>
-              <a:t>17/12/2016</a:t>
+              <a:t>18/12/2016</a:t>
             </a:fld>
             <a:endParaRPr lang="fr-FR"/>
           </a:p>
@@ -2742,7 +2742,7 @@
           <a:p>
             <a:fld id="{42968C2D-30BC-42AA-92C6-446775E33AE6}" type="datetimeFigureOut">
               <a:rPr lang="fr-FR" smtClean="0"/>
-              <a:t>17/12/2016</a:t>
+              <a:t>18/12/2016</a:t>
             </a:fld>
             <a:endParaRPr lang="fr-FR"/>
           </a:p>
@@ -10021,7 +10021,6 @@
               <a:rPr lang="fr-FR" dirty="0" smtClean="0"/>
               <a:t>/zoom</a:t>
             </a:r>
-            <a:endParaRPr lang="fr-FR" dirty="0" smtClean="0"/>
           </a:p>
         </p:txBody>
       </p:sp>
@@ -11735,11 +11734,7 @@
           <a:p>
             <a:r>
               <a:rPr lang="fr-FR" dirty="0" smtClean="0"/>
-              <a:t>x </a:t>
-            </a:r>
-            <a:r>
-              <a:rPr lang="fr-FR" dirty="0" smtClean="0"/>
-              <a:t>= </a:t>
+              <a:t>x = </a:t>
             </a:r>
             <a:r>
               <a:rPr lang="fr-FR" dirty="0" err="1" smtClean="0"/>
